--- a/public/pitchSlides.pptx
+++ b/public/pitchSlides.pptx
@@ -8,6 +8,15 @@
     <p:sldId id="256" r:id="rId3"/>
     <p:sldId id="257" r:id="rId4"/>
     <p:sldId id="258" r:id="rId5"/>
+    <p:sldId id="259" r:id="rId6"/>
+    <p:sldId id="260" r:id="rId7"/>
+    <p:sldId id="261" r:id="rId8"/>
+    <p:sldId id="262" r:id="rId9"/>
+    <p:sldId id="263" r:id="rId10"/>
+    <p:sldId id="264" r:id="rId11"/>
+    <p:sldId id="265" r:id="rId12"/>
+    <p:sldId id="266" r:id="rId13"/>
+    <p:sldId id="267" r:id="rId14"/>
   </p:sldIdLst>
   <p:sldSz cx="10080625" cy="7559675"/>
   <p:notesSz cx="7772400" cy="10058400"/>
@@ -1948,7 +1957,7 @@
           <a:bodyPr lIns="0" rIns="0" tIns="0" bIns="0"/>
           <a:p>
             <a:pPr algn="r"/>
-            <a:fld id="{BAAF6638-B3CA-4114-B53C-B2858EB9B41E}" type="slidenum">
+            <a:fld id="{EBFF1B84-9352-4A3A-9BA9-D86A8EB3FF27}" type="slidenum">
               <a:rPr b="0" lang="en-US" sz="1400" spc="-1" strike="noStrike">
                 <a:solidFill>
                   <a:srgbClr val="000000"/>
@@ -2021,8 +2030,8 @@
         </p:nvSpPr>
         <p:spPr>
           <a:xfrm>
-            <a:off x="504000" y="301320"/>
-            <a:ext cx="9071640" cy="1262160"/>
+            <a:off x="0" y="4256280"/>
+            <a:ext cx="10080000" cy="1976040"/>
           </a:xfrm>
           <a:prstGeom prst="rect">
             <a:avLst/>
@@ -2036,7 +2045,105 @@
           <a:bodyPr lIns="0" rIns="0" tIns="0" bIns="0" anchor="ctr"/>
           <a:p>
             <a:pPr algn="ctr"/>
-            <a:endParaRPr b="0" lang="en-US" sz="4400" spc="-1" strike="noStrike">
+            <a:r>
+              <a:rPr b="0" lang="en-US" sz="3200" spc="-1" strike="noStrike">
+                <a:solidFill>
+                  <a:srgbClr val="3c2154"/>
+                </a:solidFill>
+                <a:uFill>
+                  <a:solidFill>
+                    <a:srgbClr val="ffffff"/>
+                  </a:solidFill>
+                </a:uFill>
+                <a:latin typeface="Verdana"/>
+              </a:rPr>
+              <a:t>CrowdFunding, </a:t>
+            </a:r>
+            <a:r>
+              <a:rPr b="0" lang="en-US" sz="3200" spc="-1" strike="noStrike">
+                <a:solidFill>
+                  <a:srgbClr val="3c2154"/>
+                </a:solidFill>
+                <a:uFill>
+                  <a:solidFill>
+                    <a:srgbClr val="ffffff"/>
+                  </a:solidFill>
+                </a:uFill>
+                <a:latin typeface="Verdana"/>
+              </a:rPr>
+              <a:t>CrowdSelling, </a:t>
+            </a:r>
+            <a:r>
+              <a:rPr b="0" lang="en-US" sz="3200" spc="-1" strike="noStrike">
+                <a:solidFill>
+                  <a:srgbClr val="3c2154"/>
+                </a:solidFill>
+                <a:uFill>
+                  <a:solidFill>
+                    <a:srgbClr val="ffffff"/>
+                  </a:solidFill>
+                </a:uFill>
+                <a:latin typeface="Verdana"/>
+              </a:rPr>
+              <a:t>CrowdEngagement</a:t>
+            </a:r>
+            <a:endParaRPr b="0" lang="en-US" sz="3200" spc="-1" strike="noStrike">
+              <a:solidFill>
+                <a:srgbClr val="000000"/>
+              </a:solidFill>
+              <a:uFill>
+                <a:solidFill>
+                  <a:srgbClr val="ffffff"/>
+                </a:solidFill>
+              </a:uFill>
+              <a:latin typeface="Arial"/>
+            </a:endParaRPr>
+          </a:p>
+          <a:p>
+            <a:pPr algn="ctr"/>
+            <a:endParaRPr b="0" lang="en-US" sz="3200" spc="-1" strike="noStrike">
+              <a:solidFill>
+                <a:srgbClr val="000000"/>
+              </a:solidFill>
+              <a:uFill>
+                <a:solidFill>
+                  <a:srgbClr val="ffffff"/>
+                </a:solidFill>
+              </a:uFill>
+              <a:latin typeface="Arial"/>
+            </a:endParaRPr>
+          </a:p>
+          <a:p>
+            <a:pPr algn="ctr"/>
+            <a:r>
+              <a:rPr b="0" lang="en-US" sz="3200" spc="-1" strike="noStrike">
+                <a:solidFill>
+                  <a:srgbClr val="3c2154"/>
+                </a:solidFill>
+                <a:uFill>
+                  <a:solidFill>
+                    <a:srgbClr val="ffffff"/>
+                  </a:solidFill>
+                </a:uFill>
+                <a:latin typeface="Verdana"/>
+              </a:rPr>
+              <a:t>For AUTHORS &amp; </a:t>
+            </a:r>
+            <a:r>
+              <a:rPr b="0" lang="en-US" sz="3200" spc="-1" strike="noStrike">
+                <a:solidFill>
+                  <a:srgbClr val="3c2154"/>
+                </a:solidFill>
+                <a:uFill>
+                  <a:solidFill>
+                    <a:srgbClr val="ffffff"/>
+                  </a:solidFill>
+                </a:uFill>
+                <a:latin typeface="Verdana"/>
+              </a:rPr>
+              <a:t>FILMMAKERS</a:t>
+            </a:r>
+            <a:endParaRPr b="0" lang="en-US" sz="3200" spc="-1" strike="noStrike">
               <a:solidFill>
                 <a:srgbClr val="000000"/>
               </a:solidFill>
@@ -2050,43 +2157,29 @@
           </a:p>
         </p:txBody>
       </p:sp>
-      <p:sp>
-        <p:nvSpPr>
-          <p:cNvPr id="40" name="TextShape 2"/>
-          <p:cNvSpPr txBox="1"/>
+      <p:pic>
+        <p:nvPicPr>
+          <p:cNvPr id="40" name="" descr=""/>
+          <p:cNvPicPr/>
           <p:nvPr/>
-        </p:nvSpPr>
-        <p:spPr>
-          <a:xfrm>
-            <a:off x="504000" y="1769040"/>
-            <a:ext cx="9071640" cy="4384440"/>
-          </a:xfrm>
-          <a:prstGeom prst="rect">
-            <a:avLst/>
-          </a:prstGeom>
-          <a:noFill/>
+        </p:nvPicPr>
+        <p:blipFill>
+          <a:blip r:embed="rId1"/>
+          <a:stretch/>
+        </p:blipFill>
+        <p:spPr>
+          <a:xfrm>
+            <a:off x="3770280" y="822960"/>
+            <a:ext cx="2539080" cy="2539080"/>
+          </a:xfrm>
+          <a:prstGeom prst="rect">
+            <a:avLst/>
+          </a:prstGeom>
           <a:ln>
             <a:noFill/>
           </a:ln>
         </p:spPr>
-        <p:txBody>
-          <a:bodyPr lIns="0" rIns="0" tIns="0" bIns="0" anchor="ctr"/>
-          <a:p>
-            <a:pPr algn="ctr"/>
-            <a:endParaRPr b="0" lang="en-US" sz="3200" spc="-1" strike="noStrike">
-              <a:solidFill>
-                <a:srgbClr val="000000"/>
-              </a:solidFill>
-              <a:uFill>
-                <a:solidFill>
-                  <a:srgbClr val="ffffff"/>
-                </a:solidFill>
-              </a:uFill>
-              <a:latin typeface="Arial"/>
-            </a:endParaRPr>
-          </a:p>
-        </p:txBody>
-      </p:sp>
+      </p:pic>
     </p:spTree>
   </p:cSld>
   <p:timing>
@@ -2096,6 +2189,968 @@
           <p:childTnLst>
             <p:seq>
               <p:cTn id="2" nodeType="mainSeq"/>
+              <p:prevCondLst>
+                <p:cond delay="0" evt="onPrev">
+                  <p:tgtEl>
+                    <p:sldTgt/>
+                  </p:tgtEl>
+                </p:cond>
+              </p:prevCondLst>
+              <p:nextCondLst>
+                <p:cond delay="0" evt="onNext">
+                  <p:tgtEl>
+                    <p:sldTgt/>
+                  </p:tgtEl>
+                </p:cond>
+              </p:nextCondLst>
+            </p:seq>
+          </p:childTnLst>
+        </p:cTn>
+      </p:par>
+    </p:tnLst>
+  </p:timing>
+</p:sld>
+</file>
+
+<file path=ppt/slides/slide10.xml><?xml version="1.0" encoding="utf-8"?>
+<p:sld xmlns:a="http://schemas.openxmlformats.org/drawingml/2006/main" xmlns:p="http://schemas.openxmlformats.org/presentationml/2006/main" xmlns:r="http://schemas.openxmlformats.org/officeDocument/2006/relationships" xmlns:p14="http://schemas.microsoft.com/office/powerpoint/2010/main" xmlns:p15="http://schemas.microsoft.com/office/powerpoint/2012/main" xmlns:mc="http://schemas.openxmlformats.org/markup-compatibility/2006">
+  <p:cSld>
+    <p:spTree>
+      <p:nvGrpSpPr>
+        <p:cNvPr id="1" name=""/>
+        <p:cNvGrpSpPr/>
+        <p:nvPr/>
+      </p:nvGrpSpPr>
+      <p:grpSpPr>
+        <a:xfrm>
+          <a:off x="0" y="0"/>
+          <a:ext cx="0" cy="0"/>
+          <a:chOff x="0" y="0"/>
+          <a:chExt cx="0" cy="0"/>
+        </a:xfrm>
+      </p:grpSpPr>
+      <p:sp>
+        <p:nvSpPr>
+          <p:cNvPr id="73" name="TextShape 1"/>
+          <p:cNvSpPr txBox="1"/>
+          <p:nvPr/>
+        </p:nvSpPr>
+        <p:spPr>
+          <a:xfrm>
+            <a:off x="504000" y="301320"/>
+            <a:ext cx="7817040" cy="887400"/>
+          </a:xfrm>
+          <a:prstGeom prst="rect">
+            <a:avLst/>
+          </a:prstGeom>
+          <a:noFill/>
+          <a:ln>
+            <a:noFill/>
+          </a:ln>
+        </p:spPr>
+        <p:txBody>
+          <a:bodyPr lIns="0" rIns="0" tIns="0" bIns="0" anchor="ctr"/>
+          <a:p>
+            <a:r>
+              <a:rPr b="1" lang="en-US" sz="4400" spc="-1" strike="noStrike">
+                <a:solidFill>
+                  <a:srgbClr val="3c2154"/>
+                </a:solidFill>
+                <a:uFill>
+                  <a:solidFill>
+                    <a:srgbClr val="ffffff"/>
+                  </a:solidFill>
+                </a:uFill>
+                <a:latin typeface="Verdana"/>
+              </a:rPr>
+              <a:t>Competition</a:t>
+            </a:r>
+            <a:endParaRPr b="1" lang="en-US" sz="4400" spc="-1" strike="noStrike">
+              <a:solidFill>
+                <a:srgbClr val="3c2154"/>
+              </a:solidFill>
+              <a:uFill>
+                <a:solidFill>
+                  <a:srgbClr val="ffffff"/>
+                </a:solidFill>
+              </a:uFill>
+              <a:latin typeface="Verdana"/>
+            </a:endParaRPr>
+          </a:p>
+        </p:txBody>
+      </p:sp>
+      <p:pic>
+        <p:nvPicPr>
+          <p:cNvPr id="74" name="" descr=""/>
+          <p:cNvPicPr/>
+          <p:nvPr/>
+        </p:nvPicPr>
+        <p:blipFill>
+          <a:blip r:embed="rId1"/>
+          <a:stretch/>
+        </p:blipFill>
+        <p:spPr>
+          <a:xfrm>
+            <a:off x="3011760" y="1371600"/>
+            <a:ext cx="6132240" cy="753840"/>
+          </a:xfrm>
+          <a:prstGeom prst="rect">
+            <a:avLst/>
+          </a:prstGeom>
+          <a:ln>
+            <a:noFill/>
+          </a:ln>
+        </p:spPr>
+      </p:pic>
+      <p:pic>
+        <p:nvPicPr>
+          <p:cNvPr id="75" name="" descr=""/>
+          <p:cNvPicPr/>
+          <p:nvPr/>
+        </p:nvPicPr>
+        <p:blipFill>
+          <a:blip r:embed="rId2"/>
+          <a:stretch/>
+        </p:blipFill>
+        <p:spPr>
+          <a:xfrm>
+            <a:off x="3017520" y="4075560"/>
+            <a:ext cx="4480560" cy="1868040"/>
+          </a:xfrm>
+          <a:prstGeom prst="rect">
+            <a:avLst/>
+          </a:prstGeom>
+          <a:ln>
+            <a:noFill/>
+          </a:ln>
+        </p:spPr>
+      </p:pic>
+      <p:pic>
+        <p:nvPicPr>
+          <p:cNvPr id="76" name="" descr=""/>
+          <p:cNvPicPr/>
+          <p:nvPr/>
+        </p:nvPicPr>
+        <p:blipFill>
+          <a:blip r:embed="rId3"/>
+          <a:stretch/>
+        </p:blipFill>
+        <p:spPr>
+          <a:xfrm>
+            <a:off x="-12240" y="2103480"/>
+            <a:ext cx="4309920" cy="2262600"/>
+          </a:xfrm>
+          <a:prstGeom prst="rect">
+            <a:avLst/>
+          </a:prstGeom>
+          <a:ln>
+            <a:noFill/>
+          </a:ln>
+        </p:spPr>
+      </p:pic>
+      <p:pic>
+        <p:nvPicPr>
+          <p:cNvPr id="77" name="" descr=""/>
+          <p:cNvPicPr/>
+          <p:nvPr/>
+        </p:nvPicPr>
+        <p:blipFill>
+          <a:blip r:embed="rId4"/>
+          <a:stretch/>
+        </p:blipFill>
+        <p:spPr>
+          <a:xfrm>
+            <a:off x="6218280" y="2651760"/>
+            <a:ext cx="3152520" cy="1523520"/>
+          </a:xfrm>
+          <a:prstGeom prst="rect">
+            <a:avLst/>
+          </a:prstGeom>
+          <a:ln>
+            <a:noFill/>
+          </a:ln>
+        </p:spPr>
+      </p:pic>
+      <p:pic>
+        <p:nvPicPr>
+          <p:cNvPr id="78" name="" descr=""/>
+          <p:cNvPicPr/>
+          <p:nvPr/>
+        </p:nvPicPr>
+        <p:blipFill>
+          <a:blip r:embed="rId5"/>
+          <a:stretch/>
+        </p:blipFill>
+        <p:spPr>
+          <a:xfrm>
+            <a:off x="-91440" y="4419360"/>
+            <a:ext cx="4846320" cy="3230640"/>
+          </a:xfrm>
+          <a:prstGeom prst="rect">
+            <a:avLst/>
+          </a:prstGeom>
+          <a:ln>
+            <a:noFill/>
+          </a:ln>
+        </p:spPr>
+      </p:pic>
+      <p:pic>
+        <p:nvPicPr>
+          <p:cNvPr id="79" name="" descr=""/>
+          <p:cNvPicPr/>
+          <p:nvPr/>
+        </p:nvPicPr>
+        <p:blipFill>
+          <a:blip r:embed="rId6"/>
+          <a:stretch/>
+        </p:blipFill>
+        <p:spPr>
+          <a:xfrm>
+            <a:off x="6576480" y="5759280"/>
+            <a:ext cx="2476080" cy="1190160"/>
+          </a:xfrm>
+          <a:prstGeom prst="rect">
+            <a:avLst/>
+          </a:prstGeom>
+          <a:ln>
+            <a:noFill/>
+          </a:ln>
+        </p:spPr>
+      </p:pic>
+    </p:spTree>
+  </p:cSld>
+  <p:timing>
+    <p:tnLst>
+      <p:par>
+        <p:cTn id="19" dur="indefinite" restart="never" nodeType="tmRoot">
+          <p:childTnLst>
+            <p:seq>
+              <p:cTn id="20" nodeType="mainSeq"/>
+              <p:prevCondLst>
+                <p:cond delay="0" evt="onPrev">
+                  <p:tgtEl>
+                    <p:sldTgt/>
+                  </p:tgtEl>
+                </p:cond>
+              </p:prevCondLst>
+              <p:nextCondLst>
+                <p:cond delay="0" evt="onNext">
+                  <p:tgtEl>
+                    <p:sldTgt/>
+                  </p:tgtEl>
+                </p:cond>
+              </p:nextCondLst>
+            </p:seq>
+          </p:childTnLst>
+        </p:cTn>
+      </p:par>
+    </p:tnLst>
+  </p:timing>
+</p:sld>
+</file>
+
+<file path=ppt/slides/slide11.xml><?xml version="1.0" encoding="utf-8"?>
+<p:sld xmlns:a="http://schemas.openxmlformats.org/drawingml/2006/main" xmlns:p="http://schemas.openxmlformats.org/presentationml/2006/main" xmlns:r="http://schemas.openxmlformats.org/officeDocument/2006/relationships" xmlns:p14="http://schemas.microsoft.com/office/powerpoint/2010/main" xmlns:p15="http://schemas.microsoft.com/office/powerpoint/2012/main" xmlns:mc="http://schemas.openxmlformats.org/markup-compatibility/2006">
+  <p:cSld>
+    <p:spTree>
+      <p:nvGrpSpPr>
+        <p:cNvPr id="1" name=""/>
+        <p:cNvGrpSpPr/>
+        <p:nvPr/>
+      </p:nvGrpSpPr>
+      <p:grpSpPr>
+        <a:xfrm>
+          <a:off x="0" y="0"/>
+          <a:ext cx="0" cy="0"/>
+          <a:chOff x="0" y="0"/>
+          <a:chExt cx="0" cy="0"/>
+        </a:xfrm>
+      </p:grpSpPr>
+      <p:sp>
+        <p:nvSpPr>
+          <p:cNvPr id="80" name="TextShape 1"/>
+          <p:cNvSpPr txBox="1"/>
+          <p:nvPr/>
+        </p:nvSpPr>
+        <p:spPr>
+          <a:xfrm>
+            <a:off x="504000" y="301320"/>
+            <a:ext cx="7817040" cy="887400"/>
+          </a:xfrm>
+          <a:prstGeom prst="rect">
+            <a:avLst/>
+          </a:prstGeom>
+          <a:noFill/>
+          <a:ln>
+            <a:noFill/>
+          </a:ln>
+        </p:spPr>
+        <p:txBody>
+          <a:bodyPr lIns="0" rIns="0" tIns="0" bIns="0" anchor="ctr"/>
+          <a:p>
+            <a:r>
+              <a:rPr b="1" lang="en-US" sz="4400" spc="-1" strike="noStrike">
+                <a:solidFill>
+                  <a:srgbClr val="3c2154"/>
+                </a:solidFill>
+                <a:uFill>
+                  <a:solidFill>
+                    <a:srgbClr val="ffffff"/>
+                  </a:solidFill>
+                </a:uFill>
+                <a:latin typeface="Verdana"/>
+              </a:rPr>
+              <a:t>Competitive Advantage</a:t>
+            </a:r>
+            <a:endParaRPr b="1" lang="en-US" sz="4400" spc="-1" strike="noStrike">
+              <a:solidFill>
+                <a:srgbClr val="3c2154"/>
+              </a:solidFill>
+              <a:uFill>
+                <a:solidFill>
+                  <a:srgbClr val="ffffff"/>
+                </a:solidFill>
+              </a:uFill>
+              <a:latin typeface="Verdana"/>
+            </a:endParaRPr>
+          </a:p>
+        </p:txBody>
+      </p:sp>
+      <p:sp>
+        <p:nvSpPr>
+          <p:cNvPr id="81" name="TextShape 2"/>
+          <p:cNvSpPr txBox="1"/>
+          <p:nvPr/>
+        </p:nvSpPr>
+        <p:spPr>
+          <a:xfrm>
+            <a:off x="274320" y="1463040"/>
+            <a:ext cx="8869680" cy="5536440"/>
+          </a:xfrm>
+          <a:prstGeom prst="rect">
+            <a:avLst/>
+          </a:prstGeom>
+          <a:noFill/>
+          <a:ln>
+            <a:noFill/>
+          </a:ln>
+        </p:spPr>
+        <p:txBody>
+          <a:bodyPr lIns="0" rIns="0" tIns="0" bIns="0"/>
+          <a:p>
+            <a:r>
+              <a:rPr b="0" lang="en-US" sz="2200" spc="-1" strike="noStrike">
+                <a:solidFill>
+                  <a:srgbClr val="3c2154"/>
+                </a:solidFill>
+                <a:uFill>
+                  <a:solidFill>
+                    <a:srgbClr val="ffffff"/>
+                  </a:solidFill>
+                </a:uFill>
+                <a:latin typeface="Verdana"/>
+              </a:rPr>
+              <a:t>Authors’ organizations can do the marketing</a:t>
+            </a:r>
+            <a:endParaRPr b="0" lang="en-US" sz="2200" spc="-1" strike="noStrike">
+              <a:solidFill>
+                <a:srgbClr val="000000"/>
+              </a:solidFill>
+              <a:uFill>
+                <a:solidFill>
+                  <a:srgbClr val="ffffff"/>
+                </a:solidFill>
+              </a:uFill>
+              <a:latin typeface="Arial"/>
+            </a:endParaRPr>
+          </a:p>
+          <a:p>
+            <a:endParaRPr b="0" lang="en-US" sz="2200" spc="-1" strike="noStrike">
+              <a:solidFill>
+                <a:srgbClr val="000000"/>
+              </a:solidFill>
+              <a:uFill>
+                <a:solidFill>
+                  <a:srgbClr val="ffffff"/>
+                </a:solidFill>
+              </a:uFill>
+              <a:latin typeface="Arial"/>
+            </a:endParaRPr>
+          </a:p>
+          <a:p>
+            <a:r>
+              <a:rPr b="0" lang="en-US" sz="2200" spc="-1" strike="noStrike">
+                <a:solidFill>
+                  <a:srgbClr val="3c2154"/>
+                </a:solidFill>
+                <a:uFill>
+                  <a:solidFill>
+                    <a:srgbClr val="ffffff"/>
+                  </a:solidFill>
+                </a:uFill>
+                <a:latin typeface="Verdana"/>
+              </a:rPr>
+              <a:t>Authors earn revenue for many creative products </a:t>
+            </a:r>
+            <a:endParaRPr b="0" lang="en-US" sz="2200" spc="-1" strike="noStrike">
+              <a:solidFill>
+                <a:srgbClr val="000000"/>
+              </a:solidFill>
+              <a:uFill>
+                <a:solidFill>
+                  <a:srgbClr val="ffffff"/>
+                </a:solidFill>
+              </a:uFill>
+              <a:latin typeface="Arial"/>
+            </a:endParaRPr>
+          </a:p>
+          <a:p>
+            <a:endParaRPr b="0" lang="en-US" sz="2200" spc="-1" strike="noStrike">
+              <a:solidFill>
+                <a:srgbClr val="000000"/>
+              </a:solidFill>
+              <a:uFill>
+                <a:solidFill>
+                  <a:srgbClr val="ffffff"/>
+                </a:solidFill>
+              </a:uFill>
+              <a:latin typeface="Arial"/>
+            </a:endParaRPr>
+          </a:p>
+          <a:p>
+            <a:r>
+              <a:rPr b="0" lang="en-US" sz="2200" spc="-1" strike="noStrike">
+                <a:solidFill>
+                  <a:srgbClr val="3c2154"/>
+                </a:solidFill>
+                <a:uFill>
+                  <a:solidFill>
+                    <a:srgbClr val="ffffff"/>
+                  </a:solidFill>
+                </a:uFill>
+                <a:latin typeface="Verdana"/>
+              </a:rPr>
+              <a:t>Rather than offering one book only every year or two, authors offer something once a month </a:t>
+            </a:r>
+            <a:endParaRPr b="0" lang="en-US" sz="2200" spc="-1" strike="noStrike">
+              <a:solidFill>
+                <a:srgbClr val="000000"/>
+              </a:solidFill>
+              <a:uFill>
+                <a:solidFill>
+                  <a:srgbClr val="ffffff"/>
+                </a:solidFill>
+              </a:uFill>
+              <a:latin typeface="Arial"/>
+            </a:endParaRPr>
+          </a:p>
+          <a:p>
+            <a:endParaRPr b="0" lang="en-US" sz="2200" spc="-1" strike="noStrike">
+              <a:solidFill>
+                <a:srgbClr val="000000"/>
+              </a:solidFill>
+              <a:uFill>
+                <a:solidFill>
+                  <a:srgbClr val="ffffff"/>
+                </a:solidFill>
+              </a:uFill>
+              <a:latin typeface="Arial"/>
+            </a:endParaRPr>
+          </a:p>
+          <a:p>
+            <a:r>
+              <a:rPr b="0" lang="en-US" sz="2200" spc="-1" strike="noStrike">
+                <a:solidFill>
+                  <a:srgbClr val="3c2154"/>
+                </a:solidFill>
+                <a:uFill>
+                  <a:solidFill>
+                    <a:srgbClr val="ffffff"/>
+                  </a:solidFill>
+                </a:uFill>
+                <a:latin typeface="Verdana"/>
+              </a:rPr>
+              <a:t>CrowdPublish.TV acquires authors &amp; fans before book is complete – before they’re acquired by competition</a:t>
+            </a:r>
+            <a:endParaRPr b="0" lang="en-US" sz="2200" spc="-1" strike="noStrike">
+              <a:solidFill>
+                <a:srgbClr val="000000"/>
+              </a:solidFill>
+              <a:uFill>
+                <a:solidFill>
+                  <a:srgbClr val="ffffff"/>
+                </a:solidFill>
+              </a:uFill>
+              <a:latin typeface="Arial"/>
+            </a:endParaRPr>
+          </a:p>
+          <a:p>
+            <a:endParaRPr b="0" lang="en-US" sz="2200" spc="-1" strike="noStrike">
+              <a:solidFill>
+                <a:srgbClr val="000000"/>
+              </a:solidFill>
+              <a:uFill>
+                <a:solidFill>
+                  <a:srgbClr val="ffffff"/>
+                </a:solidFill>
+              </a:uFill>
+              <a:latin typeface="Arial"/>
+            </a:endParaRPr>
+          </a:p>
+          <a:p>
+            <a:r>
+              <a:rPr b="0" lang="en-US" sz="2200" spc="-1" strike="noStrike">
+                <a:solidFill>
+                  <a:srgbClr val="3c2154"/>
+                </a:solidFill>
+                <a:uFill>
+                  <a:solidFill>
+                    <a:srgbClr val="ffffff"/>
+                  </a:solidFill>
+                </a:uFill>
+                <a:latin typeface="Verdana"/>
+              </a:rPr>
+              <a:t>Instead of fans waiting months before getting rewards/perks authors offer something immediately available </a:t>
+            </a:r>
+            <a:endParaRPr b="0" lang="en-US" sz="2200" spc="-1" strike="noStrike">
+              <a:solidFill>
+                <a:srgbClr val="000000"/>
+              </a:solidFill>
+              <a:uFill>
+                <a:solidFill>
+                  <a:srgbClr val="ffffff"/>
+                </a:solidFill>
+              </a:uFill>
+              <a:latin typeface="Arial"/>
+            </a:endParaRPr>
+          </a:p>
+          <a:p>
+            <a:endParaRPr b="0" lang="en-US" sz="2200" spc="-1" strike="noStrike">
+              <a:solidFill>
+                <a:srgbClr val="000000"/>
+              </a:solidFill>
+              <a:uFill>
+                <a:solidFill>
+                  <a:srgbClr val="ffffff"/>
+                </a:solidFill>
+              </a:uFill>
+              <a:latin typeface="Arial"/>
+            </a:endParaRPr>
+          </a:p>
+        </p:txBody>
+      </p:sp>
+      <p:pic>
+        <p:nvPicPr>
+          <p:cNvPr id="82" name="" descr=""/>
+          <p:cNvPicPr/>
+          <p:nvPr/>
+        </p:nvPicPr>
+        <p:blipFill>
+          <a:blip r:embed="rId1"/>
+          <a:stretch/>
+        </p:blipFill>
+        <p:spPr>
+          <a:xfrm>
+            <a:off x="7513920" y="5502240"/>
+            <a:ext cx="1904400" cy="1904400"/>
+          </a:xfrm>
+          <a:prstGeom prst="rect">
+            <a:avLst/>
+          </a:prstGeom>
+          <a:ln>
+            <a:noFill/>
+          </a:ln>
+        </p:spPr>
+      </p:pic>
+    </p:spTree>
+  </p:cSld>
+  <p:timing>
+    <p:tnLst>
+      <p:par>
+        <p:cTn id="21" dur="indefinite" restart="never" nodeType="tmRoot">
+          <p:childTnLst>
+            <p:seq>
+              <p:cTn id="22" nodeType="mainSeq"/>
+              <p:prevCondLst>
+                <p:cond delay="0" evt="onPrev">
+                  <p:tgtEl>
+                    <p:sldTgt/>
+                  </p:tgtEl>
+                </p:cond>
+              </p:prevCondLst>
+              <p:nextCondLst>
+                <p:cond delay="0" evt="onNext">
+                  <p:tgtEl>
+                    <p:sldTgt/>
+                  </p:tgtEl>
+                </p:cond>
+              </p:nextCondLst>
+            </p:seq>
+          </p:childTnLst>
+        </p:cTn>
+      </p:par>
+    </p:tnLst>
+  </p:timing>
+</p:sld>
+</file>
+
+<file path=ppt/slides/slide12.xml><?xml version="1.0" encoding="utf-8"?>
+<p:sld xmlns:a="http://schemas.openxmlformats.org/drawingml/2006/main" xmlns:p="http://schemas.openxmlformats.org/presentationml/2006/main" xmlns:r="http://schemas.openxmlformats.org/officeDocument/2006/relationships" xmlns:p14="http://schemas.microsoft.com/office/powerpoint/2010/main" xmlns:p15="http://schemas.microsoft.com/office/powerpoint/2012/main" xmlns:mc="http://schemas.openxmlformats.org/markup-compatibility/2006">
+  <p:cSld>
+    <p:spTree>
+      <p:nvGrpSpPr>
+        <p:cNvPr id="1" name=""/>
+        <p:cNvGrpSpPr/>
+        <p:nvPr/>
+      </p:nvGrpSpPr>
+      <p:grpSpPr>
+        <a:xfrm>
+          <a:off x="0" y="0"/>
+          <a:ext cx="0" cy="0"/>
+          <a:chOff x="0" y="0"/>
+          <a:chExt cx="0" cy="0"/>
+        </a:xfrm>
+      </p:grpSpPr>
+      <p:sp>
+        <p:nvSpPr>
+          <p:cNvPr id="83" name="TextShape 1"/>
+          <p:cNvSpPr txBox="1"/>
+          <p:nvPr/>
+        </p:nvSpPr>
+        <p:spPr>
+          <a:xfrm>
+            <a:off x="91440" y="91440"/>
+            <a:ext cx="9988560" cy="7468560"/>
+          </a:xfrm>
+          <a:prstGeom prst="rect">
+            <a:avLst/>
+          </a:prstGeom>
+          <a:noFill/>
+          <a:ln>
+            <a:noFill/>
+          </a:ln>
+        </p:spPr>
+        <p:txBody>
+          <a:bodyPr lIns="0" rIns="0" tIns="0" bIns="0"/>
+          <a:p>
+            <a:r>
+              <a:rPr b="0" lang="en-US" sz="1200" spc="-1" strike="noStrike">
+                <a:solidFill>
+                  <a:srgbClr val="000000"/>
+                </a:solidFill>
+                <a:uFill>
+                  <a:solidFill>
+                    <a:srgbClr val="ffffff"/>
+                  </a:solidFill>
+                </a:uFill>
+                <a:latin typeface="Arial"/>
+              </a:rPr>
+              <a:t>Book authors are being undervalued by having their books sold for $2.99 and receiving only 40%. Authors and filmmakers can offer more than just ebooks and print books, movies. Authors and filmmakers should be able to receive financial compensation for special engagement and perks. Most places that sell author and filmmaker products only offer the books or movies themselves. They don’t sell the author. It’s time consuming to market books and films. Kickstarter campaigns are overwhelming.</a:t>
+            </a:r>
+            <a:endParaRPr b="0" lang="en-US" sz="1200" spc="-1" strike="noStrike">
+              <a:solidFill>
+                <a:srgbClr val="000000"/>
+              </a:solidFill>
+              <a:uFill>
+                <a:solidFill>
+                  <a:srgbClr val="ffffff"/>
+                </a:solidFill>
+              </a:uFill>
+              <a:latin typeface="Arial"/>
+            </a:endParaRPr>
+          </a:p>
+          <a:p>
+            <a:endParaRPr b="0" lang="en-US" sz="1200" spc="-1" strike="noStrike">
+              <a:solidFill>
+                <a:srgbClr val="000000"/>
+              </a:solidFill>
+              <a:uFill>
+                <a:solidFill>
+                  <a:srgbClr val="ffffff"/>
+                </a:solidFill>
+              </a:uFill>
+              <a:latin typeface="Arial"/>
+            </a:endParaRPr>
+          </a:p>
+          <a:p>
+            <a:r>
+              <a:rPr b="0" lang="en-US" sz="1200" spc="-1" strike="noStrike">
+                <a:solidFill>
+                  <a:srgbClr val="000000"/>
+                </a:solidFill>
+                <a:uFill>
+                  <a:solidFill>
+                    <a:srgbClr val="ffffff"/>
+                  </a:solidFill>
+                </a:uFill>
+                <a:latin typeface="Arial"/>
+              </a:rPr>
+              <a:t>1. Web platform where authors and filmmakers can sell anything they have such as personalized inspirational social media posts for fans, consulting, or skype into book club meetups. </a:t>
+            </a:r>
+            <a:endParaRPr b="0" lang="en-US" sz="1200" spc="-1" strike="noStrike">
+              <a:solidFill>
+                <a:srgbClr val="000000"/>
+              </a:solidFill>
+              <a:uFill>
+                <a:solidFill>
+                  <a:srgbClr val="ffffff"/>
+                </a:solidFill>
+              </a:uFill>
+              <a:latin typeface="Arial"/>
+            </a:endParaRPr>
+          </a:p>
+          <a:p>
+            <a:r>
+              <a:rPr b="0" lang="en-US" sz="1200" spc="-1" strike="noStrike">
+                <a:solidFill>
+                  <a:srgbClr val="000000"/>
+                </a:solidFill>
+                <a:uFill>
+                  <a:solidFill>
+                    <a:srgbClr val="ffffff"/>
+                  </a:solidFill>
+                </a:uFill>
+                <a:latin typeface="Arial"/>
+              </a:rPr>
+              <a:t>2. Organizations that have a stake in projects on the site receive a portion of the authors’ cut for recruiting their membership to support a project.</a:t>
+            </a:r>
+            <a:endParaRPr b="0" lang="en-US" sz="1200" spc="-1" strike="noStrike">
+              <a:solidFill>
+                <a:srgbClr val="000000"/>
+              </a:solidFill>
+              <a:uFill>
+                <a:solidFill>
+                  <a:srgbClr val="ffffff"/>
+                </a:solidFill>
+              </a:uFill>
+              <a:latin typeface="Arial"/>
+            </a:endParaRPr>
+          </a:p>
+          <a:p>
+            <a:r>
+              <a:rPr b="0" lang="en-US" sz="1200" spc="-1" strike="noStrike">
+                <a:solidFill>
+                  <a:srgbClr val="000000"/>
+                </a:solidFill>
+                <a:uFill>
+                  <a:solidFill>
+                    <a:srgbClr val="ffffff"/>
+                  </a:solidFill>
+                </a:uFill>
+                <a:latin typeface="Arial"/>
+              </a:rPr>
+              <a:t>3. Instead of one campaign per product, long-term projects are broken into phases, such as chapters or scenes. Projects can have many phases, or mini-campaigns, per product.</a:t>
+            </a:r>
+            <a:endParaRPr b="0" lang="en-US" sz="1200" spc="-1" strike="noStrike">
+              <a:solidFill>
+                <a:srgbClr val="000000"/>
+              </a:solidFill>
+              <a:uFill>
+                <a:solidFill>
+                  <a:srgbClr val="ffffff"/>
+                </a:solidFill>
+              </a:uFill>
+              <a:latin typeface="Arial"/>
+            </a:endParaRPr>
+          </a:p>
+          <a:p>
+            <a:r>
+              <a:rPr b="0" lang="en-US" sz="1200" spc="-1" strike="noStrike">
+                <a:solidFill>
+                  <a:srgbClr val="000000"/>
+                </a:solidFill>
+                <a:uFill>
+                  <a:solidFill>
+                    <a:srgbClr val="ffffff"/>
+                  </a:solidFill>
+                </a:uFill>
+                <a:latin typeface="Arial"/>
+              </a:rPr>
+              <a:t>This opens up a much larger revenue stream for authors and filmmakers to produce their work. This gives fans much more opportunity to interact with their favorite authors and filmmakers and the possibility for special access. Opportunity to offload some of the marketing work to enthusiastic organizations.</a:t>
+            </a:r>
+            <a:endParaRPr b="0" lang="en-US" sz="1200" spc="-1" strike="noStrike">
+              <a:solidFill>
+                <a:srgbClr val="000000"/>
+              </a:solidFill>
+              <a:uFill>
+                <a:solidFill>
+                  <a:srgbClr val="ffffff"/>
+                </a:solidFill>
+              </a:uFill>
+              <a:latin typeface="Arial"/>
+            </a:endParaRPr>
+          </a:p>
+          <a:p>
+            <a:endParaRPr b="0" lang="en-US" sz="1200" spc="-1" strike="noStrike">
+              <a:solidFill>
+                <a:srgbClr val="000000"/>
+              </a:solidFill>
+              <a:uFill>
+                <a:solidFill>
+                  <a:srgbClr val="ffffff"/>
+                </a:solidFill>
+              </a:uFill>
+              <a:latin typeface="Arial"/>
+            </a:endParaRPr>
+          </a:p>
+          <a:p>
+            <a:r>
+              <a:rPr b="0" lang="en-US" sz="1200" spc="-1" strike="noStrike">
+                <a:solidFill>
+                  <a:srgbClr val="000000"/>
+                </a:solidFill>
+                <a:uFill>
+                  <a:solidFill>
+                    <a:srgbClr val="ffffff"/>
+                  </a:solidFill>
+                </a:uFill>
+                <a:latin typeface="Arial"/>
+              </a:rPr>
+              <a:t>Different than kickstarter, indiegogo, or patreon because authors’ organizations can do the marketing for the authors and receive a portion of the proceeds. Different than Amazon because the author is the focus, not the books or movies. Authors and filmmakers can earn revenue for many creative products rather than offering their fans only one book every year or two, they offer something once a month. CrowdPublish.TV gets the fans before the product is complete, beating the publishers to the customers. Authors don’t have to wait until product is almost complete before creating campaign nor make fans wait months before getting rewards/perks; they can offer something every month.</a:t>
+            </a:r>
+            <a:endParaRPr b="0" lang="en-US" sz="1200" spc="-1" strike="noStrike">
+              <a:solidFill>
+                <a:srgbClr val="000000"/>
+              </a:solidFill>
+              <a:uFill>
+                <a:solidFill>
+                  <a:srgbClr val="ffffff"/>
+                </a:solidFill>
+              </a:uFill>
+              <a:latin typeface="Arial"/>
+            </a:endParaRPr>
+          </a:p>
+          <a:p>
+            <a:endParaRPr b="0" lang="en-US" sz="1200" spc="-1" strike="noStrike">
+              <a:solidFill>
+                <a:srgbClr val="000000"/>
+              </a:solidFill>
+              <a:uFill>
+                <a:solidFill>
+                  <a:srgbClr val="ffffff"/>
+                </a:solidFill>
+              </a:uFill>
+              <a:latin typeface="Arial"/>
+            </a:endParaRPr>
+          </a:p>
+          <a:p>
+            <a:r>
+              <a:rPr b="0" lang="en-US" sz="1200" spc="-1" strike="noStrike">
+                <a:solidFill>
+                  <a:srgbClr val="000000"/>
+                </a:solidFill>
+                <a:uFill>
+                  <a:solidFill>
+                    <a:srgbClr val="ffffff"/>
+                  </a:solidFill>
+                </a:uFill>
+                <a:latin typeface="Arial"/>
+              </a:rPr>
+              <a:t>5% of the sales, same as kickstarter and indigogo. In the future there will be add-ons such as paying to be a featured author, premium web features on their page such as livestreaming, maintaining fan email notifications, or event rsvps. Fans pay for premium features such as content, featured reviews, membership discounts.  </a:t>
+            </a:r>
+            <a:endParaRPr b="0" lang="en-US" sz="1200" spc="-1" strike="noStrike">
+              <a:solidFill>
+                <a:srgbClr val="000000"/>
+              </a:solidFill>
+              <a:uFill>
+                <a:solidFill>
+                  <a:srgbClr val="ffffff"/>
+                </a:solidFill>
+              </a:uFill>
+              <a:latin typeface="Arial"/>
+            </a:endParaRPr>
+          </a:p>
+          <a:p>
+            <a:endParaRPr b="0" lang="en-US" sz="1200" spc="-1" strike="noStrike">
+              <a:solidFill>
+                <a:srgbClr val="000000"/>
+              </a:solidFill>
+              <a:uFill>
+                <a:solidFill>
+                  <a:srgbClr val="ffffff"/>
+                </a:solidFill>
+              </a:uFill>
+              <a:latin typeface="Arial"/>
+            </a:endParaRPr>
+          </a:p>
+          <a:p>
+            <a:r>
+              <a:rPr b="0" lang="en-US" sz="1200" spc="-1" strike="noStrike">
+                <a:solidFill>
+                  <a:srgbClr val="000000"/>
+                </a:solidFill>
+                <a:uFill>
+                  <a:solidFill>
+                    <a:srgbClr val="ffffff"/>
+                  </a:solidFill>
+                </a:uFill>
+                <a:latin typeface="Arial"/>
+              </a:rPr>
+              <a:t>Lisa: Ph.D. in industrial systems engineering from ASU. Self-taught Ruby on Rails. Developed and taught Ruby on Rails course for George Mason University. Mentored one of the students to continue semester project. Supervised research projects at the MITRE Corporation. Took video production courses from American University, screenwriting courses from Hollywood screenwriter. Was involved in Women in Film &amp; Video. Produced movie, wrote book about FAA, movie about high school in progress. Past president of Northern Virginia Writers Club.</a:t>
+            </a:r>
+            <a:endParaRPr b="0" lang="en-US" sz="1200" spc="-1" strike="noStrike">
+              <a:solidFill>
+                <a:srgbClr val="000000"/>
+              </a:solidFill>
+              <a:uFill>
+                <a:solidFill>
+                  <a:srgbClr val="ffffff"/>
+                </a:solidFill>
+              </a:uFill>
+              <a:latin typeface="Arial"/>
+            </a:endParaRPr>
+          </a:p>
+          <a:p>
+            <a:r>
+              <a:rPr b="0" lang="en-US" sz="1200" spc="-1" strike="noStrike">
+                <a:solidFill>
+                  <a:srgbClr val="000000"/>
+                </a:solidFill>
+                <a:uFill>
+                  <a:solidFill>
+                    <a:srgbClr val="ffffff"/>
+                  </a:solidFill>
+                </a:uFill>
+                <a:latin typeface="Arial"/>
+              </a:rPr>
+              <a:t>Need early adopters to test how users use site, give feedback on copy. Do they have the same interpretation of CrowdFunding that we intend? Does the term CrowdSelling convey they right capability or does it turn people off?</a:t>
+            </a:r>
+            <a:endParaRPr b="0" lang="en-US" sz="1200" spc="-1" strike="noStrike">
+              <a:solidFill>
+                <a:srgbClr val="000000"/>
+              </a:solidFill>
+              <a:uFill>
+                <a:solidFill>
+                  <a:srgbClr val="ffffff"/>
+                </a:solidFill>
+              </a:uFill>
+              <a:latin typeface="Arial"/>
+            </a:endParaRPr>
+          </a:p>
+          <a:p>
+            <a:endParaRPr b="0" lang="en-US" sz="1200" spc="-1" strike="noStrike">
+              <a:solidFill>
+                <a:srgbClr val="000000"/>
+              </a:solidFill>
+              <a:uFill>
+                <a:solidFill>
+                  <a:srgbClr val="ffffff"/>
+                </a:solidFill>
+              </a:uFill>
+              <a:latin typeface="Arial"/>
+            </a:endParaRPr>
+          </a:p>
+        </p:txBody>
+      </p:sp>
+    </p:spTree>
+  </p:cSld>
+  <p:timing>
+    <p:tnLst>
+      <p:par>
+        <p:cTn id="23" dur="indefinite" restart="never" nodeType="tmRoot">
+          <p:childTnLst>
+            <p:seq>
+              <p:cTn id="24" nodeType="mainSeq"/>
               <p:prevCondLst>
                 <p:cond delay="0" evt="onPrev">
                   <p:tgtEl>
@@ -2158,17 +3213,30 @@
         <p:txBody>
           <a:bodyPr lIns="0" rIns="0" tIns="0" bIns="0" anchor="ctr"/>
           <a:p>
-            <a:pPr algn="ctr"/>
-            <a:endParaRPr b="0" lang="en-US" sz="4400" spc="-1" strike="noStrike">
-              <a:solidFill>
-                <a:srgbClr val="000000"/>
-              </a:solidFill>
-              <a:uFill>
-                <a:solidFill>
-                  <a:srgbClr val="ffffff"/>
-                </a:solidFill>
-              </a:uFill>
-              <a:latin typeface="Arial"/>
+            <a:r>
+              <a:rPr b="1" lang="en-US" sz="4400" spc="-1" strike="noStrike">
+                <a:solidFill>
+                  <a:srgbClr val="3c2154"/>
+                </a:solidFill>
+                <a:uFill>
+                  <a:solidFill>
+                    <a:srgbClr val="ffffff"/>
+                  </a:solidFill>
+                </a:uFill>
+                <a:latin typeface="Verdana"/>
+              </a:rPr>
+              <a:t>Problem</a:t>
+            </a:r>
+            <a:endParaRPr b="1" lang="en-US" sz="4400" spc="-1" strike="noStrike">
+              <a:solidFill>
+                <a:srgbClr val="3c2154"/>
+              </a:solidFill>
+              <a:uFill>
+                <a:solidFill>
+                  <a:srgbClr val="ffffff"/>
+                </a:solidFill>
+              </a:uFill>
+              <a:latin typeface="Verdana"/>
             </a:endParaRPr>
           </a:p>
         </p:txBody>
@@ -2193,9 +3261,102 @@
           </a:ln>
         </p:spPr>
         <p:txBody>
-          <a:bodyPr lIns="0" rIns="0" tIns="0" bIns="0" anchor="ctr"/>
-          <a:p>
-            <a:pPr algn="ctr"/>
+          <a:bodyPr lIns="0" rIns="0" tIns="0" bIns="0"/>
+          <a:p>
+            <a:r>
+              <a:rPr b="0" lang="en-US" sz="3200" spc="-1" strike="noStrike">
+                <a:solidFill>
+                  <a:srgbClr val="3c2154"/>
+                </a:solidFill>
+                <a:uFill>
+                  <a:solidFill>
+                    <a:srgbClr val="ffffff"/>
+                  </a:solidFill>
+                </a:uFill>
+                <a:latin typeface="Verdana"/>
+              </a:rPr>
+              <a:t>Book authors are being undervalued by current online selling practices</a:t>
+            </a:r>
+            <a:endParaRPr b="0" lang="en-US" sz="3200" spc="-1" strike="noStrike">
+              <a:solidFill>
+                <a:srgbClr val="000000"/>
+              </a:solidFill>
+              <a:uFill>
+                <a:solidFill>
+                  <a:srgbClr val="ffffff"/>
+                </a:solidFill>
+              </a:uFill>
+              <a:latin typeface="Arial"/>
+            </a:endParaRPr>
+          </a:p>
+          <a:p>
+            <a:endParaRPr b="0" lang="en-US" sz="3200" spc="-1" strike="noStrike">
+              <a:solidFill>
+                <a:srgbClr val="000000"/>
+              </a:solidFill>
+              <a:uFill>
+                <a:solidFill>
+                  <a:srgbClr val="ffffff"/>
+                </a:solidFill>
+              </a:uFill>
+              <a:latin typeface="Arial"/>
+            </a:endParaRPr>
+          </a:p>
+          <a:p>
+            <a:r>
+              <a:rPr b="0" lang="en-US" sz="3200" spc="-1" strike="noStrike">
+                <a:solidFill>
+                  <a:srgbClr val="3c2154"/>
+                </a:solidFill>
+                <a:uFill>
+                  <a:solidFill>
+                    <a:srgbClr val="ffffff"/>
+                  </a:solidFill>
+                </a:uFill>
+                <a:latin typeface="Verdana"/>
+              </a:rPr>
+              <a:t>Most places that sell author and filmmaker products only offer the books or movies</a:t>
+            </a:r>
+            <a:endParaRPr b="0" lang="en-US" sz="3200" spc="-1" strike="noStrike">
+              <a:solidFill>
+                <a:srgbClr val="000000"/>
+              </a:solidFill>
+              <a:uFill>
+                <a:solidFill>
+                  <a:srgbClr val="ffffff"/>
+                </a:solidFill>
+              </a:uFill>
+              <a:latin typeface="Arial"/>
+            </a:endParaRPr>
+          </a:p>
+          <a:p>
+            <a:endParaRPr b="0" lang="en-US" sz="3200" spc="-1" strike="noStrike">
+              <a:solidFill>
+                <a:srgbClr val="000000"/>
+              </a:solidFill>
+              <a:uFill>
+                <a:solidFill>
+                  <a:srgbClr val="ffffff"/>
+                </a:solidFill>
+              </a:uFill>
+              <a:latin typeface="Arial"/>
+            </a:endParaRPr>
+          </a:p>
+          <a:p>
+            <a:r>
+              <a:rPr b="0" lang="en-US" sz="3200" spc="-1" strike="noStrike">
+                <a:solidFill>
+                  <a:srgbClr val="3c2154"/>
+                </a:solidFill>
+                <a:uFill>
+                  <a:solidFill>
+                    <a:srgbClr val="ffffff"/>
+                  </a:solidFill>
+                </a:uFill>
+                <a:latin typeface="Verdana"/>
+              </a:rPr>
+              <a:t>Marketing is time consuming</a:t>
+            </a:r>
             <a:endParaRPr b="0" lang="en-US" sz="3200" spc="-1" strike="noStrike">
               <a:solidFill>
                 <a:srgbClr val="000000"/>
@@ -2267,8 +3428,8 @@
         </p:nvSpPr>
         <p:spPr>
           <a:xfrm>
-            <a:off x="91440" y="91440"/>
-            <a:ext cx="9988560" cy="7468560"/>
+            <a:off x="478440" y="209880"/>
+            <a:ext cx="3362040" cy="1262160"/>
           </a:xfrm>
           <a:prstGeom prst="rect">
             <a:avLst/>
@@ -2279,306 +3440,348 @@
           </a:ln>
         </p:spPr>
         <p:txBody>
+          <a:bodyPr lIns="0" rIns="0" tIns="0" bIns="0" anchor="ctr"/>
+          <a:p>
+            <a:pPr algn="ctr"/>
+            <a:r>
+              <a:rPr b="1" lang="en-US" sz="4400" spc="-1" strike="noStrike">
+                <a:solidFill>
+                  <a:srgbClr val="3c2154"/>
+                </a:solidFill>
+                <a:uFill>
+                  <a:solidFill>
+                    <a:srgbClr val="ffffff"/>
+                  </a:solidFill>
+                </a:uFill>
+                <a:latin typeface="Verdana"/>
+              </a:rPr>
+              <a:t>Solution</a:t>
+            </a:r>
+            <a:endParaRPr b="1" lang="en-US" sz="4400" spc="-1" strike="noStrike">
+              <a:solidFill>
+                <a:srgbClr val="3c2154"/>
+              </a:solidFill>
+              <a:uFill>
+                <a:solidFill>
+                  <a:srgbClr val="ffffff"/>
+                </a:solidFill>
+              </a:uFill>
+              <a:latin typeface="Verdana"/>
+            </a:endParaRPr>
+          </a:p>
+        </p:txBody>
+      </p:sp>
+      <p:sp>
+        <p:nvSpPr>
+          <p:cNvPr id="44" name="TextShape 2"/>
+          <p:cNvSpPr txBox="1"/>
+          <p:nvPr/>
+        </p:nvSpPr>
+        <p:spPr>
+          <a:xfrm>
+            <a:off x="365760" y="1828800"/>
+            <a:ext cx="8778240" cy="1554480"/>
+          </a:xfrm>
+          <a:prstGeom prst="rect">
+            <a:avLst/>
+          </a:prstGeom>
+          <a:noFill/>
+          <a:ln>
+            <a:noFill/>
+          </a:ln>
+        </p:spPr>
+        <p:txBody>
           <a:bodyPr lIns="0" rIns="0" tIns="0" bIns="0"/>
           <a:p>
-            <a:r>
-              <a:rPr b="0" lang="en-US" sz="1200" spc="-1" strike="noStrike">
-                <a:solidFill>
-                  <a:srgbClr val="000000"/>
-                </a:solidFill>
-                <a:uFill>
-                  <a:solidFill>
-                    <a:srgbClr val="ffffff"/>
-                  </a:solidFill>
-                </a:uFill>
-                <a:latin typeface="Arial"/>
-              </a:rPr>
-              <a:t>Book authors are being undervalued by having their books sold for $2.99 and receiving only 40%. Authors and filmmakers can offer more than just ebooks and print books, movies. Authors and filmmakers should be able to receive financial compensation for special engagement and perks. Most places that sell author and filmmaker products only offer the books or movies themselves. They don’t sell the author. It’s time consuming to market books and films. Kickstarter campaigns are overwhelming.</a:t>
-            </a:r>
-            <a:endParaRPr b="0" lang="en-US" sz="1200" spc="-1" strike="noStrike">
-              <a:solidFill>
-                <a:srgbClr val="000000"/>
-              </a:solidFill>
-              <a:uFill>
-                <a:solidFill>
-                  <a:srgbClr val="ffffff"/>
-                </a:solidFill>
-              </a:uFill>
-              <a:latin typeface="Arial"/>
-            </a:endParaRPr>
-          </a:p>
-          <a:p>
-            <a:endParaRPr b="0" lang="en-US" sz="1200" spc="-1" strike="noStrike">
-              <a:solidFill>
-                <a:srgbClr val="000000"/>
-              </a:solidFill>
-              <a:uFill>
-                <a:solidFill>
-                  <a:srgbClr val="ffffff"/>
-                </a:solidFill>
-              </a:uFill>
-              <a:latin typeface="Arial"/>
-            </a:endParaRPr>
-          </a:p>
-          <a:p>
-            <a:r>
-              <a:rPr b="0" lang="en-US" sz="1200" spc="-1" strike="noStrike">
-                <a:solidFill>
-                  <a:srgbClr val="000000"/>
-                </a:solidFill>
-                <a:uFill>
-                  <a:solidFill>
-                    <a:srgbClr val="ffffff"/>
-                  </a:solidFill>
-                </a:uFill>
-                <a:latin typeface="Arial"/>
-              </a:rPr>
-              <a:t>1. Web platform where authors and filmmakers can sell anything they have such as personalized inspirational social media posts for fans, consulting, or skype into book club meetups. </a:t>
-            </a:r>
-            <a:endParaRPr b="0" lang="en-US" sz="1200" spc="-1" strike="noStrike">
-              <a:solidFill>
-                <a:srgbClr val="000000"/>
-              </a:solidFill>
-              <a:uFill>
-                <a:solidFill>
-                  <a:srgbClr val="ffffff"/>
-                </a:solidFill>
-              </a:uFill>
-              <a:latin typeface="Arial"/>
-            </a:endParaRPr>
-          </a:p>
-          <a:p>
-            <a:r>
-              <a:rPr b="0" lang="en-US" sz="1200" spc="-1" strike="noStrike">
-                <a:solidFill>
-                  <a:srgbClr val="000000"/>
-                </a:solidFill>
-                <a:uFill>
-                  <a:solidFill>
-                    <a:srgbClr val="ffffff"/>
-                  </a:solidFill>
-                </a:uFill>
-                <a:latin typeface="Arial"/>
-              </a:rPr>
-              <a:t>2. Organizations that have a stake in projects on the site receive a portion of the authors’ cut for recruiting their membership to support a project.</a:t>
-            </a:r>
-            <a:endParaRPr b="0" lang="en-US" sz="1200" spc="-1" strike="noStrike">
-              <a:solidFill>
-                <a:srgbClr val="000000"/>
-              </a:solidFill>
-              <a:uFill>
-                <a:solidFill>
-                  <a:srgbClr val="ffffff"/>
-                </a:solidFill>
-              </a:uFill>
-              <a:latin typeface="Arial"/>
-            </a:endParaRPr>
-          </a:p>
-          <a:p>
-            <a:r>
-              <a:rPr b="0" lang="en-US" sz="1200" spc="-1" strike="noStrike">
-                <a:solidFill>
-                  <a:srgbClr val="000000"/>
-                </a:solidFill>
-                <a:uFill>
-                  <a:solidFill>
-                    <a:srgbClr val="ffffff"/>
-                  </a:solidFill>
-                </a:uFill>
-                <a:latin typeface="Arial"/>
-              </a:rPr>
-              <a:t>3. Instead of one campaign per product, long-term projects are broken into phases, such as chapters or scenes. Projects can have many phases, or mini-campaigns, per product.</a:t>
-            </a:r>
-            <a:endParaRPr b="0" lang="en-US" sz="1200" spc="-1" strike="noStrike">
-              <a:solidFill>
-                <a:srgbClr val="000000"/>
-              </a:solidFill>
-              <a:uFill>
-                <a:solidFill>
-                  <a:srgbClr val="ffffff"/>
-                </a:solidFill>
-              </a:uFill>
-              <a:latin typeface="Arial"/>
-            </a:endParaRPr>
-          </a:p>
-          <a:p>
-            <a:r>
-              <a:rPr b="0" lang="en-US" sz="1200" spc="-1" strike="noStrike">
-                <a:solidFill>
-                  <a:srgbClr val="000000"/>
-                </a:solidFill>
-                <a:uFill>
-                  <a:solidFill>
-                    <a:srgbClr val="ffffff"/>
-                  </a:solidFill>
-                </a:uFill>
-                <a:latin typeface="Arial"/>
-              </a:rPr>
-              <a:t>This opens up a much larger revenue stream for authors and filmmakers to produce their work. This gives fans much more opportunity to interact with their favorite authors and filmmakers and the possibility for special access.</a:t>
-            </a:r>
-            <a:endParaRPr b="0" lang="en-US" sz="1200" spc="-1" strike="noStrike">
-              <a:solidFill>
-                <a:srgbClr val="000000"/>
-              </a:solidFill>
-              <a:uFill>
-                <a:solidFill>
-                  <a:srgbClr val="ffffff"/>
-                </a:solidFill>
-              </a:uFill>
-              <a:latin typeface="Arial"/>
-            </a:endParaRPr>
-          </a:p>
-          <a:p>
-            <a:endParaRPr b="0" lang="en-US" sz="1200" spc="-1" strike="noStrike">
-              <a:solidFill>
-                <a:srgbClr val="000000"/>
-              </a:solidFill>
-              <a:uFill>
-                <a:solidFill>
-                  <a:srgbClr val="ffffff"/>
-                </a:solidFill>
-              </a:uFill>
-              <a:latin typeface="Arial"/>
-            </a:endParaRPr>
-          </a:p>
-          <a:p>
-            <a:r>
-              <a:rPr b="0" lang="en-US" sz="1200" spc="-1" strike="noStrike">
-                <a:solidFill>
-                  <a:srgbClr val="000000"/>
-                </a:solidFill>
-                <a:uFill>
-                  <a:solidFill>
-                    <a:srgbClr val="ffffff"/>
-                  </a:solidFill>
-                </a:uFill>
-                <a:latin typeface="Arial"/>
-              </a:rPr>
-              <a:t>Different than kickstarter, indiegogo, or patreon because authors’ organizations can do the marketing for the authors and receive a portion of the proceeds. Different than Amazon because the author is the focus, not the books or movies. Authors and filmmakers can earn revenue for many creative products rather than offering their fans only one book every year or two, they offer something once a month. CrowdPublish.TV gets the fans before the product is complete, beating the publishers to the customers. Authors don’t have to wait until product is almost complete before creating campaign nor make fans wait months before getting rewards/perks; they can offer something every month.</a:t>
-            </a:r>
-            <a:endParaRPr b="0" lang="en-US" sz="1200" spc="-1" strike="noStrike">
-              <a:solidFill>
-                <a:srgbClr val="000000"/>
-              </a:solidFill>
-              <a:uFill>
-                <a:solidFill>
-                  <a:srgbClr val="ffffff"/>
-                </a:solidFill>
-              </a:uFill>
-              <a:latin typeface="Arial"/>
-            </a:endParaRPr>
-          </a:p>
-          <a:p>
-            <a:endParaRPr b="0" lang="en-US" sz="1200" spc="-1" strike="noStrike">
-              <a:solidFill>
-                <a:srgbClr val="000000"/>
-              </a:solidFill>
-              <a:uFill>
-                <a:solidFill>
-                  <a:srgbClr val="ffffff"/>
-                </a:solidFill>
-              </a:uFill>
-              <a:latin typeface="Arial"/>
-            </a:endParaRPr>
-          </a:p>
-          <a:p>
-            <a:r>
-              <a:rPr b="0" lang="en-US" sz="1200" spc="-1" strike="noStrike">
-                <a:solidFill>
-                  <a:srgbClr val="000000"/>
-                </a:solidFill>
-                <a:uFill>
-                  <a:solidFill>
-                    <a:srgbClr val="ffffff"/>
-                  </a:solidFill>
-                </a:uFill>
-                <a:latin typeface="Arial"/>
-              </a:rPr>
-              <a:t>5% of the sales, same as kickstarter and indigogo. In the future there will be add-ons such as paying to be a featured author, premium web features on their page such as livestreaming, maintaining fan email notifications, or event rsvps. Fans pay for premium features such as content, featured reviews, membership discounts.  </a:t>
-            </a:r>
-            <a:endParaRPr b="0" lang="en-US" sz="1200" spc="-1" strike="noStrike">
-              <a:solidFill>
-                <a:srgbClr val="000000"/>
-              </a:solidFill>
-              <a:uFill>
-                <a:solidFill>
-                  <a:srgbClr val="ffffff"/>
-                </a:solidFill>
-              </a:uFill>
-              <a:latin typeface="Arial"/>
-            </a:endParaRPr>
-          </a:p>
-          <a:p>
-            <a:endParaRPr b="0" lang="en-US" sz="1200" spc="-1" strike="noStrike">
-              <a:solidFill>
-                <a:srgbClr val="000000"/>
-              </a:solidFill>
-              <a:uFill>
-                <a:solidFill>
-                  <a:srgbClr val="ffffff"/>
-                </a:solidFill>
-              </a:uFill>
-              <a:latin typeface="Arial"/>
-            </a:endParaRPr>
-          </a:p>
-          <a:p>
-            <a:r>
-              <a:rPr b="0" lang="en-US" sz="1200" spc="-1" strike="noStrike">
-                <a:solidFill>
-                  <a:srgbClr val="000000"/>
-                </a:solidFill>
-                <a:uFill>
-                  <a:solidFill>
-                    <a:srgbClr val="ffffff"/>
-                  </a:solidFill>
-                </a:uFill>
-                <a:latin typeface="Arial"/>
-              </a:rPr>
-              <a:t>Lisa: Ph.D. in industrial systems engineering from ASU. Self-taught Ruby on Rails. Developed and taught Ruby on Rails course for George Mason University. Mentored one of the students to continue semester project. Took video production courses from American University, screenwriting courses from Hollywood screenwriter. Produced movie, wrote book about FAA, movie about high school in progress. Past president of Northern Virginia Writers Club.</a:t>
-            </a:r>
-            <a:endParaRPr b="0" lang="en-US" sz="1200" spc="-1" strike="noStrike">
-              <a:solidFill>
-                <a:srgbClr val="000000"/>
-              </a:solidFill>
-              <a:uFill>
-                <a:solidFill>
-                  <a:srgbClr val="ffffff"/>
-                </a:solidFill>
-              </a:uFill>
-              <a:latin typeface="Arial"/>
-            </a:endParaRPr>
-          </a:p>
-          <a:p>
-            <a:r>
-              <a:rPr b="0" lang="en-US" sz="1200" spc="-1" strike="noStrike">
-                <a:solidFill>
-                  <a:srgbClr val="000000"/>
-                </a:solidFill>
-                <a:uFill>
-                  <a:solidFill>
-                    <a:srgbClr val="ffffff"/>
-                  </a:solidFill>
-                </a:uFill>
-                <a:latin typeface="Arial"/>
-              </a:rPr>
-              <a:t>Need early adopters to test how users use site, give feedback on copy.</a:t>
-            </a:r>
-            <a:endParaRPr b="0" lang="en-US" sz="1200" spc="-1" strike="noStrike">
-              <a:solidFill>
-                <a:srgbClr val="000000"/>
-              </a:solidFill>
-              <a:uFill>
-                <a:solidFill>
-                  <a:srgbClr val="ffffff"/>
-                </a:solidFill>
-              </a:uFill>
-              <a:latin typeface="Arial"/>
-            </a:endParaRPr>
-          </a:p>
-          <a:p>
-            <a:endParaRPr b="0" lang="en-US" sz="1200" spc="-1" strike="noStrike">
-              <a:solidFill>
-                <a:srgbClr val="000000"/>
+            <a:pPr algn="ctr"/>
+            <a:r>
+              <a:rPr b="0" lang="en-US" sz="3200" spc="-1" strike="noStrike">
+                <a:solidFill>
+                  <a:srgbClr val="3c2154"/>
+                </a:solidFill>
+                <a:uFill>
+                  <a:solidFill>
+                    <a:srgbClr val="ffffff"/>
+                  </a:solidFill>
+                </a:uFill>
+                <a:latin typeface="Verdana"/>
+              </a:rPr>
+              <a:t>Web platform that helps authors </a:t>
+            </a:r>
+            <a:endParaRPr b="0" lang="en-US" sz="3200" spc="-1" strike="noStrike">
+              <a:solidFill>
+                <a:srgbClr val="000000"/>
+              </a:solidFill>
+              <a:uFill>
+                <a:solidFill>
+                  <a:srgbClr val="ffffff"/>
+                </a:solidFill>
+              </a:uFill>
+              <a:latin typeface="Arial"/>
+            </a:endParaRPr>
+          </a:p>
+          <a:p>
+            <a:pPr algn="ctr"/>
+            <a:r>
+              <a:rPr b="0" lang="en-US" sz="3200" spc="-1" strike="noStrike">
+                <a:solidFill>
+                  <a:srgbClr val="3c2154"/>
+                </a:solidFill>
+                <a:uFill>
+                  <a:solidFill>
+                    <a:srgbClr val="ffffff"/>
+                  </a:solidFill>
+                </a:uFill>
+                <a:latin typeface="Verdana"/>
+              </a:rPr>
+              <a:t>&amp; filmmakers</a:t>
+            </a:r>
+            <a:endParaRPr b="0" lang="en-US" sz="3200" spc="-1" strike="noStrike">
+              <a:solidFill>
+                <a:srgbClr val="000000"/>
+              </a:solidFill>
+              <a:uFill>
+                <a:solidFill>
+                  <a:srgbClr val="ffffff"/>
+                </a:solidFill>
+              </a:uFill>
+              <a:latin typeface="Arial"/>
+            </a:endParaRPr>
+          </a:p>
+        </p:txBody>
+      </p:sp>
+      <p:sp>
+        <p:nvSpPr>
+          <p:cNvPr id="45" name="CustomShape 3"/>
+          <p:cNvSpPr/>
+          <p:nvPr/>
+        </p:nvSpPr>
+        <p:spPr>
+          <a:xfrm>
+            <a:off x="3474720" y="3657600"/>
+            <a:ext cx="2651760" cy="2468880"/>
+          </a:xfrm>
+          <a:prstGeom prst="rect">
+            <a:avLst/>
+          </a:prstGeom>
+          <a:solidFill>
+            <a:srgbClr val="3d2754"/>
+          </a:solidFill>
+          <a:ln>
+            <a:solidFill>
+              <a:srgbClr val="3465a4"/>
+            </a:solidFill>
+          </a:ln>
+        </p:spPr>
+        <p:style>
+          <a:lnRef idx="0"/>
+          <a:fillRef idx="0"/>
+          <a:effectRef idx="0"/>
+          <a:fontRef idx="minor"/>
+        </p:style>
+      </p:sp>
+      <p:sp>
+        <p:nvSpPr>
+          <p:cNvPr id="46" name="TextShape 4"/>
+          <p:cNvSpPr txBox="1"/>
+          <p:nvPr/>
+        </p:nvSpPr>
+        <p:spPr>
+          <a:xfrm>
+            <a:off x="3571560" y="3931920"/>
+            <a:ext cx="2455920" cy="1816920"/>
+          </a:xfrm>
+          <a:prstGeom prst="rect">
+            <a:avLst/>
+          </a:prstGeom>
+          <a:noFill/>
+          <a:ln>
+            <a:noFill/>
+          </a:ln>
+        </p:spPr>
+        <p:txBody>
+          <a:bodyPr lIns="0" rIns="0" tIns="0" bIns="0"/>
+          <a:p>
+            <a:pPr algn="ctr"/>
+            <a:r>
+              <a:rPr b="0" lang="en-US" sz="3200" spc="-1" strike="noStrike">
+                <a:solidFill>
+                  <a:srgbClr val="ffffff"/>
+                </a:solidFill>
+                <a:uFill>
+                  <a:solidFill>
+                    <a:srgbClr val="ffffff"/>
+                  </a:solidFill>
+                </a:uFill>
+                <a:latin typeface="Verdana"/>
+              </a:rPr>
+              <a:t>Sell other items</a:t>
+            </a:r>
+            <a:endParaRPr b="0" lang="en-US" sz="3200" spc="-1" strike="noStrike">
+              <a:solidFill>
+                <a:srgbClr val="ffffff"/>
+              </a:solidFill>
+              <a:uFill>
+                <a:solidFill>
+                  <a:srgbClr val="ffffff"/>
+                </a:solidFill>
+              </a:uFill>
+              <a:latin typeface="Arial"/>
+            </a:endParaRPr>
+          </a:p>
+        </p:txBody>
+      </p:sp>
+      <p:sp>
+        <p:nvSpPr>
+          <p:cNvPr id="47" name="CustomShape 5"/>
+          <p:cNvSpPr/>
+          <p:nvPr/>
+        </p:nvSpPr>
+        <p:spPr>
+          <a:xfrm>
+            <a:off x="182880" y="3657600"/>
+            <a:ext cx="2926080" cy="2468880"/>
+          </a:xfrm>
+          <a:prstGeom prst="rect">
+            <a:avLst/>
+          </a:prstGeom>
+          <a:solidFill>
+            <a:srgbClr val="3d2754"/>
+          </a:solidFill>
+          <a:ln>
+            <a:solidFill>
+              <a:srgbClr val="3465a4"/>
+            </a:solidFill>
+          </a:ln>
+        </p:spPr>
+        <p:style>
+          <a:lnRef idx="0"/>
+          <a:fillRef idx="0"/>
+          <a:effectRef idx="0"/>
+          <a:fontRef idx="minor"/>
+        </p:style>
+      </p:sp>
+      <p:sp>
+        <p:nvSpPr>
+          <p:cNvPr id="48" name="TextShape 6"/>
+          <p:cNvSpPr txBox="1"/>
+          <p:nvPr/>
+        </p:nvSpPr>
+        <p:spPr>
+          <a:xfrm>
+            <a:off x="365760" y="3931920"/>
+            <a:ext cx="2743200" cy="1816920"/>
+          </a:xfrm>
+          <a:prstGeom prst="rect">
+            <a:avLst/>
+          </a:prstGeom>
+          <a:noFill/>
+          <a:ln>
+            <a:noFill/>
+          </a:ln>
+        </p:spPr>
+        <p:txBody>
+          <a:bodyPr lIns="0" rIns="0" tIns="0" bIns="0"/>
+          <a:p>
+            <a:pPr algn="ctr"/>
+            <a:r>
+              <a:rPr b="0" lang="en-US" sz="3200" spc="-1" strike="noStrike">
+                <a:solidFill>
+                  <a:srgbClr val="ffffff"/>
+                </a:solidFill>
+                <a:uFill>
+                  <a:solidFill>
+                    <a:srgbClr val="ffffff"/>
+                  </a:solidFill>
+                </a:uFill>
+                <a:latin typeface="Verdana"/>
+              </a:rPr>
+              <a:t>Sell before they post on sites offering less</a:t>
+            </a:r>
+            <a:endParaRPr b="0" lang="en-US" sz="3200" spc="-1" strike="noStrike">
+              <a:solidFill>
+                <a:srgbClr val="ffffff"/>
+              </a:solidFill>
+              <a:uFill>
+                <a:solidFill>
+                  <a:srgbClr val="ffffff"/>
+                </a:solidFill>
+              </a:uFill>
+              <a:latin typeface="Arial"/>
+            </a:endParaRPr>
+          </a:p>
+        </p:txBody>
+      </p:sp>
+      <p:sp>
+        <p:nvSpPr>
+          <p:cNvPr id="49" name="CustomShape 7"/>
+          <p:cNvSpPr/>
+          <p:nvPr/>
+        </p:nvSpPr>
+        <p:spPr>
+          <a:xfrm>
+            <a:off x="6492240" y="3657600"/>
+            <a:ext cx="2743200" cy="2468880"/>
+          </a:xfrm>
+          <a:prstGeom prst="rect">
+            <a:avLst/>
+          </a:prstGeom>
+          <a:solidFill>
+            <a:srgbClr val="3d2754"/>
+          </a:solidFill>
+          <a:ln>
+            <a:solidFill>
+              <a:srgbClr val="3465a4"/>
+            </a:solidFill>
+          </a:ln>
+        </p:spPr>
+        <p:style>
+          <a:lnRef idx="0"/>
+          <a:fillRef idx="0"/>
+          <a:effectRef idx="0"/>
+          <a:fontRef idx="minor"/>
+        </p:style>
+      </p:sp>
+      <p:sp>
+        <p:nvSpPr>
+          <p:cNvPr id="50" name="TextShape 8"/>
+          <p:cNvSpPr txBox="1"/>
+          <p:nvPr/>
+        </p:nvSpPr>
+        <p:spPr>
+          <a:xfrm>
+            <a:off x="6609240" y="3931920"/>
+            <a:ext cx="2626200" cy="1816920"/>
+          </a:xfrm>
+          <a:prstGeom prst="rect">
+            <a:avLst/>
+          </a:prstGeom>
+          <a:noFill/>
+          <a:ln>
+            <a:noFill/>
+          </a:ln>
+        </p:spPr>
+        <p:txBody>
+          <a:bodyPr lIns="0" rIns="0" tIns="0" bIns="0"/>
+          <a:p>
+            <a:pPr algn="ctr"/>
+            <a:r>
+              <a:rPr b="0" lang="en-US" sz="3200" spc="-1" strike="noStrike">
+                <a:solidFill>
+                  <a:srgbClr val="ffffff"/>
+                </a:solidFill>
+                <a:uFill>
+                  <a:solidFill>
+                    <a:srgbClr val="ffffff"/>
+                  </a:solidFill>
+                </a:uFill>
+                <a:latin typeface="Verdana"/>
+              </a:rPr>
+              <a:t>Reward orgs they belong to for helping with marketing</a:t>
+            </a:r>
+            <a:endParaRPr b="0" lang="en-US" sz="3200" spc="-1" strike="noStrike">
+              <a:solidFill>
+                <a:srgbClr val="ffffff"/>
               </a:solidFill>
               <a:uFill>
                 <a:solidFill>
@@ -2599,6 +3802,2243 @@
           <p:childTnLst>
             <p:seq>
               <p:cTn id="6" nodeType="mainSeq"/>
+              <p:prevCondLst>
+                <p:cond delay="0" evt="onPrev">
+                  <p:tgtEl>
+                    <p:sldTgt/>
+                  </p:tgtEl>
+                </p:cond>
+              </p:prevCondLst>
+              <p:nextCondLst>
+                <p:cond delay="0" evt="onNext">
+                  <p:tgtEl>
+                    <p:sldTgt/>
+                  </p:tgtEl>
+                </p:cond>
+              </p:nextCondLst>
+            </p:seq>
+          </p:childTnLst>
+        </p:cTn>
+      </p:par>
+    </p:tnLst>
+  </p:timing>
+</p:sld>
+</file>
+
+<file path=ppt/slides/slide4.xml><?xml version="1.0" encoding="utf-8"?>
+<p:sld xmlns:a="http://schemas.openxmlformats.org/drawingml/2006/main" xmlns:p="http://schemas.openxmlformats.org/presentationml/2006/main" xmlns:r="http://schemas.openxmlformats.org/officeDocument/2006/relationships" xmlns:p14="http://schemas.microsoft.com/office/powerpoint/2010/main" xmlns:p15="http://schemas.microsoft.com/office/powerpoint/2012/main" xmlns:mc="http://schemas.openxmlformats.org/markup-compatibility/2006">
+  <p:cSld>
+    <p:spTree>
+      <p:nvGrpSpPr>
+        <p:cNvPr id="1" name=""/>
+        <p:cNvGrpSpPr/>
+        <p:nvPr/>
+      </p:nvGrpSpPr>
+      <p:grpSpPr>
+        <a:xfrm>
+          <a:off x="0" y="0"/>
+          <a:ext cx="0" cy="0"/>
+          <a:chOff x="0" y="0"/>
+          <a:chExt cx="0" cy="0"/>
+        </a:xfrm>
+      </p:grpSpPr>
+      <p:sp>
+        <p:nvSpPr>
+          <p:cNvPr id="51" name="TextShape 1"/>
+          <p:cNvSpPr txBox="1"/>
+          <p:nvPr/>
+        </p:nvSpPr>
+        <p:spPr>
+          <a:xfrm>
+            <a:off x="504000" y="301320"/>
+            <a:ext cx="9071640" cy="1262160"/>
+          </a:xfrm>
+          <a:prstGeom prst="rect">
+            <a:avLst/>
+          </a:prstGeom>
+          <a:noFill/>
+          <a:ln>
+            <a:noFill/>
+          </a:ln>
+        </p:spPr>
+        <p:txBody>
+          <a:bodyPr lIns="0" rIns="0" tIns="0" bIns="0" anchor="ctr"/>
+          <a:p>
+            <a:r>
+              <a:rPr b="1" lang="en-US" sz="4400" spc="-1" strike="noStrike">
+                <a:solidFill>
+                  <a:srgbClr val="3c2154"/>
+                </a:solidFill>
+                <a:uFill>
+                  <a:solidFill>
+                    <a:srgbClr val="ffffff"/>
+                  </a:solidFill>
+                </a:uFill>
+                <a:latin typeface="Verdana"/>
+              </a:rPr>
+              <a:t>Market Validation</a:t>
+            </a:r>
+            <a:endParaRPr b="1" lang="en-US" sz="4400" spc="-1" strike="noStrike">
+              <a:solidFill>
+                <a:srgbClr val="3c2154"/>
+              </a:solidFill>
+              <a:uFill>
+                <a:solidFill>
+                  <a:srgbClr val="ffffff"/>
+                </a:solidFill>
+              </a:uFill>
+              <a:latin typeface="Verdana"/>
+            </a:endParaRPr>
+          </a:p>
+        </p:txBody>
+      </p:sp>
+      <p:sp>
+        <p:nvSpPr>
+          <p:cNvPr id="52" name="TextShape 2"/>
+          <p:cNvSpPr txBox="1"/>
+          <p:nvPr/>
+        </p:nvSpPr>
+        <p:spPr>
+          <a:xfrm>
+            <a:off x="163440" y="1769040"/>
+            <a:ext cx="9346320" cy="4445640"/>
+          </a:xfrm>
+          <a:prstGeom prst="rect">
+            <a:avLst/>
+          </a:prstGeom>
+          <a:noFill/>
+          <a:ln>
+            <a:noFill/>
+          </a:ln>
+        </p:spPr>
+        <p:txBody>
+          <a:bodyPr lIns="0" rIns="0" tIns="0" bIns="0"/>
+          <a:p>
+            <a:r>
+              <a:rPr b="0" lang="en-US" sz="3200" spc="-1" strike="noStrike">
+                <a:solidFill>
+                  <a:srgbClr val="3c2154"/>
+                </a:solidFill>
+                <a:uFill>
+                  <a:solidFill>
+                    <a:srgbClr val="ffffff"/>
+                  </a:solidFill>
+                </a:uFill>
+                <a:latin typeface="Verdana"/>
+              </a:rPr>
+              <a:t>Some books do well on kickstarter, indiegogo</a:t>
+            </a:r>
+            <a:endParaRPr b="0" lang="en-US" sz="3200" spc="-1" strike="noStrike">
+              <a:solidFill>
+                <a:srgbClr val="000000"/>
+              </a:solidFill>
+              <a:uFill>
+                <a:solidFill>
+                  <a:srgbClr val="ffffff"/>
+                </a:solidFill>
+              </a:uFill>
+              <a:latin typeface="Arial"/>
+            </a:endParaRPr>
+          </a:p>
+          <a:p>
+            <a:endParaRPr b="0" lang="en-US" sz="3200" spc="-1" strike="noStrike">
+              <a:solidFill>
+                <a:srgbClr val="000000"/>
+              </a:solidFill>
+              <a:uFill>
+                <a:solidFill>
+                  <a:srgbClr val="ffffff"/>
+                </a:solidFill>
+              </a:uFill>
+              <a:latin typeface="Arial"/>
+            </a:endParaRPr>
+          </a:p>
+          <a:p>
+            <a:r>
+              <a:rPr b="0" lang="en-US" sz="3200" spc="-1" strike="noStrike">
+                <a:solidFill>
+                  <a:srgbClr val="3c2154"/>
+                </a:solidFill>
+                <a:uFill>
+                  <a:solidFill>
+                    <a:srgbClr val="ffffff"/>
+                  </a:solidFill>
+                </a:uFill>
+                <a:latin typeface="Verdana"/>
+              </a:rPr>
+              <a:t>Self published books on Amazon</a:t>
+            </a:r>
+            <a:endParaRPr b="0" lang="en-US" sz="3200" spc="-1" strike="noStrike">
+              <a:solidFill>
+                <a:srgbClr val="000000"/>
+              </a:solidFill>
+              <a:uFill>
+                <a:solidFill>
+                  <a:srgbClr val="ffffff"/>
+                </a:solidFill>
+              </a:uFill>
+              <a:latin typeface="Arial"/>
+            </a:endParaRPr>
+          </a:p>
+          <a:p>
+            <a:endParaRPr b="0" lang="en-US" sz="3200" spc="-1" strike="noStrike">
+              <a:solidFill>
+                <a:srgbClr val="000000"/>
+              </a:solidFill>
+              <a:uFill>
+                <a:solidFill>
+                  <a:srgbClr val="ffffff"/>
+                </a:solidFill>
+              </a:uFill>
+              <a:latin typeface="Arial"/>
+            </a:endParaRPr>
+          </a:p>
+          <a:p>
+            <a:r>
+              <a:rPr b="0" lang="en-US" sz="3200" spc="-1" strike="noStrike">
+                <a:solidFill>
+                  <a:srgbClr val="3c2154"/>
+                </a:solidFill>
+                <a:uFill>
+                  <a:solidFill>
+                    <a:srgbClr val="ffffff"/>
+                  </a:solidFill>
+                </a:uFill>
+                <a:latin typeface="Verdana"/>
+              </a:rPr>
+              <a:t>Writers and show producers receive monthly donations from fans</a:t>
+            </a:r>
+            <a:endParaRPr b="0" lang="en-US" sz="3200" spc="-1" strike="noStrike">
+              <a:solidFill>
+                <a:srgbClr val="000000"/>
+              </a:solidFill>
+              <a:uFill>
+                <a:solidFill>
+                  <a:srgbClr val="ffffff"/>
+                </a:solidFill>
+              </a:uFill>
+              <a:latin typeface="Arial"/>
+            </a:endParaRPr>
+          </a:p>
+          <a:p>
+            <a:endParaRPr b="0" lang="en-US" sz="3200" spc="-1" strike="noStrike">
+              <a:solidFill>
+                <a:srgbClr val="000000"/>
+              </a:solidFill>
+              <a:uFill>
+                <a:solidFill>
+                  <a:srgbClr val="ffffff"/>
+                </a:solidFill>
+              </a:uFill>
+              <a:latin typeface="Arial"/>
+            </a:endParaRPr>
+          </a:p>
+          <a:p>
+            <a:r>
+              <a:rPr b="0" lang="en-US" sz="3200" spc="-1" strike="noStrike">
+                <a:solidFill>
+                  <a:srgbClr val="3c2154"/>
+                </a:solidFill>
+                <a:uFill>
+                  <a:solidFill>
+                    <a:srgbClr val="ffffff"/>
+                  </a:solidFill>
+                </a:uFill>
+                <a:latin typeface="Verdana"/>
+              </a:rPr>
+              <a:t>1200 authors already signed up on</a:t>
+            </a:r>
+            <a:endParaRPr b="0" lang="en-US" sz="3200" spc="-1" strike="noStrike">
+              <a:solidFill>
+                <a:srgbClr val="000000"/>
+              </a:solidFill>
+              <a:uFill>
+                <a:solidFill>
+                  <a:srgbClr val="ffffff"/>
+                </a:solidFill>
+              </a:uFill>
+              <a:latin typeface="Arial"/>
+            </a:endParaRPr>
+          </a:p>
+          <a:p>
+            <a:endParaRPr b="0" lang="en-US" sz="3200" spc="-1" strike="noStrike">
+              <a:solidFill>
+                <a:srgbClr val="000000"/>
+              </a:solidFill>
+              <a:uFill>
+                <a:solidFill>
+                  <a:srgbClr val="ffffff"/>
+                </a:solidFill>
+              </a:uFill>
+              <a:latin typeface="Arial"/>
+            </a:endParaRPr>
+          </a:p>
+        </p:txBody>
+      </p:sp>
+      <p:pic>
+        <p:nvPicPr>
+          <p:cNvPr id="53" name="" descr=""/>
+          <p:cNvPicPr/>
+          <p:nvPr/>
+        </p:nvPicPr>
+        <p:blipFill>
+          <a:blip r:embed="rId1"/>
+          <a:stretch/>
+        </p:blipFill>
+        <p:spPr>
+          <a:xfrm>
+            <a:off x="7513920" y="4679280"/>
+            <a:ext cx="1904400" cy="1904400"/>
+          </a:xfrm>
+          <a:prstGeom prst="rect">
+            <a:avLst/>
+          </a:prstGeom>
+          <a:ln>
+            <a:noFill/>
+          </a:ln>
+        </p:spPr>
+      </p:pic>
+    </p:spTree>
+  </p:cSld>
+  <p:timing>
+    <p:tnLst>
+      <p:par>
+        <p:cTn id="7" dur="indefinite" restart="never" nodeType="tmRoot">
+          <p:childTnLst>
+            <p:seq>
+              <p:cTn id="8" nodeType="mainSeq"/>
+              <p:prevCondLst>
+                <p:cond delay="0" evt="onPrev">
+                  <p:tgtEl>
+                    <p:sldTgt/>
+                  </p:tgtEl>
+                </p:cond>
+              </p:prevCondLst>
+              <p:nextCondLst>
+                <p:cond delay="0" evt="onNext">
+                  <p:tgtEl>
+                    <p:sldTgt/>
+                  </p:tgtEl>
+                </p:cond>
+              </p:nextCondLst>
+            </p:seq>
+          </p:childTnLst>
+        </p:cTn>
+      </p:par>
+    </p:tnLst>
+  </p:timing>
+</p:sld>
+</file>
+
+<file path=ppt/slides/slide5.xml><?xml version="1.0" encoding="utf-8"?>
+<p:sld xmlns:a="http://schemas.openxmlformats.org/drawingml/2006/main" xmlns:p="http://schemas.openxmlformats.org/presentationml/2006/main" xmlns:r="http://schemas.openxmlformats.org/officeDocument/2006/relationships" xmlns:p14="http://schemas.microsoft.com/office/powerpoint/2010/main" xmlns:p15="http://schemas.microsoft.com/office/powerpoint/2012/main" xmlns:mc="http://schemas.openxmlformats.org/markup-compatibility/2006">
+  <p:cSld>
+    <p:spTree>
+      <p:nvGrpSpPr>
+        <p:cNvPr id="1" name=""/>
+        <p:cNvGrpSpPr/>
+        <p:nvPr/>
+      </p:nvGrpSpPr>
+      <p:grpSpPr>
+        <a:xfrm>
+          <a:off x="0" y="0"/>
+          <a:ext cx="0" cy="0"/>
+          <a:chOff x="0" y="0"/>
+          <a:chExt cx="0" cy="0"/>
+        </a:xfrm>
+      </p:grpSpPr>
+      <p:sp>
+        <p:nvSpPr>
+          <p:cNvPr id="54" name="TextShape 1"/>
+          <p:cNvSpPr txBox="1"/>
+          <p:nvPr/>
+        </p:nvSpPr>
+        <p:spPr>
+          <a:xfrm>
+            <a:off x="504000" y="301320"/>
+            <a:ext cx="9071640" cy="1262160"/>
+          </a:xfrm>
+          <a:prstGeom prst="rect">
+            <a:avLst/>
+          </a:prstGeom>
+          <a:noFill/>
+          <a:ln>
+            <a:noFill/>
+          </a:ln>
+        </p:spPr>
+        <p:txBody>
+          <a:bodyPr lIns="0" rIns="0" tIns="0" bIns="0" anchor="ctr"/>
+          <a:p>
+            <a:r>
+              <a:rPr b="1" lang="en-US" sz="4400" spc="-1" strike="noStrike">
+                <a:solidFill>
+                  <a:srgbClr val="3c2154"/>
+                </a:solidFill>
+                <a:uFill>
+                  <a:solidFill>
+                    <a:srgbClr val="ffffff"/>
+                  </a:solidFill>
+                </a:uFill>
+                <a:latin typeface="Verdana"/>
+              </a:rPr>
+              <a:t>Market Size</a:t>
+            </a:r>
+            <a:endParaRPr b="1" lang="en-US" sz="4400" spc="-1" strike="noStrike">
+              <a:solidFill>
+                <a:srgbClr val="3c2154"/>
+              </a:solidFill>
+              <a:uFill>
+                <a:solidFill>
+                  <a:srgbClr val="ffffff"/>
+                </a:solidFill>
+              </a:uFill>
+              <a:latin typeface="Verdana"/>
+            </a:endParaRPr>
+          </a:p>
+        </p:txBody>
+      </p:sp>
+      <p:sp>
+        <p:nvSpPr>
+          <p:cNvPr id="55" name="TextShape 2"/>
+          <p:cNvSpPr txBox="1"/>
+          <p:nvPr/>
+        </p:nvSpPr>
+        <p:spPr>
+          <a:xfrm>
+            <a:off x="163440" y="1769040"/>
+            <a:ext cx="9071640" cy="4384440"/>
+          </a:xfrm>
+          <a:prstGeom prst="rect">
+            <a:avLst/>
+          </a:prstGeom>
+          <a:noFill/>
+          <a:ln>
+            <a:noFill/>
+          </a:ln>
+        </p:spPr>
+        <p:txBody>
+          <a:bodyPr lIns="0" rIns="0" tIns="0" bIns="0"/>
+          <a:p>
+            <a:r>
+              <a:rPr b="0" lang="en-US" sz="3200" spc="-1" strike="noStrike">
+                <a:solidFill>
+                  <a:srgbClr val="3c2154"/>
+                </a:solidFill>
+                <a:uFill>
+                  <a:solidFill>
+                    <a:srgbClr val="ffffff"/>
+                  </a:solidFill>
+                </a:uFill>
+                <a:latin typeface="Verdana"/>
+              </a:rPr>
+              <a:t> </a:t>
+            </a:r>
+            <a:r>
+              <a:rPr b="0" lang="en-US" sz="3200" spc="-1" strike="noStrike">
+                <a:solidFill>
+                  <a:srgbClr val="3c2154"/>
+                </a:solidFill>
+                <a:uFill>
+                  <a:solidFill>
+                    <a:srgbClr val="ffffff"/>
+                  </a:solidFill>
+                </a:uFill>
+                <a:latin typeface="Verdana"/>
+              </a:rPr>
+              <a:t>books on kickstarter</a:t>
+            </a:r>
+            <a:endParaRPr b="0" lang="en-US" sz="3200" spc="-1" strike="noStrike">
+              <a:solidFill>
+                <a:srgbClr val="000000"/>
+              </a:solidFill>
+              <a:uFill>
+                <a:solidFill>
+                  <a:srgbClr val="ffffff"/>
+                </a:solidFill>
+              </a:uFill>
+              <a:latin typeface="Arial"/>
+            </a:endParaRPr>
+          </a:p>
+          <a:p>
+            <a:endParaRPr b="0" lang="en-US" sz="3200" spc="-1" strike="noStrike">
+              <a:solidFill>
+                <a:srgbClr val="000000"/>
+              </a:solidFill>
+              <a:uFill>
+                <a:solidFill>
+                  <a:srgbClr val="ffffff"/>
+                </a:solidFill>
+              </a:uFill>
+              <a:latin typeface="Arial"/>
+            </a:endParaRPr>
+          </a:p>
+          <a:p>
+            <a:r>
+              <a:rPr b="0" lang="en-US" sz="3200" spc="-1" strike="noStrike">
+                <a:solidFill>
+                  <a:srgbClr val="3c2154"/>
+                </a:solidFill>
+                <a:uFill>
+                  <a:solidFill>
+                    <a:srgbClr val="ffffff"/>
+                  </a:solidFill>
+                </a:uFill>
+                <a:latin typeface="Verdana"/>
+              </a:rPr>
+              <a:t>Self published books on Amazon</a:t>
+            </a:r>
+            <a:endParaRPr b="0" lang="en-US" sz="3200" spc="-1" strike="noStrike">
+              <a:solidFill>
+                <a:srgbClr val="000000"/>
+              </a:solidFill>
+              <a:uFill>
+                <a:solidFill>
+                  <a:srgbClr val="ffffff"/>
+                </a:solidFill>
+              </a:uFill>
+              <a:latin typeface="Arial"/>
+            </a:endParaRPr>
+          </a:p>
+          <a:p>
+            <a:endParaRPr b="0" lang="en-US" sz="3200" spc="-1" strike="noStrike">
+              <a:solidFill>
+                <a:srgbClr val="000000"/>
+              </a:solidFill>
+              <a:uFill>
+                <a:solidFill>
+                  <a:srgbClr val="ffffff"/>
+                </a:solidFill>
+              </a:uFill>
+              <a:latin typeface="Arial"/>
+            </a:endParaRPr>
+          </a:p>
+          <a:p>
+            <a:r>
+              <a:rPr b="0" lang="en-US" sz="3200" spc="-1" strike="noStrike">
+                <a:solidFill>
+                  <a:srgbClr val="3c2154"/>
+                </a:solidFill>
+                <a:uFill>
+                  <a:solidFill>
+                    <a:srgbClr val="ffffff"/>
+                  </a:solidFill>
+                </a:uFill>
+                <a:latin typeface="Verdana"/>
+              </a:rPr>
+              <a:t>727000 Self-Published in 2015 in US alone</a:t>
+            </a:r>
+            <a:endParaRPr b="0" lang="en-US" sz="3200" spc="-1" strike="noStrike">
+              <a:solidFill>
+                <a:srgbClr val="000000"/>
+              </a:solidFill>
+              <a:uFill>
+                <a:solidFill>
+                  <a:srgbClr val="ffffff"/>
+                </a:solidFill>
+              </a:uFill>
+              <a:latin typeface="Arial"/>
+            </a:endParaRPr>
+          </a:p>
+          <a:p>
+            <a:endParaRPr b="0" lang="en-US" sz="3200" spc="-1" strike="noStrike">
+              <a:solidFill>
+                <a:srgbClr val="000000"/>
+              </a:solidFill>
+              <a:uFill>
+                <a:solidFill>
+                  <a:srgbClr val="ffffff"/>
+                </a:solidFill>
+              </a:uFill>
+              <a:latin typeface="Arial"/>
+            </a:endParaRPr>
+          </a:p>
+          <a:p>
+            <a:endParaRPr b="0" lang="en-US" sz="3200" spc="-1" strike="noStrike">
+              <a:solidFill>
+                <a:srgbClr val="000000"/>
+              </a:solidFill>
+              <a:uFill>
+                <a:solidFill>
+                  <a:srgbClr val="ffffff"/>
+                </a:solidFill>
+              </a:uFill>
+              <a:latin typeface="Arial"/>
+            </a:endParaRPr>
+          </a:p>
+        </p:txBody>
+      </p:sp>
+      <p:pic>
+        <p:nvPicPr>
+          <p:cNvPr id="56" name="" descr=""/>
+          <p:cNvPicPr/>
+          <p:nvPr/>
+        </p:nvPicPr>
+        <p:blipFill>
+          <a:blip r:embed="rId1"/>
+          <a:stretch/>
+        </p:blipFill>
+        <p:spPr>
+          <a:xfrm>
+            <a:off x="7513920" y="4679280"/>
+            <a:ext cx="1904400" cy="1904400"/>
+          </a:xfrm>
+          <a:prstGeom prst="rect">
+            <a:avLst/>
+          </a:prstGeom>
+          <a:ln>
+            <a:noFill/>
+          </a:ln>
+        </p:spPr>
+      </p:pic>
+    </p:spTree>
+  </p:cSld>
+  <p:timing>
+    <p:tnLst>
+      <p:par>
+        <p:cTn id="9" dur="indefinite" restart="never" nodeType="tmRoot">
+          <p:childTnLst>
+            <p:seq>
+              <p:cTn id="10" nodeType="mainSeq"/>
+              <p:prevCondLst>
+                <p:cond delay="0" evt="onPrev">
+                  <p:tgtEl>
+                    <p:sldTgt/>
+                  </p:tgtEl>
+                </p:cond>
+              </p:prevCondLst>
+              <p:nextCondLst>
+                <p:cond delay="0" evt="onNext">
+                  <p:tgtEl>
+                    <p:sldTgt/>
+                  </p:tgtEl>
+                </p:cond>
+              </p:nextCondLst>
+            </p:seq>
+          </p:childTnLst>
+        </p:cTn>
+      </p:par>
+    </p:tnLst>
+  </p:timing>
+</p:sld>
+</file>
+
+<file path=ppt/slides/slide6.xml><?xml version="1.0" encoding="utf-8"?>
+<p:sld xmlns:a="http://schemas.openxmlformats.org/drawingml/2006/main" xmlns:p="http://schemas.openxmlformats.org/presentationml/2006/main" xmlns:r="http://schemas.openxmlformats.org/officeDocument/2006/relationships" xmlns:p14="http://schemas.microsoft.com/office/powerpoint/2010/main" xmlns:p15="http://schemas.microsoft.com/office/powerpoint/2012/main" xmlns:mc="http://schemas.openxmlformats.org/markup-compatibility/2006">
+  <p:cSld>
+    <p:spTree>
+      <p:nvGrpSpPr>
+        <p:cNvPr id="1" name=""/>
+        <p:cNvGrpSpPr/>
+        <p:nvPr/>
+      </p:nvGrpSpPr>
+      <p:grpSpPr>
+        <a:xfrm>
+          <a:off x="0" y="0"/>
+          <a:ext cx="0" cy="0"/>
+          <a:chOff x="0" y="0"/>
+          <a:chExt cx="0" cy="0"/>
+        </a:xfrm>
+      </p:grpSpPr>
+      <p:sp>
+        <p:nvSpPr>
+          <p:cNvPr id="57" name="TextShape 1"/>
+          <p:cNvSpPr txBox="1"/>
+          <p:nvPr/>
+        </p:nvSpPr>
+        <p:spPr>
+          <a:xfrm>
+            <a:off x="504000" y="301320"/>
+            <a:ext cx="9071640" cy="1262160"/>
+          </a:xfrm>
+          <a:prstGeom prst="rect">
+            <a:avLst/>
+          </a:prstGeom>
+          <a:noFill/>
+          <a:ln>
+            <a:noFill/>
+          </a:ln>
+        </p:spPr>
+        <p:txBody>
+          <a:bodyPr lIns="0" rIns="0" tIns="0" bIns="0" anchor="ctr"/>
+          <a:p>
+            <a:r>
+              <a:rPr b="1" lang="en-US" sz="4400" spc="-1" strike="noStrike">
+                <a:solidFill>
+                  <a:srgbClr val="3c2154"/>
+                </a:solidFill>
+                <a:uFill>
+                  <a:solidFill>
+                    <a:srgbClr val="ffffff"/>
+                  </a:solidFill>
+                </a:uFill>
+                <a:latin typeface="Verdana"/>
+              </a:rPr>
+              <a:t>Product </a:t>
+            </a:r>
+            <a:r>
+              <a:rPr b="0" lang="en-US" sz="3800" spc="-1" strike="noStrike">
+                <a:solidFill>
+                  <a:srgbClr val="3c2154"/>
+                </a:solidFill>
+                <a:uFill>
+                  <a:solidFill>
+                    <a:srgbClr val="ffffff"/>
+                  </a:solidFill>
+                </a:uFill>
+                <a:latin typeface="Verdana"/>
+              </a:rPr>
+              <a:t>(for authors)</a:t>
+            </a:r>
+            <a:endParaRPr b="1" lang="en-US" sz="4400" spc="-1" strike="noStrike">
+              <a:solidFill>
+                <a:srgbClr val="3c2154"/>
+              </a:solidFill>
+              <a:uFill>
+                <a:solidFill>
+                  <a:srgbClr val="ffffff"/>
+                </a:solidFill>
+              </a:uFill>
+              <a:latin typeface="Verdana"/>
+            </a:endParaRPr>
+          </a:p>
+        </p:txBody>
+      </p:sp>
+      <p:sp>
+        <p:nvSpPr>
+          <p:cNvPr id="58" name="TextShape 2"/>
+          <p:cNvSpPr txBox="1"/>
+          <p:nvPr/>
+        </p:nvSpPr>
+        <p:spPr>
+          <a:xfrm>
+            <a:off x="163440" y="1769040"/>
+            <a:ext cx="9071640" cy="5433480"/>
+          </a:xfrm>
+          <a:prstGeom prst="rect">
+            <a:avLst/>
+          </a:prstGeom>
+          <a:noFill/>
+          <a:ln>
+            <a:noFill/>
+          </a:ln>
+        </p:spPr>
+        <p:txBody>
+          <a:bodyPr lIns="0" rIns="0" tIns="0" bIns="0"/>
+          <a:p>
+            <a:r>
+              <a:rPr b="0" lang="en-US" sz="3200" spc="-1" strike="noStrike">
+                <a:solidFill>
+                  <a:srgbClr val="3c2154"/>
+                </a:solidFill>
+                <a:uFill>
+                  <a:solidFill>
+                    <a:srgbClr val="ffffff"/>
+                  </a:solidFill>
+                </a:uFill>
+                <a:latin typeface="Verdana"/>
+              </a:rPr>
+              <a:t>Author Posts a project phase</a:t>
+            </a:r>
+            <a:endParaRPr b="0" lang="en-US" sz="3200" spc="-1" strike="noStrike">
+              <a:solidFill>
+                <a:srgbClr val="000000"/>
+              </a:solidFill>
+              <a:uFill>
+                <a:solidFill>
+                  <a:srgbClr val="ffffff"/>
+                </a:solidFill>
+              </a:uFill>
+              <a:latin typeface="Arial"/>
+            </a:endParaRPr>
+          </a:p>
+          <a:p>
+            <a:endParaRPr b="0" lang="en-US" sz="3200" spc="-1" strike="noStrike">
+              <a:solidFill>
+                <a:srgbClr val="000000"/>
+              </a:solidFill>
+              <a:uFill>
+                <a:solidFill>
+                  <a:srgbClr val="ffffff"/>
+                </a:solidFill>
+              </a:uFill>
+              <a:latin typeface="Arial"/>
+            </a:endParaRPr>
+          </a:p>
+          <a:p>
+            <a:r>
+              <a:rPr b="0" lang="en-US" sz="3200" spc="-1" strike="noStrike">
+                <a:solidFill>
+                  <a:srgbClr val="3c2154"/>
+                </a:solidFill>
+                <a:uFill>
+                  <a:solidFill>
+                    <a:srgbClr val="ffffff"/>
+                  </a:solidFill>
+                </a:uFill>
+                <a:latin typeface="Verdana"/>
+              </a:rPr>
+              <a:t>Add items to sell (standard or custom)</a:t>
+            </a:r>
+            <a:endParaRPr b="0" lang="en-US" sz="3200" spc="-1" strike="noStrike">
+              <a:solidFill>
+                <a:srgbClr val="000000"/>
+              </a:solidFill>
+              <a:uFill>
+                <a:solidFill>
+                  <a:srgbClr val="ffffff"/>
+                </a:solidFill>
+              </a:uFill>
+              <a:latin typeface="Arial"/>
+            </a:endParaRPr>
+          </a:p>
+          <a:p>
+            <a:endParaRPr b="0" lang="en-US" sz="3200" spc="-1" strike="noStrike">
+              <a:solidFill>
+                <a:srgbClr val="000000"/>
+              </a:solidFill>
+              <a:uFill>
+                <a:solidFill>
+                  <a:srgbClr val="ffffff"/>
+                </a:solidFill>
+              </a:uFill>
+              <a:latin typeface="Arial"/>
+            </a:endParaRPr>
+          </a:p>
+          <a:p>
+            <a:r>
+              <a:rPr b="0" lang="en-US" sz="3200" spc="-1" strike="noStrike">
+                <a:solidFill>
+                  <a:srgbClr val="3c2154"/>
+                </a:solidFill>
+                <a:uFill>
+                  <a:solidFill>
+                    <a:srgbClr val="ffffff"/>
+                  </a:solidFill>
+                </a:uFill>
+                <a:latin typeface="Verdana"/>
+              </a:rPr>
+              <a:t>Get existing fans to sign up &amp; purchase</a:t>
+            </a:r>
+            <a:endParaRPr b="0" lang="en-US" sz="3200" spc="-1" strike="noStrike">
+              <a:solidFill>
+                <a:srgbClr val="000000"/>
+              </a:solidFill>
+              <a:uFill>
+                <a:solidFill>
+                  <a:srgbClr val="ffffff"/>
+                </a:solidFill>
+              </a:uFill>
+              <a:latin typeface="Arial"/>
+            </a:endParaRPr>
+          </a:p>
+          <a:p>
+            <a:endParaRPr b="0" lang="en-US" sz="3200" spc="-1" strike="noStrike">
+              <a:solidFill>
+                <a:srgbClr val="000000"/>
+              </a:solidFill>
+              <a:uFill>
+                <a:solidFill>
+                  <a:srgbClr val="ffffff"/>
+                </a:solidFill>
+              </a:uFill>
+              <a:latin typeface="Arial"/>
+            </a:endParaRPr>
+          </a:p>
+          <a:p>
+            <a:r>
+              <a:rPr b="0" lang="en-US" sz="3200" spc="-1" strike="noStrike">
+                <a:solidFill>
+                  <a:srgbClr val="3c2154"/>
+                </a:solidFill>
+                <a:uFill>
+                  <a:solidFill>
+                    <a:srgbClr val="ffffff"/>
+                  </a:solidFill>
+                </a:uFill>
+                <a:latin typeface="Verdana"/>
+              </a:rPr>
+              <a:t>Get your organizations to tell their members</a:t>
+            </a:r>
+            <a:endParaRPr b="0" lang="en-US" sz="3200" spc="-1" strike="noStrike">
+              <a:solidFill>
+                <a:srgbClr val="000000"/>
+              </a:solidFill>
+              <a:uFill>
+                <a:solidFill>
+                  <a:srgbClr val="ffffff"/>
+                </a:solidFill>
+              </a:uFill>
+              <a:latin typeface="Arial"/>
+            </a:endParaRPr>
+          </a:p>
+          <a:p>
+            <a:endParaRPr b="0" lang="en-US" sz="3200" spc="-1" strike="noStrike">
+              <a:solidFill>
+                <a:srgbClr val="000000"/>
+              </a:solidFill>
+              <a:uFill>
+                <a:solidFill>
+                  <a:srgbClr val="ffffff"/>
+                </a:solidFill>
+              </a:uFill>
+              <a:latin typeface="Arial"/>
+            </a:endParaRPr>
+          </a:p>
+          <a:p>
+            <a:r>
+              <a:rPr b="0" lang="en-US" sz="3200" spc="-1" strike="noStrike">
+                <a:solidFill>
+                  <a:srgbClr val="3c2154"/>
+                </a:solidFill>
+                <a:uFill>
+                  <a:solidFill>
+                    <a:srgbClr val="ffffff"/>
+                  </a:solidFill>
+                </a:uFill>
+                <a:latin typeface="Verdana"/>
+              </a:rPr>
+              <a:t> </a:t>
+            </a:r>
+            <a:endParaRPr b="0" lang="en-US" sz="3200" spc="-1" strike="noStrike">
+              <a:solidFill>
+                <a:srgbClr val="000000"/>
+              </a:solidFill>
+              <a:uFill>
+                <a:solidFill>
+                  <a:srgbClr val="ffffff"/>
+                </a:solidFill>
+              </a:uFill>
+              <a:latin typeface="Arial"/>
+            </a:endParaRPr>
+          </a:p>
+          <a:p>
+            <a:endParaRPr b="0" lang="en-US" sz="3200" spc="-1" strike="noStrike">
+              <a:solidFill>
+                <a:srgbClr val="000000"/>
+              </a:solidFill>
+              <a:uFill>
+                <a:solidFill>
+                  <a:srgbClr val="ffffff"/>
+                </a:solidFill>
+              </a:uFill>
+              <a:latin typeface="Arial"/>
+            </a:endParaRPr>
+          </a:p>
+        </p:txBody>
+      </p:sp>
+      <p:pic>
+        <p:nvPicPr>
+          <p:cNvPr id="59" name="" descr=""/>
+          <p:cNvPicPr/>
+          <p:nvPr/>
+        </p:nvPicPr>
+        <p:blipFill>
+          <a:blip r:embed="rId1"/>
+          <a:stretch/>
+        </p:blipFill>
+        <p:spPr>
+          <a:xfrm>
+            <a:off x="7513920" y="4679280"/>
+            <a:ext cx="1904400" cy="1904400"/>
+          </a:xfrm>
+          <a:prstGeom prst="rect">
+            <a:avLst/>
+          </a:prstGeom>
+          <a:ln>
+            <a:noFill/>
+          </a:ln>
+        </p:spPr>
+      </p:pic>
+    </p:spTree>
+  </p:cSld>
+  <p:timing>
+    <p:tnLst>
+      <p:par>
+        <p:cTn id="11" dur="indefinite" restart="never" nodeType="tmRoot">
+          <p:childTnLst>
+            <p:seq>
+              <p:cTn id="12" nodeType="mainSeq"/>
+              <p:prevCondLst>
+                <p:cond delay="0" evt="onPrev">
+                  <p:tgtEl>
+                    <p:sldTgt/>
+                  </p:tgtEl>
+                </p:cond>
+              </p:prevCondLst>
+              <p:nextCondLst>
+                <p:cond delay="0" evt="onNext">
+                  <p:tgtEl>
+                    <p:sldTgt/>
+                  </p:tgtEl>
+                </p:cond>
+              </p:nextCondLst>
+            </p:seq>
+          </p:childTnLst>
+        </p:cTn>
+      </p:par>
+    </p:tnLst>
+  </p:timing>
+</p:sld>
+</file>
+
+<file path=ppt/slides/slide7.xml><?xml version="1.0" encoding="utf-8"?>
+<p:sld xmlns:a="http://schemas.openxmlformats.org/drawingml/2006/main" xmlns:p="http://schemas.openxmlformats.org/presentationml/2006/main" xmlns:r="http://schemas.openxmlformats.org/officeDocument/2006/relationships" xmlns:p14="http://schemas.microsoft.com/office/powerpoint/2010/main" xmlns:p15="http://schemas.microsoft.com/office/powerpoint/2012/main" xmlns:mc="http://schemas.openxmlformats.org/markup-compatibility/2006">
+  <p:cSld>
+    <p:spTree>
+      <p:nvGrpSpPr>
+        <p:cNvPr id="1" name=""/>
+        <p:cNvGrpSpPr/>
+        <p:nvPr/>
+      </p:nvGrpSpPr>
+      <p:grpSpPr>
+        <a:xfrm>
+          <a:off x="0" y="0"/>
+          <a:ext cx="0" cy="0"/>
+          <a:chOff x="0" y="0"/>
+          <a:chExt cx="0" cy="0"/>
+        </a:xfrm>
+      </p:grpSpPr>
+      <p:sp>
+        <p:nvSpPr>
+          <p:cNvPr id="60" name="TextShape 1"/>
+          <p:cNvSpPr txBox="1"/>
+          <p:nvPr/>
+        </p:nvSpPr>
+        <p:spPr>
+          <a:xfrm>
+            <a:off x="504000" y="301320"/>
+            <a:ext cx="9071640" cy="1262160"/>
+          </a:xfrm>
+          <a:prstGeom prst="rect">
+            <a:avLst/>
+          </a:prstGeom>
+          <a:noFill/>
+          <a:ln>
+            <a:noFill/>
+          </a:ln>
+        </p:spPr>
+        <p:txBody>
+          <a:bodyPr lIns="0" rIns="0" tIns="0" bIns="0" anchor="ctr"/>
+          <a:p>
+            <a:r>
+              <a:rPr b="1" lang="en-US" sz="4400" spc="-1" strike="noStrike">
+                <a:solidFill>
+                  <a:srgbClr val="3c2154"/>
+                </a:solidFill>
+                <a:uFill>
+                  <a:solidFill>
+                    <a:srgbClr val="ffffff"/>
+                  </a:solidFill>
+                </a:uFill>
+                <a:latin typeface="Verdana"/>
+              </a:rPr>
+              <a:t>Prod</a:t>
+            </a:r>
+            <a:r>
+              <a:rPr b="1" lang="en-US" sz="4400" spc="-1" strike="noStrike">
+                <a:solidFill>
+                  <a:srgbClr val="3c2154"/>
+                </a:solidFill>
+                <a:uFill>
+                  <a:solidFill>
+                    <a:srgbClr val="ffffff"/>
+                  </a:solidFill>
+                </a:uFill>
+                <a:latin typeface="Verdana"/>
+              </a:rPr>
+              <a:t>uct </a:t>
+            </a:r>
+            <a:r>
+              <a:rPr b="0" lang="en-US" sz="3800" spc="-1" strike="noStrike">
+                <a:solidFill>
+                  <a:srgbClr val="3c2154"/>
+                </a:solidFill>
+                <a:uFill>
+                  <a:solidFill>
+                    <a:srgbClr val="ffffff"/>
+                  </a:solidFill>
+                </a:uFill>
+                <a:latin typeface="Verdana"/>
+              </a:rPr>
+              <a:t>(for </a:t>
+            </a:r>
+            <a:r>
+              <a:rPr b="0" lang="en-US" sz="3800" spc="-1" strike="noStrike">
+                <a:solidFill>
+                  <a:srgbClr val="3c2154"/>
+                </a:solidFill>
+                <a:uFill>
+                  <a:solidFill>
+                    <a:srgbClr val="ffffff"/>
+                  </a:solidFill>
+                </a:uFill>
+                <a:latin typeface="Verdana"/>
+              </a:rPr>
+              <a:t>fans)</a:t>
+            </a:r>
+            <a:endParaRPr b="1" lang="en-US" sz="4400" spc="-1" strike="noStrike">
+              <a:solidFill>
+                <a:srgbClr val="3c2154"/>
+              </a:solidFill>
+              <a:uFill>
+                <a:solidFill>
+                  <a:srgbClr val="ffffff"/>
+                </a:solidFill>
+              </a:uFill>
+              <a:latin typeface="Verdana"/>
+            </a:endParaRPr>
+          </a:p>
+        </p:txBody>
+      </p:sp>
+      <p:sp>
+        <p:nvSpPr>
+          <p:cNvPr id="61" name="TextShape 2"/>
+          <p:cNvSpPr txBox="1"/>
+          <p:nvPr/>
+        </p:nvSpPr>
+        <p:spPr>
+          <a:xfrm>
+            <a:off x="163440" y="1769040"/>
+            <a:ext cx="9071640" cy="4384440"/>
+          </a:xfrm>
+          <a:prstGeom prst="rect">
+            <a:avLst/>
+          </a:prstGeom>
+          <a:noFill/>
+          <a:ln>
+            <a:noFill/>
+          </a:ln>
+        </p:spPr>
+        <p:txBody>
+          <a:bodyPr lIns="0" rIns="0" tIns="0" bIns="0"/>
+          <a:p>
+            <a:r>
+              <a:rPr b="0" lang="en-US" sz="3200" spc="-1" strike="noStrike">
+                <a:solidFill>
+                  <a:srgbClr val="3c2154"/>
+                </a:solidFill>
+                <a:uFill>
+                  <a:solidFill>
+                    <a:srgbClr val="ffffff"/>
+                  </a:solidFill>
+                </a:uFill>
+                <a:latin typeface="Verdana"/>
+              </a:rPr>
+              <a:t>Fan goes to author or org page</a:t>
+            </a:r>
+            <a:endParaRPr b="0" lang="en-US" sz="3200" spc="-1" strike="noStrike">
+              <a:solidFill>
+                <a:srgbClr val="000000"/>
+              </a:solidFill>
+              <a:uFill>
+                <a:solidFill>
+                  <a:srgbClr val="ffffff"/>
+                </a:solidFill>
+              </a:uFill>
+              <a:latin typeface="Arial"/>
+            </a:endParaRPr>
+          </a:p>
+          <a:p>
+            <a:endParaRPr b="0" lang="en-US" sz="3200" spc="-1" strike="noStrike">
+              <a:solidFill>
+                <a:srgbClr val="000000"/>
+              </a:solidFill>
+              <a:uFill>
+                <a:solidFill>
+                  <a:srgbClr val="ffffff"/>
+                </a:solidFill>
+              </a:uFill>
+              <a:latin typeface="Arial"/>
+            </a:endParaRPr>
+          </a:p>
+          <a:p>
+            <a:r>
+              <a:rPr b="0" lang="en-US" sz="3200" spc="-1" strike="noStrike">
+                <a:solidFill>
+                  <a:srgbClr val="3c2154"/>
+                </a:solidFill>
+                <a:uFill>
+                  <a:solidFill>
+                    <a:srgbClr val="ffffff"/>
+                  </a:solidFill>
+                </a:uFill>
+                <a:latin typeface="Verdana"/>
+              </a:rPr>
+              <a:t>Selects perk to purchase</a:t>
+            </a:r>
+            <a:endParaRPr b="0" lang="en-US" sz="3200" spc="-1" strike="noStrike">
+              <a:solidFill>
+                <a:srgbClr val="000000"/>
+              </a:solidFill>
+              <a:uFill>
+                <a:solidFill>
+                  <a:srgbClr val="ffffff"/>
+                </a:solidFill>
+              </a:uFill>
+              <a:latin typeface="Arial"/>
+            </a:endParaRPr>
+          </a:p>
+          <a:p>
+            <a:endParaRPr b="0" lang="en-US" sz="3200" spc="-1" strike="noStrike">
+              <a:solidFill>
+                <a:srgbClr val="000000"/>
+              </a:solidFill>
+              <a:uFill>
+                <a:solidFill>
+                  <a:srgbClr val="ffffff"/>
+                </a:solidFill>
+              </a:uFill>
+              <a:latin typeface="Arial"/>
+            </a:endParaRPr>
+          </a:p>
+          <a:p>
+            <a:r>
+              <a:rPr b="0" lang="en-US" sz="3200" spc="-1" strike="noStrike">
+                <a:solidFill>
+                  <a:srgbClr val="3c2154"/>
+                </a:solidFill>
+                <a:uFill>
+                  <a:solidFill>
+                    <a:srgbClr val="ffffff"/>
+                  </a:solidFill>
+                </a:uFill>
+                <a:latin typeface="Verdana"/>
+              </a:rPr>
+              <a:t>Author sends perk asap</a:t>
+            </a:r>
+            <a:endParaRPr b="0" lang="en-US" sz="3200" spc="-1" strike="noStrike">
+              <a:solidFill>
+                <a:srgbClr val="000000"/>
+              </a:solidFill>
+              <a:uFill>
+                <a:solidFill>
+                  <a:srgbClr val="ffffff"/>
+                </a:solidFill>
+              </a:uFill>
+              <a:latin typeface="Arial"/>
+            </a:endParaRPr>
+          </a:p>
+          <a:p>
+            <a:r>
+              <a:rPr b="0" lang="en-US" sz="3200" spc="-1" strike="noStrike">
+                <a:solidFill>
+                  <a:srgbClr val="3c2154"/>
+                </a:solidFill>
+                <a:uFill>
+                  <a:solidFill>
+                    <a:srgbClr val="ffffff"/>
+                  </a:solidFill>
+                </a:uFill>
+                <a:latin typeface="Verdana"/>
+              </a:rPr>
+              <a:t> </a:t>
+            </a:r>
+            <a:endParaRPr b="0" lang="en-US" sz="3200" spc="-1" strike="noStrike">
+              <a:solidFill>
+                <a:srgbClr val="000000"/>
+              </a:solidFill>
+              <a:uFill>
+                <a:solidFill>
+                  <a:srgbClr val="ffffff"/>
+                </a:solidFill>
+              </a:uFill>
+              <a:latin typeface="Arial"/>
+            </a:endParaRPr>
+          </a:p>
+          <a:p>
+            <a:endParaRPr b="0" lang="en-US" sz="3200" spc="-1" strike="noStrike">
+              <a:solidFill>
+                <a:srgbClr val="000000"/>
+              </a:solidFill>
+              <a:uFill>
+                <a:solidFill>
+                  <a:srgbClr val="ffffff"/>
+                </a:solidFill>
+              </a:uFill>
+              <a:latin typeface="Arial"/>
+            </a:endParaRPr>
+          </a:p>
+        </p:txBody>
+      </p:sp>
+      <p:pic>
+        <p:nvPicPr>
+          <p:cNvPr id="62" name="" descr=""/>
+          <p:cNvPicPr/>
+          <p:nvPr/>
+        </p:nvPicPr>
+        <p:blipFill>
+          <a:blip r:embed="rId1"/>
+          <a:stretch/>
+        </p:blipFill>
+        <p:spPr>
+          <a:xfrm>
+            <a:off x="7513920" y="4679280"/>
+            <a:ext cx="1904400" cy="1904400"/>
+          </a:xfrm>
+          <a:prstGeom prst="rect">
+            <a:avLst/>
+          </a:prstGeom>
+          <a:ln>
+            <a:noFill/>
+          </a:ln>
+        </p:spPr>
+      </p:pic>
+    </p:spTree>
+  </p:cSld>
+  <p:timing>
+    <p:tnLst>
+      <p:par>
+        <p:cTn id="13" dur="indefinite" restart="never" nodeType="tmRoot">
+          <p:childTnLst>
+            <p:seq>
+              <p:cTn id="14" nodeType="mainSeq"/>
+              <p:prevCondLst>
+                <p:cond delay="0" evt="onPrev">
+                  <p:tgtEl>
+                    <p:sldTgt/>
+                  </p:tgtEl>
+                </p:cond>
+              </p:prevCondLst>
+              <p:nextCondLst>
+                <p:cond delay="0" evt="onNext">
+                  <p:tgtEl>
+                    <p:sldTgt/>
+                  </p:tgtEl>
+                </p:cond>
+              </p:nextCondLst>
+            </p:seq>
+          </p:childTnLst>
+        </p:cTn>
+      </p:par>
+    </p:tnLst>
+  </p:timing>
+</p:sld>
+</file>
+
+<file path=ppt/slides/slide8.xml><?xml version="1.0" encoding="utf-8"?>
+<p:sld xmlns:a="http://schemas.openxmlformats.org/drawingml/2006/main" xmlns:p="http://schemas.openxmlformats.org/presentationml/2006/main" xmlns:r="http://schemas.openxmlformats.org/officeDocument/2006/relationships" xmlns:p14="http://schemas.microsoft.com/office/powerpoint/2010/main" xmlns:p15="http://schemas.microsoft.com/office/powerpoint/2012/main" xmlns:mc="http://schemas.openxmlformats.org/markup-compatibility/2006">
+  <p:cSld>
+    <p:spTree>
+      <p:nvGrpSpPr>
+        <p:cNvPr id="1" name=""/>
+        <p:cNvGrpSpPr/>
+        <p:nvPr/>
+      </p:nvGrpSpPr>
+      <p:grpSpPr>
+        <a:xfrm>
+          <a:off x="0" y="0"/>
+          <a:ext cx="0" cy="0"/>
+          <a:chOff x="0" y="0"/>
+          <a:chExt cx="0" cy="0"/>
+        </a:xfrm>
+      </p:grpSpPr>
+      <p:sp>
+        <p:nvSpPr>
+          <p:cNvPr id="63" name="TextShape 1"/>
+          <p:cNvSpPr txBox="1"/>
+          <p:nvPr/>
+        </p:nvSpPr>
+        <p:spPr>
+          <a:xfrm>
+            <a:off x="504000" y="301320"/>
+            <a:ext cx="7817040" cy="887400"/>
+          </a:xfrm>
+          <a:prstGeom prst="rect">
+            <a:avLst/>
+          </a:prstGeom>
+          <a:noFill/>
+          <a:ln>
+            <a:noFill/>
+          </a:ln>
+        </p:spPr>
+        <p:txBody>
+          <a:bodyPr lIns="0" rIns="0" tIns="0" bIns="0" anchor="ctr"/>
+          <a:p>
+            <a:r>
+              <a:rPr b="1" lang="en-US" sz="4400" spc="-1" strike="noStrike">
+                <a:solidFill>
+                  <a:srgbClr val="3c2154"/>
+                </a:solidFill>
+                <a:uFill>
+                  <a:solidFill>
+                    <a:srgbClr val="ffffff"/>
+                  </a:solidFill>
+                </a:uFill>
+                <a:latin typeface="Verdana"/>
+              </a:rPr>
+              <a:t>Business Model</a:t>
+            </a:r>
+            <a:endParaRPr b="1" lang="en-US" sz="4400" spc="-1" strike="noStrike">
+              <a:solidFill>
+                <a:srgbClr val="3c2154"/>
+              </a:solidFill>
+              <a:uFill>
+                <a:solidFill>
+                  <a:srgbClr val="ffffff"/>
+                </a:solidFill>
+              </a:uFill>
+              <a:latin typeface="Verdana"/>
+            </a:endParaRPr>
+          </a:p>
+        </p:txBody>
+      </p:sp>
+      <p:sp>
+        <p:nvSpPr>
+          <p:cNvPr id="64" name="TextShape 2"/>
+          <p:cNvSpPr txBox="1"/>
+          <p:nvPr/>
+        </p:nvSpPr>
+        <p:spPr>
+          <a:xfrm>
+            <a:off x="914400" y="1463040"/>
+            <a:ext cx="7314840" cy="5680440"/>
+          </a:xfrm>
+          <a:prstGeom prst="rect">
+            <a:avLst/>
+          </a:prstGeom>
+          <a:noFill/>
+          <a:ln>
+            <a:noFill/>
+          </a:ln>
+        </p:spPr>
+        <p:txBody>
+          <a:bodyPr lIns="0" rIns="0" tIns="0" bIns="0"/>
+          <a:p>
+            <a:pPr algn="ctr"/>
+            <a:r>
+              <a:rPr b="0" lang="en-US" sz="3200" spc="-1" strike="noStrike">
+                <a:solidFill>
+                  <a:srgbClr val="3c2154"/>
+                </a:solidFill>
+                <a:uFill>
+                  <a:solidFill>
+                    <a:srgbClr val="ffffff"/>
+                  </a:solidFill>
+                </a:uFill>
+                <a:latin typeface="Verdana"/>
+              </a:rPr>
+              <a:t>We take 5% commission.</a:t>
+            </a:r>
+            <a:endParaRPr b="0" lang="en-US" sz="3200" spc="-1" strike="noStrike">
+              <a:solidFill>
+                <a:srgbClr val="000000"/>
+              </a:solidFill>
+              <a:uFill>
+                <a:solidFill>
+                  <a:srgbClr val="ffffff"/>
+                </a:solidFill>
+              </a:uFill>
+              <a:latin typeface="Arial"/>
+            </a:endParaRPr>
+          </a:p>
+          <a:p>
+            <a:r>
+              <a:rPr b="0" lang="en-US" sz="1600" spc="-1" strike="noStrike">
+                <a:solidFill>
+                  <a:srgbClr val="3c2154"/>
+                </a:solidFill>
+                <a:uFill>
+                  <a:solidFill>
+                    <a:srgbClr val="ffffff"/>
+                  </a:solidFill>
+                </a:uFill>
+                <a:latin typeface="Verdana"/>
+              </a:rPr>
+              <a:t> </a:t>
+            </a:r>
+            <a:endParaRPr b="0" lang="en-US" sz="3200" spc="-1" strike="noStrike">
+              <a:solidFill>
+                <a:srgbClr val="000000"/>
+              </a:solidFill>
+              <a:uFill>
+                <a:solidFill>
+                  <a:srgbClr val="ffffff"/>
+                </a:solidFill>
+              </a:uFill>
+              <a:latin typeface="Arial"/>
+            </a:endParaRPr>
+          </a:p>
+          <a:p>
+            <a:r>
+              <a:rPr b="0" lang="en-US" sz="3200" spc="-1" strike="noStrike">
+                <a:solidFill>
+                  <a:srgbClr val="3c2154"/>
+                </a:solidFill>
+                <a:uFill>
+                  <a:solidFill>
+                    <a:srgbClr val="ffffff"/>
+                  </a:solidFill>
+                </a:uFill>
+                <a:latin typeface="Verdana"/>
+              </a:rPr>
+              <a:t>Future extra fees for:</a:t>
+            </a:r>
+            <a:endParaRPr b="0" lang="en-US" sz="3200" spc="-1" strike="noStrike">
+              <a:solidFill>
+                <a:srgbClr val="000000"/>
+              </a:solidFill>
+              <a:uFill>
+                <a:solidFill>
+                  <a:srgbClr val="ffffff"/>
+                </a:solidFill>
+              </a:uFill>
+              <a:latin typeface="Arial"/>
+            </a:endParaRPr>
+          </a:p>
+          <a:p>
+            <a:r>
+              <a:rPr b="0" lang="en-US" sz="1600" spc="-1" strike="noStrike">
+                <a:solidFill>
+                  <a:srgbClr val="3c2154"/>
+                </a:solidFill>
+                <a:uFill>
+                  <a:solidFill>
+                    <a:srgbClr val="ffffff"/>
+                  </a:solidFill>
+                </a:uFill>
+                <a:latin typeface="Verdana"/>
+              </a:rPr>
+              <a:t> </a:t>
+            </a:r>
+            <a:endParaRPr b="0" lang="en-US" sz="3200" spc="-1" strike="noStrike">
+              <a:solidFill>
+                <a:srgbClr val="000000"/>
+              </a:solidFill>
+              <a:uFill>
+                <a:solidFill>
+                  <a:srgbClr val="ffffff"/>
+                </a:solidFill>
+              </a:uFill>
+              <a:latin typeface="Arial"/>
+            </a:endParaRPr>
+          </a:p>
+          <a:p>
+            <a:r>
+              <a:rPr b="0" i="1" lang="en-US" sz="2400" spc="-1" strike="noStrike">
+                <a:solidFill>
+                  <a:srgbClr val="3c2154"/>
+                </a:solidFill>
+                <a:uFill>
+                  <a:solidFill>
+                    <a:srgbClr val="ffffff"/>
+                  </a:solidFill>
+                </a:uFill>
+                <a:latin typeface="Verdana"/>
+              </a:rPr>
+              <a:t>Authors</a:t>
+            </a:r>
+            <a:r>
+              <a:rPr b="0" lang="en-US" sz="2400" spc="-1" strike="noStrike">
+                <a:solidFill>
+                  <a:srgbClr val="3c2154"/>
+                </a:solidFill>
+                <a:uFill>
+                  <a:solidFill>
+                    <a:srgbClr val="ffffff"/>
+                  </a:solidFill>
+                </a:uFill>
+                <a:latin typeface="Verdana"/>
+              </a:rPr>
+              <a:t>:</a:t>
+            </a:r>
+            <a:endParaRPr b="0" lang="en-US" sz="1200" spc="-1" strike="noStrike">
+              <a:solidFill>
+                <a:srgbClr val="000000"/>
+              </a:solidFill>
+              <a:uFill>
+                <a:solidFill>
+                  <a:srgbClr val="ffffff"/>
+                </a:solidFill>
+              </a:uFill>
+              <a:latin typeface="Arial"/>
+            </a:endParaRPr>
+          </a:p>
+          <a:p>
+            <a:r>
+              <a:rPr b="0" lang="en-US" sz="2400" spc="-1" strike="noStrike">
+                <a:solidFill>
+                  <a:srgbClr val="3c2154"/>
+                </a:solidFill>
+                <a:uFill>
+                  <a:solidFill>
+                    <a:srgbClr val="ffffff"/>
+                  </a:solidFill>
+                </a:uFill>
+                <a:latin typeface="Verdana"/>
+              </a:rPr>
+              <a:t>Get featured in sidebars, home page </a:t>
+            </a:r>
+            <a:endParaRPr b="0" lang="en-US" sz="1200" spc="-1" strike="noStrike">
+              <a:solidFill>
+                <a:srgbClr val="000000"/>
+              </a:solidFill>
+              <a:uFill>
+                <a:solidFill>
+                  <a:srgbClr val="ffffff"/>
+                </a:solidFill>
+              </a:uFill>
+              <a:latin typeface="Arial"/>
+            </a:endParaRPr>
+          </a:p>
+          <a:p>
+            <a:r>
+              <a:rPr b="0" lang="en-US" sz="2400" spc="-1" strike="noStrike">
+                <a:solidFill>
+                  <a:srgbClr val="3c2154"/>
+                </a:solidFill>
+                <a:uFill>
+                  <a:solidFill>
+                    <a:srgbClr val="ffffff"/>
+                  </a:solidFill>
+                </a:uFill>
+                <a:latin typeface="Verdana"/>
+              </a:rPr>
+              <a:t>Livestreaming</a:t>
+            </a:r>
+            <a:endParaRPr b="0" lang="en-US" sz="1200" spc="-1" strike="noStrike">
+              <a:solidFill>
+                <a:srgbClr val="000000"/>
+              </a:solidFill>
+              <a:uFill>
+                <a:solidFill>
+                  <a:srgbClr val="ffffff"/>
+                </a:solidFill>
+              </a:uFill>
+              <a:latin typeface="Arial"/>
+            </a:endParaRPr>
+          </a:p>
+          <a:p>
+            <a:r>
+              <a:rPr b="0" lang="en-US" sz="2400" spc="-1" strike="noStrike">
+                <a:solidFill>
+                  <a:srgbClr val="3c2154"/>
+                </a:solidFill>
+                <a:uFill>
+                  <a:solidFill>
+                    <a:srgbClr val="ffffff"/>
+                  </a:solidFill>
+                </a:uFill>
+                <a:latin typeface="Verdana"/>
+              </a:rPr>
+              <a:t>Maintaining fan email notifications</a:t>
+            </a:r>
+            <a:endParaRPr b="0" lang="en-US" sz="1200" spc="-1" strike="noStrike">
+              <a:solidFill>
+                <a:srgbClr val="000000"/>
+              </a:solidFill>
+              <a:uFill>
+                <a:solidFill>
+                  <a:srgbClr val="ffffff"/>
+                </a:solidFill>
+              </a:uFill>
+              <a:latin typeface="Arial"/>
+            </a:endParaRPr>
+          </a:p>
+          <a:p>
+            <a:r>
+              <a:rPr b="0" lang="en-US" sz="2400" spc="-1" strike="noStrike">
+                <a:solidFill>
+                  <a:srgbClr val="3c2154"/>
+                </a:solidFill>
+                <a:uFill>
+                  <a:solidFill>
+                    <a:srgbClr val="ffffff"/>
+                  </a:solidFill>
+                </a:uFill>
+                <a:latin typeface="Verdana"/>
+              </a:rPr>
+              <a:t>Event rsvps </a:t>
+            </a:r>
+            <a:endParaRPr b="0" lang="en-US" sz="1200" spc="-1" strike="noStrike">
+              <a:solidFill>
+                <a:srgbClr val="000000"/>
+              </a:solidFill>
+              <a:uFill>
+                <a:solidFill>
+                  <a:srgbClr val="ffffff"/>
+                </a:solidFill>
+              </a:uFill>
+              <a:latin typeface="Arial"/>
+            </a:endParaRPr>
+          </a:p>
+          <a:p>
+            <a:endParaRPr b="0" lang="en-US" sz="1200" spc="-1" strike="noStrike">
+              <a:solidFill>
+                <a:srgbClr val="000000"/>
+              </a:solidFill>
+              <a:uFill>
+                <a:solidFill>
+                  <a:srgbClr val="ffffff"/>
+                </a:solidFill>
+              </a:uFill>
+              <a:latin typeface="Arial"/>
+            </a:endParaRPr>
+          </a:p>
+          <a:p>
+            <a:r>
+              <a:rPr b="0" i="1" lang="en-US" sz="2400" spc="-1" strike="noStrike">
+                <a:solidFill>
+                  <a:srgbClr val="3c2154"/>
+                </a:solidFill>
+                <a:uFill>
+                  <a:solidFill>
+                    <a:srgbClr val="ffffff"/>
+                  </a:solidFill>
+                </a:uFill>
+                <a:latin typeface="Verdana"/>
+              </a:rPr>
+              <a:t>Fans</a:t>
+            </a:r>
+            <a:r>
+              <a:rPr b="0" lang="en-US" sz="2400" spc="-1" strike="noStrike">
+                <a:solidFill>
+                  <a:srgbClr val="3c2154"/>
+                </a:solidFill>
+                <a:uFill>
+                  <a:solidFill>
+                    <a:srgbClr val="ffffff"/>
+                  </a:solidFill>
+                </a:uFill>
+                <a:latin typeface="Verdana"/>
+              </a:rPr>
+              <a:t>:</a:t>
+            </a:r>
+            <a:endParaRPr b="0" lang="en-US" sz="1200" spc="-1" strike="noStrike">
+              <a:solidFill>
+                <a:srgbClr val="000000"/>
+              </a:solidFill>
+              <a:uFill>
+                <a:solidFill>
+                  <a:srgbClr val="ffffff"/>
+                </a:solidFill>
+              </a:uFill>
+              <a:latin typeface="Arial"/>
+            </a:endParaRPr>
+          </a:p>
+          <a:p>
+            <a:r>
+              <a:rPr b="0" lang="en-US" sz="2400" spc="-1" strike="noStrike">
+                <a:solidFill>
+                  <a:srgbClr val="3c2154"/>
+                </a:solidFill>
+                <a:uFill>
+                  <a:solidFill>
+                    <a:srgbClr val="ffffff"/>
+                  </a:solidFill>
+                </a:uFill>
+                <a:latin typeface="Verdana"/>
+              </a:rPr>
+              <a:t>Premium content</a:t>
+            </a:r>
+            <a:endParaRPr b="0" lang="en-US" sz="1200" spc="-1" strike="noStrike">
+              <a:solidFill>
+                <a:srgbClr val="000000"/>
+              </a:solidFill>
+              <a:uFill>
+                <a:solidFill>
+                  <a:srgbClr val="ffffff"/>
+                </a:solidFill>
+              </a:uFill>
+              <a:latin typeface="Arial"/>
+            </a:endParaRPr>
+          </a:p>
+          <a:p>
+            <a:r>
+              <a:rPr b="0" lang="en-US" sz="2400" spc="-1" strike="noStrike">
+                <a:solidFill>
+                  <a:srgbClr val="3c2154"/>
+                </a:solidFill>
+                <a:uFill>
+                  <a:solidFill>
+                    <a:srgbClr val="ffffff"/>
+                  </a:solidFill>
+                </a:uFill>
+                <a:latin typeface="Verdana"/>
+              </a:rPr>
+              <a:t>Featured reviews</a:t>
+            </a:r>
+            <a:endParaRPr b="0" lang="en-US" sz="1200" spc="-1" strike="noStrike">
+              <a:solidFill>
+                <a:srgbClr val="000000"/>
+              </a:solidFill>
+              <a:uFill>
+                <a:solidFill>
+                  <a:srgbClr val="ffffff"/>
+                </a:solidFill>
+              </a:uFill>
+              <a:latin typeface="Arial"/>
+            </a:endParaRPr>
+          </a:p>
+          <a:p>
+            <a:r>
+              <a:rPr b="0" lang="en-US" sz="2400" spc="-1" strike="noStrike">
+                <a:solidFill>
+                  <a:srgbClr val="3c2154"/>
+                </a:solidFill>
+                <a:uFill>
+                  <a:solidFill>
+                    <a:srgbClr val="ffffff"/>
+                  </a:solidFill>
+                </a:uFill>
+                <a:latin typeface="Verdana"/>
+              </a:rPr>
+              <a:t>Membership discounts.</a:t>
+            </a:r>
+            <a:r>
+              <a:rPr b="0" lang="en-US" sz="1200" spc="-1" strike="noStrike">
+                <a:solidFill>
+                  <a:srgbClr val="3c2154"/>
+                </a:solidFill>
+                <a:uFill>
+                  <a:solidFill>
+                    <a:srgbClr val="ffffff"/>
+                  </a:solidFill>
+                </a:uFill>
+                <a:latin typeface="Verdana"/>
+              </a:rPr>
+              <a:t> </a:t>
+            </a:r>
+            <a:endParaRPr b="0" lang="en-US" sz="3200" spc="-1" strike="noStrike">
+              <a:solidFill>
+                <a:srgbClr val="000000"/>
+              </a:solidFill>
+              <a:uFill>
+                <a:solidFill>
+                  <a:srgbClr val="ffffff"/>
+                </a:solidFill>
+              </a:uFill>
+              <a:latin typeface="Arial"/>
+            </a:endParaRPr>
+          </a:p>
+          <a:p>
+            <a:endParaRPr b="0" lang="en-US" sz="3200" spc="-1" strike="noStrike">
+              <a:solidFill>
+                <a:srgbClr val="000000"/>
+              </a:solidFill>
+              <a:uFill>
+                <a:solidFill>
+                  <a:srgbClr val="ffffff"/>
+                </a:solidFill>
+              </a:uFill>
+              <a:latin typeface="Arial"/>
+            </a:endParaRPr>
+          </a:p>
+        </p:txBody>
+      </p:sp>
+      <p:pic>
+        <p:nvPicPr>
+          <p:cNvPr id="65" name="" descr=""/>
+          <p:cNvPicPr/>
+          <p:nvPr/>
+        </p:nvPicPr>
+        <p:blipFill>
+          <a:blip r:embed="rId1"/>
+          <a:stretch/>
+        </p:blipFill>
+        <p:spPr>
+          <a:xfrm>
+            <a:off x="7513920" y="4679280"/>
+            <a:ext cx="1904400" cy="1904400"/>
+          </a:xfrm>
+          <a:prstGeom prst="rect">
+            <a:avLst/>
+          </a:prstGeom>
+          <a:ln>
+            <a:noFill/>
+          </a:ln>
+        </p:spPr>
+      </p:pic>
+    </p:spTree>
+  </p:cSld>
+  <p:timing>
+    <p:tnLst>
+      <p:par>
+        <p:cTn id="15" dur="indefinite" restart="never" nodeType="tmRoot">
+          <p:childTnLst>
+            <p:seq>
+              <p:cTn id="16" nodeType="mainSeq"/>
+              <p:prevCondLst>
+                <p:cond delay="0" evt="onPrev">
+                  <p:tgtEl>
+                    <p:sldTgt/>
+                  </p:tgtEl>
+                </p:cond>
+              </p:prevCondLst>
+              <p:nextCondLst>
+                <p:cond delay="0" evt="onNext">
+                  <p:tgtEl>
+                    <p:sldTgt/>
+                  </p:tgtEl>
+                </p:cond>
+              </p:nextCondLst>
+            </p:seq>
+          </p:childTnLst>
+        </p:cTn>
+      </p:par>
+    </p:tnLst>
+  </p:timing>
+</p:sld>
+</file>
+
+<file path=ppt/slides/slide9.xml><?xml version="1.0" encoding="utf-8"?>
+<p:sld xmlns:a="http://schemas.openxmlformats.org/drawingml/2006/main" xmlns:p="http://schemas.openxmlformats.org/presentationml/2006/main" xmlns:r="http://schemas.openxmlformats.org/officeDocument/2006/relationships" xmlns:p14="http://schemas.microsoft.com/office/powerpoint/2010/main" xmlns:p15="http://schemas.microsoft.com/office/powerpoint/2012/main" xmlns:mc="http://schemas.openxmlformats.org/markup-compatibility/2006">
+  <p:cSld>
+    <p:spTree>
+      <p:nvGrpSpPr>
+        <p:cNvPr id="1" name=""/>
+        <p:cNvGrpSpPr/>
+        <p:nvPr/>
+      </p:nvGrpSpPr>
+      <p:grpSpPr>
+        <a:xfrm>
+          <a:off x="0" y="0"/>
+          <a:ext cx="0" cy="0"/>
+          <a:chOff x="0" y="0"/>
+          <a:chExt cx="0" cy="0"/>
+        </a:xfrm>
+      </p:grpSpPr>
+      <p:sp>
+        <p:nvSpPr>
+          <p:cNvPr id="66" name="TextShape 1"/>
+          <p:cNvSpPr txBox="1"/>
+          <p:nvPr/>
+        </p:nvSpPr>
+        <p:spPr>
+          <a:xfrm>
+            <a:off x="457200" y="118440"/>
+            <a:ext cx="7817040" cy="887400"/>
+          </a:xfrm>
+          <a:prstGeom prst="rect">
+            <a:avLst/>
+          </a:prstGeom>
+          <a:noFill/>
+          <a:ln>
+            <a:noFill/>
+          </a:ln>
+        </p:spPr>
+        <p:txBody>
+          <a:bodyPr lIns="0" rIns="0" tIns="0" bIns="0" anchor="ctr"/>
+          <a:p>
+            <a:r>
+              <a:rPr b="1" lang="en-US" sz="4400" spc="-1" strike="noStrike">
+                <a:solidFill>
+                  <a:srgbClr val="3c2154"/>
+                </a:solidFill>
+                <a:uFill>
+                  <a:solidFill>
+                    <a:srgbClr val="ffffff"/>
+                  </a:solidFill>
+                </a:uFill>
+                <a:latin typeface="Verdana"/>
+              </a:rPr>
+              <a:t>Market Adoption</a:t>
+            </a:r>
+            <a:endParaRPr b="1" lang="en-US" sz="4400" spc="-1" strike="noStrike">
+              <a:solidFill>
+                <a:srgbClr val="3c2154"/>
+              </a:solidFill>
+              <a:uFill>
+                <a:solidFill>
+                  <a:srgbClr val="ffffff"/>
+                </a:solidFill>
+              </a:uFill>
+              <a:latin typeface="Verdana"/>
+            </a:endParaRPr>
+          </a:p>
+        </p:txBody>
+      </p:sp>
+      <p:pic>
+        <p:nvPicPr>
+          <p:cNvPr id="67" name="" descr=""/>
+          <p:cNvPicPr/>
+          <p:nvPr/>
+        </p:nvPicPr>
+        <p:blipFill>
+          <a:blip r:embed="rId1"/>
+          <a:stretch/>
+        </p:blipFill>
+        <p:spPr>
+          <a:xfrm>
+            <a:off x="7605360" y="5655600"/>
+            <a:ext cx="1904400" cy="1904400"/>
+          </a:xfrm>
+          <a:prstGeom prst="rect">
+            <a:avLst/>
+          </a:prstGeom>
+          <a:ln>
+            <a:noFill/>
+          </a:ln>
+        </p:spPr>
+      </p:pic>
+      <p:sp>
+        <p:nvSpPr>
+          <p:cNvPr id="68" name="TextShape 2"/>
+          <p:cNvSpPr txBox="1"/>
+          <p:nvPr/>
+        </p:nvSpPr>
+        <p:spPr>
+          <a:xfrm>
+            <a:off x="4846320" y="6353280"/>
+            <a:ext cx="3034080" cy="988200"/>
+          </a:xfrm>
+          <a:prstGeom prst="rect">
+            <a:avLst/>
+          </a:prstGeom>
+          <a:noFill/>
+          <a:ln>
+            <a:noFill/>
+          </a:ln>
+        </p:spPr>
+        <p:txBody>
+          <a:bodyPr lIns="0" rIns="0" tIns="0" bIns="0"/>
+          <a:p>
+            <a:pPr algn="ctr"/>
+            <a:r>
+              <a:rPr b="0" lang="en-US" sz="3200" spc="-1" strike="noStrike">
+                <a:solidFill>
+                  <a:srgbClr val="3c2154"/>
+                </a:solidFill>
+                <a:uFill>
+                  <a:solidFill>
+                    <a:srgbClr val="ffffff"/>
+                  </a:solidFill>
+                </a:uFill>
+                <a:latin typeface="Verdana"/>
+              </a:rPr>
+              <a:t>1200 </a:t>
+            </a:r>
+            <a:endParaRPr b="0" lang="en-US" sz="3200" spc="-1" strike="noStrike">
+              <a:solidFill>
+                <a:srgbClr val="000000"/>
+              </a:solidFill>
+              <a:uFill>
+                <a:solidFill>
+                  <a:srgbClr val="ffffff"/>
+                </a:solidFill>
+              </a:uFill>
+              <a:latin typeface="Arial"/>
+            </a:endParaRPr>
+          </a:p>
+          <a:p>
+            <a:r>
+              <a:rPr b="0" lang="en-US" sz="3200" spc="-1" strike="noStrike">
+                <a:solidFill>
+                  <a:srgbClr val="3c2154"/>
+                </a:solidFill>
+                <a:uFill>
+                  <a:solidFill>
+                    <a:srgbClr val="ffffff"/>
+                  </a:solidFill>
+                </a:uFill>
+                <a:latin typeface="Verdana"/>
+              </a:rPr>
+              <a:t>existing users</a:t>
+            </a:r>
+            <a:endParaRPr b="0" lang="en-US" sz="3200" spc="-1" strike="noStrike">
+              <a:solidFill>
+                <a:srgbClr val="000000"/>
+              </a:solidFill>
+              <a:uFill>
+                <a:solidFill>
+                  <a:srgbClr val="ffffff"/>
+                </a:solidFill>
+              </a:uFill>
+              <a:latin typeface="Arial"/>
+            </a:endParaRPr>
+          </a:p>
+        </p:txBody>
+      </p:sp>
+      <p:sp>
+        <p:nvSpPr>
+          <p:cNvPr id="69" name="CustomShape 3"/>
+          <p:cNvSpPr/>
+          <p:nvPr/>
+        </p:nvSpPr>
+        <p:spPr>
+          <a:xfrm>
+            <a:off x="182880" y="1103040"/>
+            <a:ext cx="2743200" cy="1737360"/>
+          </a:xfrm>
+          <a:prstGeom prst="rect">
+            <a:avLst/>
+          </a:prstGeom>
+          <a:solidFill>
+            <a:srgbClr val="3d2754"/>
+          </a:solidFill>
+          <a:ln>
+            <a:solidFill>
+              <a:srgbClr val="3465a4"/>
+            </a:solidFill>
+          </a:ln>
+        </p:spPr>
+        <p:style>
+          <a:lnRef idx="0"/>
+          <a:fillRef idx="0"/>
+          <a:effectRef idx="0"/>
+          <a:fontRef idx="minor"/>
+        </p:style>
+      </p:sp>
+      <p:sp>
+        <p:nvSpPr>
+          <p:cNvPr id="70" name="TextShape 4"/>
+          <p:cNvSpPr txBox="1"/>
+          <p:nvPr/>
+        </p:nvSpPr>
+        <p:spPr>
+          <a:xfrm>
+            <a:off x="346320" y="1194480"/>
+            <a:ext cx="2488320" cy="1482120"/>
+          </a:xfrm>
+          <a:prstGeom prst="rect">
+            <a:avLst/>
+          </a:prstGeom>
+          <a:noFill/>
+          <a:ln>
+            <a:noFill/>
+          </a:ln>
+        </p:spPr>
+        <p:txBody>
+          <a:bodyPr lIns="0" rIns="0" tIns="0" bIns="0"/>
+          <a:p>
+            <a:pPr algn="ctr"/>
+            <a:r>
+              <a:rPr b="0" lang="en-US" sz="3200" spc="-1" strike="noStrike">
+                <a:solidFill>
+                  <a:srgbClr val="ffffff"/>
+                </a:solidFill>
+                <a:uFill>
+                  <a:solidFill>
+                    <a:srgbClr val="ffffff"/>
+                  </a:solidFill>
+                </a:uFill>
+                <a:latin typeface="Verdana"/>
+              </a:rPr>
+              <a:t>Work with authors </a:t>
+            </a:r>
+            <a:endParaRPr b="0" lang="en-US" sz="3200" spc="-1" strike="noStrike">
+              <a:solidFill>
+                <a:srgbClr val="ffffff"/>
+              </a:solidFill>
+              <a:uFill>
+                <a:solidFill>
+                  <a:srgbClr val="ffffff"/>
+                </a:solidFill>
+              </a:uFill>
+              <a:latin typeface="Arial"/>
+            </a:endParaRPr>
+          </a:p>
+          <a:p>
+            <a:r>
+              <a:rPr b="0" lang="en-US" sz="3200" spc="-1" strike="noStrike">
+                <a:solidFill>
+                  <a:srgbClr val="ffffff"/>
+                </a:solidFill>
+                <a:uFill>
+                  <a:solidFill>
+                    <a:srgbClr val="ffffff"/>
+                  </a:solidFill>
+                </a:uFill>
+                <a:latin typeface="Verdana"/>
+              </a:rPr>
+              <a:t>that I know</a:t>
+            </a:r>
+            <a:endParaRPr b="0" lang="en-US" sz="3200" spc="-1" strike="noStrike">
+              <a:solidFill>
+                <a:srgbClr val="ffffff"/>
+              </a:solidFill>
+              <a:uFill>
+                <a:solidFill>
+                  <a:srgbClr val="ffffff"/>
+                </a:solidFill>
+              </a:uFill>
+              <a:latin typeface="Arial"/>
+            </a:endParaRPr>
+          </a:p>
+        </p:txBody>
+      </p:sp>
+      <p:pic>
+        <p:nvPicPr>
+          <p:cNvPr id="71" name="" descr=""/>
+          <p:cNvPicPr/>
+          <p:nvPr/>
+        </p:nvPicPr>
+        <p:blipFill>
+          <a:blip r:embed="rId2"/>
+          <a:stretch/>
+        </p:blipFill>
+        <p:spPr>
+          <a:xfrm>
+            <a:off x="1737360" y="3954960"/>
+            <a:ext cx="5394960" cy="1805760"/>
+          </a:xfrm>
+          <a:prstGeom prst="rect">
+            <a:avLst/>
+          </a:prstGeom>
+          <a:ln>
+            <a:noFill/>
+          </a:ln>
+        </p:spPr>
+      </p:pic>
+      <p:sp>
+        <p:nvSpPr>
+          <p:cNvPr id="72" name="TextShape 5"/>
+          <p:cNvSpPr txBox="1"/>
+          <p:nvPr/>
+        </p:nvSpPr>
+        <p:spPr>
+          <a:xfrm>
+            <a:off x="2468880" y="2926080"/>
+            <a:ext cx="3931920" cy="1188720"/>
+          </a:xfrm>
+          <a:prstGeom prst="rect">
+            <a:avLst/>
+          </a:prstGeom>
+          <a:noFill/>
+          <a:ln>
+            <a:noFill/>
+          </a:ln>
+        </p:spPr>
+        <p:txBody>
+          <a:bodyPr lIns="0" rIns="0" tIns="0" bIns="0"/>
+          <a:p>
+            <a:pPr algn="ctr"/>
+            <a:r>
+              <a:rPr b="0" lang="en-US" sz="3200" spc="-1" strike="noStrike">
+                <a:solidFill>
+                  <a:srgbClr val="3c2154"/>
+                </a:solidFill>
+                <a:uFill>
+                  <a:solidFill>
+                    <a:srgbClr val="ffffff"/>
+                  </a:solidFill>
+                </a:uFill>
+                <a:latin typeface="Verdana"/>
+              </a:rPr>
+              <a:t>Lisa’s 80s Catholic High School Movie</a:t>
+            </a:r>
+            <a:endParaRPr b="0" lang="en-US" sz="3200" spc="-1" strike="noStrike">
+              <a:solidFill>
+                <a:srgbClr val="000000"/>
+              </a:solidFill>
+              <a:uFill>
+                <a:solidFill>
+                  <a:srgbClr val="ffffff"/>
+                </a:solidFill>
+              </a:uFill>
+              <a:latin typeface="Arial"/>
+            </a:endParaRPr>
+          </a:p>
+        </p:txBody>
+      </p:sp>
+    </p:spTree>
+  </p:cSld>
+  <p:timing>
+    <p:tnLst>
+      <p:par>
+        <p:cTn id="17" dur="indefinite" restart="never" nodeType="tmRoot">
+          <p:childTnLst>
+            <p:seq>
+              <p:cTn id="18" nodeType="mainSeq"/>
               <p:prevCondLst>
                 <p:cond delay="0" evt="onPrev">
                   <p:tgtEl>

--- a/public/pitchSlides.pptx
+++ b/public/pitchSlides.pptx
@@ -16,7 +16,6 @@
     <p:sldId id="264" r:id="rId11"/>
     <p:sldId id="265" r:id="rId12"/>
     <p:sldId id="266" r:id="rId13"/>
-    <p:sldId id="267" r:id="rId14"/>
   </p:sldIdLst>
   <p:sldSz cx="10080625" cy="7559675"/>
   <p:notesSz cx="7772400" cy="10058400"/>
@@ -1549,7 +1548,49 @@
                 </a:uFill>
                 <a:latin typeface="Arial"/>
               </a:rPr>
-              <a:t>Click to edit the title text format</a:t>
+              <a:t>Click to </a:t>
+            </a:r>
+            <a:r>
+              <a:rPr b="0" lang="en-US" sz="4400" spc="-1" strike="noStrike">
+                <a:solidFill>
+                  <a:srgbClr val="000000"/>
+                </a:solidFill>
+                <a:uFill>
+                  <a:solidFill>
+                    <a:srgbClr val="ffffff"/>
+                  </a:solidFill>
+                </a:uFill>
+                <a:latin typeface="Arial"/>
+              </a:rPr>
+              <a:t>edit the </a:t>
+            </a:r>
+            <a:r>
+              <a:rPr b="0" lang="en-US" sz="4400" spc="-1" strike="noStrike">
+                <a:solidFill>
+                  <a:srgbClr val="000000"/>
+                </a:solidFill>
+                <a:uFill>
+                  <a:solidFill>
+                    <a:srgbClr val="ffffff"/>
+                  </a:solidFill>
+                </a:uFill>
+                <a:latin typeface="Arial"/>
+              </a:rPr>
+              <a:t>title text </a:t>
+            </a:r>
+            <a:r>
+              <a:rPr b="0" lang="en-US" sz="4400" spc="-1" strike="noStrike">
+                <a:solidFill>
+                  <a:srgbClr val="000000"/>
+                </a:solidFill>
+                <a:uFill>
+                  <a:solidFill>
+                    <a:srgbClr val="ffffff"/>
+                  </a:solidFill>
+                </a:uFill>
+                <a:latin typeface="Arial"/>
+              </a:rPr>
+              <a:t>format</a:t>
             </a:r>
             <a:endParaRPr b="0" lang="en-US" sz="4400" spc="-1" strike="noStrike">
               <a:solidFill>
@@ -1957,7 +1998,7 @@
           <a:bodyPr lIns="0" rIns="0" tIns="0" bIns="0"/>
           <a:p>
             <a:pPr algn="r"/>
-            <a:fld id="{EBFF1B84-9352-4A3A-9BA9-D86A8EB3FF27}" type="slidenum">
+            <a:fld id="{45365796-A120-49E4-A67C-9C3535B17209}" type="slidenum">
               <a:rPr b="0" lang="en-US" sz="1400" spc="-1" strike="noStrike">
                 <a:solidFill>
                   <a:srgbClr val="000000"/>
@@ -2057,8 +2098,36 @@
                 </a:uFill>
                 <a:latin typeface="Verdana"/>
               </a:rPr>
-              <a:t>CrowdFunding, </a:t>
-            </a:r>
+              <a:t>CrowdFunding, CrowdSelling, CrowdEngagement</a:t>
+            </a:r>
+            <a:endParaRPr b="0" lang="en-US" sz="3200" spc="-1" strike="noStrike">
+              <a:solidFill>
+                <a:srgbClr val="000000"/>
+              </a:solidFill>
+              <a:uFill>
+                <a:solidFill>
+                  <a:srgbClr val="ffffff"/>
+                </a:solidFill>
+              </a:uFill>
+              <a:latin typeface="Arial"/>
+            </a:endParaRPr>
+          </a:p>
+          <a:p>
+            <a:pPr algn="ctr"/>
+            <a:endParaRPr b="0" lang="en-US" sz="3200" spc="-1" strike="noStrike">
+              <a:solidFill>
+                <a:srgbClr val="000000"/>
+              </a:solidFill>
+              <a:uFill>
+                <a:solidFill>
+                  <a:srgbClr val="ffffff"/>
+                </a:solidFill>
+              </a:uFill>
+              <a:latin typeface="Arial"/>
+            </a:endParaRPr>
+          </a:p>
+          <a:p>
+            <a:pPr algn="ctr"/>
             <a:r>
               <a:rPr b="0" lang="en-US" sz="3200" spc="-1" strike="noStrike">
                 <a:solidFill>
@@ -2071,77 +2140,7 @@
                 </a:uFill>
                 <a:latin typeface="Verdana"/>
               </a:rPr>
-              <a:t>CrowdSelling, </a:t>
-            </a:r>
-            <a:r>
-              <a:rPr b="0" lang="en-US" sz="3200" spc="-1" strike="noStrike">
-                <a:solidFill>
-                  <a:srgbClr val="3c2154"/>
-                </a:solidFill>
-                <a:uFill>
-                  <a:solidFill>
-                    <a:srgbClr val="ffffff"/>
-                  </a:solidFill>
-                </a:uFill>
-                <a:latin typeface="Verdana"/>
-              </a:rPr>
-              <a:t>CrowdEngagement</a:t>
-            </a:r>
-            <a:endParaRPr b="0" lang="en-US" sz="3200" spc="-1" strike="noStrike">
-              <a:solidFill>
-                <a:srgbClr val="000000"/>
-              </a:solidFill>
-              <a:uFill>
-                <a:solidFill>
-                  <a:srgbClr val="ffffff"/>
-                </a:solidFill>
-              </a:uFill>
-              <a:latin typeface="Arial"/>
-            </a:endParaRPr>
-          </a:p>
-          <a:p>
-            <a:pPr algn="ctr"/>
-            <a:endParaRPr b="0" lang="en-US" sz="3200" spc="-1" strike="noStrike">
-              <a:solidFill>
-                <a:srgbClr val="000000"/>
-              </a:solidFill>
-              <a:uFill>
-                <a:solidFill>
-                  <a:srgbClr val="ffffff"/>
-                </a:solidFill>
-              </a:uFill>
-              <a:latin typeface="Arial"/>
-            </a:endParaRPr>
-          </a:p>
-          <a:p>
-            <a:pPr algn="ctr"/>
-            <a:r>
-              <a:rPr b="0" lang="en-US" sz="3200" spc="-1" strike="noStrike">
-                <a:solidFill>
-                  <a:srgbClr val="3c2154"/>
-                </a:solidFill>
-                <a:uFill>
-                  <a:solidFill>
-                    <a:srgbClr val="ffffff"/>
-                  </a:solidFill>
-                </a:uFill>
-                <a:latin typeface="Verdana"/>
-              </a:rPr>
-              <a:t>For AUTHORS &amp; </a:t>
-            </a:r>
-            <a:r>
-              <a:rPr b="0" lang="en-US" sz="3200" spc="-1" strike="noStrike">
-                <a:solidFill>
-                  <a:srgbClr val="3c2154"/>
-                </a:solidFill>
-                <a:uFill>
-                  <a:solidFill>
-                    <a:srgbClr val="ffffff"/>
-                  </a:solidFill>
-                </a:uFill>
-                <a:latin typeface="Verdana"/>
-              </a:rPr>
-              <a:t>FILMMAKERS</a:t>
+              <a:t>For AUTHORS</a:t>
             </a:r>
             <a:endParaRPr b="0" lang="en-US" sz="3200" spc="-1" strike="noStrike">
               <a:solidFill>
@@ -2231,7 +2230,7 @@
       </p:grpSpPr>
       <p:sp>
         <p:nvSpPr>
-          <p:cNvPr id="73" name="TextShape 1"/>
+          <p:cNvPr id="76" name="TextShape 1"/>
           <p:cNvSpPr txBox="1"/>
           <p:nvPr/>
         </p:nvSpPr>
@@ -2281,7 +2280,7 @@
       </p:sp>
       <p:pic>
         <p:nvPicPr>
-          <p:cNvPr id="74" name="" descr=""/>
+          <p:cNvPr id="77" name="" descr=""/>
           <p:cNvPicPr/>
           <p:nvPr/>
         </p:nvPicPr>
@@ -2293,75 +2292,6 @@
           <a:xfrm>
             <a:off x="3011760" y="1371600"/>
             <a:ext cx="6132240" cy="753840"/>
-          </a:xfrm>
-          <a:prstGeom prst="rect">
-            <a:avLst/>
-          </a:prstGeom>
-          <a:ln>
-            <a:noFill/>
-          </a:ln>
-        </p:spPr>
-      </p:pic>
-      <p:pic>
-        <p:nvPicPr>
-          <p:cNvPr id="75" name="" descr=""/>
-          <p:cNvPicPr/>
-          <p:nvPr/>
-        </p:nvPicPr>
-        <p:blipFill>
-          <a:blip r:embed="rId2"/>
-          <a:stretch/>
-        </p:blipFill>
-        <p:spPr>
-          <a:xfrm>
-            <a:off x="3017520" y="4075560"/>
-            <a:ext cx="4480560" cy="1868040"/>
-          </a:xfrm>
-          <a:prstGeom prst="rect">
-            <a:avLst/>
-          </a:prstGeom>
-          <a:ln>
-            <a:noFill/>
-          </a:ln>
-        </p:spPr>
-      </p:pic>
-      <p:pic>
-        <p:nvPicPr>
-          <p:cNvPr id="76" name="" descr=""/>
-          <p:cNvPicPr/>
-          <p:nvPr/>
-        </p:nvPicPr>
-        <p:blipFill>
-          <a:blip r:embed="rId3"/>
-          <a:stretch/>
-        </p:blipFill>
-        <p:spPr>
-          <a:xfrm>
-            <a:off x="-12240" y="2103480"/>
-            <a:ext cx="4309920" cy="2262600"/>
-          </a:xfrm>
-          <a:prstGeom prst="rect">
-            <a:avLst/>
-          </a:prstGeom>
-          <a:ln>
-            <a:noFill/>
-          </a:ln>
-        </p:spPr>
-      </p:pic>
-      <p:pic>
-        <p:nvPicPr>
-          <p:cNvPr id="77" name="" descr=""/>
-          <p:cNvPicPr/>
-          <p:nvPr/>
-        </p:nvPicPr>
-        <p:blipFill>
-          <a:blip r:embed="rId4"/>
-          <a:stretch/>
-        </p:blipFill>
-        <p:spPr>
-          <a:xfrm>
-            <a:off x="6218280" y="2651760"/>
-            <a:ext cx="3152520" cy="1523520"/>
           </a:xfrm>
           <a:prstGeom prst="rect">
             <a:avLst/>
@@ -2378,13 +2308,13 @@
           <p:nvPr/>
         </p:nvPicPr>
         <p:blipFill>
-          <a:blip r:embed="rId5"/>
+          <a:blip r:embed="rId2"/>
           <a:stretch/>
         </p:blipFill>
         <p:spPr>
           <a:xfrm>
-            <a:off x="-91440" y="4419360"/>
-            <a:ext cx="4846320" cy="3230640"/>
+            <a:off x="3017520" y="4075560"/>
+            <a:ext cx="4480560" cy="1868040"/>
           </a:xfrm>
           <a:prstGeom prst="rect">
             <a:avLst/>
@@ -2397,6 +2327,75 @@
       <p:pic>
         <p:nvPicPr>
           <p:cNvPr id="79" name="" descr=""/>
+          <p:cNvPicPr/>
+          <p:nvPr/>
+        </p:nvPicPr>
+        <p:blipFill>
+          <a:blip r:embed="rId3"/>
+          <a:stretch/>
+        </p:blipFill>
+        <p:spPr>
+          <a:xfrm>
+            <a:off x="-12240" y="2103480"/>
+            <a:ext cx="4309920" cy="2262600"/>
+          </a:xfrm>
+          <a:prstGeom prst="rect">
+            <a:avLst/>
+          </a:prstGeom>
+          <a:ln>
+            <a:noFill/>
+          </a:ln>
+        </p:spPr>
+      </p:pic>
+      <p:pic>
+        <p:nvPicPr>
+          <p:cNvPr id="80" name="" descr=""/>
+          <p:cNvPicPr/>
+          <p:nvPr/>
+        </p:nvPicPr>
+        <p:blipFill>
+          <a:blip r:embed="rId4"/>
+          <a:stretch/>
+        </p:blipFill>
+        <p:spPr>
+          <a:xfrm>
+            <a:off x="6218280" y="2651760"/>
+            <a:ext cx="3152520" cy="1523520"/>
+          </a:xfrm>
+          <a:prstGeom prst="rect">
+            <a:avLst/>
+          </a:prstGeom>
+          <a:ln>
+            <a:noFill/>
+          </a:ln>
+        </p:spPr>
+      </p:pic>
+      <p:pic>
+        <p:nvPicPr>
+          <p:cNvPr id="81" name="" descr=""/>
+          <p:cNvPicPr/>
+          <p:nvPr/>
+        </p:nvPicPr>
+        <p:blipFill>
+          <a:blip r:embed="rId5"/>
+          <a:stretch/>
+        </p:blipFill>
+        <p:spPr>
+          <a:xfrm>
+            <a:off x="-91440" y="4419360"/>
+            <a:ext cx="4846320" cy="3230640"/>
+          </a:xfrm>
+          <a:prstGeom prst="rect">
+            <a:avLst/>
+          </a:prstGeom>
+          <a:ln>
+            <a:noFill/>
+          </a:ln>
+        </p:spPr>
+      </p:pic>
+      <p:pic>
+        <p:nvPicPr>
+          <p:cNvPr id="82" name="" descr=""/>
           <p:cNvPicPr/>
           <p:nvPr/>
         </p:nvPicPr>
@@ -2468,7 +2467,7 @@
       </p:grpSpPr>
       <p:sp>
         <p:nvSpPr>
-          <p:cNvPr id="80" name="TextShape 1"/>
+          <p:cNvPr id="83" name="TextShape 1"/>
           <p:cNvSpPr txBox="1"/>
           <p:nvPr/>
         </p:nvSpPr>
@@ -2518,7 +2517,7 @@
       </p:sp>
       <p:sp>
         <p:nvSpPr>
-          <p:cNvPr id="81" name="TextShape 2"/>
+          <p:cNvPr id="84" name="TextShape 2"/>
           <p:cNvSpPr txBox="1"/>
           <p:nvPr/>
         </p:nvSpPr>
@@ -2741,7 +2740,7 @@
       </p:sp>
       <p:pic>
         <p:nvPicPr>
-          <p:cNvPr id="82" name="" descr=""/>
+          <p:cNvPr id="85" name="" descr=""/>
           <p:cNvPicPr/>
           <p:nvPr/>
         </p:nvPicPr>
@@ -2771,386 +2770,6 @@
           <p:childTnLst>
             <p:seq>
               <p:cTn id="22" nodeType="mainSeq"/>
-              <p:prevCondLst>
-                <p:cond delay="0" evt="onPrev">
-                  <p:tgtEl>
-                    <p:sldTgt/>
-                  </p:tgtEl>
-                </p:cond>
-              </p:prevCondLst>
-              <p:nextCondLst>
-                <p:cond delay="0" evt="onNext">
-                  <p:tgtEl>
-                    <p:sldTgt/>
-                  </p:tgtEl>
-                </p:cond>
-              </p:nextCondLst>
-            </p:seq>
-          </p:childTnLst>
-        </p:cTn>
-      </p:par>
-    </p:tnLst>
-  </p:timing>
-</p:sld>
-</file>
-
-<file path=ppt/slides/slide12.xml><?xml version="1.0" encoding="utf-8"?>
-<p:sld xmlns:a="http://schemas.openxmlformats.org/drawingml/2006/main" xmlns:p="http://schemas.openxmlformats.org/presentationml/2006/main" xmlns:r="http://schemas.openxmlformats.org/officeDocument/2006/relationships" xmlns:p14="http://schemas.microsoft.com/office/powerpoint/2010/main" xmlns:p15="http://schemas.microsoft.com/office/powerpoint/2012/main" xmlns:mc="http://schemas.openxmlformats.org/markup-compatibility/2006">
-  <p:cSld>
-    <p:spTree>
-      <p:nvGrpSpPr>
-        <p:cNvPr id="1" name=""/>
-        <p:cNvGrpSpPr/>
-        <p:nvPr/>
-      </p:nvGrpSpPr>
-      <p:grpSpPr>
-        <a:xfrm>
-          <a:off x="0" y="0"/>
-          <a:ext cx="0" cy="0"/>
-          <a:chOff x="0" y="0"/>
-          <a:chExt cx="0" cy="0"/>
-        </a:xfrm>
-      </p:grpSpPr>
-      <p:sp>
-        <p:nvSpPr>
-          <p:cNvPr id="83" name="TextShape 1"/>
-          <p:cNvSpPr txBox="1"/>
-          <p:nvPr/>
-        </p:nvSpPr>
-        <p:spPr>
-          <a:xfrm>
-            <a:off x="91440" y="91440"/>
-            <a:ext cx="9988560" cy="7468560"/>
-          </a:xfrm>
-          <a:prstGeom prst="rect">
-            <a:avLst/>
-          </a:prstGeom>
-          <a:noFill/>
-          <a:ln>
-            <a:noFill/>
-          </a:ln>
-        </p:spPr>
-        <p:txBody>
-          <a:bodyPr lIns="0" rIns="0" tIns="0" bIns="0"/>
-          <a:p>
-            <a:r>
-              <a:rPr b="0" lang="en-US" sz="1200" spc="-1" strike="noStrike">
-                <a:solidFill>
-                  <a:srgbClr val="000000"/>
-                </a:solidFill>
-                <a:uFill>
-                  <a:solidFill>
-                    <a:srgbClr val="ffffff"/>
-                  </a:solidFill>
-                </a:uFill>
-                <a:latin typeface="Arial"/>
-              </a:rPr>
-              <a:t>Book authors are being undervalued by having their books sold for $2.99 and receiving only 40%. Authors and filmmakers can offer more than just ebooks and print books, movies. Authors and filmmakers should be able to receive financial compensation for special engagement and perks. Most places that sell author and filmmaker products only offer the books or movies themselves. They don’t sell the author. It’s time consuming to market books and films. Kickstarter campaigns are overwhelming.</a:t>
-            </a:r>
-            <a:endParaRPr b="0" lang="en-US" sz="1200" spc="-1" strike="noStrike">
-              <a:solidFill>
-                <a:srgbClr val="000000"/>
-              </a:solidFill>
-              <a:uFill>
-                <a:solidFill>
-                  <a:srgbClr val="ffffff"/>
-                </a:solidFill>
-              </a:uFill>
-              <a:latin typeface="Arial"/>
-            </a:endParaRPr>
-          </a:p>
-          <a:p>
-            <a:endParaRPr b="0" lang="en-US" sz="1200" spc="-1" strike="noStrike">
-              <a:solidFill>
-                <a:srgbClr val="000000"/>
-              </a:solidFill>
-              <a:uFill>
-                <a:solidFill>
-                  <a:srgbClr val="ffffff"/>
-                </a:solidFill>
-              </a:uFill>
-              <a:latin typeface="Arial"/>
-            </a:endParaRPr>
-          </a:p>
-          <a:p>
-            <a:r>
-              <a:rPr b="0" lang="en-US" sz="1200" spc="-1" strike="noStrike">
-                <a:solidFill>
-                  <a:srgbClr val="000000"/>
-                </a:solidFill>
-                <a:uFill>
-                  <a:solidFill>
-                    <a:srgbClr val="ffffff"/>
-                  </a:solidFill>
-                </a:uFill>
-                <a:latin typeface="Arial"/>
-              </a:rPr>
-              <a:t>1. Web platform where authors and filmmakers can sell anything they have such as personalized inspirational social media posts for fans, consulting, or skype into book club meetups. </a:t>
-            </a:r>
-            <a:endParaRPr b="0" lang="en-US" sz="1200" spc="-1" strike="noStrike">
-              <a:solidFill>
-                <a:srgbClr val="000000"/>
-              </a:solidFill>
-              <a:uFill>
-                <a:solidFill>
-                  <a:srgbClr val="ffffff"/>
-                </a:solidFill>
-              </a:uFill>
-              <a:latin typeface="Arial"/>
-            </a:endParaRPr>
-          </a:p>
-          <a:p>
-            <a:r>
-              <a:rPr b="0" lang="en-US" sz="1200" spc="-1" strike="noStrike">
-                <a:solidFill>
-                  <a:srgbClr val="000000"/>
-                </a:solidFill>
-                <a:uFill>
-                  <a:solidFill>
-                    <a:srgbClr val="ffffff"/>
-                  </a:solidFill>
-                </a:uFill>
-                <a:latin typeface="Arial"/>
-              </a:rPr>
-              <a:t>2. Organizations that have a stake in projects on the site receive a portion of the authors’ cut for recruiting their membership to support a project.</a:t>
-            </a:r>
-            <a:endParaRPr b="0" lang="en-US" sz="1200" spc="-1" strike="noStrike">
-              <a:solidFill>
-                <a:srgbClr val="000000"/>
-              </a:solidFill>
-              <a:uFill>
-                <a:solidFill>
-                  <a:srgbClr val="ffffff"/>
-                </a:solidFill>
-              </a:uFill>
-              <a:latin typeface="Arial"/>
-            </a:endParaRPr>
-          </a:p>
-          <a:p>
-            <a:r>
-              <a:rPr b="0" lang="en-US" sz="1200" spc="-1" strike="noStrike">
-                <a:solidFill>
-                  <a:srgbClr val="000000"/>
-                </a:solidFill>
-                <a:uFill>
-                  <a:solidFill>
-                    <a:srgbClr val="ffffff"/>
-                  </a:solidFill>
-                </a:uFill>
-                <a:latin typeface="Arial"/>
-              </a:rPr>
-              <a:t>3. Instead of one campaign per product, long-term projects are broken into phases, such as chapters or scenes. Projects can have many phases, or mini-campaigns, per product.</a:t>
-            </a:r>
-            <a:endParaRPr b="0" lang="en-US" sz="1200" spc="-1" strike="noStrike">
-              <a:solidFill>
-                <a:srgbClr val="000000"/>
-              </a:solidFill>
-              <a:uFill>
-                <a:solidFill>
-                  <a:srgbClr val="ffffff"/>
-                </a:solidFill>
-              </a:uFill>
-              <a:latin typeface="Arial"/>
-            </a:endParaRPr>
-          </a:p>
-          <a:p>
-            <a:r>
-              <a:rPr b="0" lang="en-US" sz="1200" spc="-1" strike="noStrike">
-                <a:solidFill>
-                  <a:srgbClr val="000000"/>
-                </a:solidFill>
-                <a:uFill>
-                  <a:solidFill>
-                    <a:srgbClr val="ffffff"/>
-                  </a:solidFill>
-                </a:uFill>
-                <a:latin typeface="Arial"/>
-              </a:rPr>
-              <a:t>This opens up a much larger revenue stream for authors and filmmakers to produce their work. This gives fans much more opportunity to interact with their favorite authors and filmmakers and the possibility for special access. Opportunity to offload some of the marketing work to enthusiastic organizations.</a:t>
-            </a:r>
-            <a:endParaRPr b="0" lang="en-US" sz="1200" spc="-1" strike="noStrike">
-              <a:solidFill>
-                <a:srgbClr val="000000"/>
-              </a:solidFill>
-              <a:uFill>
-                <a:solidFill>
-                  <a:srgbClr val="ffffff"/>
-                </a:solidFill>
-              </a:uFill>
-              <a:latin typeface="Arial"/>
-            </a:endParaRPr>
-          </a:p>
-          <a:p>
-            <a:endParaRPr b="0" lang="en-US" sz="1200" spc="-1" strike="noStrike">
-              <a:solidFill>
-                <a:srgbClr val="000000"/>
-              </a:solidFill>
-              <a:uFill>
-                <a:solidFill>
-                  <a:srgbClr val="ffffff"/>
-                </a:solidFill>
-              </a:uFill>
-              <a:latin typeface="Arial"/>
-            </a:endParaRPr>
-          </a:p>
-          <a:p>
-            <a:r>
-              <a:rPr b="0" lang="en-US" sz="1200" spc="-1" strike="noStrike">
-                <a:solidFill>
-                  <a:srgbClr val="000000"/>
-                </a:solidFill>
-                <a:uFill>
-                  <a:solidFill>
-                    <a:srgbClr val="ffffff"/>
-                  </a:solidFill>
-                </a:uFill>
-                <a:latin typeface="Arial"/>
-              </a:rPr>
-              <a:t>Different than kickstarter, indiegogo, or patreon because authors’ organizations can do the marketing for the authors and receive a portion of the proceeds. Different than Amazon because the author is the focus, not the books or movies. Authors and filmmakers can earn revenue for many creative products rather than offering their fans only one book every year or two, they offer something once a month. CrowdPublish.TV gets the fans before the product is complete, beating the publishers to the customers. Authors don’t have to wait until product is almost complete before creating campaign nor make fans wait months before getting rewards/perks; they can offer something every month.</a:t>
-            </a:r>
-            <a:endParaRPr b="0" lang="en-US" sz="1200" spc="-1" strike="noStrike">
-              <a:solidFill>
-                <a:srgbClr val="000000"/>
-              </a:solidFill>
-              <a:uFill>
-                <a:solidFill>
-                  <a:srgbClr val="ffffff"/>
-                </a:solidFill>
-              </a:uFill>
-              <a:latin typeface="Arial"/>
-            </a:endParaRPr>
-          </a:p>
-          <a:p>
-            <a:endParaRPr b="0" lang="en-US" sz="1200" spc="-1" strike="noStrike">
-              <a:solidFill>
-                <a:srgbClr val="000000"/>
-              </a:solidFill>
-              <a:uFill>
-                <a:solidFill>
-                  <a:srgbClr val="ffffff"/>
-                </a:solidFill>
-              </a:uFill>
-              <a:latin typeface="Arial"/>
-            </a:endParaRPr>
-          </a:p>
-          <a:p>
-            <a:r>
-              <a:rPr b="0" lang="en-US" sz="1200" spc="-1" strike="noStrike">
-                <a:solidFill>
-                  <a:srgbClr val="000000"/>
-                </a:solidFill>
-                <a:uFill>
-                  <a:solidFill>
-                    <a:srgbClr val="ffffff"/>
-                  </a:solidFill>
-                </a:uFill>
-                <a:latin typeface="Arial"/>
-              </a:rPr>
-              <a:t>5% of the sales, same as kickstarter and indigogo. In the future there will be add-ons such as paying to be a featured author, premium web features on their page such as livestreaming, maintaining fan email notifications, or event rsvps. Fans pay for premium features such as content, featured reviews, membership discounts.  </a:t>
-            </a:r>
-            <a:endParaRPr b="0" lang="en-US" sz="1200" spc="-1" strike="noStrike">
-              <a:solidFill>
-                <a:srgbClr val="000000"/>
-              </a:solidFill>
-              <a:uFill>
-                <a:solidFill>
-                  <a:srgbClr val="ffffff"/>
-                </a:solidFill>
-              </a:uFill>
-              <a:latin typeface="Arial"/>
-            </a:endParaRPr>
-          </a:p>
-          <a:p>
-            <a:endParaRPr b="0" lang="en-US" sz="1200" spc="-1" strike="noStrike">
-              <a:solidFill>
-                <a:srgbClr val="000000"/>
-              </a:solidFill>
-              <a:uFill>
-                <a:solidFill>
-                  <a:srgbClr val="ffffff"/>
-                </a:solidFill>
-              </a:uFill>
-              <a:latin typeface="Arial"/>
-            </a:endParaRPr>
-          </a:p>
-          <a:p>
-            <a:r>
-              <a:rPr b="0" lang="en-US" sz="1200" spc="-1" strike="noStrike">
-                <a:solidFill>
-                  <a:srgbClr val="000000"/>
-                </a:solidFill>
-                <a:uFill>
-                  <a:solidFill>
-                    <a:srgbClr val="ffffff"/>
-                  </a:solidFill>
-                </a:uFill>
-                <a:latin typeface="Arial"/>
-              </a:rPr>
-              <a:t>Lisa: Ph.D. in industrial systems engineering from ASU. Self-taught Ruby on Rails. Developed and taught Ruby on Rails course for George Mason University. Mentored one of the students to continue semester project. Supervised research projects at the MITRE Corporation. Took video production courses from American University, screenwriting courses from Hollywood screenwriter. Was involved in Women in Film &amp; Video. Produced movie, wrote book about FAA, movie about high school in progress. Past president of Northern Virginia Writers Club.</a:t>
-            </a:r>
-            <a:endParaRPr b="0" lang="en-US" sz="1200" spc="-1" strike="noStrike">
-              <a:solidFill>
-                <a:srgbClr val="000000"/>
-              </a:solidFill>
-              <a:uFill>
-                <a:solidFill>
-                  <a:srgbClr val="ffffff"/>
-                </a:solidFill>
-              </a:uFill>
-              <a:latin typeface="Arial"/>
-            </a:endParaRPr>
-          </a:p>
-          <a:p>
-            <a:r>
-              <a:rPr b="0" lang="en-US" sz="1200" spc="-1" strike="noStrike">
-                <a:solidFill>
-                  <a:srgbClr val="000000"/>
-                </a:solidFill>
-                <a:uFill>
-                  <a:solidFill>
-                    <a:srgbClr val="ffffff"/>
-                  </a:solidFill>
-                </a:uFill>
-                <a:latin typeface="Arial"/>
-              </a:rPr>
-              <a:t>Need early adopters to test how users use site, give feedback on copy. Do they have the same interpretation of CrowdFunding that we intend? Does the term CrowdSelling convey they right capability or does it turn people off?</a:t>
-            </a:r>
-            <a:endParaRPr b="0" lang="en-US" sz="1200" spc="-1" strike="noStrike">
-              <a:solidFill>
-                <a:srgbClr val="000000"/>
-              </a:solidFill>
-              <a:uFill>
-                <a:solidFill>
-                  <a:srgbClr val="ffffff"/>
-                </a:solidFill>
-              </a:uFill>
-              <a:latin typeface="Arial"/>
-            </a:endParaRPr>
-          </a:p>
-          <a:p>
-            <a:endParaRPr b="0" lang="en-US" sz="1200" spc="-1" strike="noStrike">
-              <a:solidFill>
-                <a:srgbClr val="000000"/>
-              </a:solidFill>
-              <a:uFill>
-                <a:solidFill>
-                  <a:srgbClr val="ffffff"/>
-                </a:solidFill>
-              </a:uFill>
-              <a:latin typeface="Arial"/>
-            </a:endParaRPr>
-          </a:p>
-        </p:txBody>
-      </p:sp>
-    </p:spTree>
-  </p:cSld>
-  <p:timing>
-    <p:tnLst>
-      <p:par>
-        <p:cTn id="23" dur="indefinite" restart="never" nodeType="tmRoot">
-          <p:childTnLst>
-            <p:seq>
-              <p:cTn id="24" nodeType="mainSeq"/>
               <p:prevCondLst>
                 <p:cond delay="0" evt="onPrev">
                   <p:tgtEl>
@@ -3275,34 +2894,8 @@
                 </a:uFill>
                 <a:latin typeface="Verdana"/>
               </a:rPr>
-              <a:t>Book authors are being undervalued by current online selling practices</a:t>
-            </a:r>
-            <a:endParaRPr b="0" lang="en-US" sz="3200" spc="-1" strike="noStrike">
-              <a:solidFill>
-                <a:srgbClr val="000000"/>
-              </a:solidFill>
-              <a:uFill>
-                <a:solidFill>
-                  <a:srgbClr val="ffffff"/>
-                </a:solidFill>
-              </a:uFill>
-              <a:latin typeface="Arial"/>
-            </a:endParaRPr>
-          </a:p>
-          <a:p>
-            <a:endParaRPr b="0" lang="en-US" sz="3200" spc="-1" strike="noStrike">
-              <a:solidFill>
-                <a:srgbClr val="000000"/>
-              </a:solidFill>
-              <a:uFill>
-                <a:solidFill>
-                  <a:srgbClr val="ffffff"/>
-                </a:solidFill>
-              </a:uFill>
-              <a:latin typeface="Arial"/>
-            </a:endParaRPr>
-          </a:p>
-          <a:p>
+              <a:t>Book authors are </a:t>
+            </a:r>
             <a:r>
               <a:rPr b="0" lang="en-US" sz="3200" spc="-1" strike="noStrike">
                 <a:solidFill>
@@ -3315,34 +2908,8 @@
                 </a:uFill>
                 <a:latin typeface="Verdana"/>
               </a:rPr>
-              <a:t>Most places that sell author and filmmaker products only offer the books or movies</a:t>
-            </a:r>
-            <a:endParaRPr b="0" lang="en-US" sz="3200" spc="-1" strike="noStrike">
-              <a:solidFill>
-                <a:srgbClr val="000000"/>
-              </a:solidFill>
-              <a:uFill>
-                <a:solidFill>
-                  <a:srgbClr val="ffffff"/>
-                </a:solidFill>
-              </a:uFill>
-              <a:latin typeface="Arial"/>
-            </a:endParaRPr>
-          </a:p>
-          <a:p>
-            <a:endParaRPr b="0" lang="en-US" sz="3200" spc="-1" strike="noStrike">
-              <a:solidFill>
-                <a:srgbClr val="000000"/>
-              </a:solidFill>
-              <a:uFill>
-                <a:solidFill>
-                  <a:srgbClr val="ffffff"/>
-                </a:solidFill>
-              </a:uFill>
-              <a:latin typeface="Arial"/>
-            </a:endParaRPr>
-          </a:p>
-          <a:p>
+              <a:t>being undervalued by </a:t>
+            </a:r>
             <a:r>
               <a:rPr b="0" lang="en-US" sz="3200" spc="-1" strike="noStrike">
                 <a:solidFill>
@@ -3355,7 +2922,143 @@
                 </a:uFill>
                 <a:latin typeface="Verdana"/>
               </a:rPr>
-              <a:t>Marketing is time consuming</a:t>
+              <a:t>current online selling </a:t>
+            </a:r>
+            <a:r>
+              <a:rPr b="0" lang="en-US" sz="3200" spc="-1" strike="noStrike">
+                <a:solidFill>
+                  <a:srgbClr val="3c2154"/>
+                </a:solidFill>
+                <a:uFill>
+                  <a:solidFill>
+                    <a:srgbClr val="ffffff"/>
+                  </a:solidFill>
+                </a:uFill>
+                <a:latin typeface="Verdana"/>
+              </a:rPr>
+              <a:t>practices</a:t>
+            </a:r>
+            <a:endParaRPr b="0" lang="en-US" sz="3200" spc="-1" strike="noStrike">
+              <a:solidFill>
+                <a:srgbClr val="000000"/>
+              </a:solidFill>
+              <a:uFill>
+                <a:solidFill>
+                  <a:srgbClr val="ffffff"/>
+                </a:solidFill>
+              </a:uFill>
+              <a:latin typeface="Arial"/>
+            </a:endParaRPr>
+          </a:p>
+          <a:p>
+            <a:endParaRPr b="0" lang="en-US" sz="3200" spc="-1" strike="noStrike">
+              <a:solidFill>
+                <a:srgbClr val="000000"/>
+              </a:solidFill>
+              <a:uFill>
+                <a:solidFill>
+                  <a:srgbClr val="ffffff"/>
+                </a:solidFill>
+              </a:uFill>
+              <a:latin typeface="Arial"/>
+            </a:endParaRPr>
+          </a:p>
+          <a:p>
+            <a:r>
+              <a:rPr b="0" lang="en-US" sz="3200" spc="-1" strike="noStrike">
+                <a:solidFill>
+                  <a:srgbClr val="3c2154"/>
+                </a:solidFill>
+                <a:uFill>
+                  <a:solidFill>
+                    <a:srgbClr val="ffffff"/>
+                  </a:solidFill>
+                </a:uFill>
+                <a:latin typeface="Verdana"/>
+              </a:rPr>
+              <a:t>Most places that sell </a:t>
+            </a:r>
+            <a:r>
+              <a:rPr b="0" lang="en-US" sz="3200" spc="-1" strike="noStrike">
+                <a:solidFill>
+                  <a:srgbClr val="3c2154"/>
+                </a:solidFill>
+                <a:uFill>
+                  <a:solidFill>
+                    <a:srgbClr val="ffffff"/>
+                  </a:solidFill>
+                </a:uFill>
+                <a:latin typeface="Verdana"/>
+              </a:rPr>
+              <a:t>authors’ products only </a:t>
+            </a:r>
+            <a:r>
+              <a:rPr b="0" lang="en-US" sz="3200" spc="-1" strike="noStrike">
+                <a:solidFill>
+                  <a:srgbClr val="3c2154"/>
+                </a:solidFill>
+                <a:uFill>
+                  <a:solidFill>
+                    <a:srgbClr val="ffffff"/>
+                  </a:solidFill>
+                </a:uFill>
+                <a:latin typeface="Verdana"/>
+              </a:rPr>
+              <a:t>offer the books</a:t>
+            </a:r>
+            <a:endParaRPr b="0" lang="en-US" sz="3200" spc="-1" strike="noStrike">
+              <a:solidFill>
+                <a:srgbClr val="000000"/>
+              </a:solidFill>
+              <a:uFill>
+                <a:solidFill>
+                  <a:srgbClr val="ffffff"/>
+                </a:solidFill>
+              </a:uFill>
+              <a:latin typeface="Arial"/>
+            </a:endParaRPr>
+          </a:p>
+          <a:p>
+            <a:endParaRPr b="0" lang="en-US" sz="3200" spc="-1" strike="noStrike">
+              <a:solidFill>
+                <a:srgbClr val="000000"/>
+              </a:solidFill>
+              <a:uFill>
+                <a:solidFill>
+                  <a:srgbClr val="ffffff"/>
+                </a:solidFill>
+              </a:uFill>
+              <a:latin typeface="Arial"/>
+            </a:endParaRPr>
+          </a:p>
+          <a:p>
+            <a:r>
+              <a:rPr b="0" lang="en-US" sz="3200" spc="-1" strike="noStrike">
+                <a:solidFill>
+                  <a:srgbClr val="3c2154"/>
+                </a:solidFill>
+                <a:uFill>
+                  <a:solidFill>
+                    <a:srgbClr val="ffffff"/>
+                  </a:solidFill>
+                </a:uFill>
+                <a:latin typeface="Verdana"/>
+              </a:rPr>
+              <a:t>Marketing is time </a:t>
+            </a:r>
+            <a:r>
+              <a:rPr b="0" lang="en-US" sz="3200" spc="-1" strike="noStrike">
+                <a:solidFill>
+                  <a:srgbClr val="3c2154"/>
+                </a:solidFill>
+                <a:uFill>
+                  <a:solidFill>
+                    <a:srgbClr val="ffffff"/>
+                  </a:solidFill>
+                </a:uFill>
+                <a:latin typeface="Verdana"/>
+              </a:rPr>
+              <a:t>consuming</a:t>
             </a:r>
             <a:endParaRPr b="0" lang="en-US" sz="3200" spc="-1" strike="noStrike">
               <a:solidFill>
@@ -3520,34 +3223,6 @@
               <a:latin typeface="Arial"/>
             </a:endParaRPr>
           </a:p>
-          <a:p>
-            <a:pPr algn="ctr"/>
-            <a:r>
-              <a:rPr b="0" lang="en-US" sz="3200" spc="-1" strike="noStrike">
-                <a:solidFill>
-                  <a:srgbClr val="3c2154"/>
-                </a:solidFill>
-                <a:uFill>
-                  <a:solidFill>
-                    <a:srgbClr val="ffffff"/>
-                  </a:solidFill>
-                </a:uFill>
-                <a:latin typeface="Verdana"/>
-              </a:rPr>
-              <a:t>&amp; filmmakers</a:t>
-            </a:r>
-            <a:endParaRPr b="0" lang="en-US" sz="3200" spc="-1" strike="noStrike">
-              <a:solidFill>
-                <a:srgbClr val="000000"/>
-              </a:solidFill>
-              <a:uFill>
-                <a:solidFill>
-                  <a:srgbClr val="ffffff"/>
-                </a:solidFill>
-              </a:uFill>
-              <a:latin typeface="Arial"/>
-            </a:endParaRPr>
-          </a:p>
         </p:txBody>
       </p:sp>
       <p:sp>
@@ -4006,7 +3681,7 @@
                 </a:uFill>
                 <a:latin typeface="Verdana"/>
               </a:rPr>
-              <a:t>Writers and show producers receive monthly donations from fans</a:t>
+              <a:t>Writers receive monthly donations from fans on Patreon</a:t>
             </a:r>
             <a:endParaRPr b="0" lang="en-US" sz="3200" spc="-1" strike="noStrike">
               <a:solidFill>
@@ -4156,7 +3831,7 @@
         <p:spPr>
           <a:xfrm>
             <a:off x="504000" y="301320"/>
-            <a:ext cx="9071640" cy="1262160"/>
+            <a:ext cx="9071640" cy="704520"/>
           </a:xfrm>
           <a:prstGeom prst="rect">
             <a:avLst/>
@@ -4205,8 +3880,8 @@
         </p:nvSpPr>
         <p:spPr>
           <a:xfrm>
-            <a:off x="163440" y="1769040"/>
-            <a:ext cx="9071640" cy="4384440"/>
+            <a:off x="457200" y="1920240"/>
+            <a:ext cx="9052560" cy="5776200"/>
           </a:xfrm>
           <a:prstGeom prst="rect">
             <a:avLst/>
@@ -4220,6 +3895,20 @@
           <a:bodyPr lIns="0" rIns="0" tIns="0" bIns="0"/>
           <a:p>
             <a:r>
+              <a:rPr b="1" lang="en-US" sz="3200" spc="-1" strike="noStrike">
+                <a:solidFill>
+                  <a:srgbClr val="3c2154"/>
+                </a:solidFill>
+                <a:uFill>
+                  <a:solidFill>
+                    <a:srgbClr val="ffffff"/>
+                  </a:solidFill>
+                </a:uFill>
+                <a:latin typeface="Verdana"/>
+              </a:rPr>
+              <a:t>Kickstarter 2015</a:t>
+            </a:r>
+            <a:r>
               <a:rPr b="0" lang="en-US" sz="3200" spc="-1" strike="noStrike">
                 <a:solidFill>
                   <a:srgbClr val="3c2154"/>
@@ -4233,6 +3922,19 @@
               </a:rPr>
               <a:t> </a:t>
             </a:r>
+            <a:endParaRPr b="0" lang="en-US" sz="3200" spc="-1" strike="noStrike">
+              <a:solidFill>
+                <a:srgbClr val="000000"/>
+              </a:solidFill>
+              <a:uFill>
+                <a:solidFill>
+                  <a:srgbClr val="ffffff"/>
+                </a:solidFill>
+              </a:uFill>
+              <a:latin typeface="Arial"/>
+            </a:endParaRPr>
+          </a:p>
+          <a:p>
             <a:r>
               <a:rPr b="0" lang="en-US" sz="3200" spc="-1" strike="noStrike">
                 <a:solidFill>
@@ -4245,21 +3947,8 @@
                 </a:uFill>
                 <a:latin typeface="Verdana"/>
               </a:rPr>
-              <a:t>books on kickstarter</a:t>
-            </a:r>
-            <a:endParaRPr b="0" lang="en-US" sz="3200" spc="-1" strike="noStrike">
-              <a:solidFill>
-                <a:srgbClr val="000000"/>
-              </a:solidFill>
-              <a:uFill>
-                <a:solidFill>
-                  <a:srgbClr val="ffffff"/>
-                </a:solidFill>
-              </a:uFill>
-              <a:latin typeface="Arial"/>
-            </a:endParaRPr>
-          </a:p>
-          <a:p>
+              <a:t>Literary journals: $200,000</a:t>
+            </a:r>
             <a:endParaRPr b="0" lang="en-US" sz="3200" spc="-1" strike="noStrike">
               <a:solidFill>
                 <a:srgbClr val="000000"/>
@@ -4285,6 +3974,100 @@
                 </a:uFill>
                 <a:latin typeface="Verdana"/>
               </a:rPr>
+              <a:t>Poetry: $300,000 </a:t>
+            </a:r>
+            <a:endParaRPr b="0" lang="en-US" sz="3200" spc="-1" strike="noStrike">
+              <a:solidFill>
+                <a:srgbClr val="000000"/>
+              </a:solidFill>
+              <a:uFill>
+                <a:solidFill>
+                  <a:srgbClr val="ffffff"/>
+                </a:solidFill>
+              </a:uFill>
+              <a:latin typeface="Arial"/>
+            </a:endParaRPr>
+          </a:p>
+          <a:p>
+            <a:r>
+              <a:rPr b="0" lang="en-US" sz="3200" spc="-1" strike="noStrike">
+                <a:solidFill>
+                  <a:srgbClr val="3c2154"/>
+                </a:solidFill>
+                <a:uFill>
+                  <a:solidFill>
+                    <a:srgbClr val="ffffff"/>
+                  </a:solidFill>
+                </a:uFill>
+                <a:latin typeface="Verdana"/>
+              </a:rPr>
+              <a:t>Anthologies: $500,000</a:t>
+            </a:r>
+            <a:endParaRPr b="0" lang="en-US" sz="3200" spc="-1" strike="noStrike">
+              <a:solidFill>
+                <a:srgbClr val="000000"/>
+              </a:solidFill>
+              <a:uFill>
+                <a:solidFill>
+                  <a:srgbClr val="ffffff"/>
+                </a:solidFill>
+              </a:uFill>
+              <a:latin typeface="Arial"/>
+            </a:endParaRPr>
+          </a:p>
+          <a:p>
+            <a:r>
+              <a:rPr b="0" lang="en-US" sz="3200" spc="-1" strike="noStrike">
+                <a:solidFill>
+                  <a:srgbClr val="3c2154"/>
+                </a:solidFill>
+                <a:uFill>
+                  <a:solidFill>
+                    <a:srgbClr val="ffffff"/>
+                  </a:solidFill>
+                </a:uFill>
+                <a:latin typeface="Verdana"/>
+              </a:rPr>
+              <a:t>Art books: $4m</a:t>
+            </a:r>
+            <a:endParaRPr b="0" lang="en-US" sz="3200" spc="-1" strike="noStrike">
+              <a:solidFill>
+                <a:srgbClr val="000000"/>
+              </a:solidFill>
+              <a:uFill>
+                <a:solidFill>
+                  <a:srgbClr val="ffffff"/>
+                </a:solidFill>
+              </a:uFill>
+              <a:latin typeface="Arial"/>
+            </a:endParaRPr>
+          </a:p>
+          <a:p>
+            <a:endParaRPr b="0" lang="en-US" sz="3200" spc="-1" strike="noStrike">
+              <a:solidFill>
+                <a:srgbClr val="000000"/>
+              </a:solidFill>
+              <a:uFill>
+                <a:solidFill>
+                  <a:srgbClr val="ffffff"/>
+                </a:solidFill>
+              </a:uFill>
+              <a:latin typeface="Arial"/>
+            </a:endParaRPr>
+          </a:p>
+          <a:p>
+            <a:r>
+              <a:rPr b="0" lang="en-US" sz="3200" spc="-1" strike="noStrike">
+                <a:solidFill>
+                  <a:srgbClr val="3c2154"/>
+                </a:solidFill>
+                <a:uFill>
+                  <a:solidFill>
+                    <a:srgbClr val="ffffff"/>
+                  </a:solidFill>
+                </a:uFill>
+                <a:latin typeface="Verdana"/>
+              </a:rPr>
               <a:t>Self published books on Amazon</a:t>
             </a:r>
             <a:endParaRPr b="0" lang="en-US" sz="3200" spc="-1" strike="noStrike">
@@ -4325,7 +4108,7 @@
                 </a:uFill>
                 <a:latin typeface="Verdana"/>
               </a:rPr>
-              <a:t>727000 Self-Published in 2015 in US alone</a:t>
+              <a:t>727000 Self-Published in 2015 in US</a:t>
             </a:r>
             <a:endParaRPr b="0" lang="en-US" sz="3200" spc="-1" strike="noStrike">
               <a:solidFill>
@@ -4379,7 +4162,7 @@
         </p:blipFill>
         <p:spPr>
           <a:xfrm>
-            <a:off x="7513920" y="4679280"/>
+            <a:off x="7955280" y="301320"/>
             <a:ext cx="1904400" cy="1904400"/>
           </a:xfrm>
           <a:prstGeom prst="rect">
@@ -4447,8 +4230,8 @@
         </p:nvSpPr>
         <p:spPr>
           <a:xfrm>
-            <a:off x="504000" y="301320"/>
-            <a:ext cx="9071640" cy="1262160"/>
+            <a:off x="6583680" y="103320"/>
+            <a:ext cx="3357720" cy="1268280"/>
           </a:xfrm>
           <a:prstGeom prst="rect">
             <a:avLst/>
@@ -4503,232 +4286,9 @@
           </a:p>
         </p:txBody>
       </p:sp>
-      <p:sp>
-        <p:nvSpPr>
-          <p:cNvPr id="58" name="TextShape 2"/>
-          <p:cNvSpPr txBox="1"/>
-          <p:nvPr/>
-        </p:nvSpPr>
-        <p:spPr>
-          <a:xfrm>
-            <a:off x="163440" y="1769040"/>
-            <a:ext cx="9071640" cy="5433480"/>
-          </a:xfrm>
-          <a:prstGeom prst="rect">
-            <a:avLst/>
-          </a:prstGeom>
-          <a:noFill/>
-          <a:ln>
-            <a:noFill/>
-          </a:ln>
-        </p:spPr>
-        <p:txBody>
-          <a:bodyPr lIns="0" rIns="0" tIns="0" bIns="0"/>
-          <a:p>
-            <a:r>
-              <a:rPr b="0" lang="en-US" sz="3200" spc="-1" strike="noStrike">
-                <a:solidFill>
-                  <a:srgbClr val="3c2154"/>
-                </a:solidFill>
-                <a:uFill>
-                  <a:solidFill>
-                    <a:srgbClr val="ffffff"/>
-                  </a:solidFill>
-                </a:uFill>
-                <a:latin typeface="Verdana"/>
-              </a:rPr>
-              <a:t>Author Posts a project phase</a:t>
-            </a:r>
-            <a:endParaRPr b="0" lang="en-US" sz="3200" spc="-1" strike="noStrike">
-              <a:solidFill>
-                <a:srgbClr val="000000"/>
-              </a:solidFill>
-              <a:uFill>
-                <a:solidFill>
-                  <a:srgbClr val="ffffff"/>
-                </a:solidFill>
-              </a:uFill>
-              <a:latin typeface="Arial"/>
-            </a:endParaRPr>
-          </a:p>
-          <a:p>
-            <a:endParaRPr b="0" lang="en-US" sz="3200" spc="-1" strike="noStrike">
-              <a:solidFill>
-                <a:srgbClr val="000000"/>
-              </a:solidFill>
-              <a:uFill>
-                <a:solidFill>
-                  <a:srgbClr val="ffffff"/>
-                </a:solidFill>
-              </a:uFill>
-              <a:latin typeface="Arial"/>
-            </a:endParaRPr>
-          </a:p>
-          <a:p>
-            <a:r>
-              <a:rPr b="0" lang="en-US" sz="3200" spc="-1" strike="noStrike">
-                <a:solidFill>
-                  <a:srgbClr val="3c2154"/>
-                </a:solidFill>
-                <a:uFill>
-                  <a:solidFill>
-                    <a:srgbClr val="ffffff"/>
-                  </a:solidFill>
-                </a:uFill>
-                <a:latin typeface="Verdana"/>
-              </a:rPr>
-              <a:t>Add items to sell (standard or custom)</a:t>
-            </a:r>
-            <a:endParaRPr b="0" lang="en-US" sz="3200" spc="-1" strike="noStrike">
-              <a:solidFill>
-                <a:srgbClr val="000000"/>
-              </a:solidFill>
-              <a:uFill>
-                <a:solidFill>
-                  <a:srgbClr val="ffffff"/>
-                </a:solidFill>
-              </a:uFill>
-              <a:latin typeface="Arial"/>
-            </a:endParaRPr>
-          </a:p>
-          <a:p>
-            <a:endParaRPr b="0" lang="en-US" sz="3200" spc="-1" strike="noStrike">
-              <a:solidFill>
-                <a:srgbClr val="000000"/>
-              </a:solidFill>
-              <a:uFill>
-                <a:solidFill>
-                  <a:srgbClr val="ffffff"/>
-                </a:solidFill>
-              </a:uFill>
-              <a:latin typeface="Arial"/>
-            </a:endParaRPr>
-          </a:p>
-          <a:p>
-            <a:r>
-              <a:rPr b="0" lang="en-US" sz="3200" spc="-1" strike="noStrike">
-                <a:solidFill>
-                  <a:srgbClr val="3c2154"/>
-                </a:solidFill>
-                <a:uFill>
-                  <a:solidFill>
-                    <a:srgbClr val="ffffff"/>
-                  </a:solidFill>
-                </a:uFill>
-                <a:latin typeface="Verdana"/>
-              </a:rPr>
-              <a:t>Get existing fans to sign up &amp; purchase</a:t>
-            </a:r>
-            <a:endParaRPr b="0" lang="en-US" sz="3200" spc="-1" strike="noStrike">
-              <a:solidFill>
-                <a:srgbClr val="000000"/>
-              </a:solidFill>
-              <a:uFill>
-                <a:solidFill>
-                  <a:srgbClr val="ffffff"/>
-                </a:solidFill>
-              </a:uFill>
-              <a:latin typeface="Arial"/>
-            </a:endParaRPr>
-          </a:p>
-          <a:p>
-            <a:endParaRPr b="0" lang="en-US" sz="3200" spc="-1" strike="noStrike">
-              <a:solidFill>
-                <a:srgbClr val="000000"/>
-              </a:solidFill>
-              <a:uFill>
-                <a:solidFill>
-                  <a:srgbClr val="ffffff"/>
-                </a:solidFill>
-              </a:uFill>
-              <a:latin typeface="Arial"/>
-            </a:endParaRPr>
-          </a:p>
-          <a:p>
-            <a:r>
-              <a:rPr b="0" lang="en-US" sz="3200" spc="-1" strike="noStrike">
-                <a:solidFill>
-                  <a:srgbClr val="3c2154"/>
-                </a:solidFill>
-                <a:uFill>
-                  <a:solidFill>
-                    <a:srgbClr val="ffffff"/>
-                  </a:solidFill>
-                </a:uFill>
-                <a:latin typeface="Verdana"/>
-              </a:rPr>
-              <a:t>Get your organizations to tell their members</a:t>
-            </a:r>
-            <a:endParaRPr b="0" lang="en-US" sz="3200" spc="-1" strike="noStrike">
-              <a:solidFill>
-                <a:srgbClr val="000000"/>
-              </a:solidFill>
-              <a:uFill>
-                <a:solidFill>
-                  <a:srgbClr val="ffffff"/>
-                </a:solidFill>
-              </a:uFill>
-              <a:latin typeface="Arial"/>
-            </a:endParaRPr>
-          </a:p>
-          <a:p>
-            <a:endParaRPr b="0" lang="en-US" sz="3200" spc="-1" strike="noStrike">
-              <a:solidFill>
-                <a:srgbClr val="000000"/>
-              </a:solidFill>
-              <a:uFill>
-                <a:solidFill>
-                  <a:srgbClr val="ffffff"/>
-                </a:solidFill>
-              </a:uFill>
-              <a:latin typeface="Arial"/>
-            </a:endParaRPr>
-          </a:p>
-          <a:p>
-            <a:r>
-              <a:rPr b="0" lang="en-US" sz="3200" spc="-1" strike="noStrike">
-                <a:solidFill>
-                  <a:srgbClr val="3c2154"/>
-                </a:solidFill>
-                <a:uFill>
-                  <a:solidFill>
-                    <a:srgbClr val="ffffff"/>
-                  </a:solidFill>
-                </a:uFill>
-                <a:latin typeface="Verdana"/>
-              </a:rPr>
-              <a:t> </a:t>
-            </a:r>
-            <a:endParaRPr b="0" lang="en-US" sz="3200" spc="-1" strike="noStrike">
-              <a:solidFill>
-                <a:srgbClr val="000000"/>
-              </a:solidFill>
-              <a:uFill>
-                <a:solidFill>
-                  <a:srgbClr val="ffffff"/>
-                </a:solidFill>
-              </a:uFill>
-              <a:latin typeface="Arial"/>
-            </a:endParaRPr>
-          </a:p>
-          <a:p>
-            <a:endParaRPr b="0" lang="en-US" sz="3200" spc="-1" strike="noStrike">
-              <a:solidFill>
-                <a:srgbClr val="000000"/>
-              </a:solidFill>
-              <a:uFill>
-                <a:solidFill>
-                  <a:srgbClr val="ffffff"/>
-                </a:solidFill>
-              </a:uFill>
-              <a:latin typeface="Arial"/>
-            </a:endParaRPr>
-          </a:p>
-        </p:txBody>
-      </p:sp>
       <p:pic>
         <p:nvPicPr>
-          <p:cNvPr id="59" name="" descr=""/>
+          <p:cNvPr id="58" name="" descr=""/>
           <p:cNvPicPr/>
           <p:nvPr/>
         </p:nvPicPr>
@@ -4738,8 +4298,195 @@
         </p:blipFill>
         <p:spPr>
           <a:xfrm>
-            <a:off x="7513920" y="4679280"/>
-            <a:ext cx="1904400" cy="1904400"/>
+            <a:off x="-182880" y="-437760"/>
+            <a:ext cx="6288480" cy="3537360"/>
+          </a:xfrm>
+          <a:prstGeom prst="rect">
+            <a:avLst/>
+          </a:prstGeom>
+          <a:ln>
+            <a:noFill/>
+          </a:ln>
+        </p:spPr>
+      </p:pic>
+      <p:sp>
+        <p:nvSpPr>
+          <p:cNvPr id="59" name="TextShape 2"/>
+          <p:cNvSpPr txBox="1"/>
+          <p:nvPr/>
+        </p:nvSpPr>
+        <p:spPr>
+          <a:xfrm>
+            <a:off x="6468840" y="2011680"/>
+            <a:ext cx="3406680" cy="1280160"/>
+          </a:xfrm>
+          <a:prstGeom prst="rect">
+            <a:avLst/>
+          </a:prstGeom>
+          <a:noFill/>
+          <a:ln>
+            <a:noFill/>
+          </a:ln>
+        </p:spPr>
+        <p:txBody>
+          <a:bodyPr lIns="0" rIns="0" tIns="0" bIns="0"/>
+          <a:p>
+            <a:r>
+              <a:rPr b="0" lang="en-US" sz="3200" spc="-1" strike="noStrike">
+                <a:solidFill>
+                  <a:srgbClr val="3c2154"/>
+                </a:solidFill>
+                <a:uFill>
+                  <a:solidFill>
+                    <a:srgbClr val="ffffff"/>
+                  </a:solidFill>
+                </a:uFill>
+                <a:latin typeface="Verdana"/>
+              </a:rPr>
+              <a:t>Author Posts a project phase</a:t>
+            </a:r>
+            <a:endParaRPr b="0" lang="en-US" sz="3200" spc="-1" strike="noStrike">
+              <a:solidFill>
+                <a:srgbClr val="000000"/>
+              </a:solidFill>
+              <a:uFill>
+                <a:solidFill>
+                  <a:srgbClr val="ffffff"/>
+                </a:solidFill>
+              </a:uFill>
+              <a:latin typeface="Arial"/>
+            </a:endParaRPr>
+          </a:p>
+        </p:txBody>
+      </p:sp>
+      <p:sp>
+        <p:nvSpPr>
+          <p:cNvPr id="60" name="TextShape 3"/>
+          <p:cNvSpPr txBox="1"/>
+          <p:nvPr/>
+        </p:nvSpPr>
+        <p:spPr>
+          <a:xfrm>
+            <a:off x="91440" y="4205160"/>
+            <a:ext cx="4591080" cy="1098360"/>
+          </a:xfrm>
+          <a:prstGeom prst="rect">
+            <a:avLst/>
+          </a:prstGeom>
+          <a:noFill/>
+          <a:ln>
+            <a:noFill/>
+          </a:ln>
+        </p:spPr>
+        <p:txBody>
+          <a:bodyPr lIns="0" rIns="0" tIns="0" bIns="0"/>
+          <a:p>
+            <a:r>
+              <a:rPr b="0" lang="en-US" sz="3200" spc="-1" strike="noStrike">
+                <a:solidFill>
+                  <a:srgbClr val="3c2154"/>
+                </a:solidFill>
+                <a:uFill>
+                  <a:solidFill>
+                    <a:srgbClr val="ffffff"/>
+                  </a:solidFill>
+                </a:uFill>
+                <a:latin typeface="Verdana"/>
+              </a:rPr>
+              <a:t>Get existing fans to </a:t>
+            </a:r>
+            <a:r>
+              <a:rPr b="0" lang="en-US" sz="3200" spc="-1" strike="noStrike">
+                <a:solidFill>
+                  <a:srgbClr val="3c2154"/>
+                </a:solidFill>
+                <a:uFill>
+                  <a:solidFill>
+                    <a:srgbClr val="ffffff"/>
+                  </a:solidFill>
+                </a:uFill>
+                <a:latin typeface="Verdana"/>
+              </a:rPr>
+              <a:t>sign up &amp; purchase</a:t>
+            </a:r>
+            <a:endParaRPr b="0" lang="en-US" sz="3200" spc="-1" strike="noStrike">
+              <a:solidFill>
+                <a:srgbClr val="000000"/>
+              </a:solidFill>
+              <a:uFill>
+                <a:solidFill>
+                  <a:srgbClr val="ffffff"/>
+                </a:solidFill>
+              </a:uFill>
+              <a:latin typeface="Arial"/>
+            </a:endParaRPr>
+          </a:p>
+        </p:txBody>
+      </p:sp>
+      <p:sp>
+        <p:nvSpPr>
+          <p:cNvPr id="61" name="TextShape 4"/>
+          <p:cNvSpPr txBox="1"/>
+          <p:nvPr/>
+        </p:nvSpPr>
+        <p:spPr>
+          <a:xfrm>
+            <a:off x="274320" y="6234840"/>
+            <a:ext cx="4480560" cy="1171800"/>
+          </a:xfrm>
+          <a:prstGeom prst="rect">
+            <a:avLst/>
+          </a:prstGeom>
+          <a:noFill/>
+          <a:ln>
+            <a:noFill/>
+          </a:ln>
+        </p:spPr>
+        <p:txBody>
+          <a:bodyPr lIns="0" rIns="0" tIns="0" bIns="0"/>
+          <a:p>
+            <a:r>
+              <a:rPr b="0" lang="en-US" sz="3200" spc="-1" strike="noStrike">
+                <a:solidFill>
+                  <a:srgbClr val="3c2154"/>
+                </a:solidFill>
+                <a:uFill>
+                  <a:solidFill>
+                    <a:srgbClr val="ffffff"/>
+                  </a:solidFill>
+                </a:uFill>
+                <a:latin typeface="Verdana"/>
+              </a:rPr>
+              <a:t>Get organizations to tell their members </a:t>
+            </a:r>
+            <a:endParaRPr b="0" lang="en-US" sz="3200" spc="-1" strike="noStrike">
+              <a:solidFill>
+                <a:srgbClr val="000000"/>
+              </a:solidFill>
+              <a:uFill>
+                <a:solidFill>
+                  <a:srgbClr val="ffffff"/>
+                </a:solidFill>
+              </a:uFill>
+              <a:latin typeface="Arial"/>
+            </a:endParaRPr>
+          </a:p>
+        </p:txBody>
+      </p:sp>
+      <p:pic>
+        <p:nvPicPr>
+          <p:cNvPr id="62" name="" descr=""/>
+          <p:cNvPicPr/>
+          <p:nvPr/>
+        </p:nvPicPr>
+        <p:blipFill>
+          <a:blip r:embed="rId2"/>
+          <a:stretch/>
+        </p:blipFill>
+        <p:spPr>
+          <a:xfrm>
+            <a:off x="4846320" y="3052080"/>
+            <a:ext cx="5136840" cy="4043160"/>
           </a:xfrm>
           <a:prstGeom prst="rect">
             <a:avLst/>
@@ -4800,7 +4547,7 @@
       </p:grpSpPr>
       <p:sp>
         <p:nvSpPr>
-          <p:cNvPr id="60" name="TextShape 1"/>
+          <p:cNvPr id="63" name="TextShape 1"/>
           <p:cNvSpPr txBox="1"/>
           <p:nvPr/>
         </p:nvSpPr>
@@ -4832,21 +4579,7 @@
                 </a:uFill>
                 <a:latin typeface="Verdana"/>
               </a:rPr>
-              <a:t>Prod</a:t>
-            </a:r>
-            <a:r>
-              <a:rPr b="1" lang="en-US" sz="4400" spc="-1" strike="noStrike">
-                <a:solidFill>
-                  <a:srgbClr val="3c2154"/>
-                </a:solidFill>
-                <a:uFill>
-                  <a:solidFill>
-                    <a:srgbClr val="ffffff"/>
-                  </a:solidFill>
-                </a:uFill>
-                <a:latin typeface="Verdana"/>
-              </a:rPr>
-              <a:t>uct </a:t>
+              <a:t>Product </a:t>
             </a:r>
             <a:r>
               <a:rPr b="0" lang="en-US" sz="3800" spc="-1" strike="noStrike">
@@ -4860,21 +4593,7 @@
                 </a:uFill>
                 <a:latin typeface="Verdana"/>
               </a:rPr>
-              <a:t>(for </a:t>
-            </a:r>
-            <a:r>
-              <a:rPr b="0" lang="en-US" sz="3800" spc="-1" strike="noStrike">
-                <a:solidFill>
-                  <a:srgbClr val="3c2154"/>
-                </a:solidFill>
-                <a:uFill>
-                  <a:solidFill>
-                    <a:srgbClr val="ffffff"/>
-                  </a:solidFill>
-                </a:uFill>
-                <a:latin typeface="Verdana"/>
-              </a:rPr>
-              <a:t>fans)</a:t>
+              <a:t>(for fans)</a:t>
             </a:r>
             <a:endParaRPr b="1" lang="en-US" sz="4400" spc="-1" strike="noStrike">
               <a:solidFill>
@@ -4892,7 +4611,7 @@
       </p:sp>
       <p:sp>
         <p:nvSpPr>
-          <p:cNvPr id="61" name="TextShape 2"/>
+          <p:cNvPr id="64" name="TextShape 2"/>
           <p:cNvSpPr txBox="1"/>
           <p:nvPr/>
         </p:nvSpPr>
@@ -5062,7 +4781,7 @@
       </p:sp>
       <p:pic>
         <p:nvPicPr>
-          <p:cNvPr id="62" name="" descr=""/>
+          <p:cNvPr id="65" name="" descr=""/>
           <p:cNvPicPr/>
           <p:nvPr/>
         </p:nvPicPr>
@@ -5134,7 +4853,7 @@
       </p:grpSpPr>
       <p:sp>
         <p:nvSpPr>
-          <p:cNvPr id="63" name="TextShape 1"/>
+          <p:cNvPr id="66" name="TextShape 1"/>
           <p:cNvSpPr txBox="1"/>
           <p:nvPr/>
         </p:nvSpPr>
@@ -5166,7 +4885,21 @@
                 </a:uFill>
                 <a:latin typeface="Verdana"/>
               </a:rPr>
-              <a:t>Business Model</a:t>
+              <a:t>Business </a:t>
+            </a:r>
+            <a:r>
+              <a:rPr b="1" lang="en-US" sz="4400" spc="-1" strike="noStrike">
+                <a:solidFill>
+                  <a:srgbClr val="3c2154"/>
+                </a:solidFill>
+                <a:uFill>
+                  <a:solidFill>
+                    <a:srgbClr val="ffffff"/>
+                  </a:solidFill>
+                </a:uFill>
+                <a:latin typeface="Verdana"/>
+              </a:rPr>
+              <a:t>Model</a:t>
             </a:r>
             <a:endParaRPr b="1" lang="en-US" sz="4400" spc="-1" strike="noStrike">
               <a:solidFill>
@@ -5184,7 +4917,7 @@
       </p:sp>
       <p:sp>
         <p:nvSpPr>
-          <p:cNvPr id="64" name="TextShape 2"/>
+          <p:cNvPr id="67" name="TextShape 2"/>
           <p:cNvSpPr txBox="1"/>
           <p:nvPr/>
         </p:nvSpPr>
@@ -5217,7 +4950,21 @@
                 </a:uFill>
                 <a:latin typeface="Verdana"/>
               </a:rPr>
-              <a:t>We take 5% commission.</a:t>
+              <a:t>We take 5% </a:t>
+            </a:r>
+            <a:r>
+              <a:rPr b="0" lang="en-US" sz="3200" spc="-1" strike="noStrike">
+                <a:solidFill>
+                  <a:srgbClr val="3c2154"/>
+                </a:solidFill>
+                <a:uFill>
+                  <a:solidFill>
+                    <a:srgbClr val="ffffff"/>
+                  </a:solidFill>
+                </a:uFill>
+                <a:latin typeface="Verdana"/>
+              </a:rPr>
+              <a:t>commission.</a:t>
             </a:r>
             <a:endParaRPr b="0" lang="en-US" sz="3200" spc="-1" strike="noStrike">
               <a:solidFill>
@@ -5366,7 +5113,21 @@
                 </a:uFill>
                 <a:latin typeface="Verdana"/>
               </a:rPr>
-              <a:t>Get featured in sidebars, home page </a:t>
+              <a:t>Get featured in sidebars, </a:t>
+            </a:r>
+            <a:r>
+              <a:rPr b="0" lang="en-US" sz="2400" spc="-1" strike="noStrike">
+                <a:solidFill>
+                  <a:srgbClr val="3c2154"/>
+                </a:solidFill>
+                <a:uFill>
+                  <a:solidFill>
+                    <a:srgbClr val="ffffff"/>
+                  </a:solidFill>
+                </a:uFill>
+                <a:latin typeface="Verdana"/>
+              </a:rPr>
+              <a:t>home page </a:t>
             </a:r>
             <a:endParaRPr b="0" lang="en-US" sz="1200" spc="-1" strike="noStrike">
               <a:solidFill>
@@ -5420,7 +5181,21 @@
                 </a:uFill>
                 <a:latin typeface="Verdana"/>
               </a:rPr>
-              <a:t>Maintaining fan email notifications</a:t>
+              <a:t>Maintaining fan email </a:t>
+            </a:r>
+            <a:r>
+              <a:rPr b="0" lang="en-US" sz="2400" spc="-1" strike="noStrike">
+                <a:solidFill>
+                  <a:srgbClr val="3c2154"/>
+                </a:solidFill>
+                <a:uFill>
+                  <a:solidFill>
+                    <a:srgbClr val="ffffff"/>
+                  </a:solidFill>
+                </a:uFill>
+                <a:latin typeface="Verdana"/>
+              </a:rPr>
+              <a:t>notifications</a:t>
             </a:r>
             <a:endParaRPr b="0" lang="en-US" sz="1200" spc="-1" strike="noStrike">
               <a:solidFill>
@@ -5627,7 +5402,7 @@
       </p:sp>
       <p:pic>
         <p:nvPicPr>
-          <p:cNvPr id="65" name="" descr=""/>
+          <p:cNvPr id="68" name="" descr=""/>
           <p:cNvPicPr/>
           <p:nvPr/>
         </p:nvPicPr>
@@ -5699,7 +5474,7 @@
       </p:grpSpPr>
       <p:sp>
         <p:nvSpPr>
-          <p:cNvPr id="66" name="TextShape 1"/>
+          <p:cNvPr id="69" name="TextShape 1"/>
           <p:cNvSpPr txBox="1"/>
           <p:nvPr/>
         </p:nvSpPr>
@@ -5749,7 +5524,7 @@
       </p:sp>
       <p:pic>
         <p:nvPicPr>
-          <p:cNvPr id="67" name="" descr=""/>
+          <p:cNvPr id="70" name="" descr=""/>
           <p:cNvPicPr/>
           <p:nvPr/>
         </p:nvPicPr>
@@ -5772,7 +5547,7 @@
       </p:pic>
       <p:sp>
         <p:nvSpPr>
-          <p:cNvPr id="68" name="TextShape 2"/>
+          <p:cNvPr id="71" name="TextShape 2"/>
           <p:cNvSpPr txBox="1"/>
           <p:nvPr/>
         </p:nvSpPr>
@@ -5850,7 +5625,7 @@
       </p:sp>
       <p:sp>
         <p:nvSpPr>
-          <p:cNvPr id="69" name="CustomShape 3"/>
+          <p:cNvPr id="72" name="CustomShape 3"/>
           <p:cNvSpPr/>
           <p:nvPr/>
         </p:nvSpPr>
@@ -5880,7 +5655,7 @@
       </p:sp>
       <p:sp>
         <p:nvSpPr>
-          <p:cNvPr id="70" name="TextShape 4"/>
+          <p:cNvPr id="73" name="TextShape 4"/>
           <p:cNvSpPr txBox="1"/>
           <p:nvPr/>
         </p:nvSpPr>
@@ -5958,7 +5733,7 @@
       </p:sp>
       <p:pic>
         <p:nvPicPr>
-          <p:cNvPr id="71" name="" descr=""/>
+          <p:cNvPr id="74" name="" descr=""/>
           <p:cNvPicPr/>
           <p:nvPr/>
         </p:nvPicPr>
@@ -5981,7 +5756,7 @@
       </p:pic>
       <p:sp>
         <p:nvSpPr>
-          <p:cNvPr id="72" name="TextShape 5"/>
+          <p:cNvPr id="75" name="TextShape 5"/>
           <p:cNvSpPr txBox="1"/>
           <p:nvPr/>
         </p:nvSpPr>

--- a/public/pitchSlides.pptx
+++ b/public/pitchSlides.pptx
@@ -1548,49 +1548,7 @@
                 </a:uFill>
                 <a:latin typeface="Arial"/>
               </a:rPr>
-              <a:t>Click to </a:t>
-            </a:r>
-            <a:r>
-              <a:rPr b="0" lang="en-US" sz="4400" spc="-1" strike="noStrike">
-                <a:solidFill>
-                  <a:srgbClr val="000000"/>
-                </a:solidFill>
-                <a:uFill>
-                  <a:solidFill>
-                    <a:srgbClr val="ffffff"/>
-                  </a:solidFill>
-                </a:uFill>
-                <a:latin typeface="Arial"/>
-              </a:rPr>
-              <a:t>edit the </a:t>
-            </a:r>
-            <a:r>
-              <a:rPr b="0" lang="en-US" sz="4400" spc="-1" strike="noStrike">
-                <a:solidFill>
-                  <a:srgbClr val="000000"/>
-                </a:solidFill>
-                <a:uFill>
-                  <a:solidFill>
-                    <a:srgbClr val="ffffff"/>
-                  </a:solidFill>
-                </a:uFill>
-                <a:latin typeface="Arial"/>
-              </a:rPr>
-              <a:t>title text </a:t>
-            </a:r>
-            <a:r>
-              <a:rPr b="0" lang="en-US" sz="4400" spc="-1" strike="noStrike">
-                <a:solidFill>
-                  <a:srgbClr val="000000"/>
-                </a:solidFill>
-                <a:uFill>
-                  <a:solidFill>
-                    <a:srgbClr val="ffffff"/>
-                  </a:solidFill>
-                </a:uFill>
-                <a:latin typeface="Arial"/>
-              </a:rPr>
-              <a:t>format</a:t>
+              <a:t>Click to edit the title text format</a:t>
             </a:r>
             <a:endParaRPr b="0" lang="en-US" sz="4400" spc="-1" strike="noStrike">
               <a:solidFill>
@@ -1998,7 +1956,7 @@
           <a:bodyPr lIns="0" rIns="0" tIns="0" bIns="0"/>
           <a:p>
             <a:pPr algn="r"/>
-            <a:fld id="{45365796-A120-49E4-A67C-9C3535B17209}" type="slidenum">
+            <a:fld id="{66F0BCE8-1A86-4D2D-8EE3-9D6480D3A9CB}" type="slidenum">
               <a:rPr b="0" lang="en-US" sz="1400" spc="-1" strike="noStrike">
                 <a:solidFill>
                   <a:srgbClr val="000000"/>
@@ -2098,7 +2056,21 @@
                 </a:uFill>
                 <a:latin typeface="Verdana"/>
               </a:rPr>
-              <a:t>CrowdFunding, CrowdSelling, CrowdEngagement</a:t>
+              <a:t>CrowdFunding, CrowdSelling, </a:t>
+            </a:r>
+            <a:r>
+              <a:rPr b="0" lang="en-US" sz="3200" spc="-1" strike="noStrike">
+                <a:solidFill>
+                  <a:srgbClr val="3c2154"/>
+                </a:solidFill>
+                <a:uFill>
+                  <a:solidFill>
+                    <a:srgbClr val="ffffff"/>
+                  </a:solidFill>
+                </a:uFill>
+                <a:latin typeface="Verdana"/>
+              </a:rPr>
+              <a:t>CrowdEngagement</a:t>
             </a:r>
             <a:endParaRPr b="0" lang="en-US" sz="3200" spc="-1" strike="noStrike">
               <a:solidFill>
@@ -2894,8 +2866,34 @@
                 </a:uFill>
                 <a:latin typeface="Verdana"/>
               </a:rPr>
-              <a:t>Book authors are </a:t>
-            </a:r>
+              <a:t>Book authors are being undervalued by current online selling practices</a:t>
+            </a:r>
+            <a:endParaRPr b="0" lang="en-US" sz="3200" spc="-1" strike="noStrike">
+              <a:solidFill>
+                <a:srgbClr val="000000"/>
+              </a:solidFill>
+              <a:uFill>
+                <a:solidFill>
+                  <a:srgbClr val="ffffff"/>
+                </a:solidFill>
+              </a:uFill>
+              <a:latin typeface="Arial"/>
+            </a:endParaRPr>
+          </a:p>
+          <a:p>
+            <a:endParaRPr b="0" lang="en-US" sz="3200" spc="-1" strike="noStrike">
+              <a:solidFill>
+                <a:srgbClr val="000000"/>
+              </a:solidFill>
+              <a:uFill>
+                <a:solidFill>
+                  <a:srgbClr val="ffffff"/>
+                </a:solidFill>
+              </a:uFill>
+              <a:latin typeface="Arial"/>
+            </a:endParaRPr>
+          </a:p>
+          <a:p>
             <a:r>
               <a:rPr b="0" lang="en-US" sz="3200" spc="-1" strike="noStrike">
                 <a:solidFill>
@@ -2908,8 +2906,34 @@
                 </a:uFill>
                 <a:latin typeface="Verdana"/>
               </a:rPr>
-              <a:t>being undervalued by </a:t>
-            </a:r>
+              <a:t>Most places that sell authors’ products only offer the books</a:t>
+            </a:r>
+            <a:endParaRPr b="0" lang="en-US" sz="3200" spc="-1" strike="noStrike">
+              <a:solidFill>
+                <a:srgbClr val="000000"/>
+              </a:solidFill>
+              <a:uFill>
+                <a:solidFill>
+                  <a:srgbClr val="ffffff"/>
+                </a:solidFill>
+              </a:uFill>
+              <a:latin typeface="Arial"/>
+            </a:endParaRPr>
+          </a:p>
+          <a:p>
+            <a:endParaRPr b="0" lang="en-US" sz="3200" spc="-1" strike="noStrike">
+              <a:solidFill>
+                <a:srgbClr val="000000"/>
+              </a:solidFill>
+              <a:uFill>
+                <a:solidFill>
+                  <a:srgbClr val="ffffff"/>
+                </a:solidFill>
+              </a:uFill>
+              <a:latin typeface="Arial"/>
+            </a:endParaRPr>
+          </a:p>
+          <a:p>
             <a:r>
               <a:rPr b="0" lang="en-US" sz="3200" spc="-1" strike="noStrike">
                 <a:solidFill>
@@ -2922,143 +2946,7 @@
                 </a:uFill>
                 <a:latin typeface="Verdana"/>
               </a:rPr>
-              <a:t>current online selling </a:t>
-            </a:r>
-            <a:r>
-              <a:rPr b="0" lang="en-US" sz="3200" spc="-1" strike="noStrike">
-                <a:solidFill>
-                  <a:srgbClr val="3c2154"/>
-                </a:solidFill>
-                <a:uFill>
-                  <a:solidFill>
-                    <a:srgbClr val="ffffff"/>
-                  </a:solidFill>
-                </a:uFill>
-                <a:latin typeface="Verdana"/>
-              </a:rPr>
-              <a:t>practices</a:t>
-            </a:r>
-            <a:endParaRPr b="0" lang="en-US" sz="3200" spc="-1" strike="noStrike">
-              <a:solidFill>
-                <a:srgbClr val="000000"/>
-              </a:solidFill>
-              <a:uFill>
-                <a:solidFill>
-                  <a:srgbClr val="ffffff"/>
-                </a:solidFill>
-              </a:uFill>
-              <a:latin typeface="Arial"/>
-            </a:endParaRPr>
-          </a:p>
-          <a:p>
-            <a:endParaRPr b="0" lang="en-US" sz="3200" spc="-1" strike="noStrike">
-              <a:solidFill>
-                <a:srgbClr val="000000"/>
-              </a:solidFill>
-              <a:uFill>
-                <a:solidFill>
-                  <a:srgbClr val="ffffff"/>
-                </a:solidFill>
-              </a:uFill>
-              <a:latin typeface="Arial"/>
-            </a:endParaRPr>
-          </a:p>
-          <a:p>
-            <a:r>
-              <a:rPr b="0" lang="en-US" sz="3200" spc="-1" strike="noStrike">
-                <a:solidFill>
-                  <a:srgbClr val="3c2154"/>
-                </a:solidFill>
-                <a:uFill>
-                  <a:solidFill>
-                    <a:srgbClr val="ffffff"/>
-                  </a:solidFill>
-                </a:uFill>
-                <a:latin typeface="Verdana"/>
-              </a:rPr>
-              <a:t>Most places that sell </a:t>
-            </a:r>
-            <a:r>
-              <a:rPr b="0" lang="en-US" sz="3200" spc="-1" strike="noStrike">
-                <a:solidFill>
-                  <a:srgbClr val="3c2154"/>
-                </a:solidFill>
-                <a:uFill>
-                  <a:solidFill>
-                    <a:srgbClr val="ffffff"/>
-                  </a:solidFill>
-                </a:uFill>
-                <a:latin typeface="Verdana"/>
-              </a:rPr>
-              <a:t>authors’ products only </a:t>
-            </a:r>
-            <a:r>
-              <a:rPr b="0" lang="en-US" sz="3200" spc="-1" strike="noStrike">
-                <a:solidFill>
-                  <a:srgbClr val="3c2154"/>
-                </a:solidFill>
-                <a:uFill>
-                  <a:solidFill>
-                    <a:srgbClr val="ffffff"/>
-                  </a:solidFill>
-                </a:uFill>
-                <a:latin typeface="Verdana"/>
-              </a:rPr>
-              <a:t>offer the books</a:t>
-            </a:r>
-            <a:endParaRPr b="0" lang="en-US" sz="3200" spc="-1" strike="noStrike">
-              <a:solidFill>
-                <a:srgbClr val="000000"/>
-              </a:solidFill>
-              <a:uFill>
-                <a:solidFill>
-                  <a:srgbClr val="ffffff"/>
-                </a:solidFill>
-              </a:uFill>
-              <a:latin typeface="Arial"/>
-            </a:endParaRPr>
-          </a:p>
-          <a:p>
-            <a:endParaRPr b="0" lang="en-US" sz="3200" spc="-1" strike="noStrike">
-              <a:solidFill>
-                <a:srgbClr val="000000"/>
-              </a:solidFill>
-              <a:uFill>
-                <a:solidFill>
-                  <a:srgbClr val="ffffff"/>
-                </a:solidFill>
-              </a:uFill>
-              <a:latin typeface="Arial"/>
-            </a:endParaRPr>
-          </a:p>
-          <a:p>
-            <a:r>
-              <a:rPr b="0" lang="en-US" sz="3200" spc="-1" strike="noStrike">
-                <a:solidFill>
-                  <a:srgbClr val="3c2154"/>
-                </a:solidFill>
-                <a:uFill>
-                  <a:solidFill>
-                    <a:srgbClr val="ffffff"/>
-                  </a:solidFill>
-                </a:uFill>
-                <a:latin typeface="Verdana"/>
-              </a:rPr>
-              <a:t>Marketing is time </a:t>
-            </a:r>
-            <a:r>
-              <a:rPr b="0" lang="en-US" sz="3200" spc="-1" strike="noStrike">
-                <a:solidFill>
-                  <a:srgbClr val="3c2154"/>
-                </a:solidFill>
-                <a:uFill>
-                  <a:solidFill>
-                    <a:srgbClr val="ffffff"/>
-                  </a:solidFill>
-                </a:uFill>
-                <a:latin typeface="Verdana"/>
-              </a:rPr>
-              <a:t>consuming</a:t>
+              <a:t>Marketing is time consuming</a:t>
             </a:r>
             <a:endParaRPr b="0" lang="en-US" sz="3200" spc="-1" strike="noStrike">
               <a:solidFill>
@@ -4270,7 +4158,21 @@
                 </a:uFill>
                 <a:latin typeface="Verdana"/>
               </a:rPr>
-              <a:t>(for authors)</a:t>
+              <a:t>(for </a:t>
+            </a:r>
+            <a:r>
+              <a:rPr b="0" lang="en-US" sz="3800" spc="-1" strike="noStrike">
+                <a:solidFill>
+                  <a:srgbClr val="3c2154"/>
+                </a:solidFill>
+                <a:uFill>
+                  <a:solidFill>
+                    <a:srgbClr val="ffffff"/>
+                  </a:solidFill>
+                </a:uFill>
+                <a:latin typeface="Verdana"/>
+              </a:rPr>
+              <a:t>authors)</a:t>
             </a:r>
             <a:endParaRPr b="1" lang="en-US" sz="4400" spc="-1" strike="noStrike">
               <a:solidFill>
@@ -4885,21 +4787,7 @@
                 </a:uFill>
                 <a:latin typeface="Verdana"/>
               </a:rPr>
-              <a:t>Business </a:t>
-            </a:r>
-            <a:r>
-              <a:rPr b="1" lang="en-US" sz="4400" spc="-1" strike="noStrike">
-                <a:solidFill>
-                  <a:srgbClr val="3c2154"/>
-                </a:solidFill>
-                <a:uFill>
-                  <a:solidFill>
-                    <a:srgbClr val="ffffff"/>
-                  </a:solidFill>
-                </a:uFill>
-                <a:latin typeface="Verdana"/>
-              </a:rPr>
-              <a:t>Model</a:t>
+              <a:t>Business Model</a:t>
             </a:r>
             <a:endParaRPr b="1" lang="en-US" sz="4400" spc="-1" strike="noStrike">
               <a:solidFill>
@@ -4950,8 +4838,48 @@
                 </a:uFill>
                 <a:latin typeface="Verdana"/>
               </a:rPr>
-              <a:t>We take 5% </a:t>
-            </a:r>
+              <a:t>We take 5% commission.</a:t>
+            </a:r>
+            <a:endParaRPr b="0" lang="en-US" sz="3200" spc="-1" strike="noStrike">
+              <a:solidFill>
+                <a:srgbClr val="000000"/>
+              </a:solidFill>
+              <a:uFill>
+                <a:solidFill>
+                  <a:srgbClr val="ffffff"/>
+                </a:solidFill>
+              </a:uFill>
+              <a:latin typeface="Arial"/>
+            </a:endParaRPr>
+          </a:p>
+          <a:p>
+            <a:r>
+              <a:rPr b="0" lang="en-US" sz="1600" spc="-1" strike="noStrike">
+                <a:solidFill>
+                  <a:srgbClr val="3c2154"/>
+                </a:solidFill>
+                <a:uFill>
+                  <a:solidFill>
+                    <a:srgbClr val="ffffff"/>
+                  </a:solidFill>
+                </a:uFill>
+                <a:latin typeface="Verdana"/>
+              </a:rPr>
+              <a:t> </a:t>
+            </a:r>
+            <a:endParaRPr b="0" lang="en-US" sz="3200" spc="-1" strike="noStrike">
+              <a:solidFill>
+                <a:srgbClr val="000000"/>
+              </a:solidFill>
+              <a:uFill>
+                <a:solidFill>
+                  <a:srgbClr val="ffffff"/>
+                </a:solidFill>
+              </a:uFill>
+              <a:latin typeface="Arial"/>
+            </a:endParaRPr>
+          </a:p>
+          <a:p>
             <a:r>
               <a:rPr b="0" lang="en-US" sz="3200" spc="-1" strike="noStrike">
                 <a:solidFill>
@@ -4964,7 +4892,7 @@
                 </a:uFill>
                 <a:latin typeface="Verdana"/>
               </a:rPr>
-              <a:t>commission.</a:t>
+              <a:t>Future extra fees for:</a:t>
             </a:r>
             <a:endParaRPr b="0" lang="en-US" sz="3200" spc="-1" strike="noStrike">
               <a:solidFill>
@@ -5007,60 +4935,6 @@
           </a:p>
           <a:p>
             <a:r>
-              <a:rPr b="0" lang="en-US" sz="3200" spc="-1" strike="noStrike">
-                <a:solidFill>
-                  <a:srgbClr val="3c2154"/>
-                </a:solidFill>
-                <a:uFill>
-                  <a:solidFill>
-                    <a:srgbClr val="ffffff"/>
-                  </a:solidFill>
-                </a:uFill>
-                <a:latin typeface="Verdana"/>
-              </a:rPr>
-              <a:t>Future extra fees for:</a:t>
-            </a:r>
-            <a:endParaRPr b="0" lang="en-US" sz="3200" spc="-1" strike="noStrike">
-              <a:solidFill>
-                <a:srgbClr val="000000"/>
-              </a:solidFill>
-              <a:uFill>
-                <a:solidFill>
-                  <a:srgbClr val="ffffff"/>
-                </a:solidFill>
-              </a:uFill>
-              <a:latin typeface="Arial"/>
-            </a:endParaRPr>
-          </a:p>
-          <a:p>
-            <a:r>
-              <a:rPr b="0" lang="en-US" sz="1600" spc="-1" strike="noStrike">
-                <a:solidFill>
-                  <a:srgbClr val="3c2154"/>
-                </a:solidFill>
-                <a:uFill>
-                  <a:solidFill>
-                    <a:srgbClr val="ffffff"/>
-                  </a:solidFill>
-                </a:uFill>
-                <a:latin typeface="Verdana"/>
-              </a:rPr>
-              <a:t> </a:t>
-            </a:r>
-            <a:endParaRPr b="0" lang="en-US" sz="3200" spc="-1" strike="noStrike">
-              <a:solidFill>
-                <a:srgbClr val="000000"/>
-              </a:solidFill>
-              <a:uFill>
-                <a:solidFill>
-                  <a:srgbClr val="ffffff"/>
-                </a:solidFill>
-              </a:uFill>
-              <a:latin typeface="Arial"/>
-            </a:endParaRPr>
-          </a:p>
-          <a:p>
-            <a:r>
               <a:rPr b="0" i="1" lang="en-US" sz="2400" spc="-1" strike="noStrike">
                 <a:solidFill>
                   <a:srgbClr val="3c2154"/>
@@ -5113,8 +4987,21 @@
                 </a:uFill>
                 <a:latin typeface="Verdana"/>
               </a:rPr>
-              <a:t>Get featured in sidebars, </a:t>
-            </a:r>
+              <a:t>Get featured in sidebars, home page </a:t>
+            </a:r>
+            <a:endParaRPr b="0" lang="en-US" sz="1200" spc="-1" strike="noStrike">
+              <a:solidFill>
+                <a:srgbClr val="000000"/>
+              </a:solidFill>
+              <a:uFill>
+                <a:solidFill>
+                  <a:srgbClr val="ffffff"/>
+                </a:solidFill>
+              </a:uFill>
+              <a:latin typeface="Arial"/>
+            </a:endParaRPr>
+          </a:p>
+          <a:p>
             <a:r>
               <a:rPr b="0" lang="en-US" sz="2400" spc="-1" strike="noStrike">
                 <a:solidFill>
@@ -5127,7 +5014,7 @@
                 </a:uFill>
                 <a:latin typeface="Verdana"/>
               </a:rPr>
-              <a:t>home page </a:t>
+              <a:t>Livestreaming</a:t>
             </a:r>
             <a:endParaRPr b="0" lang="en-US" sz="1200" spc="-1" strike="noStrike">
               <a:solidFill>
@@ -5154,48 +5041,7 @@
                 </a:uFill>
                 <a:latin typeface="Verdana"/>
               </a:rPr>
-              <a:t>Livestreaming</a:t>
-            </a:r>
-            <a:endParaRPr b="0" lang="en-US" sz="1200" spc="-1" strike="noStrike">
-              <a:solidFill>
-                <a:srgbClr val="000000"/>
-              </a:solidFill>
-              <a:uFill>
-                <a:solidFill>
-                  <a:srgbClr val="ffffff"/>
-                </a:solidFill>
-              </a:uFill>
-              <a:latin typeface="Arial"/>
-            </a:endParaRPr>
-          </a:p>
-          <a:p>
-            <a:r>
-              <a:rPr b="0" lang="en-US" sz="2400" spc="-1" strike="noStrike">
-                <a:solidFill>
-                  <a:srgbClr val="3c2154"/>
-                </a:solidFill>
-                <a:uFill>
-                  <a:solidFill>
-                    <a:srgbClr val="ffffff"/>
-                  </a:solidFill>
-                </a:uFill>
-                <a:latin typeface="Verdana"/>
-              </a:rPr>
-              <a:t>Maintaining fan email </a:t>
-            </a:r>
-            <a:r>
-              <a:rPr b="0" lang="en-US" sz="2400" spc="-1" strike="noStrike">
-                <a:solidFill>
-                  <a:srgbClr val="3c2154"/>
-                </a:solidFill>
-                <a:uFill>
-                  <a:solidFill>
-                    <a:srgbClr val="ffffff"/>
-                  </a:solidFill>
-                </a:uFill>
-                <a:latin typeface="Verdana"/>
-              </a:rPr>
-              <a:t>notifications</a:t>
+              <a:t>Maintaining fan email notifications</a:t>
             </a:r>
             <a:endParaRPr b="0" lang="en-US" sz="1200" spc="-1" strike="noStrike">
               <a:solidFill>

--- a/public/pitchSlides.pptx
+++ b/public/pitchSlides.pptx
@@ -3,19 +3,20 @@
 <p:presentation xmlns:a="http://schemas.openxmlformats.org/drawingml/2006/main" xmlns:p="http://schemas.openxmlformats.org/presentationml/2006/main" xmlns:r="http://schemas.openxmlformats.org/officeDocument/2006/relationships" xmlns:p14="http://schemas.microsoft.com/office/powerpoint/2010/main" xmlns:p15="http://schemas.microsoft.com/office/powerpoint/2012/main" xmlns:mc="http://schemas.openxmlformats.org/markup-compatibility/2006">
   <p:sldMasterIdLst>
     <p:sldMasterId id="2147483648" r:id="rId2"/>
+    <p:sldMasterId id="2147483661" r:id="rId3"/>
   </p:sldMasterIdLst>
   <p:sldIdLst>
-    <p:sldId id="256" r:id="rId3"/>
-    <p:sldId id="257" r:id="rId4"/>
-    <p:sldId id="258" r:id="rId5"/>
-    <p:sldId id="259" r:id="rId6"/>
-    <p:sldId id="260" r:id="rId7"/>
-    <p:sldId id="261" r:id="rId8"/>
-    <p:sldId id="262" r:id="rId9"/>
-    <p:sldId id="263" r:id="rId10"/>
-    <p:sldId id="264" r:id="rId11"/>
-    <p:sldId id="265" r:id="rId12"/>
-    <p:sldId id="266" r:id="rId13"/>
+    <p:sldId id="256" r:id="rId4"/>
+    <p:sldId id="257" r:id="rId5"/>
+    <p:sldId id="258" r:id="rId6"/>
+    <p:sldId id="259" r:id="rId7"/>
+    <p:sldId id="260" r:id="rId8"/>
+    <p:sldId id="261" r:id="rId9"/>
+    <p:sldId id="262" r:id="rId10"/>
+    <p:sldId id="263" r:id="rId11"/>
+    <p:sldId id="264" r:id="rId12"/>
+    <p:sldId id="265" r:id="rId13"/>
+    <p:sldId id="266" r:id="rId14"/>
   </p:sldIdLst>
   <p:sldSz cx="10080625" cy="7559675"/>
   <p:notesSz cx="7772400" cy="10058400"/>
@@ -63,7 +64,7 @@
       </p:grpSpPr>
       <p:sp>
         <p:nvSpPr>
-          <p:cNvPr id="26" name="PlaceHolder 1"/>
+          <p:cNvPr id="23" name="PlaceHolder 1"/>
           <p:cNvSpPr>
             <a:spLocks noGrp="1"/>
           </p:cNvSpPr>
@@ -74,7 +75,7 @@
         <p:spPr>
           <a:xfrm>
             <a:off x="504000" y="301320"/>
-            <a:ext cx="9071640" cy="1262160"/>
+            <a:ext cx="9071280" cy="1261800"/>
           </a:xfrm>
           <a:prstGeom prst="rect">
             <a:avLst/>
@@ -100,7 +101,7 @@
       </p:sp>
       <p:sp>
         <p:nvSpPr>
-          <p:cNvPr id="27" name="PlaceHolder 2"/>
+          <p:cNvPr id="24" name="PlaceHolder 2"/>
           <p:cNvSpPr>
             <a:spLocks noGrp="1"/>
           </p:cNvSpPr>
@@ -110,8 +111,8 @@
         </p:nvSpPr>
         <p:spPr>
           <a:xfrm>
-            <a:off x="504000" y="1769040"/>
-            <a:ext cx="9071640" cy="2091240"/>
+            <a:off x="504000" y="1768680"/>
+            <a:ext cx="9072000" cy="2090880"/>
           </a:xfrm>
           <a:prstGeom prst="rect">
             <a:avLst/>
@@ -136,7 +137,7 @@
       </p:sp>
       <p:sp>
         <p:nvSpPr>
-          <p:cNvPr id="28" name="PlaceHolder 3"/>
+          <p:cNvPr id="25" name="PlaceHolder 3"/>
           <p:cNvSpPr>
             <a:spLocks noGrp="1"/>
           </p:cNvSpPr>
@@ -146,8 +147,8 @@
         </p:nvSpPr>
         <p:spPr>
           <a:xfrm>
-            <a:off x="504000" y="4059360"/>
-            <a:ext cx="9071640" cy="2091240"/>
+            <a:off x="504000" y="4058640"/>
+            <a:ext cx="9072000" cy="2090880"/>
           </a:xfrm>
           <a:prstGeom prst="rect">
             <a:avLst/>
@@ -194,7 +195,7 @@
       </p:grpSpPr>
       <p:sp>
         <p:nvSpPr>
-          <p:cNvPr id="29" name="PlaceHolder 1"/>
+          <p:cNvPr id="26" name="PlaceHolder 1"/>
           <p:cNvSpPr>
             <a:spLocks noGrp="1"/>
           </p:cNvSpPr>
@@ -205,7 +206,7 @@
         <p:spPr>
           <a:xfrm>
             <a:off x="504000" y="301320"/>
-            <a:ext cx="9071640" cy="1262160"/>
+            <a:ext cx="9071280" cy="1261800"/>
           </a:xfrm>
           <a:prstGeom prst="rect">
             <a:avLst/>
@@ -231,7 +232,7 @@
       </p:sp>
       <p:sp>
         <p:nvSpPr>
-          <p:cNvPr id="30" name="PlaceHolder 2"/>
+          <p:cNvPr id="27" name="PlaceHolder 2"/>
           <p:cNvSpPr>
             <a:spLocks noGrp="1"/>
           </p:cNvSpPr>
@@ -241,8 +242,8 @@
         </p:nvSpPr>
         <p:spPr>
           <a:xfrm>
-            <a:off x="504000" y="1769040"/>
-            <a:ext cx="4426920" cy="2091240"/>
+            <a:off x="504000" y="1768680"/>
+            <a:ext cx="4426920" cy="2090880"/>
           </a:xfrm>
           <a:prstGeom prst="rect">
             <a:avLst/>
@@ -267,7 +268,7 @@
       </p:sp>
       <p:sp>
         <p:nvSpPr>
-          <p:cNvPr id="31" name="PlaceHolder 3"/>
+          <p:cNvPr id="28" name="PlaceHolder 3"/>
           <p:cNvSpPr>
             <a:spLocks noGrp="1"/>
           </p:cNvSpPr>
@@ -277,8 +278,8 @@
         </p:nvSpPr>
         <p:spPr>
           <a:xfrm>
-            <a:off x="5152680" y="1769040"/>
-            <a:ext cx="4426920" cy="2091240"/>
+            <a:off x="5152680" y="1768680"/>
+            <a:ext cx="4426920" cy="2090880"/>
           </a:xfrm>
           <a:prstGeom prst="rect">
             <a:avLst/>
@@ -303,7 +304,7 @@
       </p:sp>
       <p:sp>
         <p:nvSpPr>
-          <p:cNvPr id="32" name="PlaceHolder 4"/>
+          <p:cNvPr id="29" name="PlaceHolder 4"/>
           <p:cNvSpPr>
             <a:spLocks noGrp="1"/>
           </p:cNvSpPr>
@@ -313,8 +314,8 @@
         </p:nvSpPr>
         <p:spPr>
           <a:xfrm>
-            <a:off x="5152680" y="4059360"/>
-            <a:ext cx="4426920" cy="2091240"/>
+            <a:off x="5152680" y="4058640"/>
+            <a:ext cx="4426920" cy="2090880"/>
           </a:xfrm>
           <a:prstGeom prst="rect">
             <a:avLst/>
@@ -339,7 +340,7 @@
       </p:sp>
       <p:sp>
         <p:nvSpPr>
-          <p:cNvPr id="33" name="PlaceHolder 5"/>
+          <p:cNvPr id="30" name="PlaceHolder 5"/>
           <p:cNvSpPr>
             <a:spLocks noGrp="1"/>
           </p:cNvSpPr>
@@ -349,8 +350,8 @@
         </p:nvSpPr>
         <p:spPr>
           <a:xfrm>
-            <a:off x="504000" y="4059360"/>
-            <a:ext cx="4426920" cy="2091240"/>
+            <a:off x="504000" y="4058640"/>
+            <a:ext cx="4426920" cy="2090880"/>
           </a:xfrm>
           <a:prstGeom prst="rect">
             <a:avLst/>
@@ -397,7 +398,7 @@
       </p:grpSpPr>
       <p:sp>
         <p:nvSpPr>
-          <p:cNvPr id="34" name="PlaceHolder 1"/>
+          <p:cNvPr id="31" name="PlaceHolder 1"/>
           <p:cNvSpPr>
             <a:spLocks noGrp="1"/>
           </p:cNvSpPr>
@@ -408,7 +409,7 @@
         <p:spPr>
           <a:xfrm>
             <a:off x="504000" y="301320"/>
-            <a:ext cx="9071640" cy="1262160"/>
+            <a:ext cx="9071280" cy="1261800"/>
           </a:xfrm>
           <a:prstGeom prst="rect">
             <a:avLst/>
@@ -434,7 +435,7 @@
       </p:sp>
       <p:sp>
         <p:nvSpPr>
-          <p:cNvPr id="35" name="PlaceHolder 2"/>
+          <p:cNvPr id="32" name="PlaceHolder 2"/>
           <p:cNvSpPr>
             <a:spLocks noGrp="1"/>
           </p:cNvSpPr>
@@ -444,8 +445,8 @@
         </p:nvSpPr>
         <p:spPr>
           <a:xfrm>
-            <a:off x="504000" y="1769040"/>
-            <a:ext cx="9071640" cy="4384440"/>
+            <a:off x="504000" y="1768680"/>
+            <a:ext cx="9072000" cy="4384080"/>
           </a:xfrm>
           <a:prstGeom prst="rect">
             <a:avLst/>
@@ -470,7 +471,7 @@
       </p:sp>
       <p:sp>
         <p:nvSpPr>
-          <p:cNvPr id="36" name="PlaceHolder 3"/>
+          <p:cNvPr id="33" name="PlaceHolder 3"/>
           <p:cNvSpPr>
             <a:spLocks noGrp="1"/>
           </p:cNvSpPr>
@@ -480,8 +481,8 @@
         </p:nvSpPr>
         <p:spPr>
           <a:xfrm>
-            <a:off x="504000" y="1769040"/>
-            <a:ext cx="9071640" cy="4384440"/>
+            <a:off x="504000" y="1768680"/>
+            <a:ext cx="9072000" cy="4384080"/>
           </a:xfrm>
           <a:prstGeom prst="rect">
             <a:avLst/>
@@ -506,7 +507,7 @@
       </p:sp>
       <p:pic>
         <p:nvPicPr>
-          <p:cNvPr id="37" name="" descr=""/>
+          <p:cNvPr id="34" name="" descr=""/>
           <p:cNvPicPr/>
           <p:nvPr/>
         </p:nvPicPr>
@@ -516,8 +517,8 @@
         </p:blipFill>
         <p:spPr>
           <a:xfrm>
-            <a:off x="2292120" y="1768680"/>
-            <a:ext cx="5495040" cy="4384440"/>
+            <a:off x="2292480" y="1768680"/>
+            <a:ext cx="5494680" cy="4384080"/>
           </a:xfrm>
           <a:prstGeom prst="rect">
             <a:avLst/>
@@ -529,7 +530,7 @@
       </p:pic>
       <p:pic>
         <p:nvPicPr>
-          <p:cNvPr id="38" name="" descr=""/>
+          <p:cNvPr id="35" name="" descr=""/>
           <p:cNvPicPr/>
           <p:nvPr/>
         </p:nvPicPr>
@@ -539,8 +540,8 @@
         </p:blipFill>
         <p:spPr>
           <a:xfrm>
-            <a:off x="2292120" y="1768680"/>
-            <a:ext cx="5495040" cy="4384440"/>
+            <a:off x="2292480" y="1768680"/>
+            <a:ext cx="5494680" cy="4384080"/>
           </a:xfrm>
           <a:prstGeom prst="rect">
             <a:avLst/>
@@ -550,6 +551,635 @@
           </a:ln>
         </p:spPr>
       </p:pic>
+    </p:spTree>
+  </p:cSld>
+</p:sldLayout>
+</file>
+
+<file path=ppt/slideLayouts/slideLayout13.xml><?xml version="1.0" encoding="utf-8"?>
+<p:sldLayout xmlns:a="http://schemas.openxmlformats.org/drawingml/2006/main" xmlns:p="http://schemas.openxmlformats.org/presentationml/2006/main" xmlns:r="http://schemas.openxmlformats.org/officeDocument/2006/relationships" xmlns:p14="http://schemas.microsoft.com/office/powerpoint/2010/main" xmlns:p15="http://schemas.microsoft.com/office/powerpoint/2012/main" xmlns:mc="http://schemas.openxmlformats.org/markup-compatibility/2006" type="blank" preserve="1">
+  <p:cSld name="Blank Slide">
+    <p:spTree>
+      <p:nvGrpSpPr>
+        <p:cNvPr id="1" name=""/>
+        <p:cNvGrpSpPr/>
+        <p:nvPr/>
+      </p:nvGrpSpPr>
+      <p:grpSpPr>
+        <a:xfrm>
+          <a:off x="0" y="0"/>
+          <a:ext cx="0" cy="0"/>
+          <a:chOff x="0" y="0"/>
+          <a:chExt cx="0" cy="0"/>
+        </a:xfrm>
+      </p:grpSpPr>
+    </p:spTree>
+  </p:cSld>
+</p:sldLayout>
+</file>
+
+<file path=ppt/slideLayouts/slideLayout14.xml><?xml version="1.0" encoding="utf-8"?>
+<p:sldLayout xmlns:a="http://schemas.openxmlformats.org/drawingml/2006/main" xmlns:p="http://schemas.openxmlformats.org/presentationml/2006/main" xmlns:r="http://schemas.openxmlformats.org/officeDocument/2006/relationships" xmlns:p14="http://schemas.microsoft.com/office/powerpoint/2010/main" xmlns:p15="http://schemas.microsoft.com/office/powerpoint/2012/main" xmlns:mc="http://schemas.openxmlformats.org/markup-compatibility/2006" type="tx" preserve="1">
+  <p:cSld name="Title Slide">
+    <p:spTree>
+      <p:nvGrpSpPr>
+        <p:cNvPr id="1" name=""/>
+        <p:cNvGrpSpPr/>
+        <p:nvPr/>
+      </p:nvGrpSpPr>
+      <p:grpSpPr>
+        <a:xfrm>
+          <a:off x="0" y="0"/>
+          <a:ext cx="0" cy="0"/>
+          <a:chOff x="0" y="0"/>
+          <a:chExt cx="0" cy="0"/>
+        </a:xfrm>
+      </p:grpSpPr>
+      <p:sp>
+        <p:nvSpPr>
+          <p:cNvPr id="40" name="PlaceHolder 1"/>
+          <p:cNvSpPr>
+            <a:spLocks noGrp="1"/>
+          </p:cNvSpPr>
+          <p:nvPr>
+            <p:ph type="title"/>
+          </p:nvPr>
+        </p:nvSpPr>
+        <p:spPr>
+          <a:xfrm>
+            <a:off x="504000" y="301320"/>
+            <a:ext cx="9071280" cy="1261800"/>
+          </a:xfrm>
+          <a:prstGeom prst="rect">
+            <a:avLst/>
+          </a:prstGeom>
+        </p:spPr>
+        <p:txBody>
+          <a:bodyPr lIns="0" rIns="0" tIns="0" bIns="0" anchor="ctr"/>
+          <a:p>
+            <a:pPr algn="ctr"/>
+            <a:endParaRPr b="0" lang="en-US" sz="4400" spc="-1" strike="noStrike">
+              <a:solidFill>
+                <a:srgbClr val="000000"/>
+              </a:solidFill>
+              <a:uFill>
+                <a:solidFill>
+                  <a:srgbClr val="ffffff"/>
+                </a:solidFill>
+              </a:uFill>
+              <a:latin typeface="Arial"/>
+            </a:endParaRPr>
+          </a:p>
+        </p:txBody>
+      </p:sp>
+      <p:sp>
+        <p:nvSpPr>
+          <p:cNvPr id="41" name="PlaceHolder 2"/>
+          <p:cNvSpPr>
+            <a:spLocks noGrp="1"/>
+          </p:cNvSpPr>
+          <p:nvPr>
+            <p:ph type="subTitle"/>
+          </p:nvPr>
+        </p:nvSpPr>
+        <p:spPr>
+          <a:xfrm>
+            <a:off x="504000" y="1768680"/>
+            <a:ext cx="9072000" cy="4384080"/>
+          </a:xfrm>
+          <a:prstGeom prst="rect">
+            <a:avLst/>
+          </a:prstGeom>
+        </p:spPr>
+        <p:txBody>
+          <a:bodyPr lIns="0" rIns="0" tIns="0" bIns="0" anchor="ctr"/>
+          <a:p>
+            <a:pPr algn="ctr"/>
+            <a:endParaRPr b="0" lang="en-US" sz="3200" spc="-1" strike="noStrike">
+              <a:solidFill>
+                <a:srgbClr val="000000"/>
+              </a:solidFill>
+              <a:uFill>
+                <a:solidFill>
+                  <a:srgbClr val="ffffff"/>
+                </a:solidFill>
+              </a:uFill>
+              <a:latin typeface="Arial"/>
+            </a:endParaRPr>
+          </a:p>
+        </p:txBody>
+      </p:sp>
+    </p:spTree>
+  </p:cSld>
+</p:sldLayout>
+</file>
+
+<file path=ppt/slideLayouts/slideLayout15.xml><?xml version="1.0" encoding="utf-8"?>
+<p:sldLayout xmlns:a="http://schemas.openxmlformats.org/drawingml/2006/main" xmlns:p="http://schemas.openxmlformats.org/presentationml/2006/main" xmlns:r="http://schemas.openxmlformats.org/officeDocument/2006/relationships" xmlns:p14="http://schemas.microsoft.com/office/powerpoint/2010/main" xmlns:p15="http://schemas.microsoft.com/office/powerpoint/2012/main" xmlns:mc="http://schemas.openxmlformats.org/markup-compatibility/2006" type="obj" preserve="1">
+  <p:cSld name="Title, Content">
+    <p:spTree>
+      <p:nvGrpSpPr>
+        <p:cNvPr id="1" name=""/>
+        <p:cNvGrpSpPr/>
+        <p:nvPr/>
+      </p:nvGrpSpPr>
+      <p:grpSpPr>
+        <a:xfrm>
+          <a:off x="0" y="0"/>
+          <a:ext cx="0" cy="0"/>
+          <a:chOff x="0" y="0"/>
+          <a:chExt cx="0" cy="0"/>
+        </a:xfrm>
+      </p:grpSpPr>
+      <p:sp>
+        <p:nvSpPr>
+          <p:cNvPr id="42" name="PlaceHolder 1"/>
+          <p:cNvSpPr>
+            <a:spLocks noGrp="1"/>
+          </p:cNvSpPr>
+          <p:nvPr>
+            <p:ph type="title"/>
+          </p:nvPr>
+        </p:nvSpPr>
+        <p:spPr>
+          <a:xfrm>
+            <a:off x="504000" y="301320"/>
+            <a:ext cx="9071280" cy="1261800"/>
+          </a:xfrm>
+          <a:prstGeom prst="rect">
+            <a:avLst/>
+          </a:prstGeom>
+        </p:spPr>
+        <p:txBody>
+          <a:bodyPr lIns="0" rIns="0" tIns="0" bIns="0" anchor="ctr"/>
+          <a:p>
+            <a:pPr algn="ctr"/>
+            <a:endParaRPr b="0" lang="en-US" sz="4400" spc="-1" strike="noStrike">
+              <a:solidFill>
+                <a:srgbClr val="000000"/>
+              </a:solidFill>
+              <a:uFill>
+                <a:solidFill>
+                  <a:srgbClr val="ffffff"/>
+                </a:solidFill>
+              </a:uFill>
+              <a:latin typeface="Arial"/>
+            </a:endParaRPr>
+          </a:p>
+        </p:txBody>
+      </p:sp>
+      <p:sp>
+        <p:nvSpPr>
+          <p:cNvPr id="43" name="PlaceHolder 2"/>
+          <p:cNvSpPr>
+            <a:spLocks noGrp="1"/>
+          </p:cNvSpPr>
+          <p:nvPr>
+            <p:ph type="body"/>
+          </p:nvPr>
+        </p:nvSpPr>
+        <p:spPr>
+          <a:xfrm>
+            <a:off x="504000" y="1768680"/>
+            <a:ext cx="9072000" cy="4384080"/>
+          </a:xfrm>
+          <a:prstGeom prst="rect">
+            <a:avLst/>
+          </a:prstGeom>
+        </p:spPr>
+        <p:txBody>
+          <a:bodyPr lIns="0" rIns="0" tIns="0" bIns="0"/>
+          <a:p>
+            <a:endParaRPr b="0" lang="en-US" sz="3200" spc="-1" strike="noStrike">
+              <a:solidFill>
+                <a:srgbClr val="000000"/>
+              </a:solidFill>
+              <a:uFill>
+                <a:solidFill>
+                  <a:srgbClr val="ffffff"/>
+                </a:solidFill>
+              </a:uFill>
+              <a:latin typeface="Arial"/>
+            </a:endParaRPr>
+          </a:p>
+        </p:txBody>
+      </p:sp>
+    </p:spTree>
+  </p:cSld>
+</p:sldLayout>
+</file>
+
+<file path=ppt/slideLayouts/slideLayout16.xml><?xml version="1.0" encoding="utf-8"?>
+<p:sldLayout xmlns:a="http://schemas.openxmlformats.org/drawingml/2006/main" xmlns:p="http://schemas.openxmlformats.org/presentationml/2006/main" xmlns:r="http://schemas.openxmlformats.org/officeDocument/2006/relationships" xmlns:p14="http://schemas.microsoft.com/office/powerpoint/2010/main" xmlns:p15="http://schemas.microsoft.com/office/powerpoint/2012/main" xmlns:mc="http://schemas.openxmlformats.org/markup-compatibility/2006" type="twoObj" preserve="1">
+  <p:cSld name="Title, 2 Content">
+    <p:spTree>
+      <p:nvGrpSpPr>
+        <p:cNvPr id="1" name=""/>
+        <p:cNvGrpSpPr/>
+        <p:nvPr/>
+      </p:nvGrpSpPr>
+      <p:grpSpPr>
+        <a:xfrm>
+          <a:off x="0" y="0"/>
+          <a:ext cx="0" cy="0"/>
+          <a:chOff x="0" y="0"/>
+          <a:chExt cx="0" cy="0"/>
+        </a:xfrm>
+      </p:grpSpPr>
+      <p:sp>
+        <p:nvSpPr>
+          <p:cNvPr id="44" name="PlaceHolder 1"/>
+          <p:cNvSpPr>
+            <a:spLocks noGrp="1"/>
+          </p:cNvSpPr>
+          <p:nvPr>
+            <p:ph type="title"/>
+          </p:nvPr>
+        </p:nvSpPr>
+        <p:spPr>
+          <a:xfrm>
+            <a:off x="504000" y="301320"/>
+            <a:ext cx="9071280" cy="1261800"/>
+          </a:xfrm>
+          <a:prstGeom prst="rect">
+            <a:avLst/>
+          </a:prstGeom>
+        </p:spPr>
+        <p:txBody>
+          <a:bodyPr lIns="0" rIns="0" tIns="0" bIns="0" anchor="ctr"/>
+          <a:p>
+            <a:pPr algn="ctr"/>
+            <a:endParaRPr b="0" lang="en-US" sz="4400" spc="-1" strike="noStrike">
+              <a:solidFill>
+                <a:srgbClr val="000000"/>
+              </a:solidFill>
+              <a:uFill>
+                <a:solidFill>
+                  <a:srgbClr val="ffffff"/>
+                </a:solidFill>
+              </a:uFill>
+              <a:latin typeface="Arial"/>
+            </a:endParaRPr>
+          </a:p>
+        </p:txBody>
+      </p:sp>
+      <p:sp>
+        <p:nvSpPr>
+          <p:cNvPr id="45" name="PlaceHolder 2"/>
+          <p:cNvSpPr>
+            <a:spLocks noGrp="1"/>
+          </p:cNvSpPr>
+          <p:nvPr>
+            <p:ph type="body"/>
+          </p:nvPr>
+        </p:nvSpPr>
+        <p:spPr>
+          <a:xfrm>
+            <a:off x="504000" y="1768680"/>
+            <a:ext cx="4426920" cy="4384080"/>
+          </a:xfrm>
+          <a:prstGeom prst="rect">
+            <a:avLst/>
+          </a:prstGeom>
+        </p:spPr>
+        <p:txBody>
+          <a:bodyPr lIns="0" rIns="0" tIns="0" bIns="0"/>
+          <a:p>
+            <a:endParaRPr b="0" lang="en-US" sz="3200" spc="-1" strike="noStrike">
+              <a:solidFill>
+                <a:srgbClr val="000000"/>
+              </a:solidFill>
+              <a:uFill>
+                <a:solidFill>
+                  <a:srgbClr val="ffffff"/>
+                </a:solidFill>
+              </a:uFill>
+              <a:latin typeface="Arial"/>
+            </a:endParaRPr>
+          </a:p>
+        </p:txBody>
+      </p:sp>
+      <p:sp>
+        <p:nvSpPr>
+          <p:cNvPr id="46" name="PlaceHolder 3"/>
+          <p:cNvSpPr>
+            <a:spLocks noGrp="1"/>
+          </p:cNvSpPr>
+          <p:nvPr>
+            <p:ph type="body"/>
+          </p:nvPr>
+        </p:nvSpPr>
+        <p:spPr>
+          <a:xfrm>
+            <a:off x="5152680" y="1768680"/>
+            <a:ext cx="4426920" cy="4384080"/>
+          </a:xfrm>
+          <a:prstGeom prst="rect">
+            <a:avLst/>
+          </a:prstGeom>
+        </p:spPr>
+        <p:txBody>
+          <a:bodyPr lIns="0" rIns="0" tIns="0" bIns="0"/>
+          <a:p>
+            <a:endParaRPr b="0" lang="en-US" sz="3200" spc="-1" strike="noStrike">
+              <a:solidFill>
+                <a:srgbClr val="000000"/>
+              </a:solidFill>
+              <a:uFill>
+                <a:solidFill>
+                  <a:srgbClr val="ffffff"/>
+                </a:solidFill>
+              </a:uFill>
+              <a:latin typeface="Arial"/>
+            </a:endParaRPr>
+          </a:p>
+        </p:txBody>
+      </p:sp>
+    </p:spTree>
+  </p:cSld>
+</p:sldLayout>
+</file>
+
+<file path=ppt/slideLayouts/slideLayout17.xml><?xml version="1.0" encoding="utf-8"?>
+<p:sldLayout xmlns:a="http://schemas.openxmlformats.org/drawingml/2006/main" xmlns:p="http://schemas.openxmlformats.org/presentationml/2006/main" xmlns:r="http://schemas.openxmlformats.org/officeDocument/2006/relationships" xmlns:p14="http://schemas.microsoft.com/office/powerpoint/2010/main" xmlns:p15="http://schemas.microsoft.com/office/powerpoint/2012/main" xmlns:mc="http://schemas.openxmlformats.org/markup-compatibility/2006" type="titleOnly" preserve="1">
+  <p:cSld name="Title Only">
+    <p:spTree>
+      <p:nvGrpSpPr>
+        <p:cNvPr id="1" name=""/>
+        <p:cNvGrpSpPr/>
+        <p:nvPr/>
+      </p:nvGrpSpPr>
+      <p:grpSpPr>
+        <a:xfrm>
+          <a:off x="0" y="0"/>
+          <a:ext cx="0" cy="0"/>
+          <a:chOff x="0" y="0"/>
+          <a:chExt cx="0" cy="0"/>
+        </a:xfrm>
+      </p:grpSpPr>
+      <p:sp>
+        <p:nvSpPr>
+          <p:cNvPr id="47" name="PlaceHolder 1"/>
+          <p:cNvSpPr>
+            <a:spLocks noGrp="1"/>
+          </p:cNvSpPr>
+          <p:nvPr>
+            <p:ph type="title"/>
+          </p:nvPr>
+        </p:nvSpPr>
+        <p:spPr>
+          <a:xfrm>
+            <a:off x="504000" y="301320"/>
+            <a:ext cx="9071280" cy="1261800"/>
+          </a:xfrm>
+          <a:prstGeom prst="rect">
+            <a:avLst/>
+          </a:prstGeom>
+        </p:spPr>
+        <p:txBody>
+          <a:bodyPr lIns="0" rIns="0" tIns="0" bIns="0" anchor="ctr"/>
+          <a:p>
+            <a:pPr algn="ctr"/>
+            <a:endParaRPr b="0" lang="en-US" sz="4400" spc="-1" strike="noStrike">
+              <a:solidFill>
+                <a:srgbClr val="000000"/>
+              </a:solidFill>
+              <a:uFill>
+                <a:solidFill>
+                  <a:srgbClr val="ffffff"/>
+                </a:solidFill>
+              </a:uFill>
+              <a:latin typeface="Arial"/>
+            </a:endParaRPr>
+          </a:p>
+        </p:txBody>
+      </p:sp>
+    </p:spTree>
+  </p:cSld>
+</p:sldLayout>
+</file>
+
+<file path=ppt/slideLayouts/slideLayout18.xml><?xml version="1.0" encoding="utf-8"?>
+<p:sldLayout xmlns:a="http://schemas.openxmlformats.org/drawingml/2006/main" xmlns:p="http://schemas.openxmlformats.org/presentationml/2006/main" xmlns:r="http://schemas.openxmlformats.org/officeDocument/2006/relationships" xmlns:p14="http://schemas.microsoft.com/office/powerpoint/2010/main" xmlns:p15="http://schemas.microsoft.com/office/powerpoint/2012/main" xmlns:mc="http://schemas.openxmlformats.org/markup-compatibility/2006" type="objOnly" preserve="1">
+  <p:cSld name="Centered Text">
+    <p:spTree>
+      <p:nvGrpSpPr>
+        <p:cNvPr id="1" name=""/>
+        <p:cNvGrpSpPr/>
+        <p:nvPr/>
+      </p:nvGrpSpPr>
+      <p:grpSpPr>
+        <a:xfrm>
+          <a:off x="0" y="0"/>
+          <a:ext cx="0" cy="0"/>
+          <a:chOff x="0" y="0"/>
+          <a:chExt cx="0" cy="0"/>
+        </a:xfrm>
+      </p:grpSpPr>
+      <p:sp>
+        <p:nvSpPr>
+          <p:cNvPr id="48" name="PlaceHolder 1"/>
+          <p:cNvSpPr>
+            <a:spLocks noGrp="1"/>
+          </p:cNvSpPr>
+          <p:nvPr>
+            <p:ph type="subTitle"/>
+          </p:nvPr>
+        </p:nvSpPr>
+        <p:spPr>
+          <a:xfrm>
+            <a:off x="504000" y="301320"/>
+            <a:ext cx="9071280" cy="5850360"/>
+          </a:xfrm>
+          <a:prstGeom prst="rect">
+            <a:avLst/>
+          </a:prstGeom>
+        </p:spPr>
+        <p:txBody>
+          <a:bodyPr lIns="0" rIns="0" tIns="0" bIns="0" anchor="ctr"/>
+          <a:p>
+            <a:pPr algn="ctr"/>
+            <a:endParaRPr b="0" lang="en-US" sz="3200" spc="-1" strike="noStrike">
+              <a:solidFill>
+                <a:srgbClr val="000000"/>
+              </a:solidFill>
+              <a:uFill>
+                <a:solidFill>
+                  <a:srgbClr val="ffffff"/>
+                </a:solidFill>
+              </a:uFill>
+              <a:latin typeface="Arial"/>
+            </a:endParaRPr>
+          </a:p>
+        </p:txBody>
+      </p:sp>
+    </p:spTree>
+  </p:cSld>
+</p:sldLayout>
+</file>
+
+<file path=ppt/slideLayouts/slideLayout19.xml><?xml version="1.0" encoding="utf-8"?>
+<p:sldLayout xmlns:a="http://schemas.openxmlformats.org/drawingml/2006/main" xmlns:p="http://schemas.openxmlformats.org/presentationml/2006/main" xmlns:r="http://schemas.openxmlformats.org/officeDocument/2006/relationships" xmlns:p14="http://schemas.microsoft.com/office/powerpoint/2010/main" xmlns:p15="http://schemas.microsoft.com/office/powerpoint/2012/main" xmlns:mc="http://schemas.openxmlformats.org/markup-compatibility/2006" type="twoObjAndObj" preserve="1">
+  <p:cSld name="Title, 2 Content and Content">
+    <p:spTree>
+      <p:nvGrpSpPr>
+        <p:cNvPr id="1" name=""/>
+        <p:cNvGrpSpPr/>
+        <p:nvPr/>
+      </p:nvGrpSpPr>
+      <p:grpSpPr>
+        <a:xfrm>
+          <a:off x="0" y="0"/>
+          <a:ext cx="0" cy="0"/>
+          <a:chOff x="0" y="0"/>
+          <a:chExt cx="0" cy="0"/>
+        </a:xfrm>
+      </p:grpSpPr>
+      <p:sp>
+        <p:nvSpPr>
+          <p:cNvPr id="49" name="PlaceHolder 1"/>
+          <p:cNvSpPr>
+            <a:spLocks noGrp="1"/>
+          </p:cNvSpPr>
+          <p:nvPr>
+            <p:ph type="title"/>
+          </p:nvPr>
+        </p:nvSpPr>
+        <p:spPr>
+          <a:xfrm>
+            <a:off x="504000" y="301320"/>
+            <a:ext cx="9071280" cy="1261800"/>
+          </a:xfrm>
+          <a:prstGeom prst="rect">
+            <a:avLst/>
+          </a:prstGeom>
+        </p:spPr>
+        <p:txBody>
+          <a:bodyPr lIns="0" rIns="0" tIns="0" bIns="0" anchor="ctr"/>
+          <a:p>
+            <a:pPr algn="ctr"/>
+            <a:endParaRPr b="0" lang="en-US" sz="4400" spc="-1" strike="noStrike">
+              <a:solidFill>
+                <a:srgbClr val="000000"/>
+              </a:solidFill>
+              <a:uFill>
+                <a:solidFill>
+                  <a:srgbClr val="ffffff"/>
+                </a:solidFill>
+              </a:uFill>
+              <a:latin typeface="Arial"/>
+            </a:endParaRPr>
+          </a:p>
+        </p:txBody>
+      </p:sp>
+      <p:sp>
+        <p:nvSpPr>
+          <p:cNvPr id="50" name="PlaceHolder 2"/>
+          <p:cNvSpPr>
+            <a:spLocks noGrp="1"/>
+          </p:cNvSpPr>
+          <p:nvPr>
+            <p:ph type="body"/>
+          </p:nvPr>
+        </p:nvSpPr>
+        <p:spPr>
+          <a:xfrm>
+            <a:off x="504000" y="1768680"/>
+            <a:ext cx="4426920" cy="2090880"/>
+          </a:xfrm>
+          <a:prstGeom prst="rect">
+            <a:avLst/>
+          </a:prstGeom>
+        </p:spPr>
+        <p:txBody>
+          <a:bodyPr lIns="0" rIns="0" tIns="0" bIns="0"/>
+          <a:p>
+            <a:endParaRPr b="0" lang="en-US" sz="3200" spc="-1" strike="noStrike">
+              <a:solidFill>
+                <a:srgbClr val="000000"/>
+              </a:solidFill>
+              <a:uFill>
+                <a:solidFill>
+                  <a:srgbClr val="ffffff"/>
+                </a:solidFill>
+              </a:uFill>
+              <a:latin typeface="Arial"/>
+            </a:endParaRPr>
+          </a:p>
+        </p:txBody>
+      </p:sp>
+      <p:sp>
+        <p:nvSpPr>
+          <p:cNvPr id="51" name="PlaceHolder 3"/>
+          <p:cNvSpPr>
+            <a:spLocks noGrp="1"/>
+          </p:cNvSpPr>
+          <p:nvPr>
+            <p:ph type="body"/>
+          </p:nvPr>
+        </p:nvSpPr>
+        <p:spPr>
+          <a:xfrm>
+            <a:off x="504000" y="4058640"/>
+            <a:ext cx="4426920" cy="2090880"/>
+          </a:xfrm>
+          <a:prstGeom prst="rect">
+            <a:avLst/>
+          </a:prstGeom>
+        </p:spPr>
+        <p:txBody>
+          <a:bodyPr lIns="0" rIns="0" tIns="0" bIns="0"/>
+          <a:p>
+            <a:endParaRPr b="0" lang="en-US" sz="3200" spc="-1" strike="noStrike">
+              <a:solidFill>
+                <a:srgbClr val="000000"/>
+              </a:solidFill>
+              <a:uFill>
+                <a:solidFill>
+                  <a:srgbClr val="ffffff"/>
+                </a:solidFill>
+              </a:uFill>
+              <a:latin typeface="Arial"/>
+            </a:endParaRPr>
+          </a:p>
+        </p:txBody>
+      </p:sp>
+      <p:sp>
+        <p:nvSpPr>
+          <p:cNvPr id="52" name="PlaceHolder 4"/>
+          <p:cNvSpPr>
+            <a:spLocks noGrp="1"/>
+          </p:cNvSpPr>
+          <p:nvPr>
+            <p:ph type="body"/>
+          </p:nvPr>
+        </p:nvSpPr>
+        <p:spPr>
+          <a:xfrm>
+            <a:off x="5152680" y="1768680"/>
+            <a:ext cx="4426920" cy="4384080"/>
+          </a:xfrm>
+          <a:prstGeom prst="rect">
+            <a:avLst/>
+          </a:prstGeom>
+        </p:spPr>
+        <p:txBody>
+          <a:bodyPr lIns="0" rIns="0" tIns="0" bIns="0"/>
+          <a:p>
+            <a:endParaRPr b="0" lang="en-US" sz="3200" spc="-1" strike="noStrike">
+              <a:solidFill>
+                <a:srgbClr val="000000"/>
+              </a:solidFill>
+              <a:uFill>
+                <a:solidFill>
+                  <a:srgbClr val="ffffff"/>
+                </a:solidFill>
+              </a:uFill>
+              <a:latin typeface="Arial"/>
+            </a:endParaRPr>
+          </a:p>
+        </p:txBody>
+      </p:sp>
     </p:spTree>
   </p:cSld>
 </p:sldLayout>
@@ -574,7 +1204,7 @@
       </p:grpSpPr>
       <p:sp>
         <p:nvSpPr>
-          <p:cNvPr id="5" name="PlaceHolder 1"/>
+          <p:cNvPr id="2" name="PlaceHolder 1"/>
           <p:cNvSpPr>
             <a:spLocks noGrp="1"/>
           </p:cNvSpPr>
@@ -585,7 +1215,7 @@
         <p:spPr>
           <a:xfrm>
             <a:off x="504000" y="301320"/>
-            <a:ext cx="9071640" cy="1262160"/>
+            <a:ext cx="9071280" cy="1261800"/>
           </a:xfrm>
           <a:prstGeom prst="rect">
             <a:avLst/>
@@ -611,7 +1241,7 @@
       </p:sp>
       <p:sp>
         <p:nvSpPr>
-          <p:cNvPr id="6" name="PlaceHolder 2"/>
+          <p:cNvPr id="3" name="PlaceHolder 2"/>
           <p:cNvSpPr>
             <a:spLocks noGrp="1"/>
           </p:cNvSpPr>
@@ -621,8 +1251,8 @@
         </p:nvSpPr>
         <p:spPr>
           <a:xfrm>
-            <a:off x="504000" y="1769040"/>
-            <a:ext cx="9071640" cy="4384440"/>
+            <a:off x="504000" y="1768680"/>
+            <a:ext cx="9072000" cy="4384080"/>
           </a:xfrm>
           <a:prstGeom prst="rect">
             <a:avLst/>
@@ -646,6 +1276,851 @@
           </a:p>
         </p:txBody>
       </p:sp>
+    </p:spTree>
+  </p:cSld>
+</p:sldLayout>
+</file>
+
+<file path=ppt/slideLayouts/slideLayout20.xml><?xml version="1.0" encoding="utf-8"?>
+<p:sldLayout xmlns:a="http://schemas.openxmlformats.org/drawingml/2006/main" xmlns:p="http://schemas.openxmlformats.org/presentationml/2006/main" xmlns:r="http://schemas.openxmlformats.org/officeDocument/2006/relationships" xmlns:p14="http://schemas.microsoft.com/office/powerpoint/2010/main" xmlns:p15="http://schemas.microsoft.com/office/powerpoint/2012/main" xmlns:mc="http://schemas.openxmlformats.org/markup-compatibility/2006" type="objAndTwoObj" preserve="1">
+  <p:cSld name="Title Content and 2 Content">
+    <p:spTree>
+      <p:nvGrpSpPr>
+        <p:cNvPr id="1" name=""/>
+        <p:cNvGrpSpPr/>
+        <p:nvPr/>
+      </p:nvGrpSpPr>
+      <p:grpSpPr>
+        <a:xfrm>
+          <a:off x="0" y="0"/>
+          <a:ext cx="0" cy="0"/>
+          <a:chOff x="0" y="0"/>
+          <a:chExt cx="0" cy="0"/>
+        </a:xfrm>
+      </p:grpSpPr>
+      <p:sp>
+        <p:nvSpPr>
+          <p:cNvPr id="53" name="PlaceHolder 1"/>
+          <p:cNvSpPr>
+            <a:spLocks noGrp="1"/>
+          </p:cNvSpPr>
+          <p:nvPr>
+            <p:ph type="title"/>
+          </p:nvPr>
+        </p:nvSpPr>
+        <p:spPr>
+          <a:xfrm>
+            <a:off x="504000" y="301320"/>
+            <a:ext cx="9071280" cy="1261800"/>
+          </a:xfrm>
+          <a:prstGeom prst="rect">
+            <a:avLst/>
+          </a:prstGeom>
+        </p:spPr>
+        <p:txBody>
+          <a:bodyPr lIns="0" rIns="0" tIns="0" bIns="0" anchor="ctr"/>
+          <a:p>
+            <a:pPr algn="ctr"/>
+            <a:endParaRPr b="0" lang="en-US" sz="4400" spc="-1" strike="noStrike">
+              <a:solidFill>
+                <a:srgbClr val="000000"/>
+              </a:solidFill>
+              <a:uFill>
+                <a:solidFill>
+                  <a:srgbClr val="ffffff"/>
+                </a:solidFill>
+              </a:uFill>
+              <a:latin typeface="Arial"/>
+            </a:endParaRPr>
+          </a:p>
+        </p:txBody>
+      </p:sp>
+      <p:sp>
+        <p:nvSpPr>
+          <p:cNvPr id="54" name="PlaceHolder 2"/>
+          <p:cNvSpPr>
+            <a:spLocks noGrp="1"/>
+          </p:cNvSpPr>
+          <p:nvPr>
+            <p:ph type="body"/>
+          </p:nvPr>
+        </p:nvSpPr>
+        <p:spPr>
+          <a:xfrm>
+            <a:off x="504000" y="1768680"/>
+            <a:ext cx="4426920" cy="4384080"/>
+          </a:xfrm>
+          <a:prstGeom prst="rect">
+            <a:avLst/>
+          </a:prstGeom>
+        </p:spPr>
+        <p:txBody>
+          <a:bodyPr lIns="0" rIns="0" tIns="0" bIns="0"/>
+          <a:p>
+            <a:endParaRPr b="0" lang="en-US" sz="3200" spc="-1" strike="noStrike">
+              <a:solidFill>
+                <a:srgbClr val="000000"/>
+              </a:solidFill>
+              <a:uFill>
+                <a:solidFill>
+                  <a:srgbClr val="ffffff"/>
+                </a:solidFill>
+              </a:uFill>
+              <a:latin typeface="Arial"/>
+            </a:endParaRPr>
+          </a:p>
+        </p:txBody>
+      </p:sp>
+      <p:sp>
+        <p:nvSpPr>
+          <p:cNvPr id="55" name="PlaceHolder 3"/>
+          <p:cNvSpPr>
+            <a:spLocks noGrp="1"/>
+          </p:cNvSpPr>
+          <p:nvPr>
+            <p:ph type="body"/>
+          </p:nvPr>
+        </p:nvSpPr>
+        <p:spPr>
+          <a:xfrm>
+            <a:off x="5152680" y="1768680"/>
+            <a:ext cx="4426920" cy="2090880"/>
+          </a:xfrm>
+          <a:prstGeom prst="rect">
+            <a:avLst/>
+          </a:prstGeom>
+        </p:spPr>
+        <p:txBody>
+          <a:bodyPr lIns="0" rIns="0" tIns="0" bIns="0"/>
+          <a:p>
+            <a:endParaRPr b="0" lang="en-US" sz="3200" spc="-1" strike="noStrike">
+              <a:solidFill>
+                <a:srgbClr val="000000"/>
+              </a:solidFill>
+              <a:uFill>
+                <a:solidFill>
+                  <a:srgbClr val="ffffff"/>
+                </a:solidFill>
+              </a:uFill>
+              <a:latin typeface="Arial"/>
+            </a:endParaRPr>
+          </a:p>
+        </p:txBody>
+      </p:sp>
+      <p:sp>
+        <p:nvSpPr>
+          <p:cNvPr id="56" name="PlaceHolder 4"/>
+          <p:cNvSpPr>
+            <a:spLocks noGrp="1"/>
+          </p:cNvSpPr>
+          <p:nvPr>
+            <p:ph type="body"/>
+          </p:nvPr>
+        </p:nvSpPr>
+        <p:spPr>
+          <a:xfrm>
+            <a:off x="5152680" y="4058640"/>
+            <a:ext cx="4426920" cy="2090880"/>
+          </a:xfrm>
+          <a:prstGeom prst="rect">
+            <a:avLst/>
+          </a:prstGeom>
+        </p:spPr>
+        <p:txBody>
+          <a:bodyPr lIns="0" rIns="0" tIns="0" bIns="0"/>
+          <a:p>
+            <a:endParaRPr b="0" lang="en-US" sz="3200" spc="-1" strike="noStrike">
+              <a:solidFill>
+                <a:srgbClr val="000000"/>
+              </a:solidFill>
+              <a:uFill>
+                <a:solidFill>
+                  <a:srgbClr val="ffffff"/>
+                </a:solidFill>
+              </a:uFill>
+              <a:latin typeface="Arial"/>
+            </a:endParaRPr>
+          </a:p>
+        </p:txBody>
+      </p:sp>
+    </p:spTree>
+  </p:cSld>
+</p:sldLayout>
+</file>
+
+<file path=ppt/slideLayouts/slideLayout21.xml><?xml version="1.0" encoding="utf-8"?>
+<p:sldLayout xmlns:a="http://schemas.openxmlformats.org/drawingml/2006/main" xmlns:p="http://schemas.openxmlformats.org/presentationml/2006/main" xmlns:r="http://schemas.openxmlformats.org/officeDocument/2006/relationships" xmlns:p14="http://schemas.microsoft.com/office/powerpoint/2010/main" xmlns:p15="http://schemas.microsoft.com/office/powerpoint/2012/main" xmlns:mc="http://schemas.openxmlformats.org/markup-compatibility/2006" type="twoObjOverTx" preserve="1">
+  <p:cSld name="Title, 2 Content over Content">
+    <p:spTree>
+      <p:nvGrpSpPr>
+        <p:cNvPr id="1" name=""/>
+        <p:cNvGrpSpPr/>
+        <p:nvPr/>
+      </p:nvGrpSpPr>
+      <p:grpSpPr>
+        <a:xfrm>
+          <a:off x="0" y="0"/>
+          <a:ext cx="0" cy="0"/>
+          <a:chOff x="0" y="0"/>
+          <a:chExt cx="0" cy="0"/>
+        </a:xfrm>
+      </p:grpSpPr>
+      <p:sp>
+        <p:nvSpPr>
+          <p:cNvPr id="57" name="PlaceHolder 1"/>
+          <p:cNvSpPr>
+            <a:spLocks noGrp="1"/>
+          </p:cNvSpPr>
+          <p:nvPr>
+            <p:ph type="title"/>
+          </p:nvPr>
+        </p:nvSpPr>
+        <p:spPr>
+          <a:xfrm>
+            <a:off x="504000" y="301320"/>
+            <a:ext cx="9071280" cy="1261800"/>
+          </a:xfrm>
+          <a:prstGeom prst="rect">
+            <a:avLst/>
+          </a:prstGeom>
+        </p:spPr>
+        <p:txBody>
+          <a:bodyPr lIns="0" rIns="0" tIns="0" bIns="0" anchor="ctr"/>
+          <a:p>
+            <a:pPr algn="ctr"/>
+            <a:endParaRPr b="0" lang="en-US" sz="4400" spc="-1" strike="noStrike">
+              <a:solidFill>
+                <a:srgbClr val="000000"/>
+              </a:solidFill>
+              <a:uFill>
+                <a:solidFill>
+                  <a:srgbClr val="ffffff"/>
+                </a:solidFill>
+              </a:uFill>
+              <a:latin typeface="Arial"/>
+            </a:endParaRPr>
+          </a:p>
+        </p:txBody>
+      </p:sp>
+      <p:sp>
+        <p:nvSpPr>
+          <p:cNvPr id="58" name="PlaceHolder 2"/>
+          <p:cNvSpPr>
+            <a:spLocks noGrp="1"/>
+          </p:cNvSpPr>
+          <p:nvPr>
+            <p:ph type="body"/>
+          </p:nvPr>
+        </p:nvSpPr>
+        <p:spPr>
+          <a:xfrm>
+            <a:off x="504000" y="1768680"/>
+            <a:ext cx="4426920" cy="2090880"/>
+          </a:xfrm>
+          <a:prstGeom prst="rect">
+            <a:avLst/>
+          </a:prstGeom>
+        </p:spPr>
+        <p:txBody>
+          <a:bodyPr lIns="0" rIns="0" tIns="0" bIns="0"/>
+          <a:p>
+            <a:endParaRPr b="0" lang="en-US" sz="3200" spc="-1" strike="noStrike">
+              <a:solidFill>
+                <a:srgbClr val="000000"/>
+              </a:solidFill>
+              <a:uFill>
+                <a:solidFill>
+                  <a:srgbClr val="ffffff"/>
+                </a:solidFill>
+              </a:uFill>
+              <a:latin typeface="Arial"/>
+            </a:endParaRPr>
+          </a:p>
+        </p:txBody>
+      </p:sp>
+      <p:sp>
+        <p:nvSpPr>
+          <p:cNvPr id="59" name="PlaceHolder 3"/>
+          <p:cNvSpPr>
+            <a:spLocks noGrp="1"/>
+          </p:cNvSpPr>
+          <p:nvPr>
+            <p:ph type="body"/>
+          </p:nvPr>
+        </p:nvSpPr>
+        <p:spPr>
+          <a:xfrm>
+            <a:off x="5152680" y="1768680"/>
+            <a:ext cx="4426920" cy="2090880"/>
+          </a:xfrm>
+          <a:prstGeom prst="rect">
+            <a:avLst/>
+          </a:prstGeom>
+        </p:spPr>
+        <p:txBody>
+          <a:bodyPr lIns="0" rIns="0" tIns="0" bIns="0"/>
+          <a:p>
+            <a:endParaRPr b="0" lang="en-US" sz="3200" spc="-1" strike="noStrike">
+              <a:solidFill>
+                <a:srgbClr val="000000"/>
+              </a:solidFill>
+              <a:uFill>
+                <a:solidFill>
+                  <a:srgbClr val="ffffff"/>
+                </a:solidFill>
+              </a:uFill>
+              <a:latin typeface="Arial"/>
+            </a:endParaRPr>
+          </a:p>
+        </p:txBody>
+      </p:sp>
+      <p:sp>
+        <p:nvSpPr>
+          <p:cNvPr id="60" name="PlaceHolder 4"/>
+          <p:cNvSpPr>
+            <a:spLocks noGrp="1"/>
+          </p:cNvSpPr>
+          <p:nvPr>
+            <p:ph type="body"/>
+          </p:nvPr>
+        </p:nvSpPr>
+        <p:spPr>
+          <a:xfrm>
+            <a:off x="504000" y="4058640"/>
+            <a:ext cx="9072000" cy="2090880"/>
+          </a:xfrm>
+          <a:prstGeom prst="rect">
+            <a:avLst/>
+          </a:prstGeom>
+        </p:spPr>
+        <p:txBody>
+          <a:bodyPr lIns="0" rIns="0" tIns="0" bIns="0"/>
+          <a:p>
+            <a:endParaRPr b="0" lang="en-US" sz="3200" spc="-1" strike="noStrike">
+              <a:solidFill>
+                <a:srgbClr val="000000"/>
+              </a:solidFill>
+              <a:uFill>
+                <a:solidFill>
+                  <a:srgbClr val="ffffff"/>
+                </a:solidFill>
+              </a:uFill>
+              <a:latin typeface="Arial"/>
+            </a:endParaRPr>
+          </a:p>
+        </p:txBody>
+      </p:sp>
+    </p:spTree>
+  </p:cSld>
+</p:sldLayout>
+</file>
+
+<file path=ppt/slideLayouts/slideLayout22.xml><?xml version="1.0" encoding="utf-8"?>
+<p:sldLayout xmlns:a="http://schemas.openxmlformats.org/drawingml/2006/main" xmlns:p="http://schemas.openxmlformats.org/presentationml/2006/main" xmlns:r="http://schemas.openxmlformats.org/officeDocument/2006/relationships" xmlns:p14="http://schemas.microsoft.com/office/powerpoint/2010/main" xmlns:p15="http://schemas.microsoft.com/office/powerpoint/2012/main" xmlns:mc="http://schemas.openxmlformats.org/markup-compatibility/2006" type="objOverTx" preserve="1">
+  <p:cSld name="Title, Content over Content">
+    <p:spTree>
+      <p:nvGrpSpPr>
+        <p:cNvPr id="1" name=""/>
+        <p:cNvGrpSpPr/>
+        <p:nvPr/>
+      </p:nvGrpSpPr>
+      <p:grpSpPr>
+        <a:xfrm>
+          <a:off x="0" y="0"/>
+          <a:ext cx="0" cy="0"/>
+          <a:chOff x="0" y="0"/>
+          <a:chExt cx="0" cy="0"/>
+        </a:xfrm>
+      </p:grpSpPr>
+      <p:sp>
+        <p:nvSpPr>
+          <p:cNvPr id="61" name="PlaceHolder 1"/>
+          <p:cNvSpPr>
+            <a:spLocks noGrp="1"/>
+          </p:cNvSpPr>
+          <p:nvPr>
+            <p:ph type="title"/>
+          </p:nvPr>
+        </p:nvSpPr>
+        <p:spPr>
+          <a:xfrm>
+            <a:off x="504000" y="301320"/>
+            <a:ext cx="9071280" cy="1261800"/>
+          </a:xfrm>
+          <a:prstGeom prst="rect">
+            <a:avLst/>
+          </a:prstGeom>
+        </p:spPr>
+        <p:txBody>
+          <a:bodyPr lIns="0" rIns="0" tIns="0" bIns="0" anchor="ctr"/>
+          <a:p>
+            <a:pPr algn="ctr"/>
+            <a:endParaRPr b="0" lang="en-US" sz="4400" spc="-1" strike="noStrike">
+              <a:solidFill>
+                <a:srgbClr val="000000"/>
+              </a:solidFill>
+              <a:uFill>
+                <a:solidFill>
+                  <a:srgbClr val="ffffff"/>
+                </a:solidFill>
+              </a:uFill>
+              <a:latin typeface="Arial"/>
+            </a:endParaRPr>
+          </a:p>
+        </p:txBody>
+      </p:sp>
+      <p:sp>
+        <p:nvSpPr>
+          <p:cNvPr id="62" name="PlaceHolder 2"/>
+          <p:cNvSpPr>
+            <a:spLocks noGrp="1"/>
+          </p:cNvSpPr>
+          <p:nvPr>
+            <p:ph type="body"/>
+          </p:nvPr>
+        </p:nvSpPr>
+        <p:spPr>
+          <a:xfrm>
+            <a:off x="504000" y="1768680"/>
+            <a:ext cx="9072000" cy="2090880"/>
+          </a:xfrm>
+          <a:prstGeom prst="rect">
+            <a:avLst/>
+          </a:prstGeom>
+        </p:spPr>
+        <p:txBody>
+          <a:bodyPr lIns="0" rIns="0" tIns="0" bIns="0"/>
+          <a:p>
+            <a:endParaRPr b="0" lang="en-US" sz="3200" spc="-1" strike="noStrike">
+              <a:solidFill>
+                <a:srgbClr val="000000"/>
+              </a:solidFill>
+              <a:uFill>
+                <a:solidFill>
+                  <a:srgbClr val="ffffff"/>
+                </a:solidFill>
+              </a:uFill>
+              <a:latin typeface="Arial"/>
+            </a:endParaRPr>
+          </a:p>
+        </p:txBody>
+      </p:sp>
+      <p:sp>
+        <p:nvSpPr>
+          <p:cNvPr id="63" name="PlaceHolder 3"/>
+          <p:cNvSpPr>
+            <a:spLocks noGrp="1"/>
+          </p:cNvSpPr>
+          <p:nvPr>
+            <p:ph type="body"/>
+          </p:nvPr>
+        </p:nvSpPr>
+        <p:spPr>
+          <a:xfrm>
+            <a:off x="504000" y="4058640"/>
+            <a:ext cx="9072000" cy="2090880"/>
+          </a:xfrm>
+          <a:prstGeom prst="rect">
+            <a:avLst/>
+          </a:prstGeom>
+        </p:spPr>
+        <p:txBody>
+          <a:bodyPr lIns="0" rIns="0" tIns="0" bIns="0"/>
+          <a:p>
+            <a:endParaRPr b="0" lang="en-US" sz="3200" spc="-1" strike="noStrike">
+              <a:solidFill>
+                <a:srgbClr val="000000"/>
+              </a:solidFill>
+              <a:uFill>
+                <a:solidFill>
+                  <a:srgbClr val="ffffff"/>
+                </a:solidFill>
+              </a:uFill>
+              <a:latin typeface="Arial"/>
+            </a:endParaRPr>
+          </a:p>
+        </p:txBody>
+      </p:sp>
+    </p:spTree>
+  </p:cSld>
+</p:sldLayout>
+</file>
+
+<file path=ppt/slideLayouts/slideLayout23.xml><?xml version="1.0" encoding="utf-8"?>
+<p:sldLayout xmlns:a="http://schemas.openxmlformats.org/drawingml/2006/main" xmlns:p="http://schemas.openxmlformats.org/presentationml/2006/main" xmlns:r="http://schemas.openxmlformats.org/officeDocument/2006/relationships" xmlns:p14="http://schemas.microsoft.com/office/powerpoint/2010/main" xmlns:p15="http://schemas.microsoft.com/office/powerpoint/2012/main" xmlns:mc="http://schemas.openxmlformats.org/markup-compatibility/2006" type="fourObj" preserve="1">
+  <p:cSld name="Title, 4 Content">
+    <p:spTree>
+      <p:nvGrpSpPr>
+        <p:cNvPr id="1" name=""/>
+        <p:cNvGrpSpPr/>
+        <p:nvPr/>
+      </p:nvGrpSpPr>
+      <p:grpSpPr>
+        <a:xfrm>
+          <a:off x="0" y="0"/>
+          <a:ext cx="0" cy="0"/>
+          <a:chOff x="0" y="0"/>
+          <a:chExt cx="0" cy="0"/>
+        </a:xfrm>
+      </p:grpSpPr>
+      <p:sp>
+        <p:nvSpPr>
+          <p:cNvPr id="64" name="PlaceHolder 1"/>
+          <p:cNvSpPr>
+            <a:spLocks noGrp="1"/>
+          </p:cNvSpPr>
+          <p:nvPr>
+            <p:ph type="title"/>
+          </p:nvPr>
+        </p:nvSpPr>
+        <p:spPr>
+          <a:xfrm>
+            <a:off x="504000" y="301320"/>
+            <a:ext cx="9071280" cy="1261800"/>
+          </a:xfrm>
+          <a:prstGeom prst="rect">
+            <a:avLst/>
+          </a:prstGeom>
+        </p:spPr>
+        <p:txBody>
+          <a:bodyPr lIns="0" rIns="0" tIns="0" bIns="0" anchor="ctr"/>
+          <a:p>
+            <a:pPr algn="ctr"/>
+            <a:endParaRPr b="0" lang="en-US" sz="4400" spc="-1" strike="noStrike">
+              <a:solidFill>
+                <a:srgbClr val="000000"/>
+              </a:solidFill>
+              <a:uFill>
+                <a:solidFill>
+                  <a:srgbClr val="ffffff"/>
+                </a:solidFill>
+              </a:uFill>
+              <a:latin typeface="Arial"/>
+            </a:endParaRPr>
+          </a:p>
+        </p:txBody>
+      </p:sp>
+      <p:sp>
+        <p:nvSpPr>
+          <p:cNvPr id="65" name="PlaceHolder 2"/>
+          <p:cNvSpPr>
+            <a:spLocks noGrp="1"/>
+          </p:cNvSpPr>
+          <p:nvPr>
+            <p:ph type="body"/>
+          </p:nvPr>
+        </p:nvSpPr>
+        <p:spPr>
+          <a:xfrm>
+            <a:off x="504000" y="1768680"/>
+            <a:ext cx="4426920" cy="2090880"/>
+          </a:xfrm>
+          <a:prstGeom prst="rect">
+            <a:avLst/>
+          </a:prstGeom>
+        </p:spPr>
+        <p:txBody>
+          <a:bodyPr lIns="0" rIns="0" tIns="0" bIns="0"/>
+          <a:p>
+            <a:endParaRPr b="0" lang="en-US" sz="3200" spc="-1" strike="noStrike">
+              <a:solidFill>
+                <a:srgbClr val="000000"/>
+              </a:solidFill>
+              <a:uFill>
+                <a:solidFill>
+                  <a:srgbClr val="ffffff"/>
+                </a:solidFill>
+              </a:uFill>
+              <a:latin typeface="Arial"/>
+            </a:endParaRPr>
+          </a:p>
+        </p:txBody>
+      </p:sp>
+      <p:sp>
+        <p:nvSpPr>
+          <p:cNvPr id="66" name="PlaceHolder 3"/>
+          <p:cNvSpPr>
+            <a:spLocks noGrp="1"/>
+          </p:cNvSpPr>
+          <p:nvPr>
+            <p:ph type="body"/>
+          </p:nvPr>
+        </p:nvSpPr>
+        <p:spPr>
+          <a:xfrm>
+            <a:off x="5152680" y="1768680"/>
+            <a:ext cx="4426920" cy="2090880"/>
+          </a:xfrm>
+          <a:prstGeom prst="rect">
+            <a:avLst/>
+          </a:prstGeom>
+        </p:spPr>
+        <p:txBody>
+          <a:bodyPr lIns="0" rIns="0" tIns="0" bIns="0"/>
+          <a:p>
+            <a:endParaRPr b="0" lang="en-US" sz="3200" spc="-1" strike="noStrike">
+              <a:solidFill>
+                <a:srgbClr val="000000"/>
+              </a:solidFill>
+              <a:uFill>
+                <a:solidFill>
+                  <a:srgbClr val="ffffff"/>
+                </a:solidFill>
+              </a:uFill>
+              <a:latin typeface="Arial"/>
+            </a:endParaRPr>
+          </a:p>
+        </p:txBody>
+      </p:sp>
+      <p:sp>
+        <p:nvSpPr>
+          <p:cNvPr id="67" name="PlaceHolder 4"/>
+          <p:cNvSpPr>
+            <a:spLocks noGrp="1"/>
+          </p:cNvSpPr>
+          <p:nvPr>
+            <p:ph type="body"/>
+          </p:nvPr>
+        </p:nvSpPr>
+        <p:spPr>
+          <a:xfrm>
+            <a:off x="5152680" y="4058640"/>
+            <a:ext cx="4426920" cy="2090880"/>
+          </a:xfrm>
+          <a:prstGeom prst="rect">
+            <a:avLst/>
+          </a:prstGeom>
+        </p:spPr>
+        <p:txBody>
+          <a:bodyPr lIns="0" rIns="0" tIns="0" bIns="0"/>
+          <a:p>
+            <a:endParaRPr b="0" lang="en-US" sz="3200" spc="-1" strike="noStrike">
+              <a:solidFill>
+                <a:srgbClr val="000000"/>
+              </a:solidFill>
+              <a:uFill>
+                <a:solidFill>
+                  <a:srgbClr val="ffffff"/>
+                </a:solidFill>
+              </a:uFill>
+              <a:latin typeface="Arial"/>
+            </a:endParaRPr>
+          </a:p>
+        </p:txBody>
+      </p:sp>
+      <p:sp>
+        <p:nvSpPr>
+          <p:cNvPr id="68" name="PlaceHolder 5"/>
+          <p:cNvSpPr>
+            <a:spLocks noGrp="1"/>
+          </p:cNvSpPr>
+          <p:nvPr>
+            <p:ph type="body"/>
+          </p:nvPr>
+        </p:nvSpPr>
+        <p:spPr>
+          <a:xfrm>
+            <a:off x="504000" y="4058640"/>
+            <a:ext cx="4426920" cy="2090880"/>
+          </a:xfrm>
+          <a:prstGeom prst="rect">
+            <a:avLst/>
+          </a:prstGeom>
+        </p:spPr>
+        <p:txBody>
+          <a:bodyPr lIns="0" rIns="0" tIns="0" bIns="0"/>
+          <a:p>
+            <a:endParaRPr b="0" lang="en-US" sz="3200" spc="-1" strike="noStrike">
+              <a:solidFill>
+                <a:srgbClr val="000000"/>
+              </a:solidFill>
+              <a:uFill>
+                <a:solidFill>
+                  <a:srgbClr val="ffffff"/>
+                </a:solidFill>
+              </a:uFill>
+              <a:latin typeface="Arial"/>
+            </a:endParaRPr>
+          </a:p>
+        </p:txBody>
+      </p:sp>
+    </p:spTree>
+  </p:cSld>
+</p:sldLayout>
+</file>
+
+<file path=ppt/slideLayouts/slideLayout24.xml><?xml version="1.0" encoding="utf-8"?>
+<p:sldLayout xmlns:a="http://schemas.openxmlformats.org/drawingml/2006/main" xmlns:p="http://schemas.openxmlformats.org/presentationml/2006/main" xmlns:r="http://schemas.openxmlformats.org/officeDocument/2006/relationships" xmlns:p14="http://schemas.microsoft.com/office/powerpoint/2010/main" xmlns:p15="http://schemas.microsoft.com/office/powerpoint/2012/main" xmlns:mc="http://schemas.openxmlformats.org/markup-compatibility/2006" type="blank" preserve="1">
+  <p:cSld name="Title, 6 Content">
+    <p:spTree>
+      <p:nvGrpSpPr>
+        <p:cNvPr id="1" name=""/>
+        <p:cNvGrpSpPr/>
+        <p:nvPr/>
+      </p:nvGrpSpPr>
+      <p:grpSpPr>
+        <a:xfrm>
+          <a:off x="0" y="0"/>
+          <a:ext cx="0" cy="0"/>
+          <a:chOff x="0" y="0"/>
+          <a:chExt cx="0" cy="0"/>
+        </a:xfrm>
+      </p:grpSpPr>
+      <p:sp>
+        <p:nvSpPr>
+          <p:cNvPr id="69" name="PlaceHolder 1"/>
+          <p:cNvSpPr>
+            <a:spLocks noGrp="1"/>
+          </p:cNvSpPr>
+          <p:nvPr>
+            <p:ph type="title"/>
+          </p:nvPr>
+        </p:nvSpPr>
+        <p:spPr>
+          <a:xfrm>
+            <a:off x="504000" y="301320"/>
+            <a:ext cx="9071280" cy="1261800"/>
+          </a:xfrm>
+          <a:prstGeom prst="rect">
+            <a:avLst/>
+          </a:prstGeom>
+        </p:spPr>
+        <p:txBody>
+          <a:bodyPr lIns="0" rIns="0" tIns="0" bIns="0" anchor="ctr"/>
+          <a:p>
+            <a:pPr algn="ctr"/>
+            <a:endParaRPr b="0" lang="en-US" sz="4400" spc="-1" strike="noStrike">
+              <a:solidFill>
+                <a:srgbClr val="000000"/>
+              </a:solidFill>
+              <a:uFill>
+                <a:solidFill>
+                  <a:srgbClr val="ffffff"/>
+                </a:solidFill>
+              </a:uFill>
+              <a:latin typeface="Arial"/>
+            </a:endParaRPr>
+          </a:p>
+        </p:txBody>
+      </p:sp>
+      <p:sp>
+        <p:nvSpPr>
+          <p:cNvPr id="70" name="PlaceHolder 2"/>
+          <p:cNvSpPr>
+            <a:spLocks noGrp="1"/>
+          </p:cNvSpPr>
+          <p:nvPr>
+            <p:ph type="body"/>
+          </p:nvPr>
+        </p:nvSpPr>
+        <p:spPr>
+          <a:xfrm>
+            <a:off x="504000" y="1768680"/>
+            <a:ext cx="9072000" cy="4384080"/>
+          </a:xfrm>
+          <a:prstGeom prst="rect">
+            <a:avLst/>
+          </a:prstGeom>
+        </p:spPr>
+        <p:txBody>
+          <a:bodyPr lIns="0" rIns="0" tIns="0" bIns="0"/>
+          <a:p>
+            <a:endParaRPr b="0" lang="en-US" sz="3200" spc="-1" strike="noStrike">
+              <a:solidFill>
+                <a:srgbClr val="000000"/>
+              </a:solidFill>
+              <a:uFill>
+                <a:solidFill>
+                  <a:srgbClr val="ffffff"/>
+                </a:solidFill>
+              </a:uFill>
+              <a:latin typeface="Arial"/>
+            </a:endParaRPr>
+          </a:p>
+        </p:txBody>
+      </p:sp>
+      <p:sp>
+        <p:nvSpPr>
+          <p:cNvPr id="71" name="PlaceHolder 3"/>
+          <p:cNvSpPr>
+            <a:spLocks noGrp="1"/>
+          </p:cNvSpPr>
+          <p:nvPr>
+            <p:ph type="body"/>
+          </p:nvPr>
+        </p:nvSpPr>
+        <p:spPr>
+          <a:xfrm>
+            <a:off x="504000" y="1768680"/>
+            <a:ext cx="9072000" cy="4384080"/>
+          </a:xfrm>
+          <a:prstGeom prst="rect">
+            <a:avLst/>
+          </a:prstGeom>
+        </p:spPr>
+        <p:txBody>
+          <a:bodyPr lIns="0" rIns="0" tIns="0" bIns="0"/>
+          <a:p>
+            <a:endParaRPr b="0" lang="en-US" sz="3200" spc="-1" strike="noStrike">
+              <a:solidFill>
+                <a:srgbClr val="000000"/>
+              </a:solidFill>
+              <a:uFill>
+                <a:solidFill>
+                  <a:srgbClr val="ffffff"/>
+                </a:solidFill>
+              </a:uFill>
+              <a:latin typeface="Arial"/>
+            </a:endParaRPr>
+          </a:p>
+        </p:txBody>
+      </p:sp>
+      <p:pic>
+        <p:nvPicPr>
+          <p:cNvPr id="72" name="" descr=""/>
+          <p:cNvPicPr/>
+          <p:nvPr/>
+        </p:nvPicPr>
+        <p:blipFill>
+          <a:blip r:embed="rId2"/>
+          <a:stretch/>
+        </p:blipFill>
+        <p:spPr>
+          <a:xfrm>
+            <a:off x="2292480" y="1768680"/>
+            <a:ext cx="5494680" cy="4384080"/>
+          </a:xfrm>
+          <a:prstGeom prst="rect">
+            <a:avLst/>
+          </a:prstGeom>
+          <a:ln>
+            <a:noFill/>
+          </a:ln>
+        </p:spPr>
+      </p:pic>
+      <p:pic>
+        <p:nvPicPr>
+          <p:cNvPr id="73" name="" descr=""/>
+          <p:cNvPicPr/>
+          <p:nvPr/>
+        </p:nvPicPr>
+        <p:blipFill>
+          <a:blip r:embed="rId3"/>
+          <a:stretch/>
+        </p:blipFill>
+        <p:spPr>
+          <a:xfrm>
+            <a:off x="2292480" y="1768680"/>
+            <a:ext cx="5494680" cy="4384080"/>
+          </a:xfrm>
+          <a:prstGeom prst="rect">
+            <a:avLst/>
+          </a:prstGeom>
+          <a:ln>
+            <a:noFill/>
+          </a:ln>
+        </p:spPr>
+      </p:pic>
     </p:spTree>
   </p:cSld>
 </p:sldLayout>
@@ -670,7 +2145,7 @@
       </p:grpSpPr>
       <p:sp>
         <p:nvSpPr>
-          <p:cNvPr id="7" name="PlaceHolder 1"/>
+          <p:cNvPr id="4" name="PlaceHolder 1"/>
           <p:cNvSpPr>
             <a:spLocks noGrp="1"/>
           </p:cNvSpPr>
@@ -681,7 +2156,7 @@
         <p:spPr>
           <a:xfrm>
             <a:off x="504000" y="301320"/>
-            <a:ext cx="9071640" cy="1262160"/>
+            <a:ext cx="9071280" cy="1261800"/>
           </a:xfrm>
           <a:prstGeom prst="rect">
             <a:avLst/>
@@ -707,7 +2182,7 @@
       </p:sp>
       <p:sp>
         <p:nvSpPr>
-          <p:cNvPr id="8" name="PlaceHolder 2"/>
+          <p:cNvPr id="5" name="PlaceHolder 2"/>
           <p:cNvSpPr>
             <a:spLocks noGrp="1"/>
           </p:cNvSpPr>
@@ -717,8 +2192,8 @@
         </p:nvSpPr>
         <p:spPr>
           <a:xfrm>
-            <a:off x="504000" y="1769040"/>
-            <a:ext cx="9071640" cy="4384440"/>
+            <a:off x="504000" y="1768680"/>
+            <a:ext cx="9072000" cy="4384080"/>
           </a:xfrm>
           <a:prstGeom prst="rect">
             <a:avLst/>
@@ -765,7 +2240,7 @@
       </p:grpSpPr>
       <p:sp>
         <p:nvSpPr>
-          <p:cNvPr id="9" name="PlaceHolder 1"/>
+          <p:cNvPr id="6" name="PlaceHolder 1"/>
           <p:cNvSpPr>
             <a:spLocks noGrp="1"/>
           </p:cNvSpPr>
@@ -776,7 +2251,7 @@
         <p:spPr>
           <a:xfrm>
             <a:off x="504000" y="301320"/>
-            <a:ext cx="9071640" cy="1262160"/>
+            <a:ext cx="9071280" cy="1261800"/>
           </a:xfrm>
           <a:prstGeom prst="rect">
             <a:avLst/>
@@ -802,7 +2277,7 @@
       </p:sp>
       <p:sp>
         <p:nvSpPr>
-          <p:cNvPr id="10" name="PlaceHolder 2"/>
+          <p:cNvPr id="7" name="PlaceHolder 2"/>
           <p:cNvSpPr>
             <a:spLocks noGrp="1"/>
           </p:cNvSpPr>
@@ -812,8 +2287,8 @@
         </p:nvSpPr>
         <p:spPr>
           <a:xfrm>
-            <a:off x="504000" y="1769040"/>
-            <a:ext cx="4426920" cy="4384440"/>
+            <a:off x="504000" y="1768680"/>
+            <a:ext cx="4426920" cy="4384080"/>
           </a:xfrm>
           <a:prstGeom prst="rect">
             <a:avLst/>
@@ -838,7 +2313,7 @@
       </p:sp>
       <p:sp>
         <p:nvSpPr>
-          <p:cNvPr id="11" name="PlaceHolder 3"/>
+          <p:cNvPr id="8" name="PlaceHolder 3"/>
           <p:cNvSpPr>
             <a:spLocks noGrp="1"/>
           </p:cNvSpPr>
@@ -848,8 +2323,8 @@
         </p:nvSpPr>
         <p:spPr>
           <a:xfrm>
-            <a:off x="5152680" y="1769040"/>
-            <a:ext cx="4426920" cy="4384440"/>
+            <a:off x="5152680" y="1768680"/>
+            <a:ext cx="4426920" cy="4384080"/>
           </a:xfrm>
           <a:prstGeom prst="rect">
             <a:avLst/>
@@ -896,7 +2371,7 @@
       </p:grpSpPr>
       <p:sp>
         <p:nvSpPr>
-          <p:cNvPr id="12" name="PlaceHolder 1"/>
+          <p:cNvPr id="9" name="PlaceHolder 1"/>
           <p:cNvSpPr>
             <a:spLocks noGrp="1"/>
           </p:cNvSpPr>
@@ -907,7 +2382,7 @@
         <p:spPr>
           <a:xfrm>
             <a:off x="504000" y="301320"/>
-            <a:ext cx="9071640" cy="1262160"/>
+            <a:ext cx="9071280" cy="1261800"/>
           </a:xfrm>
           <a:prstGeom prst="rect">
             <a:avLst/>
@@ -955,7 +2430,7 @@
       </p:grpSpPr>
       <p:sp>
         <p:nvSpPr>
-          <p:cNvPr id="13" name="PlaceHolder 1"/>
+          <p:cNvPr id="10" name="PlaceHolder 1"/>
           <p:cNvSpPr>
             <a:spLocks noGrp="1"/>
           </p:cNvSpPr>
@@ -966,7 +2441,7 @@
         <p:spPr>
           <a:xfrm>
             <a:off x="504000" y="301320"/>
-            <a:ext cx="9071640" cy="5851800"/>
+            <a:ext cx="9071280" cy="5850360"/>
           </a:xfrm>
           <a:prstGeom prst="rect">
             <a:avLst/>
@@ -1014,7 +2489,7 @@
       </p:grpSpPr>
       <p:sp>
         <p:nvSpPr>
-          <p:cNvPr id="14" name="PlaceHolder 1"/>
+          <p:cNvPr id="11" name="PlaceHolder 1"/>
           <p:cNvSpPr>
             <a:spLocks noGrp="1"/>
           </p:cNvSpPr>
@@ -1025,7 +2500,7 @@
         <p:spPr>
           <a:xfrm>
             <a:off x="504000" y="301320"/>
-            <a:ext cx="9071640" cy="1262160"/>
+            <a:ext cx="9071280" cy="1261800"/>
           </a:xfrm>
           <a:prstGeom prst="rect">
             <a:avLst/>
@@ -1051,7 +2526,7 @@
       </p:sp>
       <p:sp>
         <p:nvSpPr>
-          <p:cNvPr id="15" name="PlaceHolder 2"/>
+          <p:cNvPr id="12" name="PlaceHolder 2"/>
           <p:cNvSpPr>
             <a:spLocks noGrp="1"/>
           </p:cNvSpPr>
@@ -1061,8 +2536,8 @@
         </p:nvSpPr>
         <p:spPr>
           <a:xfrm>
-            <a:off x="504000" y="1769040"/>
-            <a:ext cx="4426920" cy="2091240"/>
+            <a:off x="504000" y="1768680"/>
+            <a:ext cx="4426920" cy="2090880"/>
           </a:xfrm>
           <a:prstGeom prst="rect">
             <a:avLst/>
@@ -1087,7 +2562,7 @@
       </p:sp>
       <p:sp>
         <p:nvSpPr>
-          <p:cNvPr id="16" name="PlaceHolder 3"/>
+          <p:cNvPr id="13" name="PlaceHolder 3"/>
           <p:cNvSpPr>
             <a:spLocks noGrp="1"/>
           </p:cNvSpPr>
@@ -1097,8 +2572,8 @@
         </p:nvSpPr>
         <p:spPr>
           <a:xfrm>
-            <a:off x="504000" y="4059360"/>
-            <a:ext cx="4426920" cy="2091240"/>
+            <a:off x="504000" y="4058640"/>
+            <a:ext cx="4426920" cy="2090880"/>
           </a:xfrm>
           <a:prstGeom prst="rect">
             <a:avLst/>
@@ -1123,7 +2598,7 @@
       </p:sp>
       <p:sp>
         <p:nvSpPr>
-          <p:cNvPr id="17" name="PlaceHolder 4"/>
+          <p:cNvPr id="14" name="PlaceHolder 4"/>
           <p:cNvSpPr>
             <a:spLocks noGrp="1"/>
           </p:cNvSpPr>
@@ -1133,8 +2608,8 @@
         </p:nvSpPr>
         <p:spPr>
           <a:xfrm>
-            <a:off x="5152680" y="1769040"/>
-            <a:ext cx="4426920" cy="4384440"/>
+            <a:off x="5152680" y="1768680"/>
+            <a:ext cx="4426920" cy="4384080"/>
           </a:xfrm>
           <a:prstGeom prst="rect">
             <a:avLst/>
@@ -1181,7 +2656,7 @@
       </p:grpSpPr>
       <p:sp>
         <p:nvSpPr>
-          <p:cNvPr id="18" name="PlaceHolder 1"/>
+          <p:cNvPr id="15" name="PlaceHolder 1"/>
           <p:cNvSpPr>
             <a:spLocks noGrp="1"/>
           </p:cNvSpPr>
@@ -1192,7 +2667,7 @@
         <p:spPr>
           <a:xfrm>
             <a:off x="504000" y="301320"/>
-            <a:ext cx="9071640" cy="1262160"/>
+            <a:ext cx="9071280" cy="1261800"/>
           </a:xfrm>
           <a:prstGeom prst="rect">
             <a:avLst/>
@@ -1218,7 +2693,7 @@
       </p:sp>
       <p:sp>
         <p:nvSpPr>
-          <p:cNvPr id="19" name="PlaceHolder 2"/>
+          <p:cNvPr id="16" name="PlaceHolder 2"/>
           <p:cNvSpPr>
             <a:spLocks noGrp="1"/>
           </p:cNvSpPr>
@@ -1228,8 +2703,8 @@
         </p:nvSpPr>
         <p:spPr>
           <a:xfrm>
-            <a:off x="504000" y="1769040"/>
-            <a:ext cx="4426920" cy="4384440"/>
+            <a:off x="504000" y="1768680"/>
+            <a:ext cx="4426920" cy="4384080"/>
           </a:xfrm>
           <a:prstGeom prst="rect">
             <a:avLst/>
@@ -1254,7 +2729,7 @@
       </p:sp>
       <p:sp>
         <p:nvSpPr>
-          <p:cNvPr id="20" name="PlaceHolder 3"/>
+          <p:cNvPr id="17" name="PlaceHolder 3"/>
           <p:cNvSpPr>
             <a:spLocks noGrp="1"/>
           </p:cNvSpPr>
@@ -1264,8 +2739,8 @@
         </p:nvSpPr>
         <p:spPr>
           <a:xfrm>
-            <a:off x="5152680" y="1769040"/>
-            <a:ext cx="4426920" cy="2091240"/>
+            <a:off x="5152680" y="1768680"/>
+            <a:ext cx="4426920" cy="2090880"/>
           </a:xfrm>
           <a:prstGeom prst="rect">
             <a:avLst/>
@@ -1290,7 +2765,7 @@
       </p:sp>
       <p:sp>
         <p:nvSpPr>
-          <p:cNvPr id="21" name="PlaceHolder 4"/>
+          <p:cNvPr id="18" name="PlaceHolder 4"/>
           <p:cNvSpPr>
             <a:spLocks noGrp="1"/>
           </p:cNvSpPr>
@@ -1300,8 +2775,8 @@
         </p:nvSpPr>
         <p:spPr>
           <a:xfrm>
-            <a:off x="5152680" y="4059360"/>
-            <a:ext cx="4426920" cy="2091240"/>
+            <a:off x="5152680" y="4058640"/>
+            <a:ext cx="4426920" cy="2090880"/>
           </a:xfrm>
           <a:prstGeom prst="rect">
             <a:avLst/>
@@ -1348,7 +2823,7 @@
       </p:grpSpPr>
       <p:sp>
         <p:nvSpPr>
-          <p:cNvPr id="22" name="PlaceHolder 1"/>
+          <p:cNvPr id="19" name="PlaceHolder 1"/>
           <p:cNvSpPr>
             <a:spLocks noGrp="1"/>
           </p:cNvSpPr>
@@ -1359,7 +2834,7 @@
         <p:spPr>
           <a:xfrm>
             <a:off x="504000" y="301320"/>
-            <a:ext cx="9071640" cy="1262160"/>
+            <a:ext cx="9071280" cy="1261800"/>
           </a:xfrm>
           <a:prstGeom prst="rect">
             <a:avLst/>
@@ -1385,7 +2860,7 @@
       </p:sp>
       <p:sp>
         <p:nvSpPr>
-          <p:cNvPr id="23" name="PlaceHolder 2"/>
+          <p:cNvPr id="20" name="PlaceHolder 2"/>
           <p:cNvSpPr>
             <a:spLocks noGrp="1"/>
           </p:cNvSpPr>
@@ -1395,8 +2870,8 @@
         </p:nvSpPr>
         <p:spPr>
           <a:xfrm>
-            <a:off x="504000" y="1769040"/>
-            <a:ext cx="4426920" cy="2091240"/>
+            <a:off x="504000" y="1768680"/>
+            <a:ext cx="4426920" cy="2090880"/>
           </a:xfrm>
           <a:prstGeom prst="rect">
             <a:avLst/>
@@ -1421,7 +2896,7 @@
       </p:sp>
       <p:sp>
         <p:nvSpPr>
-          <p:cNvPr id="24" name="PlaceHolder 3"/>
+          <p:cNvPr id="21" name="PlaceHolder 3"/>
           <p:cNvSpPr>
             <a:spLocks noGrp="1"/>
           </p:cNvSpPr>
@@ -1431,8 +2906,8 @@
         </p:nvSpPr>
         <p:spPr>
           <a:xfrm>
-            <a:off x="5152680" y="1769040"/>
-            <a:ext cx="4426920" cy="2091240"/>
+            <a:off x="5152680" y="1768680"/>
+            <a:ext cx="4426920" cy="2090880"/>
           </a:xfrm>
           <a:prstGeom prst="rect">
             <a:avLst/>
@@ -1457,7 +2932,7 @@
       </p:sp>
       <p:sp>
         <p:nvSpPr>
-          <p:cNvPr id="25" name="PlaceHolder 4"/>
+          <p:cNvPr id="22" name="PlaceHolder 4"/>
           <p:cNvSpPr>
             <a:spLocks noGrp="1"/>
           </p:cNvSpPr>
@@ -1467,8 +2942,8 @@
         </p:nvSpPr>
         <p:spPr>
           <a:xfrm>
-            <a:off x="504000" y="4059360"/>
-            <a:ext cx="9071640" cy="2091240"/>
+            <a:off x="504000" y="4058640"/>
+            <a:ext cx="9072000" cy="2090880"/>
           </a:xfrm>
           <a:prstGeom prst="rect">
             <a:avLst/>
@@ -1526,7 +3001,7 @@
         <p:spPr>
           <a:xfrm>
             <a:off x="504000" y="301320"/>
-            <a:ext cx="9071640" cy="1262160"/>
+            <a:ext cx="9071280" cy="1261800"/>
           </a:xfrm>
           <a:prstGeom prst="rect">
             <a:avLst/>
@@ -1536,20 +3011,6 @@
           <a:bodyPr lIns="0" rIns="0" tIns="0" bIns="0" anchor="ctr"/>
           <a:p>
             <a:pPr algn="ctr"/>
-            <a:r>
-              <a:rPr b="0" lang="en-US" sz="4400" spc="-1" strike="noStrike">
-                <a:solidFill>
-                  <a:srgbClr val="000000"/>
-                </a:solidFill>
-                <a:uFill>
-                  <a:solidFill>
-                    <a:srgbClr val="ffffff"/>
-                  </a:solidFill>
-                </a:uFill>
-                <a:latin typeface="Arial"/>
-              </a:rPr>
-              <a:t>Click to edit the title text format</a:t>
-            </a:r>
             <a:endParaRPr b="0" lang="en-US" sz="4400" spc="-1" strike="noStrike">
               <a:solidFill>
                 <a:srgbClr val="000000"/>
@@ -1576,8 +3037,8 @@
         </p:nvSpPr>
         <p:spPr>
           <a:xfrm>
-            <a:off x="504000" y="1769040"/>
-            <a:ext cx="9071640" cy="4384440"/>
+            <a:off x="504000" y="1768680"/>
+            <a:ext cx="9072000" cy="4384080"/>
           </a:xfrm>
           <a:prstGeom prst="rect">
             <a:avLst/>
@@ -1828,158 +3289,6 @@
                 </a:solidFill>
               </a:uFill>
               <a:latin typeface="Arial"/>
-            </a:endParaRPr>
-          </a:p>
-        </p:txBody>
-      </p:sp>
-      <p:sp>
-        <p:nvSpPr>
-          <p:cNvPr id="2" name="PlaceHolder 3"/>
-          <p:cNvSpPr>
-            <a:spLocks noGrp="1"/>
-          </p:cNvSpPr>
-          <p:nvPr>
-            <p:ph type="dt"/>
-          </p:nvPr>
-        </p:nvSpPr>
-        <p:spPr>
-          <a:xfrm>
-            <a:off x="504000" y="6887160"/>
-            <a:ext cx="2348280" cy="521280"/>
-          </a:xfrm>
-          <a:prstGeom prst="rect">
-            <a:avLst/>
-          </a:prstGeom>
-        </p:spPr>
-        <p:txBody>
-          <a:bodyPr lIns="0" rIns="0" tIns="0" bIns="0"/>
-          <a:p>
-            <a:r>
-              <a:rPr b="0" lang="en-US" sz="1400" spc="-1" strike="noStrike">
-                <a:solidFill>
-                  <a:srgbClr val="000000"/>
-                </a:solidFill>
-                <a:uFill>
-                  <a:solidFill>
-                    <a:srgbClr val="ffffff"/>
-                  </a:solidFill>
-                </a:uFill>
-                <a:latin typeface="Times New Roman"/>
-              </a:rPr>
-              <a:t>&lt;date/time&gt;</a:t>
-            </a:r>
-            <a:endParaRPr b="0" lang="en-US" sz="1400" spc="-1" strike="noStrike">
-              <a:solidFill>
-                <a:srgbClr val="000000"/>
-              </a:solidFill>
-              <a:uFill>
-                <a:solidFill>
-                  <a:srgbClr val="ffffff"/>
-                </a:solidFill>
-              </a:uFill>
-              <a:latin typeface="Times New Roman"/>
-            </a:endParaRPr>
-          </a:p>
-        </p:txBody>
-      </p:sp>
-      <p:sp>
-        <p:nvSpPr>
-          <p:cNvPr id="3" name="PlaceHolder 4"/>
-          <p:cNvSpPr>
-            <a:spLocks noGrp="1"/>
-          </p:cNvSpPr>
-          <p:nvPr>
-            <p:ph type="ftr"/>
-          </p:nvPr>
-        </p:nvSpPr>
-        <p:spPr>
-          <a:xfrm>
-            <a:off x="3447360" y="6887160"/>
-            <a:ext cx="3195000" cy="521280"/>
-          </a:xfrm>
-          <a:prstGeom prst="rect">
-            <a:avLst/>
-          </a:prstGeom>
-        </p:spPr>
-        <p:txBody>
-          <a:bodyPr lIns="0" rIns="0" tIns="0" bIns="0"/>
-          <a:p>
-            <a:pPr algn="ctr"/>
-            <a:r>
-              <a:rPr b="0" lang="en-US" sz="1400" spc="-1" strike="noStrike">
-                <a:solidFill>
-                  <a:srgbClr val="000000"/>
-                </a:solidFill>
-                <a:uFill>
-                  <a:solidFill>
-                    <a:srgbClr val="ffffff"/>
-                  </a:solidFill>
-                </a:uFill>
-                <a:latin typeface="Times New Roman"/>
-              </a:rPr>
-              <a:t>&lt;footer&gt;</a:t>
-            </a:r>
-            <a:endParaRPr b="0" lang="en-US" sz="1400" spc="-1" strike="noStrike">
-              <a:solidFill>
-                <a:srgbClr val="000000"/>
-              </a:solidFill>
-              <a:uFill>
-                <a:solidFill>
-                  <a:srgbClr val="ffffff"/>
-                </a:solidFill>
-              </a:uFill>
-              <a:latin typeface="Times New Roman"/>
-            </a:endParaRPr>
-          </a:p>
-        </p:txBody>
-      </p:sp>
-      <p:sp>
-        <p:nvSpPr>
-          <p:cNvPr id="4" name="PlaceHolder 5"/>
-          <p:cNvSpPr>
-            <a:spLocks noGrp="1"/>
-          </p:cNvSpPr>
-          <p:nvPr>
-            <p:ph type="sldNum"/>
-          </p:nvPr>
-        </p:nvSpPr>
-        <p:spPr>
-          <a:xfrm>
-            <a:off x="7227360" y="6887160"/>
-            <a:ext cx="2348280" cy="521280"/>
-          </a:xfrm>
-          <a:prstGeom prst="rect">
-            <a:avLst/>
-          </a:prstGeom>
-        </p:spPr>
-        <p:txBody>
-          <a:bodyPr lIns="0" rIns="0" tIns="0" bIns="0"/>
-          <a:p>
-            <a:pPr algn="r"/>
-            <a:fld id="{66F0BCE8-1A86-4D2D-8EE3-9D6480D3A9CB}" type="slidenum">
-              <a:rPr b="0" lang="en-US" sz="1400" spc="-1" strike="noStrike">
-                <a:solidFill>
-                  <a:srgbClr val="000000"/>
-                </a:solidFill>
-                <a:uFill>
-                  <a:solidFill>
-                    <a:srgbClr val="ffffff"/>
-                  </a:solidFill>
-                </a:uFill>
-                <a:latin typeface="Times New Roman"/>
-              </a:rPr>
-              <a:t>&lt;number&gt;</a:t>
-            </a:fld>
-            <a:endParaRPr b="0" lang="en-US" sz="1400" spc="-1" strike="noStrike">
-              <a:solidFill>
-                <a:srgbClr val="000000"/>
-              </a:solidFill>
-              <a:uFill>
-                <a:solidFill>
-                  <a:srgbClr val="ffffff"/>
-                </a:solidFill>
-              </a:uFill>
-              <a:latin typeface="Times New Roman"/>
             </a:endParaRPr>
           </a:p>
         </p:txBody>
@@ -2000,6 +3309,884 @@
     <p:sldLayoutId id="2147483658" r:id="rId11"/>
     <p:sldLayoutId id="2147483659" r:id="rId12"/>
     <p:sldLayoutId id="2147483660" r:id="rId13"/>
+  </p:sldLayoutIdLst>
+</p:sldMaster>
+</file>
+
+<file path=ppt/slideMasters/slideMaster2.xml><?xml version="1.0" encoding="utf-8"?>
+<p:sldMaster xmlns:a="http://schemas.openxmlformats.org/drawingml/2006/main" xmlns:p="http://schemas.openxmlformats.org/presentationml/2006/main" xmlns:r="http://schemas.openxmlformats.org/officeDocument/2006/relationships" xmlns:p14="http://schemas.microsoft.com/office/powerpoint/2010/main" xmlns:p15="http://schemas.microsoft.com/office/powerpoint/2012/main" xmlns:mc="http://schemas.openxmlformats.org/markup-compatibility/2006">
+  <p:cSld>
+    <p:spTree>
+      <p:nvGrpSpPr>
+        <p:cNvPr id="1" name=""/>
+        <p:cNvGrpSpPr/>
+        <p:nvPr/>
+      </p:nvGrpSpPr>
+      <p:grpSpPr>
+        <a:xfrm>
+          <a:off x="0" y="0"/>
+          <a:ext cx="0" cy="0"/>
+          <a:chOff x="0" y="0"/>
+          <a:chExt cx="0" cy="0"/>
+        </a:xfrm>
+      </p:grpSpPr>
+      <p:sp>
+        <p:nvSpPr>
+          <p:cNvPr id="36" name="PlaceHolder 1"/>
+          <p:cNvSpPr>
+            <a:spLocks noGrp="1"/>
+          </p:cNvSpPr>
+          <p:nvPr>
+            <p:ph type="title"/>
+          </p:nvPr>
+        </p:nvSpPr>
+        <p:spPr>
+          <a:xfrm>
+            <a:off x="504000" y="301320"/>
+            <a:ext cx="9071280" cy="1261800"/>
+          </a:xfrm>
+          <a:prstGeom prst="rect">
+            <a:avLst/>
+          </a:prstGeom>
+        </p:spPr>
+        <p:txBody>
+          <a:bodyPr lIns="0" rIns="0" tIns="0" bIns="0" anchor="ctr"/>
+          <a:p>
+            <a:pPr algn="ctr"/>
+            <a:endParaRPr b="0" lang="en-US" sz="4400" spc="-1" strike="noStrike">
+              <a:solidFill>
+                <a:srgbClr val="000000"/>
+              </a:solidFill>
+              <a:uFill>
+                <a:solidFill>
+                  <a:srgbClr val="ffffff"/>
+                </a:solidFill>
+              </a:uFill>
+              <a:latin typeface="Arial"/>
+            </a:endParaRPr>
+          </a:p>
+        </p:txBody>
+      </p:sp>
+      <p:sp>
+        <p:nvSpPr>
+          <p:cNvPr id="37" name="PlaceHolder 2"/>
+          <p:cNvSpPr>
+            <a:spLocks noGrp="1"/>
+          </p:cNvSpPr>
+          <p:nvPr>
+            <p:ph type="body"/>
+          </p:nvPr>
+        </p:nvSpPr>
+        <p:spPr>
+          <a:xfrm>
+            <a:off x="504000" y="1769040"/>
+            <a:ext cx="4426560" cy="4384080"/>
+          </a:xfrm>
+          <a:prstGeom prst="rect">
+            <a:avLst/>
+          </a:prstGeom>
+        </p:spPr>
+        <p:txBody>
+          <a:bodyPr lIns="0" rIns="0" tIns="0" bIns="0"/>
+          <a:p>
+            <a:pPr marL="432000" indent="-324000">
+              <a:buClr>
+                <a:srgbClr val="000000"/>
+              </a:buClr>
+              <a:buSzPct val="45000"/>
+              <a:buFont typeface="Wingdings" charset="2"/>
+              <a:buChar char=""/>
+            </a:pPr>
+            <a:r>
+              <a:rPr b="0" lang="en-US" sz="1800" spc="-1" strike="noStrike">
+                <a:solidFill>
+                  <a:srgbClr val="000000"/>
+                </a:solidFill>
+                <a:uFill>
+                  <a:solidFill>
+                    <a:srgbClr val="ffffff"/>
+                  </a:solidFill>
+                </a:uFill>
+                <a:latin typeface="Arial"/>
+              </a:rPr>
+              <a:t>Click to edit the outline text format</a:t>
+            </a:r>
+            <a:endParaRPr b="0" lang="en-US" sz="1800" spc="-1" strike="noStrike">
+              <a:solidFill>
+                <a:srgbClr val="000000"/>
+              </a:solidFill>
+              <a:uFill>
+                <a:solidFill>
+                  <a:srgbClr val="ffffff"/>
+                </a:solidFill>
+              </a:uFill>
+              <a:latin typeface="Arial"/>
+            </a:endParaRPr>
+          </a:p>
+          <a:p>
+            <a:pPr lvl="1" marL="864000" indent="-324000">
+              <a:buClr>
+                <a:srgbClr val="000000"/>
+              </a:buClr>
+              <a:buSzPct val="75000"/>
+              <a:buFont typeface="Symbol" charset="2"/>
+              <a:buChar char=""/>
+            </a:pPr>
+            <a:r>
+              <a:rPr b="0" lang="en-US" sz="1800" spc="-1" strike="noStrike">
+                <a:solidFill>
+                  <a:srgbClr val="000000"/>
+                </a:solidFill>
+                <a:uFill>
+                  <a:solidFill>
+                    <a:srgbClr val="ffffff"/>
+                  </a:solidFill>
+                </a:uFill>
+                <a:latin typeface="Arial"/>
+              </a:rPr>
+              <a:t>Second Outline Level</a:t>
+            </a:r>
+            <a:endParaRPr b="0" lang="en-US" sz="1800" spc="-1" strike="noStrike">
+              <a:solidFill>
+                <a:srgbClr val="000000"/>
+              </a:solidFill>
+              <a:uFill>
+                <a:solidFill>
+                  <a:srgbClr val="ffffff"/>
+                </a:solidFill>
+              </a:uFill>
+              <a:latin typeface="Arial"/>
+            </a:endParaRPr>
+          </a:p>
+          <a:p>
+            <a:pPr lvl="2" marL="1296000" indent="-288000">
+              <a:buClr>
+                <a:srgbClr val="000000"/>
+              </a:buClr>
+              <a:buSzPct val="45000"/>
+              <a:buFont typeface="Wingdings" charset="2"/>
+              <a:buChar char=""/>
+            </a:pPr>
+            <a:r>
+              <a:rPr b="0" lang="en-US" sz="1800" spc="-1" strike="noStrike">
+                <a:solidFill>
+                  <a:srgbClr val="000000"/>
+                </a:solidFill>
+                <a:uFill>
+                  <a:solidFill>
+                    <a:srgbClr val="ffffff"/>
+                  </a:solidFill>
+                </a:uFill>
+                <a:latin typeface="Arial"/>
+              </a:rPr>
+              <a:t>Third Outline Level</a:t>
+            </a:r>
+            <a:endParaRPr b="0" lang="en-US" sz="1800" spc="-1" strike="noStrike">
+              <a:solidFill>
+                <a:srgbClr val="000000"/>
+              </a:solidFill>
+              <a:uFill>
+                <a:solidFill>
+                  <a:srgbClr val="ffffff"/>
+                </a:solidFill>
+              </a:uFill>
+              <a:latin typeface="Arial"/>
+            </a:endParaRPr>
+          </a:p>
+          <a:p>
+            <a:pPr lvl="3" marL="1728000" indent="-216000">
+              <a:buClr>
+                <a:srgbClr val="000000"/>
+              </a:buClr>
+              <a:buSzPct val="75000"/>
+              <a:buFont typeface="Symbol" charset="2"/>
+              <a:buChar char=""/>
+            </a:pPr>
+            <a:r>
+              <a:rPr b="0" lang="en-US" sz="1800" spc="-1" strike="noStrike">
+                <a:solidFill>
+                  <a:srgbClr val="000000"/>
+                </a:solidFill>
+                <a:uFill>
+                  <a:solidFill>
+                    <a:srgbClr val="ffffff"/>
+                  </a:solidFill>
+                </a:uFill>
+                <a:latin typeface="Arial"/>
+              </a:rPr>
+              <a:t>Fourth Outline Level</a:t>
+            </a:r>
+            <a:endParaRPr b="0" lang="en-US" sz="1800" spc="-1" strike="noStrike">
+              <a:solidFill>
+                <a:srgbClr val="000000"/>
+              </a:solidFill>
+              <a:uFill>
+                <a:solidFill>
+                  <a:srgbClr val="ffffff"/>
+                </a:solidFill>
+              </a:uFill>
+              <a:latin typeface="Arial"/>
+            </a:endParaRPr>
+          </a:p>
+          <a:p>
+            <a:pPr lvl="4" marL="2160000" indent="-216000">
+              <a:buClr>
+                <a:srgbClr val="000000"/>
+              </a:buClr>
+              <a:buSzPct val="45000"/>
+              <a:buFont typeface="Wingdings" charset="2"/>
+              <a:buChar char=""/>
+            </a:pPr>
+            <a:r>
+              <a:rPr b="0" lang="en-US" sz="1800" spc="-1" strike="noStrike">
+                <a:solidFill>
+                  <a:srgbClr val="000000"/>
+                </a:solidFill>
+                <a:uFill>
+                  <a:solidFill>
+                    <a:srgbClr val="ffffff"/>
+                  </a:solidFill>
+                </a:uFill>
+                <a:latin typeface="Arial"/>
+              </a:rPr>
+              <a:t>Fifth Outline Level</a:t>
+            </a:r>
+            <a:endParaRPr b="0" lang="en-US" sz="1800" spc="-1" strike="noStrike">
+              <a:solidFill>
+                <a:srgbClr val="000000"/>
+              </a:solidFill>
+              <a:uFill>
+                <a:solidFill>
+                  <a:srgbClr val="ffffff"/>
+                </a:solidFill>
+              </a:uFill>
+              <a:latin typeface="Arial"/>
+            </a:endParaRPr>
+          </a:p>
+          <a:p>
+            <a:pPr lvl="5" marL="2592000" indent="-216000">
+              <a:buClr>
+                <a:srgbClr val="000000"/>
+              </a:buClr>
+              <a:buSzPct val="45000"/>
+              <a:buFont typeface="Wingdings" charset="2"/>
+              <a:buChar char=""/>
+            </a:pPr>
+            <a:r>
+              <a:rPr b="0" lang="en-US" sz="1800" spc="-1" strike="noStrike">
+                <a:solidFill>
+                  <a:srgbClr val="000000"/>
+                </a:solidFill>
+                <a:uFill>
+                  <a:solidFill>
+                    <a:srgbClr val="ffffff"/>
+                  </a:solidFill>
+                </a:uFill>
+                <a:latin typeface="Arial"/>
+              </a:rPr>
+              <a:t>Sixth Outline Level</a:t>
+            </a:r>
+            <a:endParaRPr b="0" lang="en-US" sz="1800" spc="-1" strike="noStrike">
+              <a:solidFill>
+                <a:srgbClr val="000000"/>
+              </a:solidFill>
+              <a:uFill>
+                <a:solidFill>
+                  <a:srgbClr val="ffffff"/>
+                </a:solidFill>
+              </a:uFill>
+              <a:latin typeface="Arial"/>
+            </a:endParaRPr>
+          </a:p>
+          <a:p>
+            <a:pPr lvl="6" marL="3024000" indent="-216000">
+              <a:buClr>
+                <a:srgbClr val="000000"/>
+              </a:buClr>
+              <a:buSzPct val="45000"/>
+              <a:buFont typeface="Wingdings" charset="2"/>
+              <a:buChar char=""/>
+            </a:pPr>
+            <a:r>
+              <a:rPr b="0" lang="en-US" sz="1800" spc="-1" strike="noStrike">
+                <a:solidFill>
+                  <a:srgbClr val="000000"/>
+                </a:solidFill>
+                <a:uFill>
+                  <a:solidFill>
+                    <a:srgbClr val="ffffff"/>
+                  </a:solidFill>
+                </a:uFill>
+                <a:latin typeface="Arial"/>
+              </a:rPr>
+              <a:t>Seventh Outline Level</a:t>
+            </a:r>
+            <a:endParaRPr b="0" lang="en-US" sz="1800" spc="-1" strike="noStrike">
+              <a:solidFill>
+                <a:srgbClr val="000000"/>
+              </a:solidFill>
+              <a:uFill>
+                <a:solidFill>
+                  <a:srgbClr val="ffffff"/>
+                </a:solidFill>
+              </a:uFill>
+              <a:latin typeface="Arial"/>
+            </a:endParaRPr>
+          </a:p>
+        </p:txBody>
+      </p:sp>
+      <p:sp>
+        <p:nvSpPr>
+          <p:cNvPr id="38" name="PlaceHolder 3"/>
+          <p:cNvSpPr>
+            <a:spLocks noGrp="1"/>
+          </p:cNvSpPr>
+          <p:nvPr>
+            <p:ph type="body"/>
+          </p:nvPr>
+        </p:nvSpPr>
+        <p:spPr>
+          <a:xfrm>
+            <a:off x="5152680" y="1769040"/>
+            <a:ext cx="4426560" cy="2090880"/>
+          </a:xfrm>
+          <a:prstGeom prst="rect">
+            <a:avLst/>
+          </a:prstGeom>
+        </p:spPr>
+        <p:txBody>
+          <a:bodyPr lIns="0" rIns="0" tIns="0" bIns="0"/>
+          <a:p>
+            <a:pPr marL="432000" indent="-324000">
+              <a:buClr>
+                <a:srgbClr val="000000"/>
+              </a:buClr>
+              <a:buSzPct val="45000"/>
+              <a:buFont typeface="Wingdings" charset="2"/>
+              <a:buChar char=""/>
+            </a:pPr>
+            <a:r>
+              <a:rPr b="0" lang="en-US" sz="1800" spc="-1" strike="noStrike">
+                <a:solidFill>
+                  <a:srgbClr val="000000"/>
+                </a:solidFill>
+                <a:uFill>
+                  <a:solidFill>
+                    <a:srgbClr val="ffffff"/>
+                  </a:solidFill>
+                </a:uFill>
+                <a:latin typeface="Arial"/>
+              </a:rPr>
+              <a:t>Click to edit the outline text format</a:t>
+            </a:r>
+            <a:endParaRPr b="0" lang="en-US" sz="1800" spc="-1" strike="noStrike">
+              <a:solidFill>
+                <a:srgbClr val="000000"/>
+              </a:solidFill>
+              <a:uFill>
+                <a:solidFill>
+                  <a:srgbClr val="ffffff"/>
+                </a:solidFill>
+              </a:uFill>
+              <a:latin typeface="Arial"/>
+            </a:endParaRPr>
+          </a:p>
+          <a:p>
+            <a:pPr lvl="1" marL="864000" indent="-324000">
+              <a:buClr>
+                <a:srgbClr val="000000"/>
+              </a:buClr>
+              <a:buSzPct val="75000"/>
+              <a:buFont typeface="Symbol" charset="2"/>
+              <a:buChar char=""/>
+            </a:pPr>
+            <a:r>
+              <a:rPr b="0" lang="en-US" sz="1800" spc="-1" strike="noStrike">
+                <a:solidFill>
+                  <a:srgbClr val="000000"/>
+                </a:solidFill>
+                <a:uFill>
+                  <a:solidFill>
+                    <a:srgbClr val="ffffff"/>
+                  </a:solidFill>
+                </a:uFill>
+                <a:latin typeface="Arial"/>
+              </a:rPr>
+              <a:t>Second Outline Level</a:t>
+            </a:r>
+            <a:endParaRPr b="0" lang="en-US" sz="1800" spc="-1" strike="noStrike">
+              <a:solidFill>
+                <a:srgbClr val="000000"/>
+              </a:solidFill>
+              <a:uFill>
+                <a:solidFill>
+                  <a:srgbClr val="ffffff"/>
+                </a:solidFill>
+              </a:uFill>
+              <a:latin typeface="Arial"/>
+            </a:endParaRPr>
+          </a:p>
+          <a:p>
+            <a:pPr lvl="2" marL="1296000" indent="-288000">
+              <a:buClr>
+                <a:srgbClr val="000000"/>
+              </a:buClr>
+              <a:buSzPct val="45000"/>
+              <a:buFont typeface="Wingdings" charset="2"/>
+              <a:buChar char=""/>
+            </a:pPr>
+            <a:r>
+              <a:rPr b="0" lang="en-US" sz="1800" spc="-1" strike="noStrike">
+                <a:solidFill>
+                  <a:srgbClr val="000000"/>
+                </a:solidFill>
+                <a:uFill>
+                  <a:solidFill>
+                    <a:srgbClr val="ffffff"/>
+                  </a:solidFill>
+                </a:uFill>
+                <a:latin typeface="Arial"/>
+              </a:rPr>
+              <a:t>Third Outline Level</a:t>
+            </a:r>
+            <a:endParaRPr b="0" lang="en-US" sz="1800" spc="-1" strike="noStrike">
+              <a:solidFill>
+                <a:srgbClr val="000000"/>
+              </a:solidFill>
+              <a:uFill>
+                <a:solidFill>
+                  <a:srgbClr val="ffffff"/>
+                </a:solidFill>
+              </a:uFill>
+              <a:latin typeface="Arial"/>
+            </a:endParaRPr>
+          </a:p>
+          <a:p>
+            <a:pPr lvl="3" marL="1728000" indent="-216000">
+              <a:buClr>
+                <a:srgbClr val="000000"/>
+              </a:buClr>
+              <a:buSzPct val="75000"/>
+              <a:buFont typeface="Symbol" charset="2"/>
+              <a:buChar char=""/>
+            </a:pPr>
+            <a:r>
+              <a:rPr b="0" lang="en-US" sz="1800" spc="-1" strike="noStrike">
+                <a:solidFill>
+                  <a:srgbClr val="000000"/>
+                </a:solidFill>
+                <a:uFill>
+                  <a:solidFill>
+                    <a:srgbClr val="ffffff"/>
+                  </a:solidFill>
+                </a:uFill>
+                <a:latin typeface="Arial"/>
+              </a:rPr>
+              <a:t>Fourth Outline Level</a:t>
+            </a:r>
+            <a:endParaRPr b="0" lang="en-US" sz="1800" spc="-1" strike="noStrike">
+              <a:solidFill>
+                <a:srgbClr val="000000"/>
+              </a:solidFill>
+              <a:uFill>
+                <a:solidFill>
+                  <a:srgbClr val="ffffff"/>
+                </a:solidFill>
+              </a:uFill>
+              <a:latin typeface="Arial"/>
+            </a:endParaRPr>
+          </a:p>
+          <a:p>
+            <a:pPr lvl="4" marL="2160000" indent="-216000">
+              <a:buClr>
+                <a:srgbClr val="000000"/>
+              </a:buClr>
+              <a:buSzPct val="45000"/>
+              <a:buFont typeface="Wingdings" charset="2"/>
+              <a:buChar char=""/>
+            </a:pPr>
+            <a:r>
+              <a:rPr b="0" lang="en-US" sz="1800" spc="-1" strike="noStrike">
+                <a:solidFill>
+                  <a:srgbClr val="000000"/>
+                </a:solidFill>
+                <a:uFill>
+                  <a:solidFill>
+                    <a:srgbClr val="ffffff"/>
+                  </a:solidFill>
+                </a:uFill>
+                <a:latin typeface="Arial"/>
+              </a:rPr>
+              <a:t>Fifth Outline Level</a:t>
+            </a:r>
+            <a:endParaRPr b="0" lang="en-US" sz="1800" spc="-1" strike="noStrike">
+              <a:solidFill>
+                <a:srgbClr val="000000"/>
+              </a:solidFill>
+              <a:uFill>
+                <a:solidFill>
+                  <a:srgbClr val="ffffff"/>
+                </a:solidFill>
+              </a:uFill>
+              <a:latin typeface="Arial"/>
+            </a:endParaRPr>
+          </a:p>
+          <a:p>
+            <a:pPr lvl="5" marL="2592000" indent="-216000">
+              <a:buClr>
+                <a:srgbClr val="000000"/>
+              </a:buClr>
+              <a:buSzPct val="45000"/>
+              <a:buFont typeface="Wingdings" charset="2"/>
+              <a:buChar char=""/>
+            </a:pPr>
+            <a:r>
+              <a:rPr b="0" lang="en-US" sz="1800" spc="-1" strike="noStrike">
+                <a:solidFill>
+                  <a:srgbClr val="000000"/>
+                </a:solidFill>
+                <a:uFill>
+                  <a:solidFill>
+                    <a:srgbClr val="ffffff"/>
+                  </a:solidFill>
+                </a:uFill>
+                <a:latin typeface="Arial"/>
+              </a:rPr>
+              <a:t>Sixth Outline Level</a:t>
+            </a:r>
+            <a:endParaRPr b="0" lang="en-US" sz="1800" spc="-1" strike="noStrike">
+              <a:solidFill>
+                <a:srgbClr val="000000"/>
+              </a:solidFill>
+              <a:uFill>
+                <a:solidFill>
+                  <a:srgbClr val="ffffff"/>
+                </a:solidFill>
+              </a:uFill>
+              <a:latin typeface="Arial"/>
+            </a:endParaRPr>
+          </a:p>
+          <a:p>
+            <a:pPr lvl="6" marL="3024000" indent="-216000">
+              <a:buClr>
+                <a:srgbClr val="000000"/>
+              </a:buClr>
+              <a:buSzPct val="45000"/>
+              <a:buFont typeface="Wingdings" charset="2"/>
+              <a:buChar char=""/>
+            </a:pPr>
+            <a:r>
+              <a:rPr b="0" lang="en-US" sz="1800" spc="-1" strike="noStrike">
+                <a:solidFill>
+                  <a:srgbClr val="000000"/>
+                </a:solidFill>
+                <a:uFill>
+                  <a:solidFill>
+                    <a:srgbClr val="ffffff"/>
+                  </a:solidFill>
+                </a:uFill>
+                <a:latin typeface="Arial"/>
+              </a:rPr>
+              <a:t>Seventh Outline Level</a:t>
+            </a:r>
+            <a:endParaRPr b="0" lang="en-US" sz="1800" spc="-1" strike="noStrike">
+              <a:solidFill>
+                <a:srgbClr val="000000"/>
+              </a:solidFill>
+              <a:uFill>
+                <a:solidFill>
+                  <a:srgbClr val="ffffff"/>
+                </a:solidFill>
+              </a:uFill>
+              <a:latin typeface="Arial"/>
+            </a:endParaRPr>
+          </a:p>
+        </p:txBody>
+      </p:sp>
+      <p:sp>
+        <p:nvSpPr>
+          <p:cNvPr id="39" name="PlaceHolder 4"/>
+          <p:cNvSpPr>
+            <a:spLocks noGrp="1"/>
+          </p:cNvSpPr>
+          <p:nvPr>
+            <p:ph type="body"/>
+          </p:nvPr>
+        </p:nvSpPr>
+        <p:spPr>
+          <a:xfrm>
+            <a:off x="5152680" y="4059360"/>
+            <a:ext cx="4426560" cy="2090880"/>
+          </a:xfrm>
+          <a:prstGeom prst="rect">
+            <a:avLst/>
+          </a:prstGeom>
+        </p:spPr>
+        <p:txBody>
+          <a:bodyPr lIns="0" rIns="0" tIns="0" bIns="0"/>
+          <a:p>
+            <a:pPr marL="432000" indent="-324000">
+              <a:buClr>
+                <a:srgbClr val="000000"/>
+              </a:buClr>
+              <a:buSzPct val="45000"/>
+              <a:buFont typeface="Wingdings" charset="2"/>
+              <a:buChar char=""/>
+            </a:pPr>
+            <a:r>
+              <a:rPr b="0" lang="en-US" sz="1800" spc="-1" strike="noStrike">
+                <a:solidFill>
+                  <a:srgbClr val="000000"/>
+                </a:solidFill>
+                <a:uFill>
+                  <a:solidFill>
+                    <a:srgbClr val="ffffff"/>
+                  </a:solidFill>
+                </a:uFill>
+                <a:latin typeface="Arial"/>
+              </a:rPr>
+              <a:t>Click to edit the outline text format</a:t>
+            </a:r>
+            <a:endParaRPr b="0" lang="en-US" sz="1800" spc="-1" strike="noStrike">
+              <a:solidFill>
+                <a:srgbClr val="000000"/>
+              </a:solidFill>
+              <a:uFill>
+                <a:solidFill>
+                  <a:srgbClr val="ffffff"/>
+                </a:solidFill>
+              </a:uFill>
+              <a:latin typeface="Arial"/>
+            </a:endParaRPr>
+          </a:p>
+          <a:p>
+            <a:pPr lvl="1" marL="864000" indent="-324000">
+              <a:buClr>
+                <a:srgbClr val="000000"/>
+              </a:buClr>
+              <a:buSzPct val="75000"/>
+              <a:buFont typeface="Symbol" charset="2"/>
+              <a:buChar char=""/>
+            </a:pPr>
+            <a:r>
+              <a:rPr b="0" lang="en-US" sz="1800" spc="-1" strike="noStrike">
+                <a:solidFill>
+                  <a:srgbClr val="000000"/>
+                </a:solidFill>
+                <a:uFill>
+                  <a:solidFill>
+                    <a:srgbClr val="ffffff"/>
+                  </a:solidFill>
+                </a:uFill>
+                <a:latin typeface="Arial"/>
+              </a:rPr>
+              <a:t>Second Outline Level</a:t>
+            </a:r>
+            <a:endParaRPr b="0" lang="en-US" sz="1800" spc="-1" strike="noStrike">
+              <a:solidFill>
+                <a:srgbClr val="000000"/>
+              </a:solidFill>
+              <a:uFill>
+                <a:solidFill>
+                  <a:srgbClr val="ffffff"/>
+                </a:solidFill>
+              </a:uFill>
+              <a:latin typeface="Arial"/>
+            </a:endParaRPr>
+          </a:p>
+          <a:p>
+            <a:pPr lvl="2" marL="1296000" indent="-288000">
+              <a:buClr>
+                <a:srgbClr val="000000"/>
+              </a:buClr>
+              <a:buSzPct val="45000"/>
+              <a:buFont typeface="Wingdings" charset="2"/>
+              <a:buChar char=""/>
+            </a:pPr>
+            <a:r>
+              <a:rPr b="0" lang="en-US" sz="1800" spc="-1" strike="noStrike">
+                <a:solidFill>
+                  <a:srgbClr val="000000"/>
+                </a:solidFill>
+                <a:uFill>
+                  <a:solidFill>
+                    <a:srgbClr val="ffffff"/>
+                  </a:solidFill>
+                </a:uFill>
+                <a:latin typeface="Arial"/>
+              </a:rPr>
+              <a:t>Third Outline Level</a:t>
+            </a:r>
+            <a:endParaRPr b="0" lang="en-US" sz="1800" spc="-1" strike="noStrike">
+              <a:solidFill>
+                <a:srgbClr val="000000"/>
+              </a:solidFill>
+              <a:uFill>
+                <a:solidFill>
+                  <a:srgbClr val="ffffff"/>
+                </a:solidFill>
+              </a:uFill>
+              <a:latin typeface="Arial"/>
+            </a:endParaRPr>
+          </a:p>
+          <a:p>
+            <a:pPr lvl="3" marL="1728000" indent="-216000">
+              <a:buClr>
+                <a:srgbClr val="000000"/>
+              </a:buClr>
+              <a:buSzPct val="75000"/>
+              <a:buFont typeface="Symbol" charset="2"/>
+              <a:buChar char=""/>
+            </a:pPr>
+            <a:r>
+              <a:rPr b="0" lang="en-US" sz="1800" spc="-1" strike="noStrike">
+                <a:solidFill>
+                  <a:srgbClr val="000000"/>
+                </a:solidFill>
+                <a:uFill>
+                  <a:solidFill>
+                    <a:srgbClr val="ffffff"/>
+                  </a:solidFill>
+                </a:uFill>
+                <a:latin typeface="Arial"/>
+              </a:rPr>
+              <a:t>Fourth Outline Level</a:t>
+            </a:r>
+            <a:endParaRPr b="0" lang="en-US" sz="1800" spc="-1" strike="noStrike">
+              <a:solidFill>
+                <a:srgbClr val="000000"/>
+              </a:solidFill>
+              <a:uFill>
+                <a:solidFill>
+                  <a:srgbClr val="ffffff"/>
+                </a:solidFill>
+              </a:uFill>
+              <a:latin typeface="Arial"/>
+            </a:endParaRPr>
+          </a:p>
+          <a:p>
+            <a:pPr lvl="4" marL="2160000" indent="-216000">
+              <a:buClr>
+                <a:srgbClr val="000000"/>
+              </a:buClr>
+              <a:buSzPct val="45000"/>
+              <a:buFont typeface="Wingdings" charset="2"/>
+              <a:buChar char=""/>
+            </a:pPr>
+            <a:r>
+              <a:rPr b="0" lang="en-US" sz="1800" spc="-1" strike="noStrike">
+                <a:solidFill>
+                  <a:srgbClr val="000000"/>
+                </a:solidFill>
+                <a:uFill>
+                  <a:solidFill>
+                    <a:srgbClr val="ffffff"/>
+                  </a:solidFill>
+                </a:uFill>
+                <a:latin typeface="Arial"/>
+              </a:rPr>
+              <a:t>Fifth Outline Level</a:t>
+            </a:r>
+            <a:endParaRPr b="0" lang="en-US" sz="1800" spc="-1" strike="noStrike">
+              <a:solidFill>
+                <a:srgbClr val="000000"/>
+              </a:solidFill>
+              <a:uFill>
+                <a:solidFill>
+                  <a:srgbClr val="ffffff"/>
+                </a:solidFill>
+              </a:uFill>
+              <a:latin typeface="Arial"/>
+            </a:endParaRPr>
+          </a:p>
+          <a:p>
+            <a:pPr lvl="5" marL="2592000" indent="-216000">
+              <a:buClr>
+                <a:srgbClr val="000000"/>
+              </a:buClr>
+              <a:buSzPct val="45000"/>
+              <a:buFont typeface="Wingdings" charset="2"/>
+              <a:buChar char=""/>
+            </a:pPr>
+            <a:r>
+              <a:rPr b="0" lang="en-US" sz="1800" spc="-1" strike="noStrike">
+                <a:solidFill>
+                  <a:srgbClr val="000000"/>
+                </a:solidFill>
+                <a:uFill>
+                  <a:solidFill>
+                    <a:srgbClr val="ffffff"/>
+                  </a:solidFill>
+                </a:uFill>
+                <a:latin typeface="Arial"/>
+              </a:rPr>
+              <a:t>Sixth Outline Level</a:t>
+            </a:r>
+            <a:endParaRPr b="0" lang="en-US" sz="1800" spc="-1" strike="noStrike">
+              <a:solidFill>
+                <a:srgbClr val="000000"/>
+              </a:solidFill>
+              <a:uFill>
+                <a:solidFill>
+                  <a:srgbClr val="ffffff"/>
+                </a:solidFill>
+              </a:uFill>
+              <a:latin typeface="Arial"/>
+            </a:endParaRPr>
+          </a:p>
+          <a:p>
+            <a:pPr lvl="6" marL="3024000" indent="-216000">
+              <a:buClr>
+                <a:srgbClr val="000000"/>
+              </a:buClr>
+              <a:buSzPct val="45000"/>
+              <a:buFont typeface="Wingdings" charset="2"/>
+              <a:buChar char=""/>
+            </a:pPr>
+            <a:r>
+              <a:rPr b="0" lang="en-US" sz="1800" spc="-1" strike="noStrike">
+                <a:solidFill>
+                  <a:srgbClr val="000000"/>
+                </a:solidFill>
+                <a:uFill>
+                  <a:solidFill>
+                    <a:srgbClr val="ffffff"/>
+                  </a:solidFill>
+                </a:uFill>
+                <a:latin typeface="Arial"/>
+              </a:rPr>
+              <a:t>Seventh Outline Level</a:t>
+            </a:r>
+            <a:endParaRPr b="0" lang="en-US" sz="1800" spc="-1" strike="noStrike">
+              <a:solidFill>
+                <a:srgbClr val="000000"/>
+              </a:solidFill>
+              <a:uFill>
+                <a:solidFill>
+                  <a:srgbClr val="ffffff"/>
+                </a:solidFill>
+              </a:uFill>
+              <a:latin typeface="Arial"/>
+            </a:endParaRPr>
+          </a:p>
+        </p:txBody>
+      </p:sp>
+    </p:spTree>
+  </p:cSld>
+  <p:clrMap bg1="lt1" bg2="lt2" tx1="dk1" tx2="dk2" accent1="accent1" accent2="accent2" accent3="accent3" accent4="accent4" accent5="accent5" accent6="accent6" hlink="hlink" folHlink="folHlink"/>
+  <p:sldLayoutIdLst>
+    <p:sldLayoutId id="2147483662" r:id="rId2"/>
+    <p:sldLayoutId id="2147483663" r:id="rId3"/>
+    <p:sldLayoutId id="2147483664" r:id="rId4"/>
+    <p:sldLayoutId id="2147483665" r:id="rId5"/>
+    <p:sldLayoutId id="2147483666" r:id="rId6"/>
+    <p:sldLayoutId id="2147483667" r:id="rId7"/>
+    <p:sldLayoutId id="2147483668" r:id="rId8"/>
+    <p:sldLayoutId id="2147483669" r:id="rId9"/>
+    <p:sldLayoutId id="2147483670" r:id="rId10"/>
+    <p:sldLayoutId id="2147483671" r:id="rId11"/>
+    <p:sldLayoutId id="2147483672" r:id="rId12"/>
+    <p:sldLayoutId id="2147483673" r:id="rId13"/>
   </p:sldLayoutIdLst>
 </p:sldMaster>
 </file>
@@ -2023,14 +4210,14 @@
       </p:grpSpPr>
       <p:sp>
         <p:nvSpPr>
-          <p:cNvPr id="39" name="TextShape 1"/>
-          <p:cNvSpPr txBox="1"/>
+          <p:cNvPr id="74" name="CustomShape 1"/>
+          <p:cNvSpPr/>
           <p:nvPr/>
         </p:nvSpPr>
         <p:spPr>
           <a:xfrm>
             <a:off x="0" y="4256280"/>
-            <a:ext cx="10080000" cy="1976040"/>
+            <a:ext cx="10079640" cy="1975680"/>
           </a:xfrm>
           <a:prstGeom prst="rect">
             <a:avLst/>
@@ -2040,10 +4227,20 @@
             <a:noFill/>
           </a:ln>
         </p:spPr>
+        <p:style>
+          <a:lnRef idx="0"/>
+          <a:fillRef idx="0"/>
+          <a:effectRef idx="0"/>
+          <a:fontRef idx="minor"/>
+        </p:style>
         <p:txBody>
           <a:bodyPr lIns="0" rIns="0" tIns="0" bIns="0" anchor="ctr"/>
           <a:p>
-            <a:pPr algn="ctr"/>
+            <a:pPr algn="ctr">
+              <a:lnSpc>
+                <a:spcPct val="100000"/>
+              </a:lnSpc>
+            </a:pPr>
             <a:r>
               <a:rPr b="0" lang="en-US" sz="3200" spc="-1" strike="noStrike">
                 <a:solidFill>
@@ -2056,8 +4253,44 @@
                 </a:uFill>
                 <a:latin typeface="Verdana"/>
               </a:rPr>
-              <a:t>CrowdFunding, CrowdSelling, </a:t>
-            </a:r>
+              <a:t>CrowdFunding, CrowdSelling, CrowdEngagement</a:t>
+            </a:r>
+            <a:endParaRPr b="0" lang="en-US" sz="1800" spc="-1" strike="noStrike">
+              <a:solidFill>
+                <a:srgbClr val="000000"/>
+              </a:solidFill>
+              <a:uFill>
+                <a:solidFill>
+                  <a:srgbClr val="ffffff"/>
+                </a:solidFill>
+              </a:uFill>
+              <a:latin typeface="Arial"/>
+            </a:endParaRPr>
+          </a:p>
+          <a:p>
+            <a:pPr algn="ctr">
+              <a:lnSpc>
+                <a:spcPct val="100000"/>
+              </a:lnSpc>
+            </a:pPr>
+            <a:endParaRPr b="0" lang="en-US" sz="1800" spc="-1" strike="noStrike">
+              <a:solidFill>
+                <a:srgbClr val="000000"/>
+              </a:solidFill>
+              <a:uFill>
+                <a:solidFill>
+                  <a:srgbClr val="ffffff"/>
+                </a:solidFill>
+              </a:uFill>
+              <a:latin typeface="Arial"/>
+            </a:endParaRPr>
+          </a:p>
+          <a:p>
+            <a:pPr algn="ctr">
+              <a:lnSpc>
+                <a:spcPct val="100000"/>
+              </a:lnSpc>
+            </a:pPr>
             <a:r>
               <a:rPr b="0" lang="en-US" sz="3200" spc="-1" strike="noStrike">
                 <a:solidFill>
@@ -2070,51 +4303,9 @@
                 </a:uFill>
                 <a:latin typeface="Verdana"/>
               </a:rPr>
-              <a:t>CrowdEngagement</a:t>
-            </a:r>
-            <a:endParaRPr b="0" lang="en-US" sz="3200" spc="-1" strike="noStrike">
-              <a:solidFill>
-                <a:srgbClr val="000000"/>
-              </a:solidFill>
-              <a:uFill>
-                <a:solidFill>
-                  <a:srgbClr val="ffffff"/>
-                </a:solidFill>
-              </a:uFill>
-              <a:latin typeface="Arial"/>
-            </a:endParaRPr>
-          </a:p>
-          <a:p>
-            <a:pPr algn="ctr"/>
-            <a:endParaRPr b="0" lang="en-US" sz="3200" spc="-1" strike="noStrike">
-              <a:solidFill>
-                <a:srgbClr val="000000"/>
-              </a:solidFill>
-              <a:uFill>
-                <a:solidFill>
-                  <a:srgbClr val="ffffff"/>
-                </a:solidFill>
-              </a:uFill>
-              <a:latin typeface="Arial"/>
-            </a:endParaRPr>
-          </a:p>
-          <a:p>
-            <a:pPr algn="ctr"/>
-            <a:r>
-              <a:rPr b="0" lang="en-US" sz="3200" spc="-1" strike="noStrike">
-                <a:solidFill>
-                  <a:srgbClr val="3c2154"/>
-                </a:solidFill>
-                <a:uFill>
-                  <a:solidFill>
-                    <a:srgbClr val="ffffff"/>
-                  </a:solidFill>
-                </a:uFill>
-                <a:latin typeface="Verdana"/>
-              </a:rPr>
               <a:t>For AUTHORS</a:t>
             </a:r>
-            <a:endParaRPr b="0" lang="en-US" sz="3200" spc="-1" strike="noStrike">
+            <a:endParaRPr b="0" lang="en-US" sz="1800" spc="-1" strike="noStrike">
               <a:solidFill>
                 <a:srgbClr val="000000"/>
               </a:solidFill>
@@ -2130,7 +4321,7 @@
       </p:sp>
       <p:pic>
         <p:nvPicPr>
-          <p:cNvPr id="40" name="" descr=""/>
+          <p:cNvPr id="75" name="" descr=""/>
           <p:cNvPicPr/>
           <p:nvPr/>
         </p:nvPicPr>
@@ -2141,7 +4332,7 @@
         <p:spPr>
           <a:xfrm>
             <a:off x="3770280" y="822960"/>
-            <a:ext cx="2539080" cy="2539080"/>
+            <a:ext cx="2538720" cy="2538720"/>
           </a:xfrm>
           <a:prstGeom prst="rect">
             <a:avLst/>
@@ -2202,14 +4393,14 @@
       </p:grpSpPr>
       <p:sp>
         <p:nvSpPr>
-          <p:cNvPr id="76" name="TextShape 1"/>
-          <p:cNvSpPr txBox="1"/>
+          <p:cNvPr id="111" name="CustomShape 1"/>
+          <p:cNvSpPr/>
           <p:nvPr/>
         </p:nvSpPr>
         <p:spPr>
           <a:xfrm>
             <a:off x="504000" y="301320"/>
-            <a:ext cx="7817040" cy="887400"/>
+            <a:ext cx="7816680" cy="887040"/>
           </a:xfrm>
           <a:prstGeom prst="rect">
             <a:avLst/>
@@ -2219,6 +4410,12 @@
             <a:noFill/>
           </a:ln>
         </p:spPr>
+        <p:style>
+          <a:lnRef idx="0"/>
+          <a:fillRef idx="0"/>
+          <a:effectRef idx="0"/>
+          <a:fontRef idx="minor"/>
+        </p:style>
         <p:txBody>
           <a:bodyPr lIns="0" rIns="0" tIns="0" bIns="0" anchor="ctr"/>
           <a:p>
@@ -2236,23 +4433,23 @@
               </a:rPr>
               <a:t>Competition</a:t>
             </a:r>
-            <a:endParaRPr b="1" lang="en-US" sz="4400" spc="-1" strike="noStrike">
-              <a:solidFill>
-                <a:srgbClr val="3c2154"/>
-              </a:solidFill>
-              <a:uFill>
-                <a:solidFill>
-                  <a:srgbClr val="ffffff"/>
-                </a:solidFill>
-              </a:uFill>
-              <a:latin typeface="Verdana"/>
+            <a:endParaRPr b="0" lang="en-US" sz="1800" spc="-1" strike="noStrike">
+              <a:solidFill>
+                <a:srgbClr val="000000"/>
+              </a:solidFill>
+              <a:uFill>
+                <a:solidFill>
+                  <a:srgbClr val="ffffff"/>
+                </a:solidFill>
+              </a:uFill>
+              <a:latin typeface="Arial"/>
             </a:endParaRPr>
           </a:p>
         </p:txBody>
       </p:sp>
       <p:pic>
         <p:nvPicPr>
-          <p:cNvPr id="77" name="" descr=""/>
+          <p:cNvPr id="112" name="" descr=""/>
           <p:cNvPicPr/>
           <p:nvPr/>
         </p:nvPicPr>
@@ -2263,7 +4460,7 @@
         <p:spPr>
           <a:xfrm>
             <a:off x="3011760" y="1371600"/>
-            <a:ext cx="6132240" cy="753840"/>
+            <a:ext cx="6131880" cy="753480"/>
           </a:xfrm>
           <a:prstGeom prst="rect">
             <a:avLst/>
@@ -2275,7 +4472,7 @@
       </p:pic>
       <p:pic>
         <p:nvPicPr>
-          <p:cNvPr id="78" name="" descr=""/>
+          <p:cNvPr id="113" name="" descr=""/>
           <p:cNvPicPr/>
           <p:nvPr/>
         </p:nvPicPr>
@@ -2286,7 +4483,7 @@
         <p:spPr>
           <a:xfrm>
             <a:off x="3017520" y="4075560"/>
-            <a:ext cx="4480560" cy="1868040"/>
+            <a:ext cx="4480200" cy="1867680"/>
           </a:xfrm>
           <a:prstGeom prst="rect">
             <a:avLst/>
@@ -2298,7 +4495,7 @@
       </p:pic>
       <p:pic>
         <p:nvPicPr>
-          <p:cNvPr id="79" name="" descr=""/>
+          <p:cNvPr id="114" name="" descr=""/>
           <p:cNvPicPr/>
           <p:nvPr/>
         </p:nvPicPr>
@@ -2309,7 +4506,7 @@
         <p:spPr>
           <a:xfrm>
             <a:off x="-12240" y="2103480"/>
-            <a:ext cx="4309920" cy="2262600"/>
+            <a:ext cx="4309560" cy="2262240"/>
           </a:xfrm>
           <a:prstGeom prst="rect">
             <a:avLst/>
@@ -2321,7 +4518,7 @@
       </p:pic>
       <p:pic>
         <p:nvPicPr>
-          <p:cNvPr id="80" name="" descr=""/>
+          <p:cNvPr id="115" name="" descr=""/>
           <p:cNvPicPr/>
           <p:nvPr/>
         </p:nvPicPr>
@@ -2332,7 +4529,7 @@
         <p:spPr>
           <a:xfrm>
             <a:off x="6218280" y="2651760"/>
-            <a:ext cx="3152520" cy="1523520"/>
+            <a:ext cx="3152160" cy="1523160"/>
           </a:xfrm>
           <a:prstGeom prst="rect">
             <a:avLst/>
@@ -2344,7 +4541,7 @@
       </p:pic>
       <p:pic>
         <p:nvPicPr>
-          <p:cNvPr id="81" name="" descr=""/>
+          <p:cNvPr id="116" name="" descr=""/>
           <p:cNvPicPr/>
           <p:nvPr/>
         </p:nvPicPr>
@@ -2355,7 +4552,7 @@
         <p:spPr>
           <a:xfrm>
             <a:off x="-91440" y="4419360"/>
-            <a:ext cx="4846320" cy="3230640"/>
+            <a:ext cx="4845960" cy="3230280"/>
           </a:xfrm>
           <a:prstGeom prst="rect">
             <a:avLst/>
@@ -2367,7 +4564,7 @@
       </p:pic>
       <p:pic>
         <p:nvPicPr>
-          <p:cNvPr id="82" name="" descr=""/>
+          <p:cNvPr id="117" name="" descr=""/>
           <p:cNvPicPr/>
           <p:nvPr/>
         </p:nvPicPr>
@@ -2378,7 +4575,7 @@
         <p:spPr>
           <a:xfrm>
             <a:off x="6576480" y="5759280"/>
-            <a:ext cx="2476080" cy="1190160"/>
+            <a:ext cx="2475720" cy="1189800"/>
           </a:xfrm>
           <a:prstGeom prst="rect">
             <a:avLst/>
@@ -2439,14 +4636,14 @@
       </p:grpSpPr>
       <p:sp>
         <p:nvSpPr>
-          <p:cNvPr id="83" name="TextShape 1"/>
-          <p:cNvSpPr txBox="1"/>
+          <p:cNvPr id="118" name="CustomShape 1"/>
+          <p:cNvSpPr/>
           <p:nvPr/>
         </p:nvSpPr>
         <p:spPr>
           <a:xfrm>
             <a:off x="504000" y="301320"/>
-            <a:ext cx="7817040" cy="887400"/>
+            <a:ext cx="7816680" cy="887040"/>
           </a:xfrm>
           <a:prstGeom prst="rect">
             <a:avLst/>
@@ -2456,6 +4653,12 @@
             <a:noFill/>
           </a:ln>
         </p:spPr>
+        <p:style>
+          <a:lnRef idx="0"/>
+          <a:fillRef idx="0"/>
+          <a:effectRef idx="0"/>
+          <a:fontRef idx="minor"/>
+        </p:style>
         <p:txBody>
           <a:bodyPr lIns="0" rIns="0" tIns="0" bIns="0" anchor="ctr"/>
           <a:p>
@@ -2473,30 +4676,30 @@
               </a:rPr>
               <a:t>Competitive Advantage</a:t>
             </a:r>
-            <a:endParaRPr b="1" lang="en-US" sz="4400" spc="-1" strike="noStrike">
-              <a:solidFill>
-                <a:srgbClr val="3c2154"/>
-              </a:solidFill>
-              <a:uFill>
-                <a:solidFill>
-                  <a:srgbClr val="ffffff"/>
-                </a:solidFill>
-              </a:uFill>
-              <a:latin typeface="Verdana"/>
-            </a:endParaRPr>
-          </a:p>
-        </p:txBody>
-      </p:sp>
-      <p:sp>
-        <p:nvSpPr>
-          <p:cNvPr id="84" name="TextShape 2"/>
-          <p:cNvSpPr txBox="1"/>
+            <a:endParaRPr b="0" lang="en-US" sz="1800" spc="-1" strike="noStrike">
+              <a:solidFill>
+                <a:srgbClr val="000000"/>
+              </a:solidFill>
+              <a:uFill>
+                <a:solidFill>
+                  <a:srgbClr val="ffffff"/>
+                </a:solidFill>
+              </a:uFill>
+              <a:latin typeface="Arial"/>
+            </a:endParaRPr>
+          </a:p>
+        </p:txBody>
+      </p:sp>
+      <p:sp>
+        <p:nvSpPr>
+          <p:cNvPr id="119" name="CustomShape 2"/>
+          <p:cNvSpPr/>
           <p:nvPr/>
         </p:nvSpPr>
         <p:spPr>
           <a:xfrm>
             <a:off x="274320" y="1463040"/>
-            <a:ext cx="8869680" cy="5536440"/>
+            <a:ext cx="8869320" cy="5536080"/>
           </a:xfrm>
           <a:prstGeom prst="rect">
             <a:avLst/>
@@ -2506,6 +4709,12 @@
             <a:noFill/>
           </a:ln>
         </p:spPr>
+        <p:style>
+          <a:lnRef idx="0"/>
+          <a:fillRef idx="0"/>
+          <a:effectRef idx="0"/>
+          <a:fontRef idx="minor"/>
+        </p:style>
         <p:txBody>
           <a:bodyPr lIns="0" rIns="0" tIns="0" bIns="0"/>
           <a:p>
@@ -2523,20 +4732,20 @@
               </a:rPr>
               <a:t>Authors’ organizations can do the marketing</a:t>
             </a:r>
-            <a:endParaRPr b="0" lang="en-US" sz="2200" spc="-1" strike="noStrike">
-              <a:solidFill>
-                <a:srgbClr val="000000"/>
-              </a:solidFill>
-              <a:uFill>
-                <a:solidFill>
-                  <a:srgbClr val="ffffff"/>
-                </a:solidFill>
-              </a:uFill>
-              <a:latin typeface="Arial"/>
-            </a:endParaRPr>
-          </a:p>
-          <a:p>
-            <a:endParaRPr b="0" lang="en-US" sz="2200" spc="-1" strike="noStrike">
+            <a:endParaRPr b="0" lang="en-US" sz="1800" spc="-1" strike="noStrike">
+              <a:solidFill>
+                <a:srgbClr val="000000"/>
+              </a:solidFill>
+              <a:uFill>
+                <a:solidFill>
+                  <a:srgbClr val="ffffff"/>
+                </a:solidFill>
+              </a:uFill>
+              <a:latin typeface="Arial"/>
+            </a:endParaRPr>
+          </a:p>
+          <a:p>
+            <a:endParaRPr b="0" lang="en-US" sz="1800" spc="-1" strike="noStrike">
               <a:solidFill>
                 <a:srgbClr val="000000"/>
               </a:solidFill>
@@ -2563,20 +4772,20 @@
               </a:rPr>
               <a:t>Authors earn revenue for many creative products </a:t>
             </a:r>
-            <a:endParaRPr b="0" lang="en-US" sz="2200" spc="-1" strike="noStrike">
-              <a:solidFill>
-                <a:srgbClr val="000000"/>
-              </a:solidFill>
-              <a:uFill>
-                <a:solidFill>
-                  <a:srgbClr val="ffffff"/>
-                </a:solidFill>
-              </a:uFill>
-              <a:latin typeface="Arial"/>
-            </a:endParaRPr>
-          </a:p>
-          <a:p>
-            <a:endParaRPr b="0" lang="en-US" sz="2200" spc="-1" strike="noStrike">
+            <a:endParaRPr b="0" lang="en-US" sz="1800" spc="-1" strike="noStrike">
+              <a:solidFill>
+                <a:srgbClr val="000000"/>
+              </a:solidFill>
+              <a:uFill>
+                <a:solidFill>
+                  <a:srgbClr val="ffffff"/>
+                </a:solidFill>
+              </a:uFill>
+              <a:latin typeface="Arial"/>
+            </a:endParaRPr>
+          </a:p>
+          <a:p>
+            <a:endParaRPr b="0" lang="en-US" sz="1800" spc="-1" strike="noStrike">
               <a:solidFill>
                 <a:srgbClr val="000000"/>
               </a:solidFill>
@@ -2603,20 +4812,20 @@
               </a:rPr>
               <a:t>Rather than offering one book only every year or two, authors offer something once a month </a:t>
             </a:r>
-            <a:endParaRPr b="0" lang="en-US" sz="2200" spc="-1" strike="noStrike">
-              <a:solidFill>
-                <a:srgbClr val="000000"/>
-              </a:solidFill>
-              <a:uFill>
-                <a:solidFill>
-                  <a:srgbClr val="ffffff"/>
-                </a:solidFill>
-              </a:uFill>
-              <a:latin typeface="Arial"/>
-            </a:endParaRPr>
-          </a:p>
-          <a:p>
-            <a:endParaRPr b="0" lang="en-US" sz="2200" spc="-1" strike="noStrike">
+            <a:endParaRPr b="0" lang="en-US" sz="1800" spc="-1" strike="noStrike">
+              <a:solidFill>
+                <a:srgbClr val="000000"/>
+              </a:solidFill>
+              <a:uFill>
+                <a:solidFill>
+                  <a:srgbClr val="ffffff"/>
+                </a:solidFill>
+              </a:uFill>
+              <a:latin typeface="Arial"/>
+            </a:endParaRPr>
+          </a:p>
+          <a:p>
+            <a:endParaRPr b="0" lang="en-US" sz="1800" spc="-1" strike="noStrike">
               <a:solidFill>
                 <a:srgbClr val="000000"/>
               </a:solidFill>
@@ -2643,20 +4852,20 @@
               </a:rPr>
               <a:t>CrowdPublish.TV acquires authors &amp; fans before book is complete – before they’re acquired by competition</a:t>
             </a:r>
-            <a:endParaRPr b="0" lang="en-US" sz="2200" spc="-1" strike="noStrike">
-              <a:solidFill>
-                <a:srgbClr val="000000"/>
-              </a:solidFill>
-              <a:uFill>
-                <a:solidFill>
-                  <a:srgbClr val="ffffff"/>
-                </a:solidFill>
-              </a:uFill>
-              <a:latin typeface="Arial"/>
-            </a:endParaRPr>
-          </a:p>
-          <a:p>
-            <a:endParaRPr b="0" lang="en-US" sz="2200" spc="-1" strike="noStrike">
+            <a:endParaRPr b="0" lang="en-US" sz="1800" spc="-1" strike="noStrike">
+              <a:solidFill>
+                <a:srgbClr val="000000"/>
+              </a:solidFill>
+              <a:uFill>
+                <a:solidFill>
+                  <a:srgbClr val="ffffff"/>
+                </a:solidFill>
+              </a:uFill>
+              <a:latin typeface="Arial"/>
+            </a:endParaRPr>
+          </a:p>
+          <a:p>
+            <a:endParaRPr b="0" lang="en-US" sz="1800" spc="-1" strike="noStrike">
               <a:solidFill>
                 <a:srgbClr val="000000"/>
               </a:solidFill>
@@ -2683,20 +4892,20 @@
               </a:rPr>
               <a:t>Instead of fans waiting months before getting rewards/perks authors offer something immediately available </a:t>
             </a:r>
-            <a:endParaRPr b="0" lang="en-US" sz="2200" spc="-1" strike="noStrike">
-              <a:solidFill>
-                <a:srgbClr val="000000"/>
-              </a:solidFill>
-              <a:uFill>
-                <a:solidFill>
-                  <a:srgbClr val="ffffff"/>
-                </a:solidFill>
-              </a:uFill>
-              <a:latin typeface="Arial"/>
-            </a:endParaRPr>
-          </a:p>
-          <a:p>
-            <a:endParaRPr b="0" lang="en-US" sz="2200" spc="-1" strike="noStrike">
+            <a:endParaRPr b="0" lang="en-US" sz="1800" spc="-1" strike="noStrike">
+              <a:solidFill>
+                <a:srgbClr val="000000"/>
+              </a:solidFill>
+              <a:uFill>
+                <a:solidFill>
+                  <a:srgbClr val="ffffff"/>
+                </a:solidFill>
+              </a:uFill>
+              <a:latin typeface="Arial"/>
+            </a:endParaRPr>
+          </a:p>
+          <a:p>
+            <a:endParaRPr b="0" lang="en-US" sz="1800" spc="-1" strike="noStrike">
               <a:solidFill>
                 <a:srgbClr val="000000"/>
               </a:solidFill>
@@ -2712,7 +4921,7 @@
       </p:sp>
       <p:pic>
         <p:nvPicPr>
-          <p:cNvPr id="85" name="" descr=""/>
+          <p:cNvPr id="120" name="" descr=""/>
           <p:cNvPicPr/>
           <p:nvPr/>
         </p:nvPicPr>
@@ -2723,7 +4932,7 @@
         <p:spPr>
           <a:xfrm>
             <a:off x="7513920" y="5502240"/>
-            <a:ext cx="1904400" cy="1904400"/>
+            <a:ext cx="1904040" cy="1904040"/>
           </a:xfrm>
           <a:prstGeom prst="rect">
             <a:avLst/>
@@ -2784,14 +4993,14 @@
       </p:grpSpPr>
       <p:sp>
         <p:nvSpPr>
-          <p:cNvPr id="41" name="TextShape 1"/>
-          <p:cNvSpPr txBox="1"/>
+          <p:cNvPr id="76" name="CustomShape 1"/>
+          <p:cNvSpPr/>
           <p:nvPr/>
         </p:nvSpPr>
         <p:spPr>
           <a:xfrm>
             <a:off x="504000" y="301320"/>
-            <a:ext cx="9071640" cy="1262160"/>
+            <a:ext cx="9071280" cy="1261800"/>
           </a:xfrm>
           <a:prstGeom prst="rect">
             <a:avLst/>
@@ -2801,6 +5010,12 @@
             <a:noFill/>
           </a:ln>
         </p:spPr>
+        <p:style>
+          <a:lnRef idx="0"/>
+          <a:fillRef idx="0"/>
+          <a:effectRef idx="0"/>
+          <a:fontRef idx="minor"/>
+        </p:style>
         <p:txBody>
           <a:bodyPr lIns="0" rIns="0" tIns="0" bIns="0" anchor="ctr"/>
           <a:p>
@@ -2818,30 +5033,30 @@
               </a:rPr>
               <a:t>Problem</a:t>
             </a:r>
-            <a:endParaRPr b="1" lang="en-US" sz="4400" spc="-1" strike="noStrike">
-              <a:solidFill>
-                <a:srgbClr val="3c2154"/>
-              </a:solidFill>
-              <a:uFill>
-                <a:solidFill>
-                  <a:srgbClr val="ffffff"/>
-                </a:solidFill>
-              </a:uFill>
-              <a:latin typeface="Verdana"/>
-            </a:endParaRPr>
-          </a:p>
-        </p:txBody>
-      </p:sp>
-      <p:sp>
-        <p:nvSpPr>
-          <p:cNvPr id="42" name="TextShape 2"/>
-          <p:cNvSpPr txBox="1"/>
+            <a:endParaRPr b="0" lang="en-US" sz="1800" spc="-1" strike="noStrike">
+              <a:solidFill>
+                <a:srgbClr val="000000"/>
+              </a:solidFill>
+              <a:uFill>
+                <a:solidFill>
+                  <a:srgbClr val="ffffff"/>
+                </a:solidFill>
+              </a:uFill>
+              <a:latin typeface="Arial"/>
+            </a:endParaRPr>
+          </a:p>
+        </p:txBody>
+      </p:sp>
+      <p:sp>
+        <p:nvSpPr>
+          <p:cNvPr id="77" name="CustomShape 2"/>
+          <p:cNvSpPr/>
           <p:nvPr/>
         </p:nvSpPr>
         <p:spPr>
           <a:xfrm>
             <a:off x="504000" y="1769040"/>
-            <a:ext cx="9071640" cy="4384440"/>
+            <a:ext cx="9071280" cy="4384080"/>
           </a:xfrm>
           <a:prstGeom prst="rect">
             <a:avLst/>
@@ -2851,6 +5066,12 @@
             <a:noFill/>
           </a:ln>
         </p:spPr>
+        <p:style>
+          <a:lnRef idx="0"/>
+          <a:fillRef idx="0"/>
+          <a:effectRef idx="0"/>
+          <a:fontRef idx="minor"/>
+        </p:style>
         <p:txBody>
           <a:bodyPr lIns="0" rIns="0" tIns="0" bIns="0"/>
           <a:p>
@@ -2868,20 +5089,20 @@
               </a:rPr>
               <a:t>Book authors are being undervalued by current online selling practices</a:t>
             </a:r>
-            <a:endParaRPr b="0" lang="en-US" sz="3200" spc="-1" strike="noStrike">
-              <a:solidFill>
-                <a:srgbClr val="000000"/>
-              </a:solidFill>
-              <a:uFill>
-                <a:solidFill>
-                  <a:srgbClr val="ffffff"/>
-                </a:solidFill>
-              </a:uFill>
-              <a:latin typeface="Arial"/>
-            </a:endParaRPr>
-          </a:p>
-          <a:p>
-            <a:endParaRPr b="0" lang="en-US" sz="3200" spc="-1" strike="noStrike">
+            <a:endParaRPr b="0" lang="en-US" sz="1800" spc="-1" strike="noStrike">
+              <a:solidFill>
+                <a:srgbClr val="000000"/>
+              </a:solidFill>
+              <a:uFill>
+                <a:solidFill>
+                  <a:srgbClr val="ffffff"/>
+                </a:solidFill>
+              </a:uFill>
+              <a:latin typeface="Arial"/>
+            </a:endParaRPr>
+          </a:p>
+          <a:p>
+            <a:endParaRPr b="0" lang="en-US" sz="1800" spc="-1" strike="noStrike">
               <a:solidFill>
                 <a:srgbClr val="000000"/>
               </a:solidFill>
@@ -2908,20 +5129,20 @@
               </a:rPr>
               <a:t>Most places that sell authors’ products only offer the books</a:t>
             </a:r>
-            <a:endParaRPr b="0" lang="en-US" sz="3200" spc="-1" strike="noStrike">
-              <a:solidFill>
-                <a:srgbClr val="000000"/>
-              </a:solidFill>
-              <a:uFill>
-                <a:solidFill>
-                  <a:srgbClr val="ffffff"/>
-                </a:solidFill>
-              </a:uFill>
-              <a:latin typeface="Arial"/>
-            </a:endParaRPr>
-          </a:p>
-          <a:p>
-            <a:endParaRPr b="0" lang="en-US" sz="3200" spc="-1" strike="noStrike">
+            <a:endParaRPr b="0" lang="en-US" sz="1800" spc="-1" strike="noStrike">
+              <a:solidFill>
+                <a:srgbClr val="000000"/>
+              </a:solidFill>
+              <a:uFill>
+                <a:solidFill>
+                  <a:srgbClr val="ffffff"/>
+                </a:solidFill>
+              </a:uFill>
+              <a:latin typeface="Arial"/>
+            </a:endParaRPr>
+          </a:p>
+          <a:p>
+            <a:endParaRPr b="0" lang="en-US" sz="1800" spc="-1" strike="noStrike">
               <a:solidFill>
                 <a:srgbClr val="000000"/>
               </a:solidFill>
@@ -2948,7 +5169,7 @@
               </a:rPr>
               <a:t>Marketing is time consuming</a:t>
             </a:r>
-            <a:endParaRPr b="0" lang="en-US" sz="3200" spc="-1" strike="noStrike">
+            <a:endParaRPr b="0" lang="en-US" sz="1800" spc="-1" strike="noStrike">
               <a:solidFill>
                 <a:srgbClr val="000000"/>
               </a:solidFill>
@@ -3013,14 +5234,14 @@
       </p:grpSpPr>
       <p:sp>
         <p:nvSpPr>
-          <p:cNvPr id="43" name="TextShape 1"/>
-          <p:cNvSpPr txBox="1"/>
+          <p:cNvPr id="78" name="CustomShape 1"/>
+          <p:cNvSpPr/>
           <p:nvPr/>
         </p:nvSpPr>
         <p:spPr>
           <a:xfrm>
             <a:off x="478440" y="209880"/>
-            <a:ext cx="3362040" cy="1262160"/>
+            <a:ext cx="3361680" cy="1261800"/>
           </a:xfrm>
           <a:prstGeom prst="rect">
             <a:avLst/>
@@ -3030,10 +5251,20 @@
             <a:noFill/>
           </a:ln>
         </p:spPr>
+        <p:style>
+          <a:lnRef idx="0"/>
+          <a:fillRef idx="0"/>
+          <a:effectRef idx="0"/>
+          <a:fontRef idx="minor"/>
+        </p:style>
         <p:txBody>
           <a:bodyPr lIns="0" rIns="0" tIns="0" bIns="0" anchor="ctr"/>
           <a:p>
-            <a:pPr algn="ctr"/>
+            <a:pPr algn="ctr">
+              <a:lnSpc>
+                <a:spcPct val="100000"/>
+              </a:lnSpc>
+            </a:pPr>
             <a:r>
               <a:rPr b="1" lang="en-US" sz="4400" spc="-1" strike="noStrike">
                 <a:solidFill>
@@ -3048,30 +5279,30 @@
               </a:rPr>
               <a:t>Solution</a:t>
             </a:r>
-            <a:endParaRPr b="1" lang="en-US" sz="4400" spc="-1" strike="noStrike">
-              <a:solidFill>
-                <a:srgbClr val="3c2154"/>
-              </a:solidFill>
-              <a:uFill>
-                <a:solidFill>
-                  <a:srgbClr val="ffffff"/>
-                </a:solidFill>
-              </a:uFill>
-              <a:latin typeface="Verdana"/>
-            </a:endParaRPr>
-          </a:p>
-        </p:txBody>
-      </p:sp>
-      <p:sp>
-        <p:nvSpPr>
-          <p:cNvPr id="44" name="TextShape 2"/>
-          <p:cNvSpPr txBox="1"/>
+            <a:endParaRPr b="0" lang="en-US" sz="1800" spc="-1" strike="noStrike">
+              <a:solidFill>
+                <a:srgbClr val="000000"/>
+              </a:solidFill>
+              <a:uFill>
+                <a:solidFill>
+                  <a:srgbClr val="ffffff"/>
+                </a:solidFill>
+              </a:uFill>
+              <a:latin typeface="Arial"/>
+            </a:endParaRPr>
+          </a:p>
+        </p:txBody>
+      </p:sp>
+      <p:sp>
+        <p:nvSpPr>
+          <p:cNvPr id="79" name="CustomShape 2"/>
+          <p:cNvSpPr/>
           <p:nvPr/>
         </p:nvSpPr>
         <p:spPr>
           <a:xfrm>
             <a:off x="365760" y="1828800"/>
-            <a:ext cx="8778240" cy="1554480"/>
+            <a:ext cx="8777880" cy="1554120"/>
           </a:xfrm>
           <a:prstGeom prst="rect">
             <a:avLst/>
@@ -3081,10 +5312,20 @@
             <a:noFill/>
           </a:ln>
         </p:spPr>
+        <p:style>
+          <a:lnRef idx="0"/>
+          <a:fillRef idx="0"/>
+          <a:effectRef idx="0"/>
+          <a:fontRef idx="minor"/>
+        </p:style>
         <p:txBody>
           <a:bodyPr lIns="0" rIns="0" tIns="0" bIns="0"/>
           <a:p>
-            <a:pPr algn="ctr"/>
+            <a:pPr algn="ctr">
+              <a:lnSpc>
+                <a:spcPct val="100000"/>
+              </a:lnSpc>
+            </a:pPr>
             <a:r>
               <a:rPr b="0" lang="en-US" sz="3200" spc="-1" strike="noStrike">
                 <a:solidFill>
@@ -3099,30 +5340,30 @@
               </a:rPr>
               <a:t>Web platform that helps authors </a:t>
             </a:r>
-            <a:endParaRPr b="0" lang="en-US" sz="3200" spc="-1" strike="noStrike">
-              <a:solidFill>
-                <a:srgbClr val="000000"/>
-              </a:solidFill>
-              <a:uFill>
-                <a:solidFill>
-                  <a:srgbClr val="ffffff"/>
-                </a:solidFill>
-              </a:uFill>
-              <a:latin typeface="Arial"/>
-            </a:endParaRPr>
-          </a:p>
-        </p:txBody>
-      </p:sp>
-      <p:sp>
-        <p:nvSpPr>
-          <p:cNvPr id="45" name="CustomShape 3"/>
+            <a:endParaRPr b="0" lang="en-US" sz="1800" spc="-1" strike="noStrike">
+              <a:solidFill>
+                <a:srgbClr val="000000"/>
+              </a:solidFill>
+              <a:uFill>
+                <a:solidFill>
+                  <a:srgbClr val="ffffff"/>
+                </a:solidFill>
+              </a:uFill>
+              <a:latin typeface="Arial"/>
+            </a:endParaRPr>
+          </a:p>
+        </p:txBody>
+      </p:sp>
+      <p:sp>
+        <p:nvSpPr>
+          <p:cNvPr id="80" name="CustomShape 3"/>
           <p:cNvSpPr/>
           <p:nvPr/>
         </p:nvSpPr>
         <p:spPr>
           <a:xfrm>
             <a:off x="3474720" y="3657600"/>
-            <a:ext cx="2651760" cy="2468880"/>
+            <a:ext cx="2651400" cy="2468520"/>
           </a:xfrm>
           <a:prstGeom prst="rect">
             <a:avLst/>
@@ -3145,14 +5386,14 @@
       </p:sp>
       <p:sp>
         <p:nvSpPr>
-          <p:cNvPr id="46" name="TextShape 4"/>
-          <p:cNvSpPr txBox="1"/>
+          <p:cNvPr id="81" name="CustomShape 4"/>
+          <p:cNvSpPr/>
           <p:nvPr/>
         </p:nvSpPr>
         <p:spPr>
           <a:xfrm>
             <a:off x="3571560" y="3931920"/>
-            <a:ext cx="2455920" cy="1816920"/>
+            <a:ext cx="2455560" cy="1816560"/>
           </a:xfrm>
           <a:prstGeom prst="rect">
             <a:avLst/>
@@ -3162,10 +5403,20 @@
             <a:noFill/>
           </a:ln>
         </p:spPr>
+        <p:style>
+          <a:lnRef idx="0"/>
+          <a:fillRef idx="0"/>
+          <a:effectRef idx="0"/>
+          <a:fontRef idx="minor"/>
+        </p:style>
         <p:txBody>
           <a:bodyPr lIns="0" rIns="0" tIns="0" bIns="0"/>
           <a:p>
-            <a:pPr algn="ctr"/>
+            <a:pPr algn="ctr">
+              <a:lnSpc>
+                <a:spcPct val="100000"/>
+              </a:lnSpc>
+            </a:pPr>
             <a:r>
               <a:rPr b="0" lang="en-US" sz="3200" spc="-1" strike="noStrike">
                 <a:solidFill>
@@ -3180,30 +5431,30 @@
               </a:rPr>
               <a:t>Sell other items</a:t>
             </a:r>
-            <a:endParaRPr b="0" lang="en-US" sz="3200" spc="-1" strike="noStrike">
-              <a:solidFill>
-                <a:srgbClr val="ffffff"/>
-              </a:solidFill>
-              <a:uFill>
-                <a:solidFill>
-                  <a:srgbClr val="ffffff"/>
-                </a:solidFill>
-              </a:uFill>
-              <a:latin typeface="Arial"/>
-            </a:endParaRPr>
-          </a:p>
-        </p:txBody>
-      </p:sp>
-      <p:sp>
-        <p:nvSpPr>
-          <p:cNvPr id="47" name="CustomShape 5"/>
+            <a:endParaRPr b="0" lang="en-US" sz="1800" spc="-1" strike="noStrike">
+              <a:solidFill>
+                <a:srgbClr val="000000"/>
+              </a:solidFill>
+              <a:uFill>
+                <a:solidFill>
+                  <a:srgbClr val="ffffff"/>
+                </a:solidFill>
+              </a:uFill>
+              <a:latin typeface="Arial"/>
+            </a:endParaRPr>
+          </a:p>
+        </p:txBody>
+      </p:sp>
+      <p:sp>
+        <p:nvSpPr>
+          <p:cNvPr id="82" name="CustomShape 5"/>
           <p:cNvSpPr/>
           <p:nvPr/>
         </p:nvSpPr>
         <p:spPr>
           <a:xfrm>
             <a:off x="182880" y="3657600"/>
-            <a:ext cx="2926080" cy="2468880"/>
+            <a:ext cx="2925720" cy="2468520"/>
           </a:xfrm>
           <a:prstGeom prst="rect">
             <a:avLst/>
@@ -3226,14 +5477,14 @@
       </p:sp>
       <p:sp>
         <p:nvSpPr>
-          <p:cNvPr id="48" name="TextShape 6"/>
-          <p:cNvSpPr txBox="1"/>
+          <p:cNvPr id="83" name="CustomShape 6"/>
+          <p:cNvSpPr/>
           <p:nvPr/>
         </p:nvSpPr>
         <p:spPr>
           <a:xfrm>
             <a:off x="365760" y="3931920"/>
-            <a:ext cx="2743200" cy="1816920"/>
+            <a:ext cx="2742840" cy="1816560"/>
           </a:xfrm>
           <a:prstGeom prst="rect">
             <a:avLst/>
@@ -3243,10 +5494,20 @@
             <a:noFill/>
           </a:ln>
         </p:spPr>
+        <p:style>
+          <a:lnRef idx="0"/>
+          <a:fillRef idx="0"/>
+          <a:effectRef idx="0"/>
+          <a:fontRef idx="minor"/>
+        </p:style>
         <p:txBody>
           <a:bodyPr lIns="0" rIns="0" tIns="0" bIns="0"/>
           <a:p>
-            <a:pPr algn="ctr"/>
+            <a:pPr algn="ctr">
+              <a:lnSpc>
+                <a:spcPct val="100000"/>
+              </a:lnSpc>
+            </a:pPr>
             <a:r>
               <a:rPr b="0" lang="en-US" sz="3200" spc="-1" strike="noStrike">
                 <a:solidFill>
@@ -3261,30 +5522,30 @@
               </a:rPr>
               <a:t>Sell before they post on sites offering less</a:t>
             </a:r>
-            <a:endParaRPr b="0" lang="en-US" sz="3200" spc="-1" strike="noStrike">
-              <a:solidFill>
-                <a:srgbClr val="ffffff"/>
-              </a:solidFill>
-              <a:uFill>
-                <a:solidFill>
-                  <a:srgbClr val="ffffff"/>
-                </a:solidFill>
-              </a:uFill>
-              <a:latin typeface="Arial"/>
-            </a:endParaRPr>
-          </a:p>
-        </p:txBody>
-      </p:sp>
-      <p:sp>
-        <p:nvSpPr>
-          <p:cNvPr id="49" name="CustomShape 7"/>
+            <a:endParaRPr b="0" lang="en-US" sz="1800" spc="-1" strike="noStrike">
+              <a:solidFill>
+                <a:srgbClr val="000000"/>
+              </a:solidFill>
+              <a:uFill>
+                <a:solidFill>
+                  <a:srgbClr val="ffffff"/>
+                </a:solidFill>
+              </a:uFill>
+              <a:latin typeface="Arial"/>
+            </a:endParaRPr>
+          </a:p>
+        </p:txBody>
+      </p:sp>
+      <p:sp>
+        <p:nvSpPr>
+          <p:cNvPr id="84" name="CustomShape 7"/>
           <p:cNvSpPr/>
           <p:nvPr/>
         </p:nvSpPr>
         <p:spPr>
           <a:xfrm>
             <a:off x="6492240" y="3657600"/>
-            <a:ext cx="2743200" cy="2468880"/>
+            <a:ext cx="2742840" cy="2468520"/>
           </a:xfrm>
           <a:prstGeom prst="rect">
             <a:avLst/>
@@ -3307,14 +5568,14 @@
       </p:sp>
       <p:sp>
         <p:nvSpPr>
-          <p:cNvPr id="50" name="TextShape 8"/>
-          <p:cNvSpPr txBox="1"/>
+          <p:cNvPr id="85" name="CustomShape 8"/>
+          <p:cNvSpPr/>
           <p:nvPr/>
         </p:nvSpPr>
         <p:spPr>
           <a:xfrm>
-            <a:off x="6609240" y="3931920"/>
-            <a:ext cx="2626200" cy="1816920"/>
+            <a:off x="6554160" y="3677040"/>
+            <a:ext cx="2625840" cy="1816560"/>
           </a:xfrm>
           <a:prstGeom prst="rect">
             <a:avLst/>
@@ -3324,10 +5585,20 @@
             <a:noFill/>
           </a:ln>
         </p:spPr>
+        <p:style>
+          <a:lnRef idx="0"/>
+          <a:fillRef idx="0"/>
+          <a:effectRef idx="0"/>
+          <a:fontRef idx="minor"/>
+        </p:style>
         <p:txBody>
           <a:bodyPr lIns="0" rIns="0" tIns="0" bIns="0"/>
           <a:p>
-            <a:pPr algn="ctr"/>
+            <a:pPr algn="ctr">
+              <a:lnSpc>
+                <a:spcPct val="100000"/>
+              </a:lnSpc>
+            </a:pPr>
             <a:r>
               <a:rPr b="0" lang="en-US" sz="3200" spc="-1" strike="noStrike">
                 <a:solidFill>
@@ -3342,9 +5613,9 @@
               </a:rPr>
               <a:t>Reward orgs they belong to for helping with marketing</a:t>
             </a:r>
-            <a:endParaRPr b="0" lang="en-US" sz="3200" spc="-1" strike="noStrike">
-              <a:solidFill>
-                <a:srgbClr val="ffffff"/>
+            <a:endParaRPr b="0" lang="en-US" sz="1800" spc="-1" strike="noStrike">
+              <a:solidFill>
+                <a:srgbClr val="000000"/>
               </a:solidFill>
               <a:uFill>
                 <a:solidFill>
@@ -3407,14 +5678,14 @@
       </p:grpSpPr>
       <p:sp>
         <p:nvSpPr>
-          <p:cNvPr id="51" name="TextShape 1"/>
-          <p:cNvSpPr txBox="1"/>
+          <p:cNvPr id="86" name="CustomShape 1"/>
+          <p:cNvSpPr/>
           <p:nvPr/>
         </p:nvSpPr>
         <p:spPr>
           <a:xfrm>
             <a:off x="504000" y="301320"/>
-            <a:ext cx="9071640" cy="1262160"/>
+            <a:ext cx="9071280" cy="1261800"/>
           </a:xfrm>
           <a:prstGeom prst="rect">
             <a:avLst/>
@@ -3424,6 +5695,12 @@
             <a:noFill/>
           </a:ln>
         </p:spPr>
+        <p:style>
+          <a:lnRef idx="0"/>
+          <a:fillRef idx="0"/>
+          <a:effectRef idx="0"/>
+          <a:fontRef idx="minor"/>
+        </p:style>
         <p:txBody>
           <a:bodyPr lIns="0" rIns="0" tIns="0" bIns="0" anchor="ctr"/>
           <a:p>
@@ -3441,30 +5718,30 @@
               </a:rPr>
               <a:t>Market Validation</a:t>
             </a:r>
-            <a:endParaRPr b="1" lang="en-US" sz="4400" spc="-1" strike="noStrike">
-              <a:solidFill>
-                <a:srgbClr val="3c2154"/>
-              </a:solidFill>
-              <a:uFill>
-                <a:solidFill>
-                  <a:srgbClr val="ffffff"/>
-                </a:solidFill>
-              </a:uFill>
-              <a:latin typeface="Verdana"/>
-            </a:endParaRPr>
-          </a:p>
-        </p:txBody>
-      </p:sp>
-      <p:sp>
-        <p:nvSpPr>
-          <p:cNvPr id="52" name="TextShape 2"/>
-          <p:cNvSpPr txBox="1"/>
+            <a:endParaRPr b="0" lang="en-US" sz="1800" spc="-1" strike="noStrike">
+              <a:solidFill>
+                <a:srgbClr val="000000"/>
+              </a:solidFill>
+              <a:uFill>
+                <a:solidFill>
+                  <a:srgbClr val="ffffff"/>
+                </a:solidFill>
+              </a:uFill>
+              <a:latin typeface="Arial"/>
+            </a:endParaRPr>
+          </a:p>
+        </p:txBody>
+      </p:sp>
+      <p:sp>
+        <p:nvSpPr>
+          <p:cNvPr id="87" name="CustomShape 2"/>
+          <p:cNvSpPr/>
           <p:nvPr/>
         </p:nvSpPr>
         <p:spPr>
           <a:xfrm>
             <a:off x="163440" y="1769040"/>
-            <a:ext cx="9346320" cy="4445640"/>
+            <a:ext cx="9345960" cy="4445280"/>
           </a:xfrm>
           <a:prstGeom prst="rect">
             <a:avLst/>
@@ -3474,6 +5751,12 @@
             <a:noFill/>
           </a:ln>
         </p:spPr>
+        <p:style>
+          <a:lnRef idx="0"/>
+          <a:fillRef idx="0"/>
+          <a:effectRef idx="0"/>
+          <a:fontRef idx="minor"/>
+        </p:style>
         <p:txBody>
           <a:bodyPr lIns="0" rIns="0" tIns="0" bIns="0"/>
           <a:p>
@@ -3491,20 +5774,20 @@
               </a:rPr>
               <a:t>Some books do well on kickstarter, indiegogo</a:t>
             </a:r>
-            <a:endParaRPr b="0" lang="en-US" sz="3200" spc="-1" strike="noStrike">
-              <a:solidFill>
-                <a:srgbClr val="000000"/>
-              </a:solidFill>
-              <a:uFill>
-                <a:solidFill>
-                  <a:srgbClr val="ffffff"/>
-                </a:solidFill>
-              </a:uFill>
-              <a:latin typeface="Arial"/>
-            </a:endParaRPr>
-          </a:p>
-          <a:p>
-            <a:endParaRPr b="0" lang="en-US" sz="3200" spc="-1" strike="noStrike">
+            <a:endParaRPr b="0" lang="en-US" sz="1800" spc="-1" strike="noStrike">
+              <a:solidFill>
+                <a:srgbClr val="000000"/>
+              </a:solidFill>
+              <a:uFill>
+                <a:solidFill>
+                  <a:srgbClr val="ffffff"/>
+                </a:solidFill>
+              </a:uFill>
+              <a:latin typeface="Arial"/>
+            </a:endParaRPr>
+          </a:p>
+          <a:p>
+            <a:endParaRPr b="0" lang="en-US" sz="1800" spc="-1" strike="noStrike">
               <a:solidFill>
                 <a:srgbClr val="000000"/>
               </a:solidFill>
@@ -3531,20 +5814,20 @@
               </a:rPr>
               <a:t>Self published books on Amazon</a:t>
             </a:r>
-            <a:endParaRPr b="0" lang="en-US" sz="3200" spc="-1" strike="noStrike">
-              <a:solidFill>
-                <a:srgbClr val="000000"/>
-              </a:solidFill>
-              <a:uFill>
-                <a:solidFill>
-                  <a:srgbClr val="ffffff"/>
-                </a:solidFill>
-              </a:uFill>
-              <a:latin typeface="Arial"/>
-            </a:endParaRPr>
-          </a:p>
-          <a:p>
-            <a:endParaRPr b="0" lang="en-US" sz="3200" spc="-1" strike="noStrike">
+            <a:endParaRPr b="0" lang="en-US" sz="1800" spc="-1" strike="noStrike">
+              <a:solidFill>
+                <a:srgbClr val="000000"/>
+              </a:solidFill>
+              <a:uFill>
+                <a:solidFill>
+                  <a:srgbClr val="ffffff"/>
+                </a:solidFill>
+              </a:uFill>
+              <a:latin typeface="Arial"/>
+            </a:endParaRPr>
+          </a:p>
+          <a:p>
+            <a:endParaRPr b="0" lang="en-US" sz="1800" spc="-1" strike="noStrike">
               <a:solidFill>
                 <a:srgbClr val="000000"/>
               </a:solidFill>
@@ -3571,20 +5854,20 @@
               </a:rPr>
               <a:t>Writers receive monthly donations from fans on Patreon</a:t>
             </a:r>
-            <a:endParaRPr b="0" lang="en-US" sz="3200" spc="-1" strike="noStrike">
-              <a:solidFill>
-                <a:srgbClr val="000000"/>
-              </a:solidFill>
-              <a:uFill>
-                <a:solidFill>
-                  <a:srgbClr val="ffffff"/>
-                </a:solidFill>
-              </a:uFill>
-              <a:latin typeface="Arial"/>
-            </a:endParaRPr>
-          </a:p>
-          <a:p>
-            <a:endParaRPr b="0" lang="en-US" sz="3200" spc="-1" strike="noStrike">
+            <a:endParaRPr b="0" lang="en-US" sz="1800" spc="-1" strike="noStrike">
+              <a:solidFill>
+                <a:srgbClr val="000000"/>
+              </a:solidFill>
+              <a:uFill>
+                <a:solidFill>
+                  <a:srgbClr val="ffffff"/>
+                </a:solidFill>
+              </a:uFill>
+              <a:latin typeface="Arial"/>
+            </a:endParaRPr>
+          </a:p>
+          <a:p>
+            <a:endParaRPr b="0" lang="en-US" sz="1800" spc="-1" strike="noStrike">
               <a:solidFill>
                 <a:srgbClr val="000000"/>
               </a:solidFill>
@@ -3611,20 +5894,20 @@
               </a:rPr>
               <a:t>1200 authors already signed up on</a:t>
             </a:r>
-            <a:endParaRPr b="0" lang="en-US" sz="3200" spc="-1" strike="noStrike">
-              <a:solidFill>
-                <a:srgbClr val="000000"/>
-              </a:solidFill>
-              <a:uFill>
-                <a:solidFill>
-                  <a:srgbClr val="ffffff"/>
-                </a:solidFill>
-              </a:uFill>
-              <a:latin typeface="Arial"/>
-            </a:endParaRPr>
-          </a:p>
-          <a:p>
-            <a:endParaRPr b="0" lang="en-US" sz="3200" spc="-1" strike="noStrike">
+            <a:endParaRPr b="0" lang="en-US" sz="1800" spc="-1" strike="noStrike">
+              <a:solidFill>
+                <a:srgbClr val="000000"/>
+              </a:solidFill>
+              <a:uFill>
+                <a:solidFill>
+                  <a:srgbClr val="ffffff"/>
+                </a:solidFill>
+              </a:uFill>
+              <a:latin typeface="Arial"/>
+            </a:endParaRPr>
+          </a:p>
+          <a:p>
+            <a:endParaRPr b="0" lang="en-US" sz="1800" spc="-1" strike="noStrike">
               <a:solidFill>
                 <a:srgbClr val="000000"/>
               </a:solidFill>
@@ -3640,7 +5923,7 @@
       </p:sp>
       <p:pic>
         <p:nvPicPr>
-          <p:cNvPr id="53" name="" descr=""/>
+          <p:cNvPr id="88" name="" descr=""/>
           <p:cNvPicPr/>
           <p:nvPr/>
         </p:nvPicPr>
@@ -3651,7 +5934,7 @@
         <p:spPr>
           <a:xfrm>
             <a:off x="7513920" y="4679280"/>
-            <a:ext cx="1904400" cy="1904400"/>
+            <a:ext cx="1904040" cy="1904040"/>
           </a:xfrm>
           <a:prstGeom prst="rect">
             <a:avLst/>
@@ -3712,14 +5995,14 @@
       </p:grpSpPr>
       <p:sp>
         <p:nvSpPr>
-          <p:cNvPr id="54" name="TextShape 1"/>
-          <p:cNvSpPr txBox="1"/>
+          <p:cNvPr id="89" name="CustomShape 1"/>
+          <p:cNvSpPr/>
           <p:nvPr/>
         </p:nvSpPr>
         <p:spPr>
           <a:xfrm>
             <a:off x="504000" y="301320"/>
-            <a:ext cx="9071640" cy="704520"/>
+            <a:ext cx="9071280" cy="704160"/>
           </a:xfrm>
           <a:prstGeom prst="rect">
             <a:avLst/>
@@ -3729,6 +6012,12 @@
             <a:noFill/>
           </a:ln>
         </p:spPr>
+        <p:style>
+          <a:lnRef idx="0"/>
+          <a:fillRef idx="0"/>
+          <a:effectRef idx="0"/>
+          <a:fontRef idx="minor"/>
+        </p:style>
         <p:txBody>
           <a:bodyPr lIns="0" rIns="0" tIns="0" bIns="0" anchor="ctr"/>
           <a:p>
@@ -3746,30 +6035,30 @@
               </a:rPr>
               <a:t>Market Size</a:t>
             </a:r>
-            <a:endParaRPr b="1" lang="en-US" sz="4400" spc="-1" strike="noStrike">
-              <a:solidFill>
-                <a:srgbClr val="3c2154"/>
-              </a:solidFill>
-              <a:uFill>
-                <a:solidFill>
-                  <a:srgbClr val="ffffff"/>
-                </a:solidFill>
-              </a:uFill>
-              <a:latin typeface="Verdana"/>
-            </a:endParaRPr>
-          </a:p>
-        </p:txBody>
-      </p:sp>
-      <p:sp>
-        <p:nvSpPr>
-          <p:cNvPr id="55" name="TextShape 2"/>
-          <p:cNvSpPr txBox="1"/>
+            <a:endParaRPr b="0" lang="en-US" sz="1800" spc="-1" strike="noStrike">
+              <a:solidFill>
+                <a:srgbClr val="000000"/>
+              </a:solidFill>
+              <a:uFill>
+                <a:solidFill>
+                  <a:srgbClr val="ffffff"/>
+                </a:solidFill>
+              </a:uFill>
+              <a:latin typeface="Arial"/>
+            </a:endParaRPr>
+          </a:p>
+        </p:txBody>
+      </p:sp>
+      <p:sp>
+        <p:nvSpPr>
+          <p:cNvPr id="90" name="CustomShape 2"/>
+          <p:cNvSpPr/>
           <p:nvPr/>
         </p:nvSpPr>
         <p:spPr>
           <a:xfrm>
             <a:off x="457200" y="1920240"/>
-            <a:ext cx="9052560" cy="5776200"/>
+            <a:ext cx="9052200" cy="5775840"/>
           </a:xfrm>
           <a:prstGeom prst="rect">
             <a:avLst/>
@@ -3779,6 +6068,12 @@
             <a:noFill/>
           </a:ln>
         </p:spPr>
+        <p:style>
+          <a:lnRef idx="0"/>
+          <a:fillRef idx="0"/>
+          <a:effectRef idx="0"/>
+          <a:fontRef idx="minor"/>
+        </p:style>
         <p:txBody>
           <a:bodyPr lIns="0" rIns="0" tIns="0" bIns="0"/>
           <a:p>
@@ -3810,7 +6105,7 @@
               </a:rPr>
               <a:t> </a:t>
             </a:r>
-            <a:endParaRPr b="0" lang="en-US" sz="3200" spc="-1" strike="noStrike">
+            <a:endParaRPr b="0" lang="en-US" sz="1800" spc="-1" strike="noStrike">
               <a:solidFill>
                 <a:srgbClr val="000000"/>
               </a:solidFill>
@@ -3837,7 +6132,7 @@
               </a:rPr>
               <a:t>Literary journals: $200,000</a:t>
             </a:r>
-            <a:endParaRPr b="0" lang="en-US" sz="3200" spc="-1" strike="noStrike">
+            <a:endParaRPr b="0" lang="en-US" sz="1800" spc="-1" strike="noStrike">
               <a:solidFill>
                 <a:srgbClr val="000000"/>
               </a:solidFill>
@@ -3864,7 +6159,7 @@
               </a:rPr>
               <a:t>Poetry: $300,000 </a:t>
             </a:r>
-            <a:endParaRPr b="0" lang="en-US" sz="3200" spc="-1" strike="noStrike">
+            <a:endParaRPr b="0" lang="en-US" sz="1800" spc="-1" strike="noStrike">
               <a:solidFill>
                 <a:srgbClr val="000000"/>
               </a:solidFill>
@@ -3891,7 +6186,7 @@
               </a:rPr>
               <a:t>Anthologies: $500,000</a:t>
             </a:r>
-            <a:endParaRPr b="0" lang="en-US" sz="3200" spc="-1" strike="noStrike">
+            <a:endParaRPr b="0" lang="en-US" sz="1800" spc="-1" strike="noStrike">
               <a:solidFill>
                 <a:srgbClr val="000000"/>
               </a:solidFill>
@@ -3918,20 +6213,20 @@
               </a:rPr>
               <a:t>Art books: $4m</a:t>
             </a:r>
-            <a:endParaRPr b="0" lang="en-US" sz="3200" spc="-1" strike="noStrike">
-              <a:solidFill>
-                <a:srgbClr val="000000"/>
-              </a:solidFill>
-              <a:uFill>
-                <a:solidFill>
-                  <a:srgbClr val="ffffff"/>
-                </a:solidFill>
-              </a:uFill>
-              <a:latin typeface="Arial"/>
-            </a:endParaRPr>
-          </a:p>
-          <a:p>
-            <a:endParaRPr b="0" lang="en-US" sz="3200" spc="-1" strike="noStrike">
+            <a:endParaRPr b="0" lang="en-US" sz="1800" spc="-1" strike="noStrike">
+              <a:solidFill>
+                <a:srgbClr val="000000"/>
+              </a:solidFill>
+              <a:uFill>
+                <a:solidFill>
+                  <a:srgbClr val="ffffff"/>
+                </a:solidFill>
+              </a:uFill>
+              <a:latin typeface="Arial"/>
+            </a:endParaRPr>
+          </a:p>
+          <a:p>
+            <a:endParaRPr b="0" lang="en-US" sz="1800" spc="-1" strike="noStrike">
               <a:solidFill>
                 <a:srgbClr val="000000"/>
               </a:solidFill>
@@ -3958,20 +6253,20 @@
               </a:rPr>
               <a:t>Self published books on Amazon</a:t>
             </a:r>
-            <a:endParaRPr b="0" lang="en-US" sz="3200" spc="-1" strike="noStrike">
-              <a:solidFill>
-                <a:srgbClr val="000000"/>
-              </a:solidFill>
-              <a:uFill>
-                <a:solidFill>
-                  <a:srgbClr val="ffffff"/>
-                </a:solidFill>
-              </a:uFill>
-              <a:latin typeface="Arial"/>
-            </a:endParaRPr>
-          </a:p>
-          <a:p>
-            <a:endParaRPr b="0" lang="en-US" sz="3200" spc="-1" strike="noStrike">
+            <a:endParaRPr b="0" lang="en-US" sz="1800" spc="-1" strike="noStrike">
+              <a:solidFill>
+                <a:srgbClr val="000000"/>
+              </a:solidFill>
+              <a:uFill>
+                <a:solidFill>
+                  <a:srgbClr val="ffffff"/>
+                </a:solidFill>
+              </a:uFill>
+              <a:latin typeface="Arial"/>
+            </a:endParaRPr>
+          </a:p>
+          <a:p>
+            <a:endParaRPr b="0" lang="en-US" sz="1800" spc="-1" strike="noStrike">
               <a:solidFill>
                 <a:srgbClr val="000000"/>
               </a:solidFill>
@@ -3998,33 +6293,33 @@
               </a:rPr>
               <a:t>727000 Self-Published in 2015 in US</a:t>
             </a:r>
-            <a:endParaRPr b="0" lang="en-US" sz="3200" spc="-1" strike="noStrike">
-              <a:solidFill>
-                <a:srgbClr val="000000"/>
-              </a:solidFill>
-              <a:uFill>
-                <a:solidFill>
-                  <a:srgbClr val="ffffff"/>
-                </a:solidFill>
-              </a:uFill>
-              <a:latin typeface="Arial"/>
-            </a:endParaRPr>
-          </a:p>
-          <a:p>
-            <a:endParaRPr b="0" lang="en-US" sz="3200" spc="-1" strike="noStrike">
-              <a:solidFill>
-                <a:srgbClr val="000000"/>
-              </a:solidFill>
-              <a:uFill>
-                <a:solidFill>
-                  <a:srgbClr val="ffffff"/>
-                </a:solidFill>
-              </a:uFill>
-              <a:latin typeface="Arial"/>
-            </a:endParaRPr>
-          </a:p>
-          <a:p>
-            <a:endParaRPr b="0" lang="en-US" sz="3200" spc="-1" strike="noStrike">
+            <a:endParaRPr b="0" lang="en-US" sz="1800" spc="-1" strike="noStrike">
+              <a:solidFill>
+                <a:srgbClr val="000000"/>
+              </a:solidFill>
+              <a:uFill>
+                <a:solidFill>
+                  <a:srgbClr val="ffffff"/>
+                </a:solidFill>
+              </a:uFill>
+              <a:latin typeface="Arial"/>
+            </a:endParaRPr>
+          </a:p>
+          <a:p>
+            <a:endParaRPr b="0" lang="en-US" sz="1800" spc="-1" strike="noStrike">
+              <a:solidFill>
+                <a:srgbClr val="000000"/>
+              </a:solidFill>
+              <a:uFill>
+                <a:solidFill>
+                  <a:srgbClr val="ffffff"/>
+                </a:solidFill>
+              </a:uFill>
+              <a:latin typeface="Arial"/>
+            </a:endParaRPr>
+          </a:p>
+          <a:p>
+            <a:endParaRPr b="0" lang="en-US" sz="1800" spc="-1" strike="noStrike">
               <a:solidFill>
                 <a:srgbClr val="000000"/>
               </a:solidFill>
@@ -4040,7 +6335,7 @@
       </p:sp>
       <p:pic>
         <p:nvPicPr>
-          <p:cNvPr id="56" name="" descr=""/>
+          <p:cNvPr id="91" name="" descr=""/>
           <p:cNvPicPr/>
           <p:nvPr/>
         </p:nvPicPr>
@@ -4051,7 +6346,7 @@
         <p:spPr>
           <a:xfrm>
             <a:off x="7955280" y="301320"/>
-            <a:ext cx="1904400" cy="1904400"/>
+            <a:ext cx="1904040" cy="1904040"/>
           </a:xfrm>
           <a:prstGeom prst="rect">
             <a:avLst/>
@@ -4112,14 +6407,14 @@
       </p:grpSpPr>
       <p:sp>
         <p:nvSpPr>
-          <p:cNvPr id="57" name="TextShape 1"/>
-          <p:cNvSpPr txBox="1"/>
+          <p:cNvPr id="92" name="CustomShape 1"/>
+          <p:cNvSpPr/>
           <p:nvPr/>
         </p:nvSpPr>
         <p:spPr>
           <a:xfrm>
             <a:off x="6583680" y="103320"/>
-            <a:ext cx="3357720" cy="1268280"/>
+            <a:ext cx="3357360" cy="1267920"/>
           </a:xfrm>
           <a:prstGeom prst="rect">
             <a:avLst/>
@@ -4129,6 +6424,12 @@
             <a:noFill/>
           </a:ln>
         </p:spPr>
+        <p:style>
+          <a:lnRef idx="0"/>
+          <a:fillRef idx="0"/>
+          <a:effectRef idx="0"/>
+          <a:fontRef idx="minor"/>
+        </p:style>
         <p:txBody>
           <a:bodyPr lIns="0" rIns="0" tIns="0" bIns="0" anchor="ctr"/>
           <a:p>
@@ -4158,39 +6459,25 @@
                 </a:uFill>
                 <a:latin typeface="Verdana"/>
               </a:rPr>
-              <a:t>(for </a:t>
-            </a:r>
-            <a:r>
-              <a:rPr b="0" lang="en-US" sz="3800" spc="-1" strike="noStrike">
-                <a:solidFill>
-                  <a:srgbClr val="3c2154"/>
-                </a:solidFill>
-                <a:uFill>
-                  <a:solidFill>
-                    <a:srgbClr val="ffffff"/>
-                  </a:solidFill>
-                </a:uFill>
-                <a:latin typeface="Verdana"/>
-              </a:rPr>
-              <a:t>authors)</a:t>
-            </a:r>
-            <a:endParaRPr b="1" lang="en-US" sz="4400" spc="-1" strike="noStrike">
-              <a:solidFill>
-                <a:srgbClr val="3c2154"/>
-              </a:solidFill>
-              <a:uFill>
-                <a:solidFill>
-                  <a:srgbClr val="ffffff"/>
-                </a:solidFill>
-              </a:uFill>
-              <a:latin typeface="Verdana"/>
+              <a:t>(for authors)</a:t>
+            </a:r>
+            <a:endParaRPr b="0" lang="en-US" sz="1800" spc="-1" strike="noStrike">
+              <a:solidFill>
+                <a:srgbClr val="000000"/>
+              </a:solidFill>
+              <a:uFill>
+                <a:solidFill>
+                  <a:srgbClr val="ffffff"/>
+                </a:solidFill>
+              </a:uFill>
+              <a:latin typeface="Arial"/>
             </a:endParaRPr>
           </a:p>
         </p:txBody>
       </p:sp>
       <p:pic>
         <p:nvPicPr>
-          <p:cNvPr id="58" name="" descr=""/>
+          <p:cNvPr id="93" name="" descr=""/>
           <p:cNvPicPr/>
           <p:nvPr/>
         </p:nvPicPr>
@@ -4201,7 +6488,7 @@
         <p:spPr>
           <a:xfrm>
             <a:off x="-182880" y="-437760"/>
-            <a:ext cx="6288480" cy="3537360"/>
+            <a:ext cx="6288120" cy="3537000"/>
           </a:xfrm>
           <a:prstGeom prst="rect">
             <a:avLst/>
@@ -4213,14 +6500,14 @@
       </p:pic>
       <p:sp>
         <p:nvSpPr>
-          <p:cNvPr id="59" name="TextShape 2"/>
-          <p:cNvSpPr txBox="1"/>
+          <p:cNvPr id="94" name="CustomShape 2"/>
+          <p:cNvSpPr/>
           <p:nvPr/>
         </p:nvSpPr>
         <p:spPr>
           <a:xfrm>
             <a:off x="6468840" y="2011680"/>
-            <a:ext cx="3406680" cy="1280160"/>
+            <a:ext cx="3406320" cy="1279800"/>
           </a:xfrm>
           <a:prstGeom prst="rect">
             <a:avLst/>
@@ -4230,6 +6517,12 @@
             <a:noFill/>
           </a:ln>
         </p:spPr>
+        <p:style>
+          <a:lnRef idx="0"/>
+          <a:fillRef idx="0"/>
+          <a:effectRef idx="0"/>
+          <a:fontRef idx="minor"/>
+        </p:style>
         <p:txBody>
           <a:bodyPr lIns="0" rIns="0" tIns="0" bIns="0"/>
           <a:p>
@@ -4247,30 +6540,30 @@
               </a:rPr>
               <a:t>Author Posts a project phase</a:t>
             </a:r>
-            <a:endParaRPr b="0" lang="en-US" sz="3200" spc="-1" strike="noStrike">
-              <a:solidFill>
-                <a:srgbClr val="000000"/>
-              </a:solidFill>
-              <a:uFill>
-                <a:solidFill>
-                  <a:srgbClr val="ffffff"/>
-                </a:solidFill>
-              </a:uFill>
-              <a:latin typeface="Arial"/>
-            </a:endParaRPr>
-          </a:p>
-        </p:txBody>
-      </p:sp>
-      <p:sp>
-        <p:nvSpPr>
-          <p:cNvPr id="60" name="TextShape 3"/>
-          <p:cNvSpPr txBox="1"/>
+            <a:endParaRPr b="0" lang="en-US" sz="1800" spc="-1" strike="noStrike">
+              <a:solidFill>
+                <a:srgbClr val="000000"/>
+              </a:solidFill>
+              <a:uFill>
+                <a:solidFill>
+                  <a:srgbClr val="ffffff"/>
+                </a:solidFill>
+              </a:uFill>
+              <a:latin typeface="Arial"/>
+            </a:endParaRPr>
+          </a:p>
+        </p:txBody>
+      </p:sp>
+      <p:sp>
+        <p:nvSpPr>
+          <p:cNvPr id="95" name="CustomShape 3"/>
+          <p:cNvSpPr/>
           <p:nvPr/>
         </p:nvSpPr>
         <p:spPr>
           <a:xfrm>
             <a:off x="91440" y="4205160"/>
-            <a:ext cx="4591080" cy="1098360"/>
+            <a:ext cx="4590720" cy="1098000"/>
           </a:xfrm>
           <a:prstGeom prst="rect">
             <a:avLst/>
@@ -4280,6 +6573,12 @@
             <a:noFill/>
           </a:ln>
         </p:spPr>
+        <p:style>
+          <a:lnRef idx="0"/>
+          <a:fillRef idx="0"/>
+          <a:effectRef idx="0"/>
+          <a:fontRef idx="minor"/>
+        </p:style>
         <p:txBody>
           <a:bodyPr lIns="0" rIns="0" tIns="0" bIns="0"/>
           <a:p>
@@ -4295,46 +6594,32 @@
                 </a:uFill>
                 <a:latin typeface="Verdana"/>
               </a:rPr>
-              <a:t>Get existing fans to </a:t>
-            </a:r>
-            <a:r>
-              <a:rPr b="0" lang="en-US" sz="3200" spc="-1" strike="noStrike">
-                <a:solidFill>
-                  <a:srgbClr val="3c2154"/>
-                </a:solidFill>
-                <a:uFill>
-                  <a:solidFill>
-                    <a:srgbClr val="ffffff"/>
-                  </a:solidFill>
-                </a:uFill>
-                <a:latin typeface="Verdana"/>
-              </a:rPr>
-              <a:t>sign up &amp; purchase</a:t>
-            </a:r>
-            <a:endParaRPr b="0" lang="en-US" sz="3200" spc="-1" strike="noStrike">
-              <a:solidFill>
-                <a:srgbClr val="000000"/>
-              </a:solidFill>
-              <a:uFill>
-                <a:solidFill>
-                  <a:srgbClr val="ffffff"/>
-                </a:solidFill>
-              </a:uFill>
-              <a:latin typeface="Arial"/>
-            </a:endParaRPr>
-          </a:p>
-        </p:txBody>
-      </p:sp>
-      <p:sp>
-        <p:nvSpPr>
-          <p:cNvPr id="61" name="TextShape 4"/>
-          <p:cNvSpPr txBox="1"/>
+              <a:t>Get existing fans to sign up &amp; purchase</a:t>
+            </a:r>
+            <a:endParaRPr b="0" lang="en-US" sz="1800" spc="-1" strike="noStrike">
+              <a:solidFill>
+                <a:srgbClr val="000000"/>
+              </a:solidFill>
+              <a:uFill>
+                <a:solidFill>
+                  <a:srgbClr val="ffffff"/>
+                </a:solidFill>
+              </a:uFill>
+              <a:latin typeface="Arial"/>
+            </a:endParaRPr>
+          </a:p>
+        </p:txBody>
+      </p:sp>
+      <p:sp>
+        <p:nvSpPr>
+          <p:cNvPr id="96" name="CustomShape 4"/>
+          <p:cNvSpPr/>
           <p:nvPr/>
         </p:nvSpPr>
         <p:spPr>
           <a:xfrm>
             <a:off x="274320" y="6234840"/>
-            <a:ext cx="4480560" cy="1171800"/>
+            <a:ext cx="4480200" cy="1171440"/>
           </a:xfrm>
           <a:prstGeom prst="rect">
             <a:avLst/>
@@ -4344,6 +6629,12 @@
             <a:noFill/>
           </a:ln>
         </p:spPr>
+        <p:style>
+          <a:lnRef idx="0"/>
+          <a:fillRef idx="0"/>
+          <a:effectRef idx="0"/>
+          <a:fontRef idx="minor"/>
+        </p:style>
         <p:txBody>
           <a:bodyPr lIns="0" rIns="0" tIns="0" bIns="0"/>
           <a:p>
@@ -4361,7 +6652,7 @@
               </a:rPr>
               <a:t>Get organizations to tell their members </a:t>
             </a:r>
-            <a:endParaRPr b="0" lang="en-US" sz="3200" spc="-1" strike="noStrike">
+            <a:endParaRPr b="0" lang="en-US" sz="1800" spc="-1" strike="noStrike">
               <a:solidFill>
                 <a:srgbClr val="000000"/>
               </a:solidFill>
@@ -4377,7 +6668,7 @@
       </p:sp>
       <p:pic>
         <p:nvPicPr>
-          <p:cNvPr id="62" name="" descr=""/>
+          <p:cNvPr id="97" name="" descr=""/>
           <p:cNvPicPr/>
           <p:nvPr/>
         </p:nvPicPr>
@@ -4388,7 +6679,7 @@
         <p:spPr>
           <a:xfrm>
             <a:off x="4846320" y="3052080"/>
-            <a:ext cx="5136840" cy="4043160"/>
+            <a:ext cx="5136480" cy="4042800"/>
           </a:xfrm>
           <a:prstGeom prst="rect">
             <a:avLst/>
@@ -4449,14 +6740,14 @@
       </p:grpSpPr>
       <p:sp>
         <p:nvSpPr>
-          <p:cNvPr id="63" name="TextShape 1"/>
-          <p:cNvSpPr txBox="1"/>
+          <p:cNvPr id="98" name="CustomShape 1"/>
+          <p:cNvSpPr/>
           <p:nvPr/>
         </p:nvSpPr>
         <p:spPr>
           <a:xfrm>
             <a:off x="504000" y="301320"/>
-            <a:ext cx="9071640" cy="1262160"/>
+            <a:ext cx="9071280" cy="1261800"/>
           </a:xfrm>
           <a:prstGeom prst="rect">
             <a:avLst/>
@@ -4466,6 +6757,12 @@
             <a:noFill/>
           </a:ln>
         </p:spPr>
+        <p:style>
+          <a:lnRef idx="0"/>
+          <a:fillRef idx="0"/>
+          <a:effectRef idx="0"/>
+          <a:fontRef idx="minor"/>
+        </p:style>
         <p:txBody>
           <a:bodyPr lIns="0" rIns="0" tIns="0" bIns="0" anchor="ctr"/>
           <a:p>
@@ -4497,30 +6794,30 @@
               </a:rPr>
               <a:t>(for fans)</a:t>
             </a:r>
-            <a:endParaRPr b="1" lang="en-US" sz="4400" spc="-1" strike="noStrike">
-              <a:solidFill>
-                <a:srgbClr val="3c2154"/>
-              </a:solidFill>
-              <a:uFill>
-                <a:solidFill>
-                  <a:srgbClr val="ffffff"/>
-                </a:solidFill>
-              </a:uFill>
-              <a:latin typeface="Verdana"/>
-            </a:endParaRPr>
-          </a:p>
-        </p:txBody>
-      </p:sp>
-      <p:sp>
-        <p:nvSpPr>
-          <p:cNvPr id="64" name="TextShape 2"/>
-          <p:cNvSpPr txBox="1"/>
+            <a:endParaRPr b="0" lang="en-US" sz="1800" spc="-1" strike="noStrike">
+              <a:solidFill>
+                <a:srgbClr val="000000"/>
+              </a:solidFill>
+              <a:uFill>
+                <a:solidFill>
+                  <a:srgbClr val="ffffff"/>
+                </a:solidFill>
+              </a:uFill>
+              <a:latin typeface="Arial"/>
+            </a:endParaRPr>
+          </a:p>
+        </p:txBody>
+      </p:sp>
+      <p:sp>
+        <p:nvSpPr>
+          <p:cNvPr id="99" name="CustomShape 2"/>
+          <p:cNvSpPr/>
           <p:nvPr/>
         </p:nvSpPr>
         <p:spPr>
           <a:xfrm>
             <a:off x="163440" y="1769040"/>
-            <a:ext cx="9071640" cy="4384440"/>
+            <a:ext cx="9071280" cy="4384080"/>
           </a:xfrm>
           <a:prstGeom prst="rect">
             <a:avLst/>
@@ -4530,6 +6827,12 @@
             <a:noFill/>
           </a:ln>
         </p:spPr>
+        <p:style>
+          <a:lnRef idx="0"/>
+          <a:fillRef idx="0"/>
+          <a:effectRef idx="0"/>
+          <a:fontRef idx="minor"/>
+        </p:style>
         <p:txBody>
           <a:bodyPr lIns="0" rIns="0" tIns="0" bIns="0"/>
           <a:p>
@@ -4547,20 +6850,20 @@
               </a:rPr>
               <a:t>Fan goes to author or org page</a:t>
             </a:r>
-            <a:endParaRPr b="0" lang="en-US" sz="3200" spc="-1" strike="noStrike">
-              <a:solidFill>
-                <a:srgbClr val="000000"/>
-              </a:solidFill>
-              <a:uFill>
-                <a:solidFill>
-                  <a:srgbClr val="ffffff"/>
-                </a:solidFill>
-              </a:uFill>
-              <a:latin typeface="Arial"/>
-            </a:endParaRPr>
-          </a:p>
-          <a:p>
-            <a:endParaRPr b="0" lang="en-US" sz="3200" spc="-1" strike="noStrike">
+            <a:endParaRPr b="0" lang="en-US" sz="1800" spc="-1" strike="noStrike">
+              <a:solidFill>
+                <a:srgbClr val="000000"/>
+              </a:solidFill>
+              <a:uFill>
+                <a:solidFill>
+                  <a:srgbClr val="ffffff"/>
+                </a:solidFill>
+              </a:uFill>
+              <a:latin typeface="Arial"/>
+            </a:endParaRPr>
+          </a:p>
+          <a:p>
+            <a:endParaRPr b="0" lang="en-US" sz="1800" spc="-1" strike="noStrike">
               <a:solidFill>
                 <a:srgbClr val="000000"/>
               </a:solidFill>
@@ -4587,20 +6890,20 @@
               </a:rPr>
               <a:t>Selects perk to purchase</a:t>
             </a:r>
-            <a:endParaRPr b="0" lang="en-US" sz="3200" spc="-1" strike="noStrike">
-              <a:solidFill>
-                <a:srgbClr val="000000"/>
-              </a:solidFill>
-              <a:uFill>
-                <a:solidFill>
-                  <a:srgbClr val="ffffff"/>
-                </a:solidFill>
-              </a:uFill>
-              <a:latin typeface="Arial"/>
-            </a:endParaRPr>
-          </a:p>
-          <a:p>
-            <a:endParaRPr b="0" lang="en-US" sz="3200" spc="-1" strike="noStrike">
+            <a:endParaRPr b="0" lang="en-US" sz="1800" spc="-1" strike="noStrike">
+              <a:solidFill>
+                <a:srgbClr val="000000"/>
+              </a:solidFill>
+              <a:uFill>
+                <a:solidFill>
+                  <a:srgbClr val="ffffff"/>
+                </a:solidFill>
+              </a:uFill>
+              <a:latin typeface="Arial"/>
+            </a:endParaRPr>
+          </a:p>
+          <a:p>
+            <a:endParaRPr b="0" lang="en-US" sz="1800" spc="-1" strike="noStrike">
               <a:solidFill>
                 <a:srgbClr val="000000"/>
               </a:solidFill>
@@ -4627,7 +6930,7 @@
               </a:rPr>
               <a:t>Author sends perk asap</a:t>
             </a:r>
-            <a:endParaRPr b="0" lang="en-US" sz="3200" spc="-1" strike="noStrike">
+            <a:endParaRPr b="0" lang="en-US" sz="1800" spc="-1" strike="noStrike">
               <a:solidFill>
                 <a:srgbClr val="000000"/>
               </a:solidFill>
@@ -4654,20 +6957,20 @@
               </a:rPr>
               <a:t> </a:t>
             </a:r>
-            <a:endParaRPr b="0" lang="en-US" sz="3200" spc="-1" strike="noStrike">
-              <a:solidFill>
-                <a:srgbClr val="000000"/>
-              </a:solidFill>
-              <a:uFill>
-                <a:solidFill>
-                  <a:srgbClr val="ffffff"/>
-                </a:solidFill>
-              </a:uFill>
-              <a:latin typeface="Arial"/>
-            </a:endParaRPr>
-          </a:p>
-          <a:p>
-            <a:endParaRPr b="0" lang="en-US" sz="3200" spc="-1" strike="noStrike">
+            <a:endParaRPr b="0" lang="en-US" sz="1800" spc="-1" strike="noStrike">
+              <a:solidFill>
+                <a:srgbClr val="000000"/>
+              </a:solidFill>
+              <a:uFill>
+                <a:solidFill>
+                  <a:srgbClr val="ffffff"/>
+                </a:solidFill>
+              </a:uFill>
+              <a:latin typeface="Arial"/>
+            </a:endParaRPr>
+          </a:p>
+          <a:p>
+            <a:endParaRPr b="0" lang="en-US" sz="1800" spc="-1" strike="noStrike">
               <a:solidFill>
                 <a:srgbClr val="000000"/>
               </a:solidFill>
@@ -4683,7 +6986,7 @@
       </p:sp>
       <p:pic>
         <p:nvPicPr>
-          <p:cNvPr id="65" name="" descr=""/>
+          <p:cNvPr id="100" name="" descr=""/>
           <p:cNvPicPr/>
           <p:nvPr/>
         </p:nvPicPr>
@@ -4694,7 +6997,7 @@
         <p:spPr>
           <a:xfrm>
             <a:off x="7513920" y="4679280"/>
-            <a:ext cx="1904400" cy="1904400"/>
+            <a:ext cx="1904040" cy="1904040"/>
           </a:xfrm>
           <a:prstGeom prst="rect">
             <a:avLst/>
@@ -4755,14 +7058,14 @@
       </p:grpSpPr>
       <p:sp>
         <p:nvSpPr>
-          <p:cNvPr id="66" name="TextShape 1"/>
-          <p:cNvSpPr txBox="1"/>
+          <p:cNvPr id="101" name="CustomShape 1"/>
+          <p:cNvSpPr/>
           <p:nvPr/>
         </p:nvSpPr>
         <p:spPr>
           <a:xfrm>
             <a:off x="504000" y="301320"/>
-            <a:ext cx="7817040" cy="887400"/>
+            <a:ext cx="7816680" cy="887040"/>
           </a:xfrm>
           <a:prstGeom prst="rect">
             <a:avLst/>
@@ -4772,6 +7075,12 @@
             <a:noFill/>
           </a:ln>
         </p:spPr>
+        <p:style>
+          <a:lnRef idx="0"/>
+          <a:fillRef idx="0"/>
+          <a:effectRef idx="0"/>
+          <a:fontRef idx="minor"/>
+        </p:style>
         <p:txBody>
           <a:bodyPr lIns="0" rIns="0" tIns="0" bIns="0" anchor="ctr"/>
           <a:p>
@@ -4789,30 +7098,30 @@
               </a:rPr>
               <a:t>Business Model</a:t>
             </a:r>
-            <a:endParaRPr b="1" lang="en-US" sz="4400" spc="-1" strike="noStrike">
-              <a:solidFill>
-                <a:srgbClr val="3c2154"/>
-              </a:solidFill>
-              <a:uFill>
-                <a:solidFill>
-                  <a:srgbClr val="ffffff"/>
-                </a:solidFill>
-              </a:uFill>
-              <a:latin typeface="Verdana"/>
-            </a:endParaRPr>
-          </a:p>
-        </p:txBody>
-      </p:sp>
-      <p:sp>
-        <p:nvSpPr>
-          <p:cNvPr id="67" name="TextShape 2"/>
-          <p:cNvSpPr txBox="1"/>
+            <a:endParaRPr b="0" lang="en-US" sz="1800" spc="-1" strike="noStrike">
+              <a:solidFill>
+                <a:srgbClr val="000000"/>
+              </a:solidFill>
+              <a:uFill>
+                <a:solidFill>
+                  <a:srgbClr val="ffffff"/>
+                </a:solidFill>
+              </a:uFill>
+              <a:latin typeface="Arial"/>
+            </a:endParaRPr>
+          </a:p>
+        </p:txBody>
+      </p:sp>
+      <p:sp>
+        <p:nvSpPr>
+          <p:cNvPr id="102" name="CustomShape 2"/>
+          <p:cNvSpPr/>
           <p:nvPr/>
         </p:nvSpPr>
         <p:spPr>
           <a:xfrm>
             <a:off x="914400" y="1463040"/>
-            <a:ext cx="7314840" cy="5680440"/>
+            <a:ext cx="7314480" cy="5680080"/>
           </a:xfrm>
           <a:prstGeom prst="rect">
             <a:avLst/>
@@ -4822,10 +7131,20 @@
             <a:noFill/>
           </a:ln>
         </p:spPr>
+        <p:style>
+          <a:lnRef idx="0"/>
+          <a:fillRef idx="0"/>
+          <a:effectRef idx="0"/>
+          <a:fontRef idx="minor"/>
+        </p:style>
         <p:txBody>
           <a:bodyPr lIns="0" rIns="0" tIns="0" bIns="0"/>
           <a:p>
-            <a:pPr algn="ctr"/>
+            <a:pPr algn="ctr">
+              <a:lnSpc>
+                <a:spcPct val="100000"/>
+              </a:lnSpc>
+            </a:pPr>
             <a:r>
               <a:rPr b="0" lang="en-US" sz="3200" spc="-1" strike="noStrike">
                 <a:solidFill>
@@ -4840,19 +7159,24 @@
               </a:rPr>
               <a:t>We take 5% commission.</a:t>
             </a:r>
-            <a:endParaRPr b="0" lang="en-US" sz="3200" spc="-1" strike="noStrike">
-              <a:solidFill>
-                <a:srgbClr val="000000"/>
-              </a:solidFill>
-              <a:uFill>
-                <a:solidFill>
-                  <a:srgbClr val="ffffff"/>
-                </a:solidFill>
-              </a:uFill>
-              <a:latin typeface="Arial"/>
-            </a:endParaRPr>
-          </a:p>
-          <a:p>
+            <a:endParaRPr b="0" lang="en-US" sz="1800" spc="-1" strike="noStrike">
+              <a:solidFill>
+                <a:srgbClr val="000000"/>
+              </a:solidFill>
+              <a:uFill>
+                <a:solidFill>
+                  <a:srgbClr val="ffffff"/>
+                </a:solidFill>
+              </a:uFill>
+              <a:latin typeface="Arial"/>
+            </a:endParaRPr>
+          </a:p>
+          <a:p>
+            <a:pPr>
+              <a:lnSpc>
+                <a:spcPct val="100000"/>
+              </a:lnSpc>
+            </a:pPr>
             <a:r>
               <a:rPr b="0" lang="en-US" sz="1600" spc="-1" strike="noStrike">
                 <a:solidFill>
@@ -4867,19 +7191,24 @@
               </a:rPr>
               <a:t> </a:t>
             </a:r>
-            <a:endParaRPr b="0" lang="en-US" sz="3200" spc="-1" strike="noStrike">
-              <a:solidFill>
-                <a:srgbClr val="000000"/>
-              </a:solidFill>
-              <a:uFill>
-                <a:solidFill>
-                  <a:srgbClr val="ffffff"/>
-                </a:solidFill>
-              </a:uFill>
-              <a:latin typeface="Arial"/>
-            </a:endParaRPr>
-          </a:p>
-          <a:p>
+            <a:endParaRPr b="0" lang="en-US" sz="1800" spc="-1" strike="noStrike">
+              <a:solidFill>
+                <a:srgbClr val="000000"/>
+              </a:solidFill>
+              <a:uFill>
+                <a:solidFill>
+                  <a:srgbClr val="ffffff"/>
+                </a:solidFill>
+              </a:uFill>
+              <a:latin typeface="Arial"/>
+            </a:endParaRPr>
+          </a:p>
+          <a:p>
+            <a:pPr>
+              <a:lnSpc>
+                <a:spcPct val="100000"/>
+              </a:lnSpc>
+            </a:pPr>
             <a:r>
               <a:rPr b="0" lang="en-US" sz="3200" spc="-1" strike="noStrike">
                 <a:solidFill>
@@ -4894,19 +7223,24 @@
               </a:rPr>
               <a:t>Future extra fees for:</a:t>
             </a:r>
-            <a:endParaRPr b="0" lang="en-US" sz="3200" spc="-1" strike="noStrike">
-              <a:solidFill>
-                <a:srgbClr val="000000"/>
-              </a:solidFill>
-              <a:uFill>
-                <a:solidFill>
-                  <a:srgbClr val="ffffff"/>
-                </a:solidFill>
-              </a:uFill>
-              <a:latin typeface="Arial"/>
-            </a:endParaRPr>
-          </a:p>
-          <a:p>
+            <a:endParaRPr b="0" lang="en-US" sz="1800" spc="-1" strike="noStrike">
+              <a:solidFill>
+                <a:srgbClr val="000000"/>
+              </a:solidFill>
+              <a:uFill>
+                <a:solidFill>
+                  <a:srgbClr val="ffffff"/>
+                </a:solidFill>
+              </a:uFill>
+              <a:latin typeface="Arial"/>
+            </a:endParaRPr>
+          </a:p>
+          <a:p>
+            <a:pPr>
+              <a:lnSpc>
+                <a:spcPct val="100000"/>
+              </a:lnSpc>
+            </a:pPr>
             <a:r>
               <a:rPr b="0" lang="en-US" sz="1600" spc="-1" strike="noStrike">
                 <a:solidFill>
@@ -4921,19 +7255,24 @@
               </a:rPr>
               <a:t> </a:t>
             </a:r>
-            <a:endParaRPr b="0" lang="en-US" sz="3200" spc="-1" strike="noStrike">
-              <a:solidFill>
-                <a:srgbClr val="000000"/>
-              </a:solidFill>
-              <a:uFill>
-                <a:solidFill>
-                  <a:srgbClr val="ffffff"/>
-                </a:solidFill>
-              </a:uFill>
-              <a:latin typeface="Arial"/>
-            </a:endParaRPr>
-          </a:p>
-          <a:p>
+            <a:endParaRPr b="0" lang="en-US" sz="1800" spc="-1" strike="noStrike">
+              <a:solidFill>
+                <a:srgbClr val="000000"/>
+              </a:solidFill>
+              <a:uFill>
+                <a:solidFill>
+                  <a:srgbClr val="ffffff"/>
+                </a:solidFill>
+              </a:uFill>
+              <a:latin typeface="Arial"/>
+            </a:endParaRPr>
+          </a:p>
+          <a:p>
+            <a:pPr>
+              <a:lnSpc>
+                <a:spcPct val="100000"/>
+              </a:lnSpc>
+            </a:pPr>
             <a:r>
               <a:rPr b="0" i="1" lang="en-US" sz="2400" spc="-1" strike="noStrike">
                 <a:solidFill>
@@ -4962,19 +7301,24 @@
               </a:rPr>
               <a:t>:</a:t>
             </a:r>
-            <a:endParaRPr b="0" lang="en-US" sz="1200" spc="-1" strike="noStrike">
-              <a:solidFill>
-                <a:srgbClr val="000000"/>
-              </a:solidFill>
-              <a:uFill>
-                <a:solidFill>
-                  <a:srgbClr val="ffffff"/>
-                </a:solidFill>
-              </a:uFill>
-              <a:latin typeface="Arial"/>
-            </a:endParaRPr>
-          </a:p>
-          <a:p>
+            <a:endParaRPr b="0" lang="en-US" sz="1800" spc="-1" strike="noStrike">
+              <a:solidFill>
+                <a:srgbClr val="000000"/>
+              </a:solidFill>
+              <a:uFill>
+                <a:solidFill>
+                  <a:srgbClr val="ffffff"/>
+                </a:solidFill>
+              </a:uFill>
+              <a:latin typeface="Arial"/>
+            </a:endParaRPr>
+          </a:p>
+          <a:p>
+            <a:pPr>
+              <a:lnSpc>
+                <a:spcPct val="100000"/>
+              </a:lnSpc>
+            </a:pPr>
             <a:r>
               <a:rPr b="0" lang="en-US" sz="2400" spc="-1" strike="noStrike">
                 <a:solidFill>
@@ -4989,19 +7333,24 @@
               </a:rPr>
               <a:t>Get featured in sidebars, home page </a:t>
             </a:r>
-            <a:endParaRPr b="0" lang="en-US" sz="1200" spc="-1" strike="noStrike">
-              <a:solidFill>
-                <a:srgbClr val="000000"/>
-              </a:solidFill>
-              <a:uFill>
-                <a:solidFill>
-                  <a:srgbClr val="ffffff"/>
-                </a:solidFill>
-              </a:uFill>
-              <a:latin typeface="Arial"/>
-            </a:endParaRPr>
-          </a:p>
-          <a:p>
+            <a:endParaRPr b="0" lang="en-US" sz="1800" spc="-1" strike="noStrike">
+              <a:solidFill>
+                <a:srgbClr val="000000"/>
+              </a:solidFill>
+              <a:uFill>
+                <a:solidFill>
+                  <a:srgbClr val="ffffff"/>
+                </a:solidFill>
+              </a:uFill>
+              <a:latin typeface="Arial"/>
+            </a:endParaRPr>
+          </a:p>
+          <a:p>
+            <a:pPr>
+              <a:lnSpc>
+                <a:spcPct val="100000"/>
+              </a:lnSpc>
+            </a:pPr>
             <a:r>
               <a:rPr b="0" lang="en-US" sz="2400" spc="-1" strike="noStrike">
                 <a:solidFill>
@@ -5016,19 +7365,24 @@
               </a:rPr>
               <a:t>Livestreaming</a:t>
             </a:r>
-            <a:endParaRPr b="0" lang="en-US" sz="1200" spc="-1" strike="noStrike">
-              <a:solidFill>
-                <a:srgbClr val="000000"/>
-              </a:solidFill>
-              <a:uFill>
-                <a:solidFill>
-                  <a:srgbClr val="ffffff"/>
-                </a:solidFill>
-              </a:uFill>
-              <a:latin typeface="Arial"/>
-            </a:endParaRPr>
-          </a:p>
-          <a:p>
+            <a:endParaRPr b="0" lang="en-US" sz="1800" spc="-1" strike="noStrike">
+              <a:solidFill>
+                <a:srgbClr val="000000"/>
+              </a:solidFill>
+              <a:uFill>
+                <a:solidFill>
+                  <a:srgbClr val="ffffff"/>
+                </a:solidFill>
+              </a:uFill>
+              <a:latin typeface="Arial"/>
+            </a:endParaRPr>
+          </a:p>
+          <a:p>
+            <a:pPr>
+              <a:lnSpc>
+                <a:spcPct val="100000"/>
+              </a:lnSpc>
+            </a:pPr>
             <a:r>
               <a:rPr b="0" lang="en-US" sz="2400" spc="-1" strike="noStrike">
                 <a:solidFill>
@@ -5043,19 +7397,24 @@
               </a:rPr>
               <a:t>Maintaining fan email notifications</a:t>
             </a:r>
-            <a:endParaRPr b="0" lang="en-US" sz="1200" spc="-1" strike="noStrike">
-              <a:solidFill>
-                <a:srgbClr val="000000"/>
-              </a:solidFill>
-              <a:uFill>
-                <a:solidFill>
-                  <a:srgbClr val="ffffff"/>
-                </a:solidFill>
-              </a:uFill>
-              <a:latin typeface="Arial"/>
-            </a:endParaRPr>
-          </a:p>
-          <a:p>
+            <a:endParaRPr b="0" lang="en-US" sz="1800" spc="-1" strike="noStrike">
+              <a:solidFill>
+                <a:srgbClr val="000000"/>
+              </a:solidFill>
+              <a:uFill>
+                <a:solidFill>
+                  <a:srgbClr val="ffffff"/>
+                </a:solidFill>
+              </a:uFill>
+              <a:latin typeface="Arial"/>
+            </a:endParaRPr>
+          </a:p>
+          <a:p>
+            <a:pPr>
+              <a:lnSpc>
+                <a:spcPct val="100000"/>
+              </a:lnSpc>
+            </a:pPr>
             <a:r>
               <a:rPr b="0" lang="en-US" sz="2400" spc="-1" strike="noStrike">
                 <a:solidFill>
@@ -5070,32 +7429,42 @@
               </a:rPr>
               <a:t>Event rsvps </a:t>
             </a:r>
-            <a:endParaRPr b="0" lang="en-US" sz="1200" spc="-1" strike="noStrike">
-              <a:solidFill>
-                <a:srgbClr val="000000"/>
-              </a:solidFill>
-              <a:uFill>
-                <a:solidFill>
-                  <a:srgbClr val="ffffff"/>
-                </a:solidFill>
-              </a:uFill>
-              <a:latin typeface="Arial"/>
-            </a:endParaRPr>
-          </a:p>
-          <a:p>
-            <a:endParaRPr b="0" lang="en-US" sz="1200" spc="-1" strike="noStrike">
-              <a:solidFill>
-                <a:srgbClr val="000000"/>
-              </a:solidFill>
-              <a:uFill>
-                <a:solidFill>
-                  <a:srgbClr val="ffffff"/>
-                </a:solidFill>
-              </a:uFill>
-              <a:latin typeface="Arial"/>
-            </a:endParaRPr>
-          </a:p>
-          <a:p>
+            <a:endParaRPr b="0" lang="en-US" sz="1800" spc="-1" strike="noStrike">
+              <a:solidFill>
+                <a:srgbClr val="000000"/>
+              </a:solidFill>
+              <a:uFill>
+                <a:solidFill>
+                  <a:srgbClr val="ffffff"/>
+                </a:solidFill>
+              </a:uFill>
+              <a:latin typeface="Arial"/>
+            </a:endParaRPr>
+          </a:p>
+          <a:p>
+            <a:pPr>
+              <a:lnSpc>
+                <a:spcPct val="100000"/>
+              </a:lnSpc>
+            </a:pPr>
+            <a:endParaRPr b="0" lang="en-US" sz="1800" spc="-1" strike="noStrike">
+              <a:solidFill>
+                <a:srgbClr val="000000"/>
+              </a:solidFill>
+              <a:uFill>
+                <a:solidFill>
+                  <a:srgbClr val="ffffff"/>
+                </a:solidFill>
+              </a:uFill>
+              <a:latin typeface="Arial"/>
+            </a:endParaRPr>
+          </a:p>
+          <a:p>
+            <a:pPr>
+              <a:lnSpc>
+                <a:spcPct val="100000"/>
+              </a:lnSpc>
+            </a:pPr>
             <a:r>
               <a:rPr b="0" i="1" lang="en-US" sz="2400" spc="-1" strike="noStrike">
                 <a:solidFill>
@@ -5124,19 +7493,24 @@
               </a:rPr>
               <a:t>:</a:t>
             </a:r>
-            <a:endParaRPr b="0" lang="en-US" sz="1200" spc="-1" strike="noStrike">
-              <a:solidFill>
-                <a:srgbClr val="000000"/>
-              </a:solidFill>
-              <a:uFill>
-                <a:solidFill>
-                  <a:srgbClr val="ffffff"/>
-                </a:solidFill>
-              </a:uFill>
-              <a:latin typeface="Arial"/>
-            </a:endParaRPr>
-          </a:p>
-          <a:p>
+            <a:endParaRPr b="0" lang="en-US" sz="1800" spc="-1" strike="noStrike">
+              <a:solidFill>
+                <a:srgbClr val="000000"/>
+              </a:solidFill>
+              <a:uFill>
+                <a:solidFill>
+                  <a:srgbClr val="ffffff"/>
+                </a:solidFill>
+              </a:uFill>
+              <a:latin typeface="Arial"/>
+            </a:endParaRPr>
+          </a:p>
+          <a:p>
+            <a:pPr>
+              <a:lnSpc>
+                <a:spcPct val="100000"/>
+              </a:lnSpc>
+            </a:pPr>
             <a:r>
               <a:rPr b="0" lang="en-US" sz="2400" spc="-1" strike="noStrike">
                 <a:solidFill>
@@ -5151,19 +7525,24 @@
               </a:rPr>
               <a:t>Premium content</a:t>
             </a:r>
-            <a:endParaRPr b="0" lang="en-US" sz="1200" spc="-1" strike="noStrike">
-              <a:solidFill>
-                <a:srgbClr val="000000"/>
-              </a:solidFill>
-              <a:uFill>
-                <a:solidFill>
-                  <a:srgbClr val="ffffff"/>
-                </a:solidFill>
-              </a:uFill>
-              <a:latin typeface="Arial"/>
-            </a:endParaRPr>
-          </a:p>
-          <a:p>
+            <a:endParaRPr b="0" lang="en-US" sz="1800" spc="-1" strike="noStrike">
+              <a:solidFill>
+                <a:srgbClr val="000000"/>
+              </a:solidFill>
+              <a:uFill>
+                <a:solidFill>
+                  <a:srgbClr val="ffffff"/>
+                </a:solidFill>
+              </a:uFill>
+              <a:latin typeface="Arial"/>
+            </a:endParaRPr>
+          </a:p>
+          <a:p>
+            <a:pPr>
+              <a:lnSpc>
+                <a:spcPct val="100000"/>
+              </a:lnSpc>
+            </a:pPr>
             <a:r>
               <a:rPr b="0" lang="en-US" sz="2400" spc="-1" strike="noStrike">
                 <a:solidFill>
@@ -5178,19 +7557,24 @@
               </a:rPr>
               <a:t>Featured reviews</a:t>
             </a:r>
-            <a:endParaRPr b="0" lang="en-US" sz="1200" spc="-1" strike="noStrike">
-              <a:solidFill>
-                <a:srgbClr val="000000"/>
-              </a:solidFill>
-              <a:uFill>
-                <a:solidFill>
-                  <a:srgbClr val="ffffff"/>
-                </a:solidFill>
-              </a:uFill>
-              <a:latin typeface="Arial"/>
-            </a:endParaRPr>
-          </a:p>
-          <a:p>
+            <a:endParaRPr b="0" lang="en-US" sz="1800" spc="-1" strike="noStrike">
+              <a:solidFill>
+                <a:srgbClr val="000000"/>
+              </a:solidFill>
+              <a:uFill>
+                <a:solidFill>
+                  <a:srgbClr val="ffffff"/>
+                </a:solidFill>
+              </a:uFill>
+              <a:latin typeface="Arial"/>
+            </a:endParaRPr>
+          </a:p>
+          <a:p>
+            <a:pPr>
+              <a:lnSpc>
+                <a:spcPct val="100000"/>
+              </a:lnSpc>
+            </a:pPr>
             <a:r>
               <a:rPr b="0" lang="en-US" sz="2400" spc="-1" strike="noStrike">
                 <a:solidFill>
@@ -5219,20 +7603,25 @@
               </a:rPr>
               <a:t> </a:t>
             </a:r>
-            <a:endParaRPr b="0" lang="en-US" sz="3200" spc="-1" strike="noStrike">
-              <a:solidFill>
-                <a:srgbClr val="000000"/>
-              </a:solidFill>
-              <a:uFill>
-                <a:solidFill>
-                  <a:srgbClr val="ffffff"/>
-                </a:solidFill>
-              </a:uFill>
-              <a:latin typeface="Arial"/>
-            </a:endParaRPr>
-          </a:p>
-          <a:p>
-            <a:endParaRPr b="0" lang="en-US" sz="3200" spc="-1" strike="noStrike">
+            <a:endParaRPr b="0" lang="en-US" sz="1800" spc="-1" strike="noStrike">
+              <a:solidFill>
+                <a:srgbClr val="000000"/>
+              </a:solidFill>
+              <a:uFill>
+                <a:solidFill>
+                  <a:srgbClr val="ffffff"/>
+                </a:solidFill>
+              </a:uFill>
+              <a:latin typeface="Arial"/>
+            </a:endParaRPr>
+          </a:p>
+          <a:p>
+            <a:pPr>
+              <a:lnSpc>
+                <a:spcPct val="100000"/>
+              </a:lnSpc>
+            </a:pPr>
+            <a:endParaRPr b="0" lang="en-US" sz="1800" spc="-1" strike="noStrike">
               <a:solidFill>
                 <a:srgbClr val="000000"/>
               </a:solidFill>
@@ -5248,7 +7637,7 @@
       </p:sp>
       <p:pic>
         <p:nvPicPr>
-          <p:cNvPr id="68" name="" descr=""/>
+          <p:cNvPr id="103" name="" descr=""/>
           <p:cNvPicPr/>
           <p:nvPr/>
         </p:nvPicPr>
@@ -5259,7 +7648,7 @@
         <p:spPr>
           <a:xfrm>
             <a:off x="7513920" y="4679280"/>
-            <a:ext cx="1904400" cy="1904400"/>
+            <a:ext cx="1904040" cy="1904040"/>
           </a:xfrm>
           <a:prstGeom prst="rect">
             <a:avLst/>
@@ -5320,14 +7709,14 @@
       </p:grpSpPr>
       <p:sp>
         <p:nvSpPr>
-          <p:cNvPr id="69" name="TextShape 1"/>
-          <p:cNvSpPr txBox="1"/>
+          <p:cNvPr id="104" name="CustomShape 1"/>
+          <p:cNvSpPr/>
           <p:nvPr/>
         </p:nvSpPr>
         <p:spPr>
           <a:xfrm>
             <a:off x="457200" y="118440"/>
-            <a:ext cx="7817040" cy="887400"/>
+            <a:ext cx="7816680" cy="887040"/>
           </a:xfrm>
           <a:prstGeom prst="rect">
             <a:avLst/>
@@ -5337,6 +7726,12 @@
             <a:noFill/>
           </a:ln>
         </p:spPr>
+        <p:style>
+          <a:lnRef idx="0"/>
+          <a:fillRef idx="0"/>
+          <a:effectRef idx="0"/>
+          <a:fontRef idx="minor"/>
+        </p:style>
         <p:txBody>
           <a:bodyPr lIns="0" rIns="0" tIns="0" bIns="0" anchor="ctr"/>
           <a:p>
@@ -5354,23 +7749,23 @@
               </a:rPr>
               <a:t>Market Adoption</a:t>
             </a:r>
-            <a:endParaRPr b="1" lang="en-US" sz="4400" spc="-1" strike="noStrike">
-              <a:solidFill>
-                <a:srgbClr val="3c2154"/>
-              </a:solidFill>
-              <a:uFill>
-                <a:solidFill>
-                  <a:srgbClr val="ffffff"/>
-                </a:solidFill>
-              </a:uFill>
-              <a:latin typeface="Verdana"/>
+            <a:endParaRPr b="0" lang="en-US" sz="1800" spc="-1" strike="noStrike">
+              <a:solidFill>
+                <a:srgbClr val="000000"/>
+              </a:solidFill>
+              <a:uFill>
+                <a:solidFill>
+                  <a:srgbClr val="ffffff"/>
+                </a:solidFill>
+              </a:uFill>
+              <a:latin typeface="Arial"/>
             </a:endParaRPr>
           </a:p>
         </p:txBody>
       </p:sp>
       <p:pic>
         <p:nvPicPr>
-          <p:cNvPr id="70" name="" descr=""/>
+          <p:cNvPr id="105" name="" descr=""/>
           <p:cNvPicPr/>
           <p:nvPr/>
         </p:nvPicPr>
@@ -5381,7 +7776,7 @@
         <p:spPr>
           <a:xfrm>
             <a:off x="7605360" y="5655600"/>
-            <a:ext cx="1904400" cy="1904400"/>
+            <a:ext cx="1904040" cy="1904040"/>
           </a:xfrm>
           <a:prstGeom prst="rect">
             <a:avLst/>
@@ -5393,14 +7788,14 @@
       </p:pic>
       <p:sp>
         <p:nvSpPr>
-          <p:cNvPr id="71" name="TextShape 2"/>
-          <p:cNvSpPr txBox="1"/>
+          <p:cNvPr id="106" name="CustomShape 2"/>
+          <p:cNvSpPr/>
           <p:nvPr/>
         </p:nvSpPr>
         <p:spPr>
           <a:xfrm>
             <a:off x="4846320" y="6353280"/>
-            <a:ext cx="3034080" cy="988200"/>
+            <a:ext cx="3033720" cy="987840"/>
           </a:xfrm>
           <a:prstGeom prst="rect">
             <a:avLst/>
@@ -5410,10 +7805,20 @@
             <a:noFill/>
           </a:ln>
         </p:spPr>
+        <p:style>
+          <a:lnRef idx="0"/>
+          <a:fillRef idx="0"/>
+          <a:effectRef idx="0"/>
+          <a:fontRef idx="minor"/>
+        </p:style>
         <p:txBody>
           <a:bodyPr lIns="0" rIns="0" tIns="0" bIns="0"/>
           <a:p>
-            <a:pPr algn="ctr"/>
+            <a:pPr algn="ctr">
+              <a:lnSpc>
+                <a:spcPct val="100000"/>
+              </a:lnSpc>
+            </a:pPr>
             <a:r>
               <a:rPr b="0" lang="en-US" sz="3200" spc="-1" strike="noStrike">
                 <a:solidFill>
@@ -5428,19 +7833,24 @@
               </a:rPr>
               <a:t>1200 </a:t>
             </a:r>
-            <a:endParaRPr b="0" lang="en-US" sz="3200" spc="-1" strike="noStrike">
-              <a:solidFill>
-                <a:srgbClr val="000000"/>
-              </a:solidFill>
-              <a:uFill>
-                <a:solidFill>
-                  <a:srgbClr val="ffffff"/>
-                </a:solidFill>
-              </a:uFill>
-              <a:latin typeface="Arial"/>
-            </a:endParaRPr>
-          </a:p>
-          <a:p>
+            <a:endParaRPr b="0" lang="en-US" sz="1800" spc="-1" strike="noStrike">
+              <a:solidFill>
+                <a:srgbClr val="000000"/>
+              </a:solidFill>
+              <a:uFill>
+                <a:solidFill>
+                  <a:srgbClr val="ffffff"/>
+                </a:solidFill>
+              </a:uFill>
+              <a:latin typeface="Arial"/>
+            </a:endParaRPr>
+          </a:p>
+          <a:p>
+            <a:pPr>
+              <a:lnSpc>
+                <a:spcPct val="100000"/>
+              </a:lnSpc>
+            </a:pPr>
             <a:r>
               <a:rPr b="0" lang="en-US" sz="3200" spc="-1" strike="noStrike">
                 <a:solidFill>
@@ -5455,30 +7865,30 @@
               </a:rPr>
               <a:t>existing users</a:t>
             </a:r>
-            <a:endParaRPr b="0" lang="en-US" sz="3200" spc="-1" strike="noStrike">
-              <a:solidFill>
-                <a:srgbClr val="000000"/>
-              </a:solidFill>
-              <a:uFill>
-                <a:solidFill>
-                  <a:srgbClr val="ffffff"/>
-                </a:solidFill>
-              </a:uFill>
-              <a:latin typeface="Arial"/>
-            </a:endParaRPr>
-          </a:p>
-        </p:txBody>
-      </p:sp>
-      <p:sp>
-        <p:nvSpPr>
-          <p:cNvPr id="72" name="CustomShape 3"/>
+            <a:endParaRPr b="0" lang="en-US" sz="1800" spc="-1" strike="noStrike">
+              <a:solidFill>
+                <a:srgbClr val="000000"/>
+              </a:solidFill>
+              <a:uFill>
+                <a:solidFill>
+                  <a:srgbClr val="ffffff"/>
+                </a:solidFill>
+              </a:uFill>
+              <a:latin typeface="Arial"/>
+            </a:endParaRPr>
+          </a:p>
+        </p:txBody>
+      </p:sp>
+      <p:sp>
+        <p:nvSpPr>
+          <p:cNvPr id="107" name="CustomShape 3"/>
           <p:cNvSpPr/>
           <p:nvPr/>
         </p:nvSpPr>
         <p:spPr>
           <a:xfrm>
             <a:off x="182880" y="1103040"/>
-            <a:ext cx="2743200" cy="1737360"/>
+            <a:ext cx="2742840" cy="1737000"/>
           </a:xfrm>
           <a:prstGeom prst="rect">
             <a:avLst/>
@@ -5501,14 +7911,14 @@
       </p:sp>
       <p:sp>
         <p:nvSpPr>
-          <p:cNvPr id="73" name="TextShape 4"/>
-          <p:cNvSpPr txBox="1"/>
+          <p:cNvPr id="108" name="CustomShape 4"/>
+          <p:cNvSpPr/>
           <p:nvPr/>
         </p:nvSpPr>
         <p:spPr>
           <a:xfrm>
             <a:off x="346320" y="1194480"/>
-            <a:ext cx="2488320" cy="1482120"/>
+            <a:ext cx="2487960" cy="1481760"/>
           </a:xfrm>
           <a:prstGeom prst="rect">
             <a:avLst/>
@@ -5518,10 +7928,20 @@
             <a:noFill/>
           </a:ln>
         </p:spPr>
+        <p:style>
+          <a:lnRef idx="0"/>
+          <a:fillRef idx="0"/>
+          <a:effectRef idx="0"/>
+          <a:fontRef idx="minor"/>
+        </p:style>
         <p:txBody>
           <a:bodyPr lIns="0" rIns="0" tIns="0" bIns="0"/>
           <a:p>
-            <a:pPr algn="ctr"/>
+            <a:pPr algn="ctr">
+              <a:lnSpc>
+                <a:spcPct val="100000"/>
+              </a:lnSpc>
+            </a:pPr>
             <a:r>
               <a:rPr b="0" lang="en-US" sz="3200" spc="-1" strike="noStrike">
                 <a:solidFill>
@@ -5536,19 +7956,24 @@
               </a:rPr>
               <a:t>Work with authors </a:t>
             </a:r>
-            <a:endParaRPr b="0" lang="en-US" sz="3200" spc="-1" strike="noStrike">
-              <a:solidFill>
-                <a:srgbClr val="ffffff"/>
-              </a:solidFill>
-              <a:uFill>
-                <a:solidFill>
-                  <a:srgbClr val="ffffff"/>
-                </a:solidFill>
-              </a:uFill>
-              <a:latin typeface="Arial"/>
-            </a:endParaRPr>
-          </a:p>
-          <a:p>
+            <a:endParaRPr b="0" lang="en-US" sz="1800" spc="-1" strike="noStrike">
+              <a:solidFill>
+                <a:srgbClr val="000000"/>
+              </a:solidFill>
+              <a:uFill>
+                <a:solidFill>
+                  <a:srgbClr val="ffffff"/>
+                </a:solidFill>
+              </a:uFill>
+              <a:latin typeface="Arial"/>
+            </a:endParaRPr>
+          </a:p>
+          <a:p>
+            <a:pPr>
+              <a:lnSpc>
+                <a:spcPct val="100000"/>
+              </a:lnSpc>
+            </a:pPr>
             <a:r>
               <a:rPr b="0" lang="en-US" sz="3200" spc="-1" strike="noStrike">
                 <a:solidFill>
@@ -5563,9 +7988,9 @@
               </a:rPr>
               <a:t>that I know</a:t>
             </a:r>
-            <a:endParaRPr b="0" lang="en-US" sz="3200" spc="-1" strike="noStrike">
-              <a:solidFill>
-                <a:srgbClr val="ffffff"/>
+            <a:endParaRPr b="0" lang="en-US" sz="1800" spc="-1" strike="noStrike">
+              <a:solidFill>
+                <a:srgbClr val="000000"/>
               </a:solidFill>
               <a:uFill>
                 <a:solidFill>
@@ -5579,7 +8004,7 @@
       </p:sp>
       <p:pic>
         <p:nvPicPr>
-          <p:cNvPr id="74" name="" descr=""/>
+          <p:cNvPr id="109" name="" descr=""/>
           <p:cNvPicPr/>
           <p:nvPr/>
         </p:nvPicPr>
@@ -5590,7 +8015,7 @@
         <p:spPr>
           <a:xfrm>
             <a:off x="1737360" y="3954960"/>
-            <a:ext cx="5394960" cy="1805760"/>
+            <a:ext cx="5394600" cy="1805400"/>
           </a:xfrm>
           <a:prstGeom prst="rect">
             <a:avLst/>
@@ -5602,14 +8027,14 @@
       </p:pic>
       <p:sp>
         <p:nvSpPr>
-          <p:cNvPr id="75" name="TextShape 5"/>
-          <p:cNvSpPr txBox="1"/>
+          <p:cNvPr id="110" name="CustomShape 5"/>
+          <p:cNvSpPr/>
           <p:nvPr/>
         </p:nvSpPr>
         <p:spPr>
           <a:xfrm>
             <a:off x="2468880" y="2926080"/>
-            <a:ext cx="3931920" cy="1188720"/>
+            <a:ext cx="3931560" cy="1188360"/>
           </a:xfrm>
           <a:prstGeom prst="rect">
             <a:avLst/>
@@ -5619,10 +8044,20 @@
             <a:noFill/>
           </a:ln>
         </p:spPr>
+        <p:style>
+          <a:lnRef idx="0"/>
+          <a:fillRef idx="0"/>
+          <a:effectRef idx="0"/>
+          <a:fontRef idx="minor"/>
+        </p:style>
         <p:txBody>
           <a:bodyPr lIns="0" rIns="0" tIns="0" bIns="0"/>
           <a:p>
-            <a:pPr algn="ctr"/>
+            <a:pPr algn="ctr">
+              <a:lnSpc>
+                <a:spcPct val="100000"/>
+              </a:lnSpc>
+            </a:pPr>
             <a:r>
               <a:rPr b="0" lang="en-US" sz="3200" spc="-1" strike="noStrike">
                 <a:solidFill>
@@ -5637,7 +8072,7 @@
               </a:rPr>
               <a:t>Lisa’s 80s Catholic High School Movie</a:t>
             </a:r>
-            <a:endParaRPr b="0" lang="en-US" sz="3200" spc="-1" strike="noStrike">
+            <a:endParaRPr b="0" lang="en-US" sz="1800" spc="-1" strike="noStrike">
               <a:solidFill>
                 <a:srgbClr val="000000"/>
               </a:solidFill>
@@ -5904,4 +8339,227 @@
     </a:fmtScheme>
   </a:themeElements>
 </a:theme>
+</file>
+
+<file path=ppt/theme/theme2.xml><?xml version="1.0" encoding="utf-8"?>
+<a:theme xmlns:a="http://schemas.openxmlformats.org/drawingml/2006/main" name="Office Theme">
+  <a:themeElements>
+    <a:clrScheme name="Office">
+      <a:dk1>
+        <a:sysClr val="windowText" lastClr="000000"/>
+      </a:dk1>
+      <a:lt1>
+        <a:sysClr val="window" lastClr="FFFFFF"/>
+      </a:lt1>
+      <a:dk2>
+        <a:srgbClr val="1F497D"/>
+      </a:dk2>
+      <a:lt2>
+        <a:srgbClr val="EEECE1"/>
+      </a:lt2>
+      <a:accent1>
+        <a:srgbClr val="4F81BD"/>
+      </a:accent1>
+      <a:accent2>
+        <a:srgbClr val="C0504D"/>
+      </a:accent2>
+      <a:accent3>
+        <a:srgbClr val="9BBB59"/>
+      </a:accent3>
+      <a:accent4>
+        <a:srgbClr val="8064A2"/>
+      </a:accent4>
+      <a:accent5>
+        <a:srgbClr val="4BACC6"/>
+      </a:accent5>
+      <a:accent6>
+        <a:srgbClr val="F79646"/>
+      </a:accent6>
+      <a:hlink>
+        <a:srgbClr val="0000FF"/>
+      </a:hlink>
+      <a:folHlink>
+        <a:srgbClr val="800080"/>
+      </a:folHlink>
+    </a:clrScheme>
+    <a:fontScheme name="Office">
+      <a:majorFont>
+        <a:latin typeface="Arial"/>
+        <a:ea typeface="DejaVu Sans"/>
+        <a:cs typeface="DejaVu Sans"/>
+      </a:majorFont>
+      <a:minorFont>
+        <a:latin typeface="Arial"/>
+        <a:ea typeface="DejaVu Sans"/>
+        <a:cs typeface="DejaVu Sans"/>
+      </a:minorFont>
+    </a:fontScheme>
+    <a:fmtScheme name="Office">
+      <a:fillStyleLst>
+        <a:solidFill>
+          <a:schemeClr val="phClr"/>
+        </a:solidFill>
+        <a:gradFill rotWithShape="1">
+          <a:gsLst>
+            <a:gs pos="0">
+              <a:schemeClr val="phClr">
+                <a:tint val="50000"/>
+                <a:satMod val="300000"/>
+              </a:schemeClr>
+            </a:gs>
+            <a:gs pos="35000">
+              <a:schemeClr val="phClr">
+                <a:tint val="37000"/>
+                <a:satMod val="300000"/>
+              </a:schemeClr>
+            </a:gs>
+            <a:gs pos="100000">
+              <a:schemeClr val="phClr">
+                <a:tint val="15000"/>
+                <a:satMod val="350000"/>
+              </a:schemeClr>
+            </a:gs>
+          </a:gsLst>
+          <a:lin ang="16200000" scaled="1"/>
+        </a:gradFill>
+        <a:gradFill rotWithShape="1">
+          <a:gsLst>
+            <a:gs pos="0">
+              <a:schemeClr val="phClr">
+                <a:shade val="51000"/>
+                <a:satMod val="130000"/>
+              </a:schemeClr>
+            </a:gs>
+            <a:gs pos="80000">
+              <a:schemeClr val="phClr">
+                <a:shade val="93000"/>
+                <a:satMod val="130000"/>
+              </a:schemeClr>
+            </a:gs>
+            <a:gs pos="100000">
+              <a:schemeClr val="phClr">
+                <a:shade val="94000"/>
+                <a:satMod val="135000"/>
+              </a:schemeClr>
+            </a:gs>
+          </a:gsLst>
+          <a:lin ang="16200000" scaled="0"/>
+        </a:gradFill>
+      </a:fillStyleLst>
+      <a:lnStyleLst>
+        <a:ln w="9525" cap="flat" cmpd="sng" algn="ctr">
+          <a:solidFill>
+            <a:schemeClr val="phClr">
+              <a:shade val="95000"/>
+              <a:satMod val="105000"/>
+            </a:schemeClr>
+          </a:solidFill>
+          <a:prstDash val="solid"/>
+        </a:ln>
+        <a:ln w="25400" cap="flat" cmpd="sng" algn="ctr">
+          <a:solidFill>
+            <a:schemeClr val="phClr"/>
+          </a:solidFill>
+          <a:prstDash val="solid"/>
+        </a:ln>
+        <a:ln w="38100" cap="flat" cmpd="sng" algn="ctr">
+          <a:solidFill>
+            <a:schemeClr val="phClr"/>
+          </a:solidFill>
+          <a:prstDash val="solid"/>
+        </a:ln>
+      </a:lnStyleLst>
+      <a:effectStyleLst>
+        <a:effectStyle>
+          <a:effectLst>
+            <a:outerShdw blurRad="40000" dist="20000" dir="5400000" rotWithShape="0">
+              <a:srgbClr val="000000">
+                <a:alpha val="38000"/>
+              </a:srgbClr>
+            </a:outerShdw>
+          </a:effectLst>
+        </a:effectStyle>
+        <a:effectStyle>
+          <a:effectLst>
+            <a:outerShdw blurRad="40000" dist="23000" dir="5400000" rotWithShape="0">
+              <a:srgbClr val="000000">
+                <a:alpha val="35000"/>
+              </a:srgbClr>
+            </a:outerShdw>
+          </a:effectLst>
+        </a:effectStyle>
+        <a:effectStyle>
+          <a:effectLst>
+            <a:outerShdw blurRad="40000" dist="23000" dir="5400000" rotWithShape="0">
+              <a:srgbClr val="000000">
+                <a:alpha val="35000"/>
+              </a:srgbClr>
+            </a:outerShdw>
+          </a:effectLst>
+          <a:scene3d>
+            <a:camera prst="orthographicFront">
+              <a:rot lat="0" lon="0" rev="0"/>
+            </a:camera>
+            <a:lightRig rig="threePt" dir="t">
+              <a:rot lat="0" lon="0" rev="1200000"/>
+            </a:lightRig>
+          </a:scene3d>
+          <a:sp3d>
+            <a:bevelT w="63500" h="25400"/>
+          </a:sp3d>
+        </a:effectStyle>
+      </a:effectStyleLst>
+      <a:bgFillStyleLst>
+        <a:solidFill>
+          <a:schemeClr val="phClr"/>
+        </a:solidFill>
+        <a:gradFill rotWithShape="1">
+          <a:gsLst>
+            <a:gs pos="0">
+              <a:schemeClr val="phClr">
+                <a:tint val="40000"/>
+                <a:satMod val="350000"/>
+              </a:schemeClr>
+            </a:gs>
+            <a:gs pos="40000">
+              <a:schemeClr val="phClr">
+                <a:tint val="45000"/>
+                <a:shade val="99000"/>
+                <a:satMod val="350000"/>
+              </a:schemeClr>
+            </a:gs>
+            <a:gs pos="100000">
+              <a:schemeClr val="phClr">
+                <a:shade val="20000"/>
+                <a:satMod val="255000"/>
+              </a:schemeClr>
+            </a:gs>
+          </a:gsLst>
+          <a:path path="circle">
+            <a:fillToRect l="50000" t="-80000" r="50000" b="180000"/>
+          </a:path>
+        </a:gradFill>
+        <a:gradFill rotWithShape="1">
+          <a:gsLst>
+            <a:gs pos="0">
+              <a:schemeClr val="phClr">
+                <a:tint val="80000"/>
+                <a:satMod val="300000"/>
+              </a:schemeClr>
+            </a:gs>
+            <a:gs pos="100000">
+              <a:schemeClr val="phClr">
+                <a:shade val="30000"/>
+                <a:satMod val="200000"/>
+              </a:schemeClr>
+            </a:gs>
+          </a:gsLst>
+          <a:path path="circle">
+            <a:fillToRect l="50000" t="50000" r="50000" b="50000"/>
+          </a:path>
+        </a:gradFill>
+      </a:bgFillStyleLst>
+    </a:fmtScheme>
+  </a:themeElements>
+</a:theme>
 </file>
--- a/public/pitchSlides.pptx
+++ b/public/pitchSlides.pptx
@@ -75,7 +75,7 @@
         <p:spPr>
           <a:xfrm>
             <a:off x="504000" y="301320"/>
-            <a:ext cx="9071280" cy="1261800"/>
+            <a:ext cx="9072000" cy="1261800"/>
           </a:xfrm>
           <a:prstGeom prst="rect">
             <a:avLst/>
@@ -206,7 +206,7 @@
         <p:spPr>
           <a:xfrm>
             <a:off x="504000" y="301320"/>
-            <a:ext cx="9071280" cy="1261800"/>
+            <a:ext cx="9072000" cy="1261800"/>
           </a:xfrm>
           <a:prstGeom prst="rect">
             <a:avLst/>
@@ -409,7 +409,7 @@
         <p:spPr>
           <a:xfrm>
             <a:off x="504000" y="301320"/>
-            <a:ext cx="9071280" cy="1261800"/>
+            <a:ext cx="9072000" cy="1261800"/>
           </a:xfrm>
           <a:prstGeom prst="rect">
             <a:avLst/>
@@ -597,7 +597,7 @@
       </p:grpSpPr>
       <p:sp>
         <p:nvSpPr>
-          <p:cNvPr id="40" name="PlaceHolder 1"/>
+          <p:cNvPr id="38" name="PlaceHolder 1"/>
           <p:cNvSpPr>
             <a:spLocks noGrp="1"/>
           </p:cNvSpPr>
@@ -608,7 +608,7 @@
         <p:spPr>
           <a:xfrm>
             <a:off x="504000" y="301320"/>
-            <a:ext cx="9071280" cy="1261800"/>
+            <a:ext cx="9072000" cy="1261800"/>
           </a:xfrm>
           <a:prstGeom prst="rect">
             <a:avLst/>
@@ -634,7 +634,7 @@
       </p:sp>
       <p:sp>
         <p:nvSpPr>
-          <p:cNvPr id="41" name="PlaceHolder 2"/>
+          <p:cNvPr id="39" name="PlaceHolder 2"/>
           <p:cNvSpPr>
             <a:spLocks noGrp="1"/>
           </p:cNvSpPr>
@@ -693,7 +693,7 @@
       </p:grpSpPr>
       <p:sp>
         <p:nvSpPr>
-          <p:cNvPr id="42" name="PlaceHolder 1"/>
+          <p:cNvPr id="40" name="PlaceHolder 1"/>
           <p:cNvSpPr>
             <a:spLocks noGrp="1"/>
           </p:cNvSpPr>
@@ -704,7 +704,7 @@
         <p:spPr>
           <a:xfrm>
             <a:off x="504000" y="301320"/>
-            <a:ext cx="9071280" cy="1261800"/>
+            <a:ext cx="9072000" cy="1261800"/>
           </a:xfrm>
           <a:prstGeom prst="rect">
             <a:avLst/>
@@ -730,7 +730,7 @@
       </p:sp>
       <p:sp>
         <p:nvSpPr>
-          <p:cNvPr id="43" name="PlaceHolder 2"/>
+          <p:cNvPr id="41" name="PlaceHolder 2"/>
           <p:cNvSpPr>
             <a:spLocks noGrp="1"/>
           </p:cNvSpPr>
@@ -788,7 +788,7 @@
       </p:grpSpPr>
       <p:sp>
         <p:nvSpPr>
-          <p:cNvPr id="44" name="PlaceHolder 1"/>
+          <p:cNvPr id="42" name="PlaceHolder 1"/>
           <p:cNvSpPr>
             <a:spLocks noGrp="1"/>
           </p:cNvSpPr>
@@ -799,7 +799,7 @@
         <p:spPr>
           <a:xfrm>
             <a:off x="504000" y="301320"/>
-            <a:ext cx="9071280" cy="1261800"/>
+            <a:ext cx="9072000" cy="1261800"/>
           </a:xfrm>
           <a:prstGeom prst="rect">
             <a:avLst/>
@@ -825,7 +825,7 @@
       </p:sp>
       <p:sp>
         <p:nvSpPr>
-          <p:cNvPr id="45" name="PlaceHolder 2"/>
+          <p:cNvPr id="43" name="PlaceHolder 2"/>
           <p:cNvSpPr>
             <a:spLocks noGrp="1"/>
           </p:cNvSpPr>
@@ -861,7 +861,7 @@
       </p:sp>
       <p:sp>
         <p:nvSpPr>
-          <p:cNvPr id="46" name="PlaceHolder 3"/>
+          <p:cNvPr id="44" name="PlaceHolder 3"/>
           <p:cNvSpPr>
             <a:spLocks noGrp="1"/>
           </p:cNvSpPr>
@@ -919,7 +919,7 @@
       </p:grpSpPr>
       <p:sp>
         <p:nvSpPr>
-          <p:cNvPr id="47" name="PlaceHolder 1"/>
+          <p:cNvPr id="45" name="PlaceHolder 1"/>
           <p:cNvSpPr>
             <a:spLocks noGrp="1"/>
           </p:cNvSpPr>
@@ -930,7 +930,7 @@
         <p:spPr>
           <a:xfrm>
             <a:off x="504000" y="301320"/>
-            <a:ext cx="9071280" cy="1261800"/>
+            <a:ext cx="9072000" cy="1261800"/>
           </a:xfrm>
           <a:prstGeom prst="rect">
             <a:avLst/>
@@ -978,7 +978,7 @@
       </p:grpSpPr>
       <p:sp>
         <p:nvSpPr>
-          <p:cNvPr id="48" name="PlaceHolder 1"/>
+          <p:cNvPr id="46" name="PlaceHolder 1"/>
           <p:cNvSpPr>
             <a:spLocks noGrp="1"/>
           </p:cNvSpPr>
@@ -989,7 +989,7 @@
         <p:spPr>
           <a:xfrm>
             <a:off x="504000" y="301320"/>
-            <a:ext cx="9071280" cy="5850360"/>
+            <a:ext cx="9072000" cy="5850360"/>
           </a:xfrm>
           <a:prstGeom prst="rect">
             <a:avLst/>
@@ -1037,7 +1037,7 @@
       </p:grpSpPr>
       <p:sp>
         <p:nvSpPr>
-          <p:cNvPr id="49" name="PlaceHolder 1"/>
+          <p:cNvPr id="47" name="PlaceHolder 1"/>
           <p:cNvSpPr>
             <a:spLocks noGrp="1"/>
           </p:cNvSpPr>
@@ -1048,7 +1048,7 @@
         <p:spPr>
           <a:xfrm>
             <a:off x="504000" y="301320"/>
-            <a:ext cx="9071280" cy="1261800"/>
+            <a:ext cx="9072000" cy="1261800"/>
           </a:xfrm>
           <a:prstGeom prst="rect">
             <a:avLst/>
@@ -1074,7 +1074,7 @@
       </p:sp>
       <p:sp>
         <p:nvSpPr>
-          <p:cNvPr id="50" name="PlaceHolder 2"/>
+          <p:cNvPr id="48" name="PlaceHolder 2"/>
           <p:cNvSpPr>
             <a:spLocks noGrp="1"/>
           </p:cNvSpPr>
@@ -1110,7 +1110,7 @@
       </p:sp>
       <p:sp>
         <p:nvSpPr>
-          <p:cNvPr id="51" name="PlaceHolder 3"/>
+          <p:cNvPr id="49" name="PlaceHolder 3"/>
           <p:cNvSpPr>
             <a:spLocks noGrp="1"/>
           </p:cNvSpPr>
@@ -1146,7 +1146,7 @@
       </p:sp>
       <p:sp>
         <p:nvSpPr>
-          <p:cNvPr id="52" name="PlaceHolder 4"/>
+          <p:cNvPr id="50" name="PlaceHolder 4"/>
           <p:cNvSpPr>
             <a:spLocks noGrp="1"/>
           </p:cNvSpPr>
@@ -1215,7 +1215,7 @@
         <p:spPr>
           <a:xfrm>
             <a:off x="504000" y="301320"/>
-            <a:ext cx="9071280" cy="1261800"/>
+            <a:ext cx="9072000" cy="1261800"/>
           </a:xfrm>
           <a:prstGeom prst="rect">
             <a:avLst/>
@@ -1300,7 +1300,7 @@
       </p:grpSpPr>
       <p:sp>
         <p:nvSpPr>
-          <p:cNvPr id="53" name="PlaceHolder 1"/>
+          <p:cNvPr id="51" name="PlaceHolder 1"/>
           <p:cNvSpPr>
             <a:spLocks noGrp="1"/>
           </p:cNvSpPr>
@@ -1311,7 +1311,7 @@
         <p:spPr>
           <a:xfrm>
             <a:off x="504000" y="301320"/>
-            <a:ext cx="9071280" cy="1261800"/>
+            <a:ext cx="9072000" cy="1261800"/>
           </a:xfrm>
           <a:prstGeom prst="rect">
             <a:avLst/>
@@ -1337,7 +1337,7 @@
       </p:sp>
       <p:sp>
         <p:nvSpPr>
-          <p:cNvPr id="54" name="PlaceHolder 2"/>
+          <p:cNvPr id="52" name="PlaceHolder 2"/>
           <p:cNvSpPr>
             <a:spLocks noGrp="1"/>
           </p:cNvSpPr>
@@ -1373,7 +1373,7 @@
       </p:sp>
       <p:sp>
         <p:nvSpPr>
-          <p:cNvPr id="55" name="PlaceHolder 3"/>
+          <p:cNvPr id="53" name="PlaceHolder 3"/>
           <p:cNvSpPr>
             <a:spLocks noGrp="1"/>
           </p:cNvSpPr>
@@ -1409,7 +1409,7 @@
       </p:sp>
       <p:sp>
         <p:nvSpPr>
-          <p:cNvPr id="56" name="PlaceHolder 4"/>
+          <p:cNvPr id="54" name="PlaceHolder 4"/>
           <p:cNvSpPr>
             <a:spLocks noGrp="1"/>
           </p:cNvSpPr>
@@ -1467,7 +1467,7 @@
       </p:grpSpPr>
       <p:sp>
         <p:nvSpPr>
-          <p:cNvPr id="57" name="PlaceHolder 1"/>
+          <p:cNvPr id="55" name="PlaceHolder 1"/>
           <p:cNvSpPr>
             <a:spLocks noGrp="1"/>
           </p:cNvSpPr>
@@ -1478,7 +1478,7 @@
         <p:spPr>
           <a:xfrm>
             <a:off x="504000" y="301320"/>
-            <a:ext cx="9071280" cy="1261800"/>
+            <a:ext cx="9072000" cy="1261800"/>
           </a:xfrm>
           <a:prstGeom prst="rect">
             <a:avLst/>
@@ -1504,7 +1504,7 @@
       </p:sp>
       <p:sp>
         <p:nvSpPr>
-          <p:cNvPr id="58" name="PlaceHolder 2"/>
+          <p:cNvPr id="56" name="PlaceHolder 2"/>
           <p:cNvSpPr>
             <a:spLocks noGrp="1"/>
           </p:cNvSpPr>
@@ -1540,7 +1540,7 @@
       </p:sp>
       <p:sp>
         <p:nvSpPr>
-          <p:cNvPr id="59" name="PlaceHolder 3"/>
+          <p:cNvPr id="57" name="PlaceHolder 3"/>
           <p:cNvSpPr>
             <a:spLocks noGrp="1"/>
           </p:cNvSpPr>
@@ -1576,7 +1576,7 @@
       </p:sp>
       <p:sp>
         <p:nvSpPr>
-          <p:cNvPr id="60" name="PlaceHolder 4"/>
+          <p:cNvPr id="58" name="PlaceHolder 4"/>
           <p:cNvSpPr>
             <a:spLocks noGrp="1"/>
           </p:cNvSpPr>
@@ -1634,7 +1634,7 @@
       </p:grpSpPr>
       <p:sp>
         <p:nvSpPr>
-          <p:cNvPr id="61" name="PlaceHolder 1"/>
+          <p:cNvPr id="59" name="PlaceHolder 1"/>
           <p:cNvSpPr>
             <a:spLocks noGrp="1"/>
           </p:cNvSpPr>
@@ -1645,7 +1645,7 @@
         <p:spPr>
           <a:xfrm>
             <a:off x="504000" y="301320"/>
-            <a:ext cx="9071280" cy="1261800"/>
+            <a:ext cx="9072000" cy="1261800"/>
           </a:xfrm>
           <a:prstGeom prst="rect">
             <a:avLst/>
@@ -1671,7 +1671,7 @@
       </p:sp>
       <p:sp>
         <p:nvSpPr>
-          <p:cNvPr id="62" name="PlaceHolder 2"/>
+          <p:cNvPr id="60" name="PlaceHolder 2"/>
           <p:cNvSpPr>
             <a:spLocks noGrp="1"/>
           </p:cNvSpPr>
@@ -1707,7 +1707,7 @@
       </p:sp>
       <p:sp>
         <p:nvSpPr>
-          <p:cNvPr id="63" name="PlaceHolder 3"/>
+          <p:cNvPr id="61" name="PlaceHolder 3"/>
           <p:cNvSpPr>
             <a:spLocks noGrp="1"/>
           </p:cNvSpPr>
@@ -1765,7 +1765,7 @@
       </p:grpSpPr>
       <p:sp>
         <p:nvSpPr>
-          <p:cNvPr id="64" name="PlaceHolder 1"/>
+          <p:cNvPr id="62" name="PlaceHolder 1"/>
           <p:cNvSpPr>
             <a:spLocks noGrp="1"/>
           </p:cNvSpPr>
@@ -1776,7 +1776,7 @@
         <p:spPr>
           <a:xfrm>
             <a:off x="504000" y="301320"/>
-            <a:ext cx="9071280" cy="1261800"/>
+            <a:ext cx="9072000" cy="1261800"/>
           </a:xfrm>
           <a:prstGeom prst="rect">
             <a:avLst/>
@@ -1802,7 +1802,7 @@
       </p:sp>
       <p:sp>
         <p:nvSpPr>
-          <p:cNvPr id="65" name="PlaceHolder 2"/>
+          <p:cNvPr id="63" name="PlaceHolder 2"/>
           <p:cNvSpPr>
             <a:spLocks noGrp="1"/>
           </p:cNvSpPr>
@@ -1838,7 +1838,7 @@
       </p:sp>
       <p:sp>
         <p:nvSpPr>
-          <p:cNvPr id="66" name="PlaceHolder 3"/>
+          <p:cNvPr id="64" name="PlaceHolder 3"/>
           <p:cNvSpPr>
             <a:spLocks noGrp="1"/>
           </p:cNvSpPr>
@@ -1874,7 +1874,7 @@
       </p:sp>
       <p:sp>
         <p:nvSpPr>
-          <p:cNvPr id="67" name="PlaceHolder 4"/>
+          <p:cNvPr id="65" name="PlaceHolder 4"/>
           <p:cNvSpPr>
             <a:spLocks noGrp="1"/>
           </p:cNvSpPr>
@@ -1910,7 +1910,7 @@
       </p:sp>
       <p:sp>
         <p:nvSpPr>
-          <p:cNvPr id="68" name="PlaceHolder 5"/>
+          <p:cNvPr id="66" name="PlaceHolder 5"/>
           <p:cNvSpPr>
             <a:spLocks noGrp="1"/>
           </p:cNvSpPr>
@@ -1968,7 +1968,7 @@
       </p:grpSpPr>
       <p:sp>
         <p:nvSpPr>
-          <p:cNvPr id="69" name="PlaceHolder 1"/>
+          <p:cNvPr id="67" name="PlaceHolder 1"/>
           <p:cNvSpPr>
             <a:spLocks noGrp="1"/>
           </p:cNvSpPr>
@@ -1979,7 +1979,7 @@
         <p:spPr>
           <a:xfrm>
             <a:off x="504000" y="301320"/>
-            <a:ext cx="9071280" cy="1261800"/>
+            <a:ext cx="9072000" cy="1261800"/>
           </a:xfrm>
           <a:prstGeom prst="rect">
             <a:avLst/>
@@ -2005,7 +2005,7 @@
       </p:sp>
       <p:sp>
         <p:nvSpPr>
-          <p:cNvPr id="70" name="PlaceHolder 2"/>
+          <p:cNvPr id="68" name="PlaceHolder 2"/>
           <p:cNvSpPr>
             <a:spLocks noGrp="1"/>
           </p:cNvSpPr>
@@ -2041,7 +2041,7 @@
       </p:sp>
       <p:sp>
         <p:nvSpPr>
-          <p:cNvPr id="71" name="PlaceHolder 3"/>
+          <p:cNvPr id="69" name="PlaceHolder 3"/>
           <p:cNvSpPr>
             <a:spLocks noGrp="1"/>
           </p:cNvSpPr>
@@ -2077,7 +2077,7 @@
       </p:sp>
       <p:pic>
         <p:nvPicPr>
-          <p:cNvPr id="72" name="" descr=""/>
+          <p:cNvPr id="70" name="" descr=""/>
           <p:cNvPicPr/>
           <p:nvPr/>
         </p:nvPicPr>
@@ -2100,7 +2100,7 @@
       </p:pic>
       <p:pic>
         <p:nvPicPr>
-          <p:cNvPr id="73" name="" descr=""/>
+          <p:cNvPr id="71" name="" descr=""/>
           <p:cNvPicPr/>
           <p:nvPr/>
         </p:nvPicPr>
@@ -2156,7 +2156,7 @@
         <p:spPr>
           <a:xfrm>
             <a:off x="504000" y="301320"/>
-            <a:ext cx="9071280" cy="1261800"/>
+            <a:ext cx="9072000" cy="1261800"/>
           </a:xfrm>
           <a:prstGeom prst="rect">
             <a:avLst/>
@@ -2251,7 +2251,7 @@
         <p:spPr>
           <a:xfrm>
             <a:off x="504000" y="301320"/>
-            <a:ext cx="9071280" cy="1261800"/>
+            <a:ext cx="9072000" cy="1261800"/>
           </a:xfrm>
           <a:prstGeom prst="rect">
             <a:avLst/>
@@ -2382,7 +2382,7 @@
         <p:spPr>
           <a:xfrm>
             <a:off x="504000" y="301320"/>
-            <a:ext cx="9071280" cy="1261800"/>
+            <a:ext cx="9072000" cy="1261800"/>
           </a:xfrm>
           <a:prstGeom prst="rect">
             <a:avLst/>
@@ -2441,7 +2441,7 @@
         <p:spPr>
           <a:xfrm>
             <a:off x="504000" y="301320"/>
-            <a:ext cx="9071280" cy="5850360"/>
+            <a:ext cx="9072000" cy="5850360"/>
           </a:xfrm>
           <a:prstGeom prst="rect">
             <a:avLst/>
@@ -2500,7 +2500,7 @@
         <p:spPr>
           <a:xfrm>
             <a:off x="504000" y="301320"/>
-            <a:ext cx="9071280" cy="1261800"/>
+            <a:ext cx="9072000" cy="1261800"/>
           </a:xfrm>
           <a:prstGeom prst="rect">
             <a:avLst/>
@@ -2667,7 +2667,7 @@
         <p:spPr>
           <a:xfrm>
             <a:off x="504000" y="301320"/>
-            <a:ext cx="9071280" cy="1261800"/>
+            <a:ext cx="9072000" cy="1261800"/>
           </a:xfrm>
           <a:prstGeom prst="rect">
             <a:avLst/>
@@ -2834,7 +2834,7 @@
         <p:spPr>
           <a:xfrm>
             <a:off x="504000" y="301320"/>
-            <a:ext cx="9071280" cy="1261800"/>
+            <a:ext cx="9072000" cy="1261800"/>
           </a:xfrm>
           <a:prstGeom prst="rect">
             <a:avLst/>
@@ -3001,7 +3001,7 @@
         <p:spPr>
           <a:xfrm>
             <a:off x="504000" y="301320"/>
-            <a:ext cx="9071280" cy="1261800"/>
+            <a:ext cx="9072000" cy="1261800"/>
           </a:xfrm>
           <a:prstGeom prst="rect">
             <a:avLst/>
@@ -3011,6 +3011,20 @@
           <a:bodyPr lIns="0" rIns="0" tIns="0" bIns="0" anchor="ctr"/>
           <a:p>
             <a:pPr algn="ctr"/>
+            <a:r>
+              <a:rPr b="0" lang="en-US" sz="4400" spc="-1" strike="noStrike">
+                <a:solidFill>
+                  <a:srgbClr val="000000"/>
+                </a:solidFill>
+                <a:uFill>
+                  <a:solidFill>
+                    <a:srgbClr val="ffffff"/>
+                  </a:solidFill>
+                </a:uFill>
+                <a:latin typeface="Arial"/>
+              </a:rPr>
+              <a:t>Click to edit the title text format</a:t>
+            </a:r>
             <a:endParaRPr b="0" lang="en-US" sz="4400" spc="-1" strike="noStrike">
               <a:solidFill>
                 <a:srgbClr val="000000"/>
@@ -3343,7 +3357,7 @@
         <p:spPr>
           <a:xfrm>
             <a:off x="504000" y="301320"/>
-            <a:ext cx="9071280" cy="1261800"/>
+            <a:ext cx="9072000" cy="1261800"/>
           </a:xfrm>
           <a:prstGeom prst="rect">
             <a:avLst/>
@@ -3353,6 +3367,20 @@
           <a:bodyPr lIns="0" rIns="0" tIns="0" bIns="0" anchor="ctr"/>
           <a:p>
             <a:pPr algn="ctr"/>
+            <a:r>
+              <a:rPr b="0" lang="en-US" sz="4400" spc="-1" strike="noStrike">
+                <a:solidFill>
+                  <a:srgbClr val="000000"/>
+                </a:solidFill>
+                <a:uFill>
+                  <a:solidFill>
+                    <a:srgbClr val="ffffff"/>
+                  </a:solidFill>
+                </a:uFill>
+                <a:latin typeface="Arial"/>
+              </a:rPr>
+              <a:t>Click to edit the title text format</a:t>
+            </a:r>
             <a:endParaRPr b="0" lang="en-US" sz="4400" spc="-1" strike="noStrike">
               <a:solidFill>
                 <a:srgbClr val="000000"/>
@@ -3379,8 +3407,8 @@
         </p:nvSpPr>
         <p:spPr>
           <a:xfrm>
-            <a:off x="504000" y="1769040"/>
-            <a:ext cx="4426560" cy="4384080"/>
+            <a:off x="504000" y="1768680"/>
+            <a:ext cx="9072000" cy="4384080"/>
           </a:xfrm>
           <a:prstGeom prst="rect">
             <a:avLst/>
@@ -3398,7 +3426,7 @@
               <a:buChar char=""/>
             </a:pPr>
             <a:r>
-              <a:rPr b="0" lang="en-US" sz="1800" spc="-1" strike="noStrike">
+              <a:rPr b="0" lang="en-US" sz="3200" spc="-1" strike="noStrike">
                 <a:solidFill>
                   <a:srgbClr val="000000"/>
                 </a:solidFill>
@@ -3411,7 +3439,7 @@
               </a:rPr>
               <a:t>Click to edit the outline text format</a:t>
             </a:r>
-            <a:endParaRPr b="0" lang="en-US" sz="1800" spc="-1" strike="noStrike">
+            <a:endParaRPr b="0" lang="en-US" sz="3200" spc="-1" strike="noStrike">
               <a:solidFill>
                 <a:srgbClr val="000000"/>
               </a:solidFill>
@@ -3433,7 +3461,7 @@
               <a:buChar char=""/>
             </a:pPr>
             <a:r>
-              <a:rPr b="0" lang="en-US" sz="1800" spc="-1" strike="noStrike">
+              <a:rPr b="0" lang="en-US" sz="2800" spc="-1" strike="noStrike">
                 <a:solidFill>
                   <a:srgbClr val="000000"/>
                 </a:solidFill>
@@ -3446,7 +3474,7 @@
               </a:rPr>
               <a:t>Second Outline Level</a:t>
             </a:r>
-            <a:endParaRPr b="0" lang="en-US" sz="1800" spc="-1" strike="noStrike">
+            <a:endParaRPr b="0" lang="en-US" sz="2800" spc="-1" strike="noStrike">
               <a:solidFill>
                 <a:srgbClr val="000000"/>
               </a:solidFill>
@@ -3468,7 +3496,7 @@
               <a:buChar char=""/>
             </a:pPr>
             <a:r>
-              <a:rPr b="0" lang="en-US" sz="1800" spc="-1" strike="noStrike">
+              <a:rPr b="0" lang="en-US" sz="2400" spc="-1" strike="noStrike">
                 <a:solidFill>
                   <a:srgbClr val="000000"/>
                 </a:solidFill>
@@ -3481,7 +3509,7 @@
               </a:rPr>
               <a:t>Third Outline Level</a:t>
             </a:r>
-            <a:endParaRPr b="0" lang="en-US" sz="1800" spc="-1" strike="noStrike">
+            <a:endParaRPr b="0" lang="en-US" sz="2400" spc="-1" strike="noStrike">
               <a:solidFill>
                 <a:srgbClr val="000000"/>
               </a:solidFill>
@@ -3503,7 +3531,7 @@
               <a:buChar char=""/>
             </a:pPr>
             <a:r>
-              <a:rPr b="0" lang="en-US" sz="1800" spc="-1" strike="noStrike">
+              <a:rPr b="0" lang="en-US" sz="2000" spc="-1" strike="noStrike">
                 <a:solidFill>
                   <a:srgbClr val="000000"/>
                 </a:solidFill>
@@ -3516,7 +3544,7 @@
               </a:rPr>
               <a:t>Fourth Outline Level</a:t>
             </a:r>
-            <a:endParaRPr b="0" lang="en-US" sz="1800" spc="-1" strike="noStrike">
+            <a:endParaRPr b="0" lang="en-US" sz="2000" spc="-1" strike="noStrike">
               <a:solidFill>
                 <a:srgbClr val="000000"/>
               </a:solidFill>
@@ -3538,7 +3566,7 @@
               <a:buChar char=""/>
             </a:pPr>
             <a:r>
-              <a:rPr b="0" lang="en-US" sz="1800" spc="-1" strike="noStrike">
+              <a:rPr b="0" lang="en-US" sz="2000" spc="-1" strike="noStrike">
                 <a:solidFill>
                   <a:srgbClr val="000000"/>
                 </a:solidFill>
@@ -3551,7 +3579,7 @@
               </a:rPr>
               <a:t>Fifth Outline Level</a:t>
             </a:r>
-            <a:endParaRPr b="0" lang="en-US" sz="1800" spc="-1" strike="noStrike">
+            <a:endParaRPr b="0" lang="en-US" sz="2000" spc="-1" strike="noStrike">
               <a:solidFill>
                 <a:srgbClr val="000000"/>
               </a:solidFill>
@@ -3573,7 +3601,7 @@
               <a:buChar char=""/>
             </a:pPr>
             <a:r>
-              <a:rPr b="0" lang="en-US" sz="1800" spc="-1" strike="noStrike">
+              <a:rPr b="0" lang="en-US" sz="2000" spc="-1" strike="noStrike">
                 <a:solidFill>
                   <a:srgbClr val="000000"/>
                 </a:solidFill>
@@ -3586,7 +3614,7 @@
               </a:rPr>
               <a:t>Sixth Outline Level</a:t>
             </a:r>
-            <a:endParaRPr b="0" lang="en-US" sz="1800" spc="-1" strike="noStrike">
+            <a:endParaRPr b="0" lang="en-US" sz="2000" spc="-1" strike="noStrike">
               <a:solidFill>
                 <a:srgbClr val="000000"/>
               </a:solidFill>
@@ -3608,7 +3636,7 @@
               <a:buChar char=""/>
             </a:pPr>
             <a:r>
-              <a:rPr b="0" lang="en-US" sz="1800" spc="-1" strike="noStrike">
+              <a:rPr b="0" lang="en-US" sz="2000" spc="-1" strike="noStrike">
                 <a:solidFill>
                   <a:srgbClr val="000000"/>
                 </a:solidFill>
@@ -3621,543 +3649,7 @@
               </a:rPr>
               <a:t>Seventh Outline Level</a:t>
             </a:r>
-            <a:endParaRPr b="0" lang="en-US" sz="1800" spc="-1" strike="noStrike">
-              <a:solidFill>
-                <a:srgbClr val="000000"/>
-              </a:solidFill>
-              <a:uFill>
-                <a:solidFill>
-                  <a:srgbClr val="ffffff"/>
-                </a:solidFill>
-              </a:uFill>
-              <a:latin typeface="Arial"/>
-            </a:endParaRPr>
-          </a:p>
-        </p:txBody>
-      </p:sp>
-      <p:sp>
-        <p:nvSpPr>
-          <p:cNvPr id="38" name="PlaceHolder 3"/>
-          <p:cNvSpPr>
-            <a:spLocks noGrp="1"/>
-          </p:cNvSpPr>
-          <p:nvPr>
-            <p:ph type="body"/>
-          </p:nvPr>
-        </p:nvSpPr>
-        <p:spPr>
-          <a:xfrm>
-            <a:off x="5152680" y="1769040"/>
-            <a:ext cx="4426560" cy="2090880"/>
-          </a:xfrm>
-          <a:prstGeom prst="rect">
-            <a:avLst/>
-          </a:prstGeom>
-        </p:spPr>
-        <p:txBody>
-          <a:bodyPr lIns="0" rIns="0" tIns="0" bIns="0"/>
-          <a:p>
-            <a:pPr marL="432000" indent="-324000">
-              <a:buClr>
-                <a:srgbClr val="000000"/>
-              </a:buClr>
-              <a:buSzPct val="45000"/>
-              <a:buFont typeface="Wingdings" charset="2"/>
-              <a:buChar char=""/>
-            </a:pPr>
-            <a:r>
-              <a:rPr b="0" lang="en-US" sz="1800" spc="-1" strike="noStrike">
-                <a:solidFill>
-                  <a:srgbClr val="000000"/>
-                </a:solidFill>
-                <a:uFill>
-                  <a:solidFill>
-                    <a:srgbClr val="ffffff"/>
-                  </a:solidFill>
-                </a:uFill>
-                <a:latin typeface="Arial"/>
-              </a:rPr>
-              <a:t>Click to edit the outline text format</a:t>
-            </a:r>
-            <a:endParaRPr b="0" lang="en-US" sz="1800" spc="-1" strike="noStrike">
-              <a:solidFill>
-                <a:srgbClr val="000000"/>
-              </a:solidFill>
-              <a:uFill>
-                <a:solidFill>
-                  <a:srgbClr val="ffffff"/>
-                </a:solidFill>
-              </a:uFill>
-              <a:latin typeface="Arial"/>
-            </a:endParaRPr>
-          </a:p>
-          <a:p>
-            <a:pPr lvl="1" marL="864000" indent="-324000">
-              <a:buClr>
-                <a:srgbClr val="000000"/>
-              </a:buClr>
-              <a:buSzPct val="75000"/>
-              <a:buFont typeface="Symbol" charset="2"/>
-              <a:buChar char=""/>
-            </a:pPr>
-            <a:r>
-              <a:rPr b="0" lang="en-US" sz="1800" spc="-1" strike="noStrike">
-                <a:solidFill>
-                  <a:srgbClr val="000000"/>
-                </a:solidFill>
-                <a:uFill>
-                  <a:solidFill>
-                    <a:srgbClr val="ffffff"/>
-                  </a:solidFill>
-                </a:uFill>
-                <a:latin typeface="Arial"/>
-              </a:rPr>
-              <a:t>Second Outline Level</a:t>
-            </a:r>
-            <a:endParaRPr b="0" lang="en-US" sz="1800" spc="-1" strike="noStrike">
-              <a:solidFill>
-                <a:srgbClr val="000000"/>
-              </a:solidFill>
-              <a:uFill>
-                <a:solidFill>
-                  <a:srgbClr val="ffffff"/>
-                </a:solidFill>
-              </a:uFill>
-              <a:latin typeface="Arial"/>
-            </a:endParaRPr>
-          </a:p>
-          <a:p>
-            <a:pPr lvl="2" marL="1296000" indent="-288000">
-              <a:buClr>
-                <a:srgbClr val="000000"/>
-              </a:buClr>
-              <a:buSzPct val="45000"/>
-              <a:buFont typeface="Wingdings" charset="2"/>
-              <a:buChar char=""/>
-            </a:pPr>
-            <a:r>
-              <a:rPr b="0" lang="en-US" sz="1800" spc="-1" strike="noStrike">
-                <a:solidFill>
-                  <a:srgbClr val="000000"/>
-                </a:solidFill>
-                <a:uFill>
-                  <a:solidFill>
-                    <a:srgbClr val="ffffff"/>
-                  </a:solidFill>
-                </a:uFill>
-                <a:latin typeface="Arial"/>
-              </a:rPr>
-              <a:t>Third Outline Level</a:t>
-            </a:r>
-            <a:endParaRPr b="0" lang="en-US" sz="1800" spc="-1" strike="noStrike">
-              <a:solidFill>
-                <a:srgbClr val="000000"/>
-              </a:solidFill>
-              <a:uFill>
-                <a:solidFill>
-                  <a:srgbClr val="ffffff"/>
-                </a:solidFill>
-              </a:uFill>
-              <a:latin typeface="Arial"/>
-            </a:endParaRPr>
-          </a:p>
-          <a:p>
-            <a:pPr lvl="3" marL="1728000" indent="-216000">
-              <a:buClr>
-                <a:srgbClr val="000000"/>
-              </a:buClr>
-              <a:buSzPct val="75000"/>
-              <a:buFont typeface="Symbol" charset="2"/>
-              <a:buChar char=""/>
-            </a:pPr>
-            <a:r>
-              <a:rPr b="0" lang="en-US" sz="1800" spc="-1" strike="noStrike">
-                <a:solidFill>
-                  <a:srgbClr val="000000"/>
-                </a:solidFill>
-                <a:uFill>
-                  <a:solidFill>
-                    <a:srgbClr val="ffffff"/>
-                  </a:solidFill>
-                </a:uFill>
-                <a:latin typeface="Arial"/>
-              </a:rPr>
-              <a:t>Fourth Outline Level</a:t>
-            </a:r>
-            <a:endParaRPr b="0" lang="en-US" sz="1800" spc="-1" strike="noStrike">
-              <a:solidFill>
-                <a:srgbClr val="000000"/>
-              </a:solidFill>
-              <a:uFill>
-                <a:solidFill>
-                  <a:srgbClr val="ffffff"/>
-                </a:solidFill>
-              </a:uFill>
-              <a:latin typeface="Arial"/>
-            </a:endParaRPr>
-          </a:p>
-          <a:p>
-            <a:pPr lvl="4" marL="2160000" indent="-216000">
-              <a:buClr>
-                <a:srgbClr val="000000"/>
-              </a:buClr>
-              <a:buSzPct val="45000"/>
-              <a:buFont typeface="Wingdings" charset="2"/>
-              <a:buChar char=""/>
-            </a:pPr>
-            <a:r>
-              <a:rPr b="0" lang="en-US" sz="1800" spc="-1" strike="noStrike">
-                <a:solidFill>
-                  <a:srgbClr val="000000"/>
-                </a:solidFill>
-                <a:uFill>
-                  <a:solidFill>
-                    <a:srgbClr val="ffffff"/>
-                  </a:solidFill>
-                </a:uFill>
-                <a:latin typeface="Arial"/>
-              </a:rPr>
-              <a:t>Fifth Outline Level</a:t>
-            </a:r>
-            <a:endParaRPr b="0" lang="en-US" sz="1800" spc="-1" strike="noStrike">
-              <a:solidFill>
-                <a:srgbClr val="000000"/>
-              </a:solidFill>
-              <a:uFill>
-                <a:solidFill>
-                  <a:srgbClr val="ffffff"/>
-                </a:solidFill>
-              </a:uFill>
-              <a:latin typeface="Arial"/>
-            </a:endParaRPr>
-          </a:p>
-          <a:p>
-            <a:pPr lvl="5" marL="2592000" indent="-216000">
-              <a:buClr>
-                <a:srgbClr val="000000"/>
-              </a:buClr>
-              <a:buSzPct val="45000"/>
-              <a:buFont typeface="Wingdings" charset="2"/>
-              <a:buChar char=""/>
-            </a:pPr>
-            <a:r>
-              <a:rPr b="0" lang="en-US" sz="1800" spc="-1" strike="noStrike">
-                <a:solidFill>
-                  <a:srgbClr val="000000"/>
-                </a:solidFill>
-                <a:uFill>
-                  <a:solidFill>
-                    <a:srgbClr val="ffffff"/>
-                  </a:solidFill>
-                </a:uFill>
-                <a:latin typeface="Arial"/>
-              </a:rPr>
-              <a:t>Sixth Outline Level</a:t>
-            </a:r>
-            <a:endParaRPr b="0" lang="en-US" sz="1800" spc="-1" strike="noStrike">
-              <a:solidFill>
-                <a:srgbClr val="000000"/>
-              </a:solidFill>
-              <a:uFill>
-                <a:solidFill>
-                  <a:srgbClr val="ffffff"/>
-                </a:solidFill>
-              </a:uFill>
-              <a:latin typeface="Arial"/>
-            </a:endParaRPr>
-          </a:p>
-          <a:p>
-            <a:pPr lvl="6" marL="3024000" indent="-216000">
-              <a:buClr>
-                <a:srgbClr val="000000"/>
-              </a:buClr>
-              <a:buSzPct val="45000"/>
-              <a:buFont typeface="Wingdings" charset="2"/>
-              <a:buChar char=""/>
-            </a:pPr>
-            <a:r>
-              <a:rPr b="0" lang="en-US" sz="1800" spc="-1" strike="noStrike">
-                <a:solidFill>
-                  <a:srgbClr val="000000"/>
-                </a:solidFill>
-                <a:uFill>
-                  <a:solidFill>
-                    <a:srgbClr val="ffffff"/>
-                  </a:solidFill>
-                </a:uFill>
-                <a:latin typeface="Arial"/>
-              </a:rPr>
-              <a:t>Seventh Outline Level</a:t>
-            </a:r>
-            <a:endParaRPr b="0" lang="en-US" sz="1800" spc="-1" strike="noStrike">
-              <a:solidFill>
-                <a:srgbClr val="000000"/>
-              </a:solidFill>
-              <a:uFill>
-                <a:solidFill>
-                  <a:srgbClr val="ffffff"/>
-                </a:solidFill>
-              </a:uFill>
-              <a:latin typeface="Arial"/>
-            </a:endParaRPr>
-          </a:p>
-        </p:txBody>
-      </p:sp>
-      <p:sp>
-        <p:nvSpPr>
-          <p:cNvPr id="39" name="PlaceHolder 4"/>
-          <p:cNvSpPr>
-            <a:spLocks noGrp="1"/>
-          </p:cNvSpPr>
-          <p:nvPr>
-            <p:ph type="body"/>
-          </p:nvPr>
-        </p:nvSpPr>
-        <p:spPr>
-          <a:xfrm>
-            <a:off x="5152680" y="4059360"/>
-            <a:ext cx="4426560" cy="2090880"/>
-          </a:xfrm>
-          <a:prstGeom prst="rect">
-            <a:avLst/>
-          </a:prstGeom>
-        </p:spPr>
-        <p:txBody>
-          <a:bodyPr lIns="0" rIns="0" tIns="0" bIns="0"/>
-          <a:p>
-            <a:pPr marL="432000" indent="-324000">
-              <a:buClr>
-                <a:srgbClr val="000000"/>
-              </a:buClr>
-              <a:buSzPct val="45000"/>
-              <a:buFont typeface="Wingdings" charset="2"/>
-              <a:buChar char=""/>
-            </a:pPr>
-            <a:r>
-              <a:rPr b="0" lang="en-US" sz="1800" spc="-1" strike="noStrike">
-                <a:solidFill>
-                  <a:srgbClr val="000000"/>
-                </a:solidFill>
-                <a:uFill>
-                  <a:solidFill>
-                    <a:srgbClr val="ffffff"/>
-                  </a:solidFill>
-                </a:uFill>
-                <a:latin typeface="Arial"/>
-              </a:rPr>
-              <a:t>Click to edit the outline text format</a:t>
-            </a:r>
-            <a:endParaRPr b="0" lang="en-US" sz="1800" spc="-1" strike="noStrike">
-              <a:solidFill>
-                <a:srgbClr val="000000"/>
-              </a:solidFill>
-              <a:uFill>
-                <a:solidFill>
-                  <a:srgbClr val="ffffff"/>
-                </a:solidFill>
-              </a:uFill>
-              <a:latin typeface="Arial"/>
-            </a:endParaRPr>
-          </a:p>
-          <a:p>
-            <a:pPr lvl="1" marL="864000" indent="-324000">
-              <a:buClr>
-                <a:srgbClr val="000000"/>
-              </a:buClr>
-              <a:buSzPct val="75000"/>
-              <a:buFont typeface="Symbol" charset="2"/>
-              <a:buChar char=""/>
-            </a:pPr>
-            <a:r>
-              <a:rPr b="0" lang="en-US" sz="1800" spc="-1" strike="noStrike">
-                <a:solidFill>
-                  <a:srgbClr val="000000"/>
-                </a:solidFill>
-                <a:uFill>
-                  <a:solidFill>
-                    <a:srgbClr val="ffffff"/>
-                  </a:solidFill>
-                </a:uFill>
-                <a:latin typeface="Arial"/>
-              </a:rPr>
-              <a:t>Second Outline Level</a:t>
-            </a:r>
-            <a:endParaRPr b="0" lang="en-US" sz="1800" spc="-1" strike="noStrike">
-              <a:solidFill>
-                <a:srgbClr val="000000"/>
-              </a:solidFill>
-              <a:uFill>
-                <a:solidFill>
-                  <a:srgbClr val="ffffff"/>
-                </a:solidFill>
-              </a:uFill>
-              <a:latin typeface="Arial"/>
-            </a:endParaRPr>
-          </a:p>
-          <a:p>
-            <a:pPr lvl="2" marL="1296000" indent="-288000">
-              <a:buClr>
-                <a:srgbClr val="000000"/>
-              </a:buClr>
-              <a:buSzPct val="45000"/>
-              <a:buFont typeface="Wingdings" charset="2"/>
-              <a:buChar char=""/>
-            </a:pPr>
-            <a:r>
-              <a:rPr b="0" lang="en-US" sz="1800" spc="-1" strike="noStrike">
-                <a:solidFill>
-                  <a:srgbClr val="000000"/>
-                </a:solidFill>
-                <a:uFill>
-                  <a:solidFill>
-                    <a:srgbClr val="ffffff"/>
-                  </a:solidFill>
-                </a:uFill>
-                <a:latin typeface="Arial"/>
-              </a:rPr>
-              <a:t>Third Outline Level</a:t>
-            </a:r>
-            <a:endParaRPr b="0" lang="en-US" sz="1800" spc="-1" strike="noStrike">
-              <a:solidFill>
-                <a:srgbClr val="000000"/>
-              </a:solidFill>
-              <a:uFill>
-                <a:solidFill>
-                  <a:srgbClr val="ffffff"/>
-                </a:solidFill>
-              </a:uFill>
-              <a:latin typeface="Arial"/>
-            </a:endParaRPr>
-          </a:p>
-          <a:p>
-            <a:pPr lvl="3" marL="1728000" indent="-216000">
-              <a:buClr>
-                <a:srgbClr val="000000"/>
-              </a:buClr>
-              <a:buSzPct val="75000"/>
-              <a:buFont typeface="Symbol" charset="2"/>
-              <a:buChar char=""/>
-            </a:pPr>
-            <a:r>
-              <a:rPr b="0" lang="en-US" sz="1800" spc="-1" strike="noStrike">
-                <a:solidFill>
-                  <a:srgbClr val="000000"/>
-                </a:solidFill>
-                <a:uFill>
-                  <a:solidFill>
-                    <a:srgbClr val="ffffff"/>
-                  </a:solidFill>
-                </a:uFill>
-                <a:latin typeface="Arial"/>
-              </a:rPr>
-              <a:t>Fourth Outline Level</a:t>
-            </a:r>
-            <a:endParaRPr b="0" lang="en-US" sz="1800" spc="-1" strike="noStrike">
-              <a:solidFill>
-                <a:srgbClr val="000000"/>
-              </a:solidFill>
-              <a:uFill>
-                <a:solidFill>
-                  <a:srgbClr val="ffffff"/>
-                </a:solidFill>
-              </a:uFill>
-              <a:latin typeface="Arial"/>
-            </a:endParaRPr>
-          </a:p>
-          <a:p>
-            <a:pPr lvl="4" marL="2160000" indent="-216000">
-              <a:buClr>
-                <a:srgbClr val="000000"/>
-              </a:buClr>
-              <a:buSzPct val="45000"/>
-              <a:buFont typeface="Wingdings" charset="2"/>
-              <a:buChar char=""/>
-            </a:pPr>
-            <a:r>
-              <a:rPr b="0" lang="en-US" sz="1800" spc="-1" strike="noStrike">
-                <a:solidFill>
-                  <a:srgbClr val="000000"/>
-                </a:solidFill>
-                <a:uFill>
-                  <a:solidFill>
-                    <a:srgbClr val="ffffff"/>
-                  </a:solidFill>
-                </a:uFill>
-                <a:latin typeface="Arial"/>
-              </a:rPr>
-              <a:t>Fifth Outline Level</a:t>
-            </a:r>
-            <a:endParaRPr b="0" lang="en-US" sz="1800" spc="-1" strike="noStrike">
-              <a:solidFill>
-                <a:srgbClr val="000000"/>
-              </a:solidFill>
-              <a:uFill>
-                <a:solidFill>
-                  <a:srgbClr val="ffffff"/>
-                </a:solidFill>
-              </a:uFill>
-              <a:latin typeface="Arial"/>
-            </a:endParaRPr>
-          </a:p>
-          <a:p>
-            <a:pPr lvl="5" marL="2592000" indent="-216000">
-              <a:buClr>
-                <a:srgbClr val="000000"/>
-              </a:buClr>
-              <a:buSzPct val="45000"/>
-              <a:buFont typeface="Wingdings" charset="2"/>
-              <a:buChar char=""/>
-            </a:pPr>
-            <a:r>
-              <a:rPr b="0" lang="en-US" sz="1800" spc="-1" strike="noStrike">
-                <a:solidFill>
-                  <a:srgbClr val="000000"/>
-                </a:solidFill>
-                <a:uFill>
-                  <a:solidFill>
-                    <a:srgbClr val="ffffff"/>
-                  </a:solidFill>
-                </a:uFill>
-                <a:latin typeface="Arial"/>
-              </a:rPr>
-              <a:t>Sixth Outline Level</a:t>
-            </a:r>
-            <a:endParaRPr b="0" lang="en-US" sz="1800" spc="-1" strike="noStrike">
-              <a:solidFill>
-                <a:srgbClr val="000000"/>
-              </a:solidFill>
-              <a:uFill>
-                <a:solidFill>
-                  <a:srgbClr val="ffffff"/>
-                </a:solidFill>
-              </a:uFill>
-              <a:latin typeface="Arial"/>
-            </a:endParaRPr>
-          </a:p>
-          <a:p>
-            <a:pPr lvl="6" marL="3024000" indent="-216000">
-              <a:buClr>
-                <a:srgbClr val="000000"/>
-              </a:buClr>
-              <a:buSzPct val="45000"/>
-              <a:buFont typeface="Wingdings" charset="2"/>
-              <a:buChar char=""/>
-            </a:pPr>
-            <a:r>
-              <a:rPr b="0" lang="en-US" sz="1800" spc="-1" strike="noStrike">
-                <a:solidFill>
-                  <a:srgbClr val="000000"/>
-                </a:solidFill>
-                <a:uFill>
-                  <a:solidFill>
-                    <a:srgbClr val="ffffff"/>
-                  </a:solidFill>
-                </a:uFill>
-                <a:latin typeface="Arial"/>
-              </a:rPr>
-              <a:t>Seventh Outline Level</a:t>
-            </a:r>
-            <a:endParaRPr b="0" lang="en-US" sz="1800" spc="-1" strike="noStrike">
+            <a:endParaRPr b="0" lang="en-US" sz="2000" spc="-1" strike="noStrike">
               <a:solidFill>
                 <a:srgbClr val="000000"/>
               </a:solidFill>
@@ -4210,14 +3702,14 @@
       </p:grpSpPr>
       <p:sp>
         <p:nvSpPr>
-          <p:cNvPr id="74" name="CustomShape 1"/>
+          <p:cNvPr id="72" name="CustomShape 1"/>
           <p:cNvSpPr/>
           <p:nvPr/>
         </p:nvSpPr>
         <p:spPr>
           <a:xfrm>
             <a:off x="0" y="4256280"/>
-            <a:ext cx="10079640" cy="1975680"/>
+            <a:ext cx="10078920" cy="1974960"/>
           </a:xfrm>
           <a:prstGeom prst="rect">
             <a:avLst/>
@@ -4252,8 +3744,9 @@
                   </a:solidFill>
                 </a:uFill>
                 <a:latin typeface="Verdana"/>
+                <a:ea typeface="DejaVu Sans"/>
               </a:rPr>
-              <a:t>CrowdFunding, CrowdSelling, CrowdEngagement</a:t>
+              <a:t>CrowdFunding CrowdEngagement</a:t>
             </a:r>
             <a:endParaRPr b="0" lang="en-US" sz="1800" spc="-1" strike="noStrike">
               <a:solidFill>
@@ -4302,8 +3795,9 @@
                   </a:solidFill>
                 </a:uFill>
                 <a:latin typeface="Verdana"/>
+                <a:ea typeface="DejaVu Sans"/>
               </a:rPr>
-              <a:t>For AUTHORS</a:t>
+              <a:t>For AUTHORS, ACTORS, &amp; FILMMAKERS</a:t>
             </a:r>
             <a:endParaRPr b="0" lang="en-US" sz="1800" spc="-1" strike="noStrike">
               <a:solidFill>
@@ -4321,7 +3815,7 @@
       </p:sp>
       <p:pic>
         <p:nvPicPr>
-          <p:cNvPr id="75" name="" descr=""/>
+          <p:cNvPr id="73" name="" descr=""/>
           <p:cNvPicPr/>
           <p:nvPr/>
         </p:nvPicPr>
@@ -4332,7 +3826,7 @@
         <p:spPr>
           <a:xfrm>
             <a:off x="3770280" y="822960"/>
-            <a:ext cx="2538720" cy="2538720"/>
+            <a:ext cx="2538000" cy="2538000"/>
           </a:xfrm>
           <a:prstGeom prst="rect">
             <a:avLst/>
@@ -4393,14 +3887,14 @@
       </p:grpSpPr>
       <p:sp>
         <p:nvSpPr>
-          <p:cNvPr id="111" name="CustomShape 1"/>
+          <p:cNvPr id="109" name="CustomShape 1"/>
           <p:cNvSpPr/>
           <p:nvPr/>
         </p:nvSpPr>
         <p:spPr>
           <a:xfrm>
             <a:off x="504000" y="301320"/>
-            <a:ext cx="7816680" cy="887040"/>
+            <a:ext cx="9070560" cy="703440"/>
           </a:xfrm>
           <a:prstGeom prst="rect">
             <a:avLst/>
@@ -4430,8 +3924,9 @@
                   </a:solidFill>
                 </a:uFill>
                 <a:latin typeface="Verdana"/>
+                <a:ea typeface="DejaVu Sans"/>
               </a:rPr>
-              <a:t>Competition</a:t>
+              <a:t>Market Size</a:t>
             </a:r>
             <a:endParaRPr b="0" lang="en-US" sz="1800" spc="-1" strike="noStrike">
               <a:solidFill>
@@ -4447,9 +3942,301 @@
           </a:p>
         </p:txBody>
       </p:sp>
+      <p:sp>
+        <p:nvSpPr>
+          <p:cNvPr id="110" name="CustomShape 2"/>
+          <p:cNvSpPr/>
+          <p:nvPr/>
+        </p:nvSpPr>
+        <p:spPr>
+          <a:xfrm>
+            <a:off x="457200" y="1920240"/>
+            <a:ext cx="9051480" cy="5775120"/>
+          </a:xfrm>
+          <a:prstGeom prst="rect">
+            <a:avLst/>
+          </a:prstGeom>
+          <a:noFill/>
+          <a:ln>
+            <a:noFill/>
+          </a:ln>
+        </p:spPr>
+        <p:style>
+          <a:lnRef idx="0"/>
+          <a:fillRef idx="0"/>
+          <a:effectRef idx="0"/>
+          <a:fontRef idx="minor"/>
+        </p:style>
+        <p:txBody>
+          <a:bodyPr lIns="0" rIns="0" tIns="0" bIns="0"/>
+          <a:p>
+            <a:r>
+              <a:rPr b="1" lang="en-US" sz="3200" spc="-1" strike="noStrike">
+                <a:solidFill>
+                  <a:srgbClr val="3c2154"/>
+                </a:solidFill>
+                <a:uFill>
+                  <a:solidFill>
+                    <a:srgbClr val="ffffff"/>
+                  </a:solidFill>
+                </a:uFill>
+                <a:latin typeface="Verdana"/>
+                <a:ea typeface="DejaVu Sans"/>
+              </a:rPr>
+              <a:t>Kickstarter 2015</a:t>
+            </a:r>
+            <a:r>
+              <a:rPr b="0" lang="en-US" sz="3200" spc="-1" strike="noStrike">
+                <a:solidFill>
+                  <a:srgbClr val="3c2154"/>
+                </a:solidFill>
+                <a:uFill>
+                  <a:solidFill>
+                    <a:srgbClr val="ffffff"/>
+                  </a:solidFill>
+                </a:uFill>
+                <a:latin typeface="Verdana"/>
+                <a:ea typeface="DejaVu Sans"/>
+              </a:rPr>
+              <a:t> </a:t>
+            </a:r>
+            <a:endParaRPr b="0" lang="en-US" sz="1800" spc="-1" strike="noStrike">
+              <a:solidFill>
+                <a:srgbClr val="000000"/>
+              </a:solidFill>
+              <a:uFill>
+                <a:solidFill>
+                  <a:srgbClr val="ffffff"/>
+                </a:solidFill>
+              </a:uFill>
+              <a:latin typeface="Arial"/>
+            </a:endParaRPr>
+          </a:p>
+          <a:p>
+            <a:r>
+              <a:rPr b="0" lang="en-US" sz="3200" spc="-1" strike="noStrike">
+                <a:solidFill>
+                  <a:srgbClr val="3c2154"/>
+                </a:solidFill>
+                <a:uFill>
+                  <a:solidFill>
+                    <a:srgbClr val="ffffff"/>
+                  </a:solidFill>
+                </a:uFill>
+                <a:latin typeface="Verdana"/>
+                <a:ea typeface="DejaVu Sans"/>
+              </a:rPr>
+              <a:t>Literary journals: $200,000</a:t>
+            </a:r>
+            <a:endParaRPr b="0" lang="en-US" sz="1800" spc="-1" strike="noStrike">
+              <a:solidFill>
+                <a:srgbClr val="000000"/>
+              </a:solidFill>
+              <a:uFill>
+                <a:solidFill>
+                  <a:srgbClr val="ffffff"/>
+                </a:solidFill>
+              </a:uFill>
+              <a:latin typeface="Arial"/>
+            </a:endParaRPr>
+          </a:p>
+          <a:p>
+            <a:r>
+              <a:rPr b="0" lang="en-US" sz="3200" spc="-1" strike="noStrike">
+                <a:solidFill>
+                  <a:srgbClr val="3c2154"/>
+                </a:solidFill>
+                <a:uFill>
+                  <a:solidFill>
+                    <a:srgbClr val="ffffff"/>
+                  </a:solidFill>
+                </a:uFill>
+                <a:latin typeface="Verdana"/>
+                <a:ea typeface="DejaVu Sans"/>
+              </a:rPr>
+              <a:t>Poetry: $300,000 </a:t>
+            </a:r>
+            <a:endParaRPr b="0" lang="en-US" sz="1800" spc="-1" strike="noStrike">
+              <a:solidFill>
+                <a:srgbClr val="000000"/>
+              </a:solidFill>
+              <a:uFill>
+                <a:solidFill>
+                  <a:srgbClr val="ffffff"/>
+                </a:solidFill>
+              </a:uFill>
+              <a:latin typeface="Arial"/>
+            </a:endParaRPr>
+          </a:p>
+          <a:p>
+            <a:r>
+              <a:rPr b="0" lang="en-US" sz="3200" spc="-1" strike="noStrike">
+                <a:solidFill>
+                  <a:srgbClr val="3c2154"/>
+                </a:solidFill>
+                <a:uFill>
+                  <a:solidFill>
+                    <a:srgbClr val="ffffff"/>
+                  </a:solidFill>
+                </a:uFill>
+                <a:latin typeface="Verdana"/>
+                <a:ea typeface="DejaVu Sans"/>
+              </a:rPr>
+              <a:t>Anthologies: $500,000</a:t>
+            </a:r>
+            <a:endParaRPr b="0" lang="en-US" sz="1800" spc="-1" strike="noStrike">
+              <a:solidFill>
+                <a:srgbClr val="000000"/>
+              </a:solidFill>
+              <a:uFill>
+                <a:solidFill>
+                  <a:srgbClr val="ffffff"/>
+                </a:solidFill>
+              </a:uFill>
+              <a:latin typeface="Arial"/>
+            </a:endParaRPr>
+          </a:p>
+          <a:p>
+            <a:r>
+              <a:rPr b="0" lang="en-US" sz="3200" spc="-1" strike="noStrike">
+                <a:solidFill>
+                  <a:srgbClr val="3c2154"/>
+                </a:solidFill>
+                <a:uFill>
+                  <a:solidFill>
+                    <a:srgbClr val="ffffff"/>
+                  </a:solidFill>
+                </a:uFill>
+                <a:latin typeface="Verdana"/>
+                <a:ea typeface="DejaVu Sans"/>
+              </a:rPr>
+              <a:t>Art books: $4m</a:t>
+            </a:r>
+            <a:endParaRPr b="0" lang="en-US" sz="1800" spc="-1" strike="noStrike">
+              <a:solidFill>
+                <a:srgbClr val="000000"/>
+              </a:solidFill>
+              <a:uFill>
+                <a:solidFill>
+                  <a:srgbClr val="ffffff"/>
+                </a:solidFill>
+              </a:uFill>
+              <a:latin typeface="Arial"/>
+            </a:endParaRPr>
+          </a:p>
+          <a:p>
+            <a:endParaRPr b="0" lang="en-US" sz="1800" spc="-1" strike="noStrike">
+              <a:solidFill>
+                <a:srgbClr val="000000"/>
+              </a:solidFill>
+              <a:uFill>
+                <a:solidFill>
+                  <a:srgbClr val="ffffff"/>
+                </a:solidFill>
+              </a:uFill>
+              <a:latin typeface="Arial"/>
+            </a:endParaRPr>
+          </a:p>
+          <a:p>
+            <a:r>
+              <a:rPr b="0" lang="en-US" sz="3200" spc="-1" strike="noStrike">
+                <a:solidFill>
+                  <a:srgbClr val="3c2154"/>
+                </a:solidFill>
+                <a:uFill>
+                  <a:solidFill>
+                    <a:srgbClr val="ffffff"/>
+                  </a:solidFill>
+                </a:uFill>
+                <a:latin typeface="Verdana"/>
+                <a:ea typeface="DejaVu Sans"/>
+              </a:rPr>
+              <a:t>Self published books on Amazon</a:t>
+            </a:r>
+            <a:endParaRPr b="0" lang="en-US" sz="1800" spc="-1" strike="noStrike">
+              <a:solidFill>
+                <a:srgbClr val="000000"/>
+              </a:solidFill>
+              <a:uFill>
+                <a:solidFill>
+                  <a:srgbClr val="ffffff"/>
+                </a:solidFill>
+              </a:uFill>
+              <a:latin typeface="Arial"/>
+            </a:endParaRPr>
+          </a:p>
+          <a:p>
+            <a:endParaRPr b="0" lang="en-US" sz="1800" spc="-1" strike="noStrike">
+              <a:solidFill>
+                <a:srgbClr val="000000"/>
+              </a:solidFill>
+              <a:uFill>
+                <a:solidFill>
+                  <a:srgbClr val="ffffff"/>
+                </a:solidFill>
+              </a:uFill>
+              <a:latin typeface="Arial"/>
+            </a:endParaRPr>
+          </a:p>
+          <a:p>
+            <a:r>
+              <a:rPr b="0" lang="en-US" sz="3200" spc="-1" strike="noStrike">
+                <a:solidFill>
+                  <a:srgbClr val="3c2154"/>
+                </a:solidFill>
+                <a:uFill>
+                  <a:solidFill>
+                    <a:srgbClr val="ffffff"/>
+                  </a:solidFill>
+                </a:uFill>
+                <a:latin typeface="Verdana"/>
+                <a:ea typeface="DejaVu Sans"/>
+              </a:rPr>
+              <a:t>727000 Self-Published in 2015 in US</a:t>
+            </a:r>
+            <a:endParaRPr b="0" lang="en-US" sz="1800" spc="-1" strike="noStrike">
+              <a:solidFill>
+                <a:srgbClr val="000000"/>
+              </a:solidFill>
+              <a:uFill>
+                <a:solidFill>
+                  <a:srgbClr val="ffffff"/>
+                </a:solidFill>
+              </a:uFill>
+              <a:latin typeface="Arial"/>
+            </a:endParaRPr>
+          </a:p>
+          <a:p>
+            <a:endParaRPr b="0" lang="en-US" sz="1800" spc="-1" strike="noStrike">
+              <a:solidFill>
+                <a:srgbClr val="000000"/>
+              </a:solidFill>
+              <a:uFill>
+                <a:solidFill>
+                  <a:srgbClr val="ffffff"/>
+                </a:solidFill>
+              </a:uFill>
+              <a:latin typeface="Arial"/>
+            </a:endParaRPr>
+          </a:p>
+          <a:p>
+            <a:endParaRPr b="0" lang="en-US" sz="1800" spc="-1" strike="noStrike">
+              <a:solidFill>
+                <a:srgbClr val="000000"/>
+              </a:solidFill>
+              <a:uFill>
+                <a:solidFill>
+                  <a:srgbClr val="ffffff"/>
+                </a:solidFill>
+              </a:uFill>
+              <a:latin typeface="Arial"/>
+            </a:endParaRPr>
+          </a:p>
+        </p:txBody>
+      </p:sp>
       <p:pic>
         <p:nvPicPr>
-          <p:cNvPr id="112" name="" descr=""/>
+          <p:cNvPr id="111" name="" descr=""/>
           <p:cNvPicPr/>
           <p:nvPr/>
         </p:nvPicPr>
@@ -4459,123 +4246,8 @@
         </p:blipFill>
         <p:spPr>
           <a:xfrm>
-            <a:off x="3011760" y="1371600"/>
-            <a:ext cx="6131880" cy="753480"/>
-          </a:xfrm>
-          <a:prstGeom prst="rect">
-            <a:avLst/>
-          </a:prstGeom>
-          <a:ln>
-            <a:noFill/>
-          </a:ln>
-        </p:spPr>
-      </p:pic>
-      <p:pic>
-        <p:nvPicPr>
-          <p:cNvPr id="113" name="" descr=""/>
-          <p:cNvPicPr/>
-          <p:nvPr/>
-        </p:nvPicPr>
-        <p:blipFill>
-          <a:blip r:embed="rId2"/>
-          <a:stretch/>
-        </p:blipFill>
-        <p:spPr>
-          <a:xfrm>
-            <a:off x="3017520" y="4075560"/>
-            <a:ext cx="4480200" cy="1867680"/>
-          </a:xfrm>
-          <a:prstGeom prst="rect">
-            <a:avLst/>
-          </a:prstGeom>
-          <a:ln>
-            <a:noFill/>
-          </a:ln>
-        </p:spPr>
-      </p:pic>
-      <p:pic>
-        <p:nvPicPr>
-          <p:cNvPr id="114" name="" descr=""/>
-          <p:cNvPicPr/>
-          <p:nvPr/>
-        </p:nvPicPr>
-        <p:blipFill>
-          <a:blip r:embed="rId3"/>
-          <a:stretch/>
-        </p:blipFill>
-        <p:spPr>
-          <a:xfrm>
-            <a:off x="-12240" y="2103480"/>
-            <a:ext cx="4309560" cy="2262240"/>
-          </a:xfrm>
-          <a:prstGeom prst="rect">
-            <a:avLst/>
-          </a:prstGeom>
-          <a:ln>
-            <a:noFill/>
-          </a:ln>
-        </p:spPr>
-      </p:pic>
-      <p:pic>
-        <p:nvPicPr>
-          <p:cNvPr id="115" name="" descr=""/>
-          <p:cNvPicPr/>
-          <p:nvPr/>
-        </p:nvPicPr>
-        <p:blipFill>
-          <a:blip r:embed="rId4"/>
-          <a:stretch/>
-        </p:blipFill>
-        <p:spPr>
-          <a:xfrm>
-            <a:off x="6218280" y="2651760"/>
-            <a:ext cx="3152160" cy="1523160"/>
-          </a:xfrm>
-          <a:prstGeom prst="rect">
-            <a:avLst/>
-          </a:prstGeom>
-          <a:ln>
-            <a:noFill/>
-          </a:ln>
-        </p:spPr>
-      </p:pic>
-      <p:pic>
-        <p:nvPicPr>
-          <p:cNvPr id="116" name="" descr=""/>
-          <p:cNvPicPr/>
-          <p:nvPr/>
-        </p:nvPicPr>
-        <p:blipFill>
-          <a:blip r:embed="rId5"/>
-          <a:stretch/>
-        </p:blipFill>
-        <p:spPr>
-          <a:xfrm>
-            <a:off x="-91440" y="4419360"/>
-            <a:ext cx="4845960" cy="3230280"/>
-          </a:xfrm>
-          <a:prstGeom prst="rect">
-            <a:avLst/>
-          </a:prstGeom>
-          <a:ln>
-            <a:noFill/>
-          </a:ln>
-        </p:spPr>
-      </p:pic>
-      <p:pic>
-        <p:nvPicPr>
-          <p:cNvPr id="117" name="" descr=""/>
-          <p:cNvPicPr/>
-          <p:nvPr/>
-        </p:nvPicPr>
-        <p:blipFill>
-          <a:blip r:embed="rId6"/>
-          <a:stretch/>
-        </p:blipFill>
-        <p:spPr>
-          <a:xfrm>
-            <a:off x="6576480" y="5759280"/>
-            <a:ext cx="2475720" cy="1189800"/>
+            <a:off x="7955280" y="301320"/>
+            <a:ext cx="1903320" cy="1903320"/>
           </a:xfrm>
           <a:prstGeom prst="rect">
             <a:avLst/>
@@ -4636,14 +4308,14 @@
       </p:grpSpPr>
       <p:sp>
         <p:nvSpPr>
-          <p:cNvPr id="118" name="CustomShape 1"/>
+          <p:cNvPr id="112" name="CustomShape 1"/>
           <p:cNvSpPr/>
           <p:nvPr/>
         </p:nvSpPr>
         <p:spPr>
           <a:xfrm>
             <a:off x="504000" y="301320"/>
-            <a:ext cx="7816680" cy="887040"/>
+            <a:ext cx="7815960" cy="886320"/>
           </a:xfrm>
           <a:prstGeom prst="rect">
             <a:avLst/>
@@ -4673,8 +4345,9 @@
                   </a:solidFill>
                 </a:uFill>
                 <a:latin typeface="Verdana"/>
+                <a:ea typeface="DejaVu Sans"/>
               </a:rPr>
-              <a:t>Competitive Advantage</a:t>
+              <a:t>Competition</a:t>
             </a:r>
             <a:endParaRPr b="0" lang="en-US" sz="1800" spc="-1" strike="noStrike">
               <a:solidFill>
@@ -4690,238 +4363,9 @@
           </a:p>
         </p:txBody>
       </p:sp>
-      <p:sp>
-        <p:nvSpPr>
-          <p:cNvPr id="119" name="CustomShape 2"/>
-          <p:cNvSpPr/>
-          <p:nvPr/>
-        </p:nvSpPr>
-        <p:spPr>
-          <a:xfrm>
-            <a:off x="274320" y="1463040"/>
-            <a:ext cx="8869320" cy="5536080"/>
-          </a:xfrm>
-          <a:prstGeom prst="rect">
-            <a:avLst/>
-          </a:prstGeom>
-          <a:noFill/>
-          <a:ln>
-            <a:noFill/>
-          </a:ln>
-        </p:spPr>
-        <p:style>
-          <a:lnRef idx="0"/>
-          <a:fillRef idx="0"/>
-          <a:effectRef idx="0"/>
-          <a:fontRef idx="minor"/>
-        </p:style>
-        <p:txBody>
-          <a:bodyPr lIns="0" rIns="0" tIns="0" bIns="0"/>
-          <a:p>
-            <a:r>
-              <a:rPr b="0" lang="en-US" sz="2200" spc="-1" strike="noStrike">
-                <a:solidFill>
-                  <a:srgbClr val="3c2154"/>
-                </a:solidFill>
-                <a:uFill>
-                  <a:solidFill>
-                    <a:srgbClr val="ffffff"/>
-                  </a:solidFill>
-                </a:uFill>
-                <a:latin typeface="Verdana"/>
-              </a:rPr>
-              <a:t>Authors’ organizations can do the marketing</a:t>
-            </a:r>
-            <a:endParaRPr b="0" lang="en-US" sz="1800" spc="-1" strike="noStrike">
-              <a:solidFill>
-                <a:srgbClr val="000000"/>
-              </a:solidFill>
-              <a:uFill>
-                <a:solidFill>
-                  <a:srgbClr val="ffffff"/>
-                </a:solidFill>
-              </a:uFill>
-              <a:latin typeface="Arial"/>
-            </a:endParaRPr>
-          </a:p>
-          <a:p>
-            <a:endParaRPr b="0" lang="en-US" sz="1800" spc="-1" strike="noStrike">
-              <a:solidFill>
-                <a:srgbClr val="000000"/>
-              </a:solidFill>
-              <a:uFill>
-                <a:solidFill>
-                  <a:srgbClr val="ffffff"/>
-                </a:solidFill>
-              </a:uFill>
-              <a:latin typeface="Arial"/>
-            </a:endParaRPr>
-          </a:p>
-          <a:p>
-            <a:r>
-              <a:rPr b="0" lang="en-US" sz="2200" spc="-1" strike="noStrike">
-                <a:solidFill>
-                  <a:srgbClr val="3c2154"/>
-                </a:solidFill>
-                <a:uFill>
-                  <a:solidFill>
-                    <a:srgbClr val="ffffff"/>
-                  </a:solidFill>
-                </a:uFill>
-                <a:latin typeface="Verdana"/>
-              </a:rPr>
-              <a:t>Authors earn revenue for many creative products </a:t>
-            </a:r>
-            <a:endParaRPr b="0" lang="en-US" sz="1800" spc="-1" strike="noStrike">
-              <a:solidFill>
-                <a:srgbClr val="000000"/>
-              </a:solidFill>
-              <a:uFill>
-                <a:solidFill>
-                  <a:srgbClr val="ffffff"/>
-                </a:solidFill>
-              </a:uFill>
-              <a:latin typeface="Arial"/>
-            </a:endParaRPr>
-          </a:p>
-          <a:p>
-            <a:endParaRPr b="0" lang="en-US" sz="1800" spc="-1" strike="noStrike">
-              <a:solidFill>
-                <a:srgbClr val="000000"/>
-              </a:solidFill>
-              <a:uFill>
-                <a:solidFill>
-                  <a:srgbClr val="ffffff"/>
-                </a:solidFill>
-              </a:uFill>
-              <a:latin typeface="Arial"/>
-            </a:endParaRPr>
-          </a:p>
-          <a:p>
-            <a:r>
-              <a:rPr b="0" lang="en-US" sz="2200" spc="-1" strike="noStrike">
-                <a:solidFill>
-                  <a:srgbClr val="3c2154"/>
-                </a:solidFill>
-                <a:uFill>
-                  <a:solidFill>
-                    <a:srgbClr val="ffffff"/>
-                  </a:solidFill>
-                </a:uFill>
-                <a:latin typeface="Verdana"/>
-              </a:rPr>
-              <a:t>Rather than offering one book only every year or two, authors offer something once a month </a:t>
-            </a:r>
-            <a:endParaRPr b="0" lang="en-US" sz="1800" spc="-1" strike="noStrike">
-              <a:solidFill>
-                <a:srgbClr val="000000"/>
-              </a:solidFill>
-              <a:uFill>
-                <a:solidFill>
-                  <a:srgbClr val="ffffff"/>
-                </a:solidFill>
-              </a:uFill>
-              <a:latin typeface="Arial"/>
-            </a:endParaRPr>
-          </a:p>
-          <a:p>
-            <a:endParaRPr b="0" lang="en-US" sz="1800" spc="-1" strike="noStrike">
-              <a:solidFill>
-                <a:srgbClr val="000000"/>
-              </a:solidFill>
-              <a:uFill>
-                <a:solidFill>
-                  <a:srgbClr val="ffffff"/>
-                </a:solidFill>
-              </a:uFill>
-              <a:latin typeface="Arial"/>
-            </a:endParaRPr>
-          </a:p>
-          <a:p>
-            <a:r>
-              <a:rPr b="0" lang="en-US" sz="2200" spc="-1" strike="noStrike">
-                <a:solidFill>
-                  <a:srgbClr val="3c2154"/>
-                </a:solidFill>
-                <a:uFill>
-                  <a:solidFill>
-                    <a:srgbClr val="ffffff"/>
-                  </a:solidFill>
-                </a:uFill>
-                <a:latin typeface="Verdana"/>
-              </a:rPr>
-              <a:t>CrowdPublish.TV acquires authors &amp; fans before book is complete – before they’re acquired by competition</a:t>
-            </a:r>
-            <a:endParaRPr b="0" lang="en-US" sz="1800" spc="-1" strike="noStrike">
-              <a:solidFill>
-                <a:srgbClr val="000000"/>
-              </a:solidFill>
-              <a:uFill>
-                <a:solidFill>
-                  <a:srgbClr val="ffffff"/>
-                </a:solidFill>
-              </a:uFill>
-              <a:latin typeface="Arial"/>
-            </a:endParaRPr>
-          </a:p>
-          <a:p>
-            <a:endParaRPr b="0" lang="en-US" sz="1800" spc="-1" strike="noStrike">
-              <a:solidFill>
-                <a:srgbClr val="000000"/>
-              </a:solidFill>
-              <a:uFill>
-                <a:solidFill>
-                  <a:srgbClr val="ffffff"/>
-                </a:solidFill>
-              </a:uFill>
-              <a:latin typeface="Arial"/>
-            </a:endParaRPr>
-          </a:p>
-          <a:p>
-            <a:r>
-              <a:rPr b="0" lang="en-US" sz="2200" spc="-1" strike="noStrike">
-                <a:solidFill>
-                  <a:srgbClr val="3c2154"/>
-                </a:solidFill>
-                <a:uFill>
-                  <a:solidFill>
-                    <a:srgbClr val="ffffff"/>
-                  </a:solidFill>
-                </a:uFill>
-                <a:latin typeface="Verdana"/>
-              </a:rPr>
-              <a:t>Instead of fans waiting months before getting rewards/perks authors offer something immediately available </a:t>
-            </a:r>
-            <a:endParaRPr b="0" lang="en-US" sz="1800" spc="-1" strike="noStrike">
-              <a:solidFill>
-                <a:srgbClr val="000000"/>
-              </a:solidFill>
-              <a:uFill>
-                <a:solidFill>
-                  <a:srgbClr val="ffffff"/>
-                </a:solidFill>
-              </a:uFill>
-              <a:latin typeface="Arial"/>
-            </a:endParaRPr>
-          </a:p>
-          <a:p>
-            <a:endParaRPr b="0" lang="en-US" sz="1800" spc="-1" strike="noStrike">
-              <a:solidFill>
-                <a:srgbClr val="000000"/>
-              </a:solidFill>
-              <a:uFill>
-                <a:solidFill>
-                  <a:srgbClr val="ffffff"/>
-                </a:solidFill>
-              </a:uFill>
-              <a:latin typeface="Arial"/>
-            </a:endParaRPr>
-          </a:p>
-        </p:txBody>
-      </p:sp>
       <p:pic>
         <p:nvPicPr>
-          <p:cNvPr id="120" name="" descr=""/>
+          <p:cNvPr id="113" name="" descr=""/>
           <p:cNvPicPr/>
           <p:nvPr/>
         </p:nvPicPr>
@@ -4931,8 +4375,123 @@
         </p:blipFill>
         <p:spPr>
           <a:xfrm>
-            <a:off x="7513920" y="5502240"/>
-            <a:ext cx="1904040" cy="1904040"/>
+            <a:off x="3011760" y="1371600"/>
+            <a:ext cx="6131160" cy="752760"/>
+          </a:xfrm>
+          <a:prstGeom prst="rect">
+            <a:avLst/>
+          </a:prstGeom>
+          <a:ln>
+            <a:noFill/>
+          </a:ln>
+        </p:spPr>
+      </p:pic>
+      <p:pic>
+        <p:nvPicPr>
+          <p:cNvPr id="114" name="" descr=""/>
+          <p:cNvPicPr/>
+          <p:nvPr/>
+        </p:nvPicPr>
+        <p:blipFill>
+          <a:blip r:embed="rId2"/>
+          <a:stretch/>
+        </p:blipFill>
+        <p:spPr>
+          <a:xfrm>
+            <a:off x="3017520" y="4075560"/>
+            <a:ext cx="4479480" cy="1866960"/>
+          </a:xfrm>
+          <a:prstGeom prst="rect">
+            <a:avLst/>
+          </a:prstGeom>
+          <a:ln>
+            <a:noFill/>
+          </a:ln>
+        </p:spPr>
+      </p:pic>
+      <p:pic>
+        <p:nvPicPr>
+          <p:cNvPr id="115" name="" descr=""/>
+          <p:cNvPicPr/>
+          <p:nvPr/>
+        </p:nvPicPr>
+        <p:blipFill>
+          <a:blip r:embed="rId3"/>
+          <a:stretch/>
+        </p:blipFill>
+        <p:spPr>
+          <a:xfrm>
+            <a:off x="-12240" y="2103480"/>
+            <a:ext cx="4308840" cy="2261520"/>
+          </a:xfrm>
+          <a:prstGeom prst="rect">
+            <a:avLst/>
+          </a:prstGeom>
+          <a:ln>
+            <a:noFill/>
+          </a:ln>
+        </p:spPr>
+      </p:pic>
+      <p:pic>
+        <p:nvPicPr>
+          <p:cNvPr id="116" name="" descr=""/>
+          <p:cNvPicPr/>
+          <p:nvPr/>
+        </p:nvPicPr>
+        <p:blipFill>
+          <a:blip r:embed="rId4"/>
+          <a:stretch/>
+        </p:blipFill>
+        <p:spPr>
+          <a:xfrm>
+            <a:off x="6218280" y="2651760"/>
+            <a:ext cx="3151440" cy="1522440"/>
+          </a:xfrm>
+          <a:prstGeom prst="rect">
+            <a:avLst/>
+          </a:prstGeom>
+          <a:ln>
+            <a:noFill/>
+          </a:ln>
+        </p:spPr>
+      </p:pic>
+      <p:pic>
+        <p:nvPicPr>
+          <p:cNvPr id="117" name="" descr=""/>
+          <p:cNvPicPr/>
+          <p:nvPr/>
+        </p:nvPicPr>
+        <p:blipFill>
+          <a:blip r:embed="rId5"/>
+          <a:stretch/>
+        </p:blipFill>
+        <p:spPr>
+          <a:xfrm>
+            <a:off x="-91440" y="4419360"/>
+            <a:ext cx="4845240" cy="3229560"/>
+          </a:xfrm>
+          <a:prstGeom prst="rect">
+            <a:avLst/>
+          </a:prstGeom>
+          <a:ln>
+            <a:noFill/>
+          </a:ln>
+        </p:spPr>
+      </p:pic>
+      <p:pic>
+        <p:nvPicPr>
+          <p:cNvPr id="118" name="" descr=""/>
+          <p:cNvPicPr/>
+          <p:nvPr/>
+        </p:nvPicPr>
+        <p:blipFill>
+          <a:blip r:embed="rId6"/>
+          <a:stretch/>
+        </p:blipFill>
+        <p:spPr>
+          <a:xfrm>
+            <a:off x="6576480" y="5759280"/>
+            <a:ext cx="2475000" cy="1189080"/>
           </a:xfrm>
           <a:prstGeom prst="rect">
             <a:avLst/>
@@ -4993,14 +4552,14 @@
       </p:grpSpPr>
       <p:sp>
         <p:nvSpPr>
-          <p:cNvPr id="76" name="CustomShape 1"/>
+          <p:cNvPr id="74" name="CustomShape 1"/>
           <p:cNvSpPr/>
           <p:nvPr/>
         </p:nvSpPr>
         <p:spPr>
           <a:xfrm>
             <a:off x="504000" y="301320"/>
-            <a:ext cx="9071280" cy="1261800"/>
+            <a:ext cx="9070560" cy="1261080"/>
           </a:xfrm>
           <a:prstGeom prst="rect">
             <a:avLst/>
@@ -5030,6 +4589,7 @@
                   </a:solidFill>
                 </a:uFill>
                 <a:latin typeface="Verdana"/>
+                <a:ea typeface="DejaVu Sans"/>
               </a:rPr>
               <a:t>Problem</a:t>
             </a:r>
@@ -5049,14 +4609,14 @@
       </p:sp>
       <p:sp>
         <p:nvSpPr>
-          <p:cNvPr id="77" name="CustomShape 2"/>
+          <p:cNvPr id="75" name="CustomShape 2"/>
           <p:cNvSpPr/>
           <p:nvPr/>
         </p:nvSpPr>
         <p:spPr>
           <a:xfrm>
             <a:off x="504000" y="1769040"/>
-            <a:ext cx="9071280" cy="4384080"/>
+            <a:ext cx="9070560" cy="4383360"/>
           </a:xfrm>
           <a:prstGeom prst="rect">
             <a:avLst/>
@@ -5086,6 +4646,7 @@
                   </a:solidFill>
                 </a:uFill>
                 <a:latin typeface="Verdana"/>
+                <a:ea typeface="DejaVu Sans"/>
               </a:rPr>
               <a:t>Book authors are being undervalued by current online selling practices</a:t>
             </a:r>
@@ -5126,6 +4687,7 @@
                   </a:solidFill>
                 </a:uFill>
                 <a:latin typeface="Verdana"/>
+                <a:ea typeface="DejaVu Sans"/>
               </a:rPr>
               <a:t>Most places that sell authors’ products only offer the books</a:t>
             </a:r>
@@ -5166,6 +4728,7 @@
                   </a:solidFill>
                 </a:uFill>
                 <a:latin typeface="Verdana"/>
+                <a:ea typeface="DejaVu Sans"/>
               </a:rPr>
               <a:t>Marketing is time consuming</a:t>
             </a:r>
@@ -5234,14 +4797,14 @@
       </p:grpSpPr>
       <p:sp>
         <p:nvSpPr>
-          <p:cNvPr id="78" name="CustomShape 1"/>
+          <p:cNvPr id="76" name="CustomShape 1"/>
           <p:cNvSpPr/>
           <p:nvPr/>
         </p:nvSpPr>
         <p:spPr>
           <a:xfrm>
             <a:off x="478440" y="209880"/>
-            <a:ext cx="3361680" cy="1261800"/>
+            <a:ext cx="3360960" cy="1261080"/>
           </a:xfrm>
           <a:prstGeom prst="rect">
             <a:avLst/>
@@ -5276,6 +4839,7 @@
                   </a:solidFill>
                 </a:uFill>
                 <a:latin typeface="Verdana"/>
+                <a:ea typeface="DejaVu Sans"/>
               </a:rPr>
               <a:t>Solution</a:t>
             </a:r>
@@ -5295,14 +4859,14 @@
       </p:sp>
       <p:sp>
         <p:nvSpPr>
-          <p:cNvPr id="79" name="CustomShape 2"/>
+          <p:cNvPr id="77" name="CustomShape 2"/>
           <p:cNvSpPr/>
           <p:nvPr/>
         </p:nvSpPr>
         <p:spPr>
           <a:xfrm>
             <a:off x="365760" y="1828800"/>
-            <a:ext cx="8777880" cy="1554120"/>
+            <a:ext cx="8777160" cy="1553400"/>
           </a:xfrm>
           <a:prstGeom prst="rect">
             <a:avLst/>
@@ -5337,8 +4901,9 @@
                   </a:solidFill>
                 </a:uFill>
                 <a:latin typeface="Verdana"/>
+                <a:ea typeface="DejaVu Sans"/>
               </a:rPr>
-              <a:t>Web platform that helps authors </a:t>
+              <a:t>Web platform that helps actors, authors, and filmmakers: </a:t>
             </a:r>
             <a:endParaRPr b="0" lang="en-US" sz="1800" spc="-1" strike="noStrike">
               <a:solidFill>
@@ -5356,14 +4921,14 @@
       </p:sp>
       <p:sp>
         <p:nvSpPr>
-          <p:cNvPr id="80" name="CustomShape 3"/>
+          <p:cNvPr id="78" name="CustomShape 3"/>
           <p:cNvSpPr/>
           <p:nvPr/>
         </p:nvSpPr>
         <p:spPr>
           <a:xfrm>
             <a:off x="3474720" y="3657600"/>
-            <a:ext cx="2651400" cy="2468520"/>
+            <a:ext cx="2650680" cy="2467800"/>
           </a:xfrm>
           <a:prstGeom prst="rect">
             <a:avLst/>
@@ -5386,14 +4951,14 @@
       </p:sp>
       <p:sp>
         <p:nvSpPr>
-          <p:cNvPr id="81" name="CustomShape 4"/>
+          <p:cNvPr id="79" name="CustomShape 4"/>
           <p:cNvSpPr/>
           <p:nvPr/>
         </p:nvSpPr>
         <p:spPr>
           <a:xfrm>
             <a:off x="3571560" y="3931920"/>
-            <a:ext cx="2455560" cy="1816560"/>
+            <a:ext cx="2454840" cy="1815840"/>
           </a:xfrm>
           <a:prstGeom prst="rect">
             <a:avLst/>
@@ -5428,6 +4993,7 @@
                   </a:solidFill>
                 </a:uFill>
                 <a:latin typeface="Verdana"/>
+                <a:ea typeface="DejaVu Sans"/>
               </a:rPr>
               <a:t>Sell other items</a:t>
             </a:r>
@@ -5447,14 +5013,14 @@
       </p:sp>
       <p:sp>
         <p:nvSpPr>
-          <p:cNvPr id="82" name="CustomShape 5"/>
+          <p:cNvPr id="80" name="CustomShape 5"/>
           <p:cNvSpPr/>
           <p:nvPr/>
         </p:nvSpPr>
         <p:spPr>
           <a:xfrm>
             <a:off x="182880" y="3657600"/>
-            <a:ext cx="2925720" cy="2468520"/>
+            <a:ext cx="2925000" cy="2467800"/>
           </a:xfrm>
           <a:prstGeom prst="rect">
             <a:avLst/>
@@ -5477,14 +5043,14 @@
       </p:sp>
       <p:sp>
         <p:nvSpPr>
-          <p:cNvPr id="83" name="CustomShape 6"/>
+          <p:cNvPr id="81" name="CustomShape 6"/>
           <p:cNvSpPr/>
           <p:nvPr/>
         </p:nvSpPr>
         <p:spPr>
           <a:xfrm>
             <a:off x="365760" y="3931920"/>
-            <a:ext cx="2742840" cy="1816560"/>
+            <a:ext cx="2742120" cy="1815840"/>
           </a:xfrm>
           <a:prstGeom prst="rect">
             <a:avLst/>
@@ -5519,6 +5085,7 @@
                   </a:solidFill>
                 </a:uFill>
                 <a:latin typeface="Verdana"/>
+                <a:ea typeface="DejaVu Sans"/>
               </a:rPr>
               <a:t>Sell before they post on sites offering less</a:t>
             </a:r>
@@ -5538,14 +5105,14 @@
       </p:sp>
       <p:sp>
         <p:nvSpPr>
-          <p:cNvPr id="84" name="CustomShape 7"/>
+          <p:cNvPr id="82" name="CustomShape 7"/>
           <p:cNvSpPr/>
           <p:nvPr/>
         </p:nvSpPr>
         <p:spPr>
           <a:xfrm>
             <a:off x="6492240" y="3657600"/>
-            <a:ext cx="2742840" cy="2468520"/>
+            <a:ext cx="2742120" cy="2467800"/>
           </a:xfrm>
           <a:prstGeom prst="rect">
             <a:avLst/>
@@ -5568,14 +5135,14 @@
       </p:sp>
       <p:sp>
         <p:nvSpPr>
-          <p:cNvPr id="85" name="CustomShape 8"/>
+          <p:cNvPr id="83" name="CustomShape 8"/>
           <p:cNvSpPr/>
           <p:nvPr/>
         </p:nvSpPr>
         <p:spPr>
           <a:xfrm>
             <a:off x="6554160" y="3677040"/>
-            <a:ext cx="2625840" cy="1816560"/>
+            <a:ext cx="2625120" cy="1815840"/>
           </a:xfrm>
           <a:prstGeom prst="rect">
             <a:avLst/>
@@ -5610,6 +5177,7 @@
                   </a:solidFill>
                 </a:uFill>
                 <a:latin typeface="Verdana"/>
+                <a:ea typeface="DejaVu Sans"/>
               </a:rPr>
               <a:t>Reward orgs they belong to for helping with marketing</a:t>
             </a:r>
@@ -5678,14 +5246,14 @@
       </p:grpSpPr>
       <p:sp>
         <p:nvSpPr>
-          <p:cNvPr id="86" name="CustomShape 1"/>
+          <p:cNvPr id="84" name="CustomShape 1"/>
           <p:cNvSpPr/>
           <p:nvPr/>
         </p:nvSpPr>
         <p:spPr>
           <a:xfrm>
-            <a:off x="504000" y="301320"/>
-            <a:ext cx="9071280" cy="1261800"/>
+            <a:off x="6583680" y="103320"/>
+            <a:ext cx="3356640" cy="1267200"/>
           </a:xfrm>
           <a:prstGeom prst="rect">
             <a:avLst/>
@@ -5715,53 +5283,12 @@
                   </a:solidFill>
                 </a:uFill>
                 <a:latin typeface="Verdana"/>
+                <a:ea typeface="DejaVu Sans"/>
               </a:rPr>
-              <a:t>Market Validation</a:t>
+              <a:t>Product </a:t>
             </a:r>
-            <a:endParaRPr b="0" lang="en-US" sz="1800" spc="-1" strike="noStrike">
-              <a:solidFill>
-                <a:srgbClr val="000000"/>
-              </a:solidFill>
-              <a:uFill>
-                <a:solidFill>
-                  <a:srgbClr val="ffffff"/>
-                </a:solidFill>
-              </a:uFill>
-              <a:latin typeface="Arial"/>
-            </a:endParaRPr>
-          </a:p>
-        </p:txBody>
-      </p:sp>
-      <p:sp>
-        <p:nvSpPr>
-          <p:cNvPr id="87" name="CustomShape 2"/>
-          <p:cNvSpPr/>
-          <p:nvPr/>
-        </p:nvSpPr>
-        <p:spPr>
-          <a:xfrm>
-            <a:off x="163440" y="1769040"/>
-            <a:ext cx="9345960" cy="4445280"/>
-          </a:xfrm>
-          <a:prstGeom prst="rect">
-            <a:avLst/>
-          </a:prstGeom>
-          <a:noFill/>
-          <a:ln>
-            <a:noFill/>
-          </a:ln>
-        </p:spPr>
-        <p:style>
-          <a:lnRef idx="0"/>
-          <a:fillRef idx="0"/>
-          <a:effectRef idx="0"/>
-          <a:fontRef idx="minor"/>
-        </p:style>
-        <p:txBody>
-          <a:bodyPr lIns="0" rIns="0" tIns="0" bIns="0"/>
-          <a:p>
             <a:r>
-              <a:rPr b="0" lang="en-US" sz="3200" spc="-1" strike="noStrike">
+              <a:rPr b="0" lang="en-US" sz="3800" spc="-1" strike="noStrike">
                 <a:solidFill>
                   <a:srgbClr val="3c2154"/>
                 </a:solidFill>
@@ -5771,8 +5298,9 @@
                   </a:solidFill>
                 </a:uFill>
                 <a:latin typeface="Verdana"/>
+                <a:ea typeface="DejaVu Sans"/>
               </a:rPr>
-              <a:t>Some books do well on kickstarter, indiegogo</a:t>
+              <a:t>(for artists)</a:t>
             </a:r>
             <a:endParaRPr b="0" lang="en-US" sz="1800" spc="-1" strike="noStrike">
               <a:solidFill>
@@ -5786,144 +5314,11 @@
               <a:latin typeface="Arial"/>
             </a:endParaRPr>
           </a:p>
-          <a:p>
-            <a:endParaRPr b="0" lang="en-US" sz="1800" spc="-1" strike="noStrike">
-              <a:solidFill>
-                <a:srgbClr val="000000"/>
-              </a:solidFill>
-              <a:uFill>
-                <a:solidFill>
-                  <a:srgbClr val="ffffff"/>
-                </a:solidFill>
-              </a:uFill>
-              <a:latin typeface="Arial"/>
-            </a:endParaRPr>
-          </a:p>
-          <a:p>
-            <a:r>
-              <a:rPr b="0" lang="en-US" sz="3200" spc="-1" strike="noStrike">
-                <a:solidFill>
-                  <a:srgbClr val="3c2154"/>
-                </a:solidFill>
-                <a:uFill>
-                  <a:solidFill>
-                    <a:srgbClr val="ffffff"/>
-                  </a:solidFill>
-                </a:uFill>
-                <a:latin typeface="Verdana"/>
-              </a:rPr>
-              <a:t>Self published books on Amazon</a:t>
-            </a:r>
-            <a:endParaRPr b="0" lang="en-US" sz="1800" spc="-1" strike="noStrike">
-              <a:solidFill>
-                <a:srgbClr val="000000"/>
-              </a:solidFill>
-              <a:uFill>
-                <a:solidFill>
-                  <a:srgbClr val="ffffff"/>
-                </a:solidFill>
-              </a:uFill>
-              <a:latin typeface="Arial"/>
-            </a:endParaRPr>
-          </a:p>
-          <a:p>
-            <a:endParaRPr b="0" lang="en-US" sz="1800" spc="-1" strike="noStrike">
-              <a:solidFill>
-                <a:srgbClr val="000000"/>
-              </a:solidFill>
-              <a:uFill>
-                <a:solidFill>
-                  <a:srgbClr val="ffffff"/>
-                </a:solidFill>
-              </a:uFill>
-              <a:latin typeface="Arial"/>
-            </a:endParaRPr>
-          </a:p>
-          <a:p>
-            <a:r>
-              <a:rPr b="0" lang="en-US" sz="3200" spc="-1" strike="noStrike">
-                <a:solidFill>
-                  <a:srgbClr val="3c2154"/>
-                </a:solidFill>
-                <a:uFill>
-                  <a:solidFill>
-                    <a:srgbClr val="ffffff"/>
-                  </a:solidFill>
-                </a:uFill>
-                <a:latin typeface="Verdana"/>
-              </a:rPr>
-              <a:t>Writers receive monthly donations from fans on Patreon</a:t>
-            </a:r>
-            <a:endParaRPr b="0" lang="en-US" sz="1800" spc="-1" strike="noStrike">
-              <a:solidFill>
-                <a:srgbClr val="000000"/>
-              </a:solidFill>
-              <a:uFill>
-                <a:solidFill>
-                  <a:srgbClr val="ffffff"/>
-                </a:solidFill>
-              </a:uFill>
-              <a:latin typeface="Arial"/>
-            </a:endParaRPr>
-          </a:p>
-          <a:p>
-            <a:endParaRPr b="0" lang="en-US" sz="1800" spc="-1" strike="noStrike">
-              <a:solidFill>
-                <a:srgbClr val="000000"/>
-              </a:solidFill>
-              <a:uFill>
-                <a:solidFill>
-                  <a:srgbClr val="ffffff"/>
-                </a:solidFill>
-              </a:uFill>
-              <a:latin typeface="Arial"/>
-            </a:endParaRPr>
-          </a:p>
-          <a:p>
-            <a:r>
-              <a:rPr b="0" lang="en-US" sz="3200" spc="-1" strike="noStrike">
-                <a:solidFill>
-                  <a:srgbClr val="3c2154"/>
-                </a:solidFill>
-                <a:uFill>
-                  <a:solidFill>
-                    <a:srgbClr val="ffffff"/>
-                  </a:solidFill>
-                </a:uFill>
-                <a:latin typeface="Verdana"/>
-              </a:rPr>
-              <a:t>1200 authors already signed up on</a:t>
-            </a:r>
-            <a:endParaRPr b="0" lang="en-US" sz="1800" spc="-1" strike="noStrike">
-              <a:solidFill>
-                <a:srgbClr val="000000"/>
-              </a:solidFill>
-              <a:uFill>
-                <a:solidFill>
-                  <a:srgbClr val="ffffff"/>
-                </a:solidFill>
-              </a:uFill>
-              <a:latin typeface="Arial"/>
-            </a:endParaRPr>
-          </a:p>
-          <a:p>
-            <a:endParaRPr b="0" lang="en-US" sz="1800" spc="-1" strike="noStrike">
-              <a:solidFill>
-                <a:srgbClr val="000000"/>
-              </a:solidFill>
-              <a:uFill>
-                <a:solidFill>
-                  <a:srgbClr val="ffffff"/>
-                </a:solidFill>
-              </a:uFill>
-              <a:latin typeface="Arial"/>
-            </a:endParaRPr>
-          </a:p>
         </p:txBody>
       </p:sp>
       <p:pic>
         <p:nvPicPr>
-          <p:cNvPr id="88" name="" descr=""/>
+          <p:cNvPr id="85" name="" descr=""/>
           <p:cNvPicPr/>
           <p:nvPr/>
         </p:nvPicPr>
@@ -5933,8 +5328,202 @@
         </p:blipFill>
         <p:spPr>
           <a:xfrm>
-            <a:off x="7513920" y="4679280"/>
-            <a:ext cx="1904040" cy="1904040"/>
+            <a:off x="-182880" y="-437760"/>
+            <a:ext cx="6287400" cy="3536280"/>
+          </a:xfrm>
+          <a:prstGeom prst="rect">
+            <a:avLst/>
+          </a:prstGeom>
+          <a:ln>
+            <a:noFill/>
+          </a:ln>
+        </p:spPr>
+      </p:pic>
+      <p:sp>
+        <p:nvSpPr>
+          <p:cNvPr id="86" name="CustomShape 2"/>
+          <p:cNvSpPr/>
+          <p:nvPr/>
+        </p:nvSpPr>
+        <p:spPr>
+          <a:xfrm>
+            <a:off x="6468840" y="2011680"/>
+            <a:ext cx="3405600" cy="1279080"/>
+          </a:xfrm>
+          <a:prstGeom prst="rect">
+            <a:avLst/>
+          </a:prstGeom>
+          <a:noFill/>
+          <a:ln>
+            <a:noFill/>
+          </a:ln>
+        </p:spPr>
+        <p:style>
+          <a:lnRef idx="0"/>
+          <a:fillRef idx="0"/>
+          <a:effectRef idx="0"/>
+          <a:fontRef idx="minor"/>
+        </p:style>
+        <p:txBody>
+          <a:bodyPr lIns="0" rIns="0" tIns="0" bIns="0"/>
+          <a:p>
+            <a:r>
+              <a:rPr b="0" lang="en-US" sz="3200" spc="-1" strike="noStrike">
+                <a:solidFill>
+                  <a:srgbClr val="3c2154"/>
+                </a:solidFill>
+                <a:uFill>
+                  <a:solidFill>
+                    <a:srgbClr val="ffffff"/>
+                  </a:solidFill>
+                </a:uFill>
+                <a:latin typeface="Verdana"/>
+                <a:ea typeface="DejaVu Sans"/>
+              </a:rPr>
+              <a:t>Author Posts a project phase</a:t>
+            </a:r>
+            <a:endParaRPr b="0" lang="en-US" sz="1800" spc="-1" strike="noStrike">
+              <a:solidFill>
+                <a:srgbClr val="000000"/>
+              </a:solidFill>
+              <a:uFill>
+                <a:solidFill>
+                  <a:srgbClr val="ffffff"/>
+                </a:solidFill>
+              </a:uFill>
+              <a:latin typeface="Arial"/>
+            </a:endParaRPr>
+          </a:p>
+        </p:txBody>
+      </p:sp>
+      <p:sp>
+        <p:nvSpPr>
+          <p:cNvPr id="87" name="CustomShape 3"/>
+          <p:cNvSpPr/>
+          <p:nvPr/>
+        </p:nvSpPr>
+        <p:spPr>
+          <a:xfrm>
+            <a:off x="91440" y="4205160"/>
+            <a:ext cx="4590000" cy="1097280"/>
+          </a:xfrm>
+          <a:prstGeom prst="rect">
+            <a:avLst/>
+          </a:prstGeom>
+          <a:noFill/>
+          <a:ln>
+            <a:noFill/>
+          </a:ln>
+        </p:spPr>
+        <p:style>
+          <a:lnRef idx="0"/>
+          <a:fillRef idx="0"/>
+          <a:effectRef idx="0"/>
+          <a:fontRef idx="minor"/>
+        </p:style>
+        <p:txBody>
+          <a:bodyPr lIns="0" rIns="0" tIns="0" bIns="0"/>
+          <a:p>
+            <a:r>
+              <a:rPr b="0" lang="en-US" sz="3200" spc="-1" strike="noStrike">
+                <a:solidFill>
+                  <a:srgbClr val="3c2154"/>
+                </a:solidFill>
+                <a:uFill>
+                  <a:solidFill>
+                    <a:srgbClr val="ffffff"/>
+                  </a:solidFill>
+                </a:uFill>
+                <a:latin typeface="Verdana"/>
+                <a:ea typeface="DejaVu Sans"/>
+              </a:rPr>
+              <a:t>Get existing fans to sign up &amp; purchase</a:t>
+            </a:r>
+            <a:endParaRPr b="0" lang="en-US" sz="1800" spc="-1" strike="noStrike">
+              <a:solidFill>
+                <a:srgbClr val="000000"/>
+              </a:solidFill>
+              <a:uFill>
+                <a:solidFill>
+                  <a:srgbClr val="ffffff"/>
+                </a:solidFill>
+              </a:uFill>
+              <a:latin typeface="Arial"/>
+            </a:endParaRPr>
+          </a:p>
+        </p:txBody>
+      </p:sp>
+      <p:sp>
+        <p:nvSpPr>
+          <p:cNvPr id="88" name="CustomShape 4"/>
+          <p:cNvSpPr/>
+          <p:nvPr/>
+        </p:nvSpPr>
+        <p:spPr>
+          <a:xfrm>
+            <a:off x="274320" y="6234840"/>
+            <a:ext cx="4479480" cy="1170720"/>
+          </a:xfrm>
+          <a:prstGeom prst="rect">
+            <a:avLst/>
+          </a:prstGeom>
+          <a:noFill/>
+          <a:ln>
+            <a:noFill/>
+          </a:ln>
+        </p:spPr>
+        <p:style>
+          <a:lnRef idx="0"/>
+          <a:fillRef idx="0"/>
+          <a:effectRef idx="0"/>
+          <a:fontRef idx="minor"/>
+        </p:style>
+        <p:txBody>
+          <a:bodyPr lIns="0" rIns="0" tIns="0" bIns="0"/>
+          <a:p>
+            <a:r>
+              <a:rPr b="0" lang="en-US" sz="3200" spc="-1" strike="noStrike">
+                <a:solidFill>
+                  <a:srgbClr val="3c2154"/>
+                </a:solidFill>
+                <a:uFill>
+                  <a:solidFill>
+                    <a:srgbClr val="ffffff"/>
+                  </a:solidFill>
+                </a:uFill>
+                <a:latin typeface="Verdana"/>
+                <a:ea typeface="DejaVu Sans"/>
+              </a:rPr>
+              <a:t>Get organizations to tell their members </a:t>
+            </a:r>
+            <a:endParaRPr b="0" lang="en-US" sz="1800" spc="-1" strike="noStrike">
+              <a:solidFill>
+                <a:srgbClr val="000000"/>
+              </a:solidFill>
+              <a:uFill>
+                <a:solidFill>
+                  <a:srgbClr val="ffffff"/>
+                </a:solidFill>
+              </a:uFill>
+              <a:latin typeface="Arial"/>
+            </a:endParaRPr>
+          </a:p>
+        </p:txBody>
+      </p:sp>
+      <p:pic>
+        <p:nvPicPr>
+          <p:cNvPr id="89" name="" descr=""/>
+          <p:cNvPicPr/>
+          <p:nvPr/>
+        </p:nvPicPr>
+        <p:blipFill>
+          <a:blip r:embed="rId2"/>
+          <a:stretch/>
+        </p:blipFill>
+        <p:spPr>
+          <a:xfrm>
+            <a:off x="4846320" y="3052080"/>
+            <a:ext cx="5135760" cy="4042080"/>
           </a:xfrm>
           <a:prstGeom prst="rect">
             <a:avLst/>
@@ -5995,14 +5584,14 @@
       </p:grpSpPr>
       <p:sp>
         <p:nvSpPr>
-          <p:cNvPr id="89" name="CustomShape 1"/>
+          <p:cNvPr id="90" name="CustomShape 1"/>
           <p:cNvSpPr/>
           <p:nvPr/>
         </p:nvSpPr>
         <p:spPr>
           <a:xfrm>
             <a:off x="504000" y="301320"/>
-            <a:ext cx="9071280" cy="704160"/>
+            <a:ext cx="9070560" cy="1261080"/>
           </a:xfrm>
           <a:prstGeom prst="rect">
             <a:avLst/>
@@ -6032,8 +5621,24 @@
                   </a:solidFill>
                 </a:uFill>
                 <a:latin typeface="Verdana"/>
+                <a:ea typeface="DejaVu Sans"/>
               </a:rPr>
-              <a:t>Market Size</a:t>
+              <a:t>Product </a:t>
+            </a:r>
+            <a:r>
+              <a:rPr b="0" lang="en-US" sz="3800" spc="-1" strike="noStrike">
+                <a:solidFill>
+                  <a:srgbClr val="3c2154"/>
+                </a:solidFill>
+                <a:uFill>
+                  <a:solidFill>
+                    <a:srgbClr val="ffffff"/>
+                  </a:solidFill>
+                </a:uFill>
+                <a:latin typeface="Verdana"/>
+                <a:ea typeface="DejaVu Sans"/>
+              </a:rPr>
+              <a:t>(for fans)</a:t>
             </a:r>
             <a:endParaRPr b="0" lang="en-US" sz="1800" spc="-1" strike="noStrike">
               <a:solidFill>
@@ -6051,14 +5656,14 @@
       </p:sp>
       <p:sp>
         <p:nvSpPr>
-          <p:cNvPr id="90" name="CustomShape 2"/>
+          <p:cNvPr id="91" name="CustomShape 2"/>
           <p:cNvSpPr/>
           <p:nvPr/>
         </p:nvSpPr>
         <p:spPr>
           <a:xfrm>
-            <a:off x="457200" y="1920240"/>
-            <a:ext cx="9052200" cy="5775840"/>
+            <a:off x="163440" y="1769040"/>
+            <a:ext cx="9070560" cy="4383360"/>
           </a:xfrm>
           <a:prstGeom prst="rect">
             <a:avLst/>
@@ -6078,7 +5683,7 @@
           <a:bodyPr lIns="0" rIns="0" tIns="0" bIns="0"/>
           <a:p>
             <a:r>
-              <a:rPr b="1" lang="en-US" sz="3200" spc="-1" strike="noStrike">
+              <a:rPr b="0" lang="en-US" sz="3200" spc="-1" strike="noStrike">
                 <a:solidFill>
                   <a:srgbClr val="3c2154"/>
                 </a:solidFill>
@@ -6088,9 +5693,36 @@
                   </a:solidFill>
                 </a:uFill>
                 <a:latin typeface="Verdana"/>
+                <a:ea typeface="DejaVu Sans"/>
               </a:rPr>
-              <a:t>Kickstarter 2015</a:t>
+              <a:t>Fan goes to author or org page</a:t>
             </a:r>
+            <a:endParaRPr b="0" lang="en-US" sz="1800" spc="-1" strike="noStrike">
+              <a:solidFill>
+                <a:srgbClr val="000000"/>
+              </a:solidFill>
+              <a:uFill>
+                <a:solidFill>
+                  <a:srgbClr val="ffffff"/>
+                </a:solidFill>
+              </a:uFill>
+              <a:latin typeface="Arial"/>
+            </a:endParaRPr>
+          </a:p>
+          <a:p>
+            <a:endParaRPr b="0" lang="en-US" sz="1800" spc="-1" strike="noStrike">
+              <a:solidFill>
+                <a:srgbClr val="000000"/>
+              </a:solidFill>
+              <a:uFill>
+                <a:solidFill>
+                  <a:srgbClr val="ffffff"/>
+                </a:solidFill>
+              </a:uFill>
+              <a:latin typeface="Arial"/>
+            </a:endParaRPr>
+          </a:p>
+          <a:p>
             <a:r>
               <a:rPr b="0" lang="en-US" sz="3200" spc="-1" strike="noStrike">
                 <a:solidFill>
@@ -6102,9 +5734,23 @@
                   </a:solidFill>
                 </a:uFill>
                 <a:latin typeface="Verdana"/>
+                <a:ea typeface="DejaVu Sans"/>
               </a:rPr>
-              <a:t> </a:t>
+              <a:t>Selects perk to purchase</a:t>
             </a:r>
+            <a:endParaRPr b="0" lang="en-US" sz="1800" spc="-1" strike="noStrike">
+              <a:solidFill>
+                <a:srgbClr val="000000"/>
+              </a:solidFill>
+              <a:uFill>
+                <a:solidFill>
+                  <a:srgbClr val="ffffff"/>
+                </a:solidFill>
+              </a:uFill>
+              <a:latin typeface="Arial"/>
+            </a:endParaRPr>
+          </a:p>
+          <a:p>
             <a:endParaRPr b="0" lang="en-US" sz="1800" spc="-1" strike="noStrike">
               <a:solidFill>
                 <a:srgbClr val="000000"/>
@@ -6129,8 +5775,9 @@
                   </a:solidFill>
                 </a:uFill>
                 <a:latin typeface="Verdana"/>
+                <a:ea typeface="DejaVu Sans"/>
               </a:rPr>
-              <a:t>Literary journals: $200,000</a:t>
+              <a:t>Author sends perk asap</a:t>
             </a:r>
             <a:endParaRPr b="0" lang="en-US" sz="1800" spc="-1" strike="noStrike">
               <a:solidFill>
@@ -6156,8 +5803,9 @@
                   </a:solidFill>
                 </a:uFill>
                 <a:latin typeface="Verdana"/>
+                <a:ea typeface="DejaVu Sans"/>
               </a:rPr>
-              <a:t>Poetry: $300,000 </a:t>
+              <a:t> </a:t>
             </a:r>
             <a:endParaRPr b="0" lang="en-US" sz="1800" spc="-1" strike="noStrike">
               <a:solidFill>
@@ -6172,153 +5820,6 @@
             </a:endParaRPr>
           </a:p>
           <a:p>
-            <a:r>
-              <a:rPr b="0" lang="en-US" sz="3200" spc="-1" strike="noStrike">
-                <a:solidFill>
-                  <a:srgbClr val="3c2154"/>
-                </a:solidFill>
-                <a:uFill>
-                  <a:solidFill>
-                    <a:srgbClr val="ffffff"/>
-                  </a:solidFill>
-                </a:uFill>
-                <a:latin typeface="Verdana"/>
-              </a:rPr>
-              <a:t>Anthologies: $500,000</a:t>
-            </a:r>
-            <a:endParaRPr b="0" lang="en-US" sz="1800" spc="-1" strike="noStrike">
-              <a:solidFill>
-                <a:srgbClr val="000000"/>
-              </a:solidFill>
-              <a:uFill>
-                <a:solidFill>
-                  <a:srgbClr val="ffffff"/>
-                </a:solidFill>
-              </a:uFill>
-              <a:latin typeface="Arial"/>
-            </a:endParaRPr>
-          </a:p>
-          <a:p>
-            <a:r>
-              <a:rPr b="0" lang="en-US" sz="3200" spc="-1" strike="noStrike">
-                <a:solidFill>
-                  <a:srgbClr val="3c2154"/>
-                </a:solidFill>
-                <a:uFill>
-                  <a:solidFill>
-                    <a:srgbClr val="ffffff"/>
-                  </a:solidFill>
-                </a:uFill>
-                <a:latin typeface="Verdana"/>
-              </a:rPr>
-              <a:t>Art books: $4m</a:t>
-            </a:r>
-            <a:endParaRPr b="0" lang="en-US" sz="1800" spc="-1" strike="noStrike">
-              <a:solidFill>
-                <a:srgbClr val="000000"/>
-              </a:solidFill>
-              <a:uFill>
-                <a:solidFill>
-                  <a:srgbClr val="ffffff"/>
-                </a:solidFill>
-              </a:uFill>
-              <a:latin typeface="Arial"/>
-            </a:endParaRPr>
-          </a:p>
-          <a:p>
-            <a:endParaRPr b="0" lang="en-US" sz="1800" spc="-1" strike="noStrike">
-              <a:solidFill>
-                <a:srgbClr val="000000"/>
-              </a:solidFill>
-              <a:uFill>
-                <a:solidFill>
-                  <a:srgbClr val="ffffff"/>
-                </a:solidFill>
-              </a:uFill>
-              <a:latin typeface="Arial"/>
-            </a:endParaRPr>
-          </a:p>
-          <a:p>
-            <a:r>
-              <a:rPr b="0" lang="en-US" sz="3200" spc="-1" strike="noStrike">
-                <a:solidFill>
-                  <a:srgbClr val="3c2154"/>
-                </a:solidFill>
-                <a:uFill>
-                  <a:solidFill>
-                    <a:srgbClr val="ffffff"/>
-                  </a:solidFill>
-                </a:uFill>
-                <a:latin typeface="Verdana"/>
-              </a:rPr>
-              <a:t>Self published books on Amazon</a:t>
-            </a:r>
-            <a:endParaRPr b="0" lang="en-US" sz="1800" spc="-1" strike="noStrike">
-              <a:solidFill>
-                <a:srgbClr val="000000"/>
-              </a:solidFill>
-              <a:uFill>
-                <a:solidFill>
-                  <a:srgbClr val="ffffff"/>
-                </a:solidFill>
-              </a:uFill>
-              <a:latin typeface="Arial"/>
-            </a:endParaRPr>
-          </a:p>
-          <a:p>
-            <a:endParaRPr b="0" lang="en-US" sz="1800" spc="-1" strike="noStrike">
-              <a:solidFill>
-                <a:srgbClr val="000000"/>
-              </a:solidFill>
-              <a:uFill>
-                <a:solidFill>
-                  <a:srgbClr val="ffffff"/>
-                </a:solidFill>
-              </a:uFill>
-              <a:latin typeface="Arial"/>
-            </a:endParaRPr>
-          </a:p>
-          <a:p>
-            <a:r>
-              <a:rPr b="0" lang="en-US" sz="3200" spc="-1" strike="noStrike">
-                <a:solidFill>
-                  <a:srgbClr val="3c2154"/>
-                </a:solidFill>
-                <a:uFill>
-                  <a:solidFill>
-                    <a:srgbClr val="ffffff"/>
-                  </a:solidFill>
-                </a:uFill>
-                <a:latin typeface="Verdana"/>
-              </a:rPr>
-              <a:t>727000 Self-Published in 2015 in US</a:t>
-            </a:r>
-            <a:endParaRPr b="0" lang="en-US" sz="1800" spc="-1" strike="noStrike">
-              <a:solidFill>
-                <a:srgbClr val="000000"/>
-              </a:solidFill>
-              <a:uFill>
-                <a:solidFill>
-                  <a:srgbClr val="ffffff"/>
-                </a:solidFill>
-              </a:uFill>
-              <a:latin typeface="Arial"/>
-            </a:endParaRPr>
-          </a:p>
-          <a:p>
-            <a:endParaRPr b="0" lang="en-US" sz="1800" spc="-1" strike="noStrike">
-              <a:solidFill>
-                <a:srgbClr val="000000"/>
-              </a:solidFill>
-              <a:uFill>
-                <a:solidFill>
-                  <a:srgbClr val="ffffff"/>
-                </a:solidFill>
-              </a:uFill>
-              <a:latin typeface="Arial"/>
-            </a:endParaRPr>
-          </a:p>
-          <a:p>
             <a:endParaRPr b="0" lang="en-US" sz="1800" spc="-1" strike="noStrike">
               <a:solidFill>
                 <a:srgbClr val="000000"/>
@@ -6335,7 +5836,7 @@
       </p:sp>
       <p:pic>
         <p:nvPicPr>
-          <p:cNvPr id="91" name="" descr=""/>
+          <p:cNvPr id="92" name="" descr=""/>
           <p:cNvPicPr/>
           <p:nvPr/>
         </p:nvPicPr>
@@ -6345,8 +5846,8 @@
         </p:blipFill>
         <p:spPr>
           <a:xfrm>
-            <a:off x="7955280" y="301320"/>
-            <a:ext cx="1904040" cy="1904040"/>
+            <a:off x="7513920" y="4679280"/>
+            <a:ext cx="1903320" cy="1903320"/>
           </a:xfrm>
           <a:prstGeom prst="rect">
             <a:avLst/>
@@ -6407,14 +5908,14 @@
       </p:grpSpPr>
       <p:sp>
         <p:nvSpPr>
-          <p:cNvPr id="92" name="CustomShape 1"/>
+          <p:cNvPr id="93" name="CustomShape 1"/>
           <p:cNvSpPr/>
           <p:nvPr/>
         </p:nvSpPr>
         <p:spPr>
           <a:xfrm>
-            <a:off x="6583680" y="103320"/>
-            <a:ext cx="3357360" cy="1267920"/>
+            <a:off x="504000" y="301320"/>
+            <a:ext cx="7815960" cy="886320"/>
           </a:xfrm>
           <a:prstGeom prst="rect">
             <a:avLst/>
@@ -6444,11 +5945,59 @@
                   </a:solidFill>
                 </a:uFill>
                 <a:latin typeface="Verdana"/>
+                <a:ea typeface="DejaVu Sans"/>
               </a:rPr>
-              <a:t>Product </a:t>
+              <a:t>How much will all this cost me?</a:t>
             </a:r>
+            <a:endParaRPr b="0" lang="en-US" sz="1800" spc="-1" strike="noStrike">
+              <a:solidFill>
+                <a:srgbClr val="000000"/>
+              </a:solidFill>
+              <a:uFill>
+                <a:solidFill>
+                  <a:srgbClr val="ffffff"/>
+                </a:solidFill>
+              </a:uFill>
+              <a:latin typeface="Arial"/>
+            </a:endParaRPr>
+          </a:p>
+        </p:txBody>
+      </p:sp>
+      <p:sp>
+        <p:nvSpPr>
+          <p:cNvPr id="94" name="CustomShape 2"/>
+          <p:cNvSpPr/>
+          <p:nvPr/>
+        </p:nvSpPr>
+        <p:spPr>
+          <a:xfrm>
+            <a:off x="914400" y="1463040"/>
+            <a:ext cx="7313760" cy="5679360"/>
+          </a:xfrm>
+          <a:prstGeom prst="rect">
+            <a:avLst/>
+          </a:prstGeom>
+          <a:noFill/>
+          <a:ln>
+            <a:noFill/>
+          </a:ln>
+        </p:spPr>
+        <p:style>
+          <a:lnRef idx="0"/>
+          <a:fillRef idx="0"/>
+          <a:effectRef idx="0"/>
+          <a:fontRef idx="minor"/>
+        </p:style>
+        <p:txBody>
+          <a:bodyPr lIns="0" rIns="0" tIns="0" bIns="0"/>
+          <a:p>
+            <a:pPr algn="ctr">
+              <a:lnSpc>
+                <a:spcPct val="100000"/>
+              </a:lnSpc>
+            </a:pPr>
             <a:r>
-              <a:rPr b="0" lang="en-US" sz="3800" spc="-1" strike="noStrike">
+              <a:rPr b="0" lang="en-US" sz="3200" spc="-1" strike="noStrike">
                 <a:solidFill>
                   <a:srgbClr val="3c2154"/>
                 </a:solidFill>
@@ -6458,8 +6007,9 @@
                   </a:solidFill>
                 </a:uFill>
                 <a:latin typeface="Verdana"/>
+                <a:ea typeface="DejaVu Sans"/>
               </a:rPr>
-              <a:t>(for authors)</a:t>
+              <a:t>We take 5% commission.</a:t>
             </a:r>
             <a:endParaRPr b="0" lang="en-US" sz="1800" spc="-1" strike="noStrike">
               <a:solidFill>
@@ -6473,11 +6023,488 @@
               <a:latin typeface="Arial"/>
             </a:endParaRPr>
           </a:p>
+          <a:p>
+            <a:pPr>
+              <a:lnSpc>
+                <a:spcPct val="100000"/>
+              </a:lnSpc>
+            </a:pPr>
+            <a:r>
+              <a:rPr b="0" lang="en-US" sz="1600" spc="-1" strike="noStrike">
+                <a:solidFill>
+                  <a:srgbClr val="3c2154"/>
+                </a:solidFill>
+                <a:uFill>
+                  <a:solidFill>
+                    <a:srgbClr val="ffffff"/>
+                  </a:solidFill>
+                </a:uFill>
+                <a:latin typeface="Verdana"/>
+                <a:ea typeface="DejaVu Sans"/>
+              </a:rPr>
+              <a:t> </a:t>
+            </a:r>
+            <a:endParaRPr b="0" lang="en-US" sz="1800" spc="-1" strike="noStrike">
+              <a:solidFill>
+                <a:srgbClr val="000000"/>
+              </a:solidFill>
+              <a:uFill>
+                <a:solidFill>
+                  <a:srgbClr val="ffffff"/>
+                </a:solidFill>
+              </a:uFill>
+              <a:latin typeface="Arial"/>
+            </a:endParaRPr>
+          </a:p>
+          <a:p>
+            <a:pPr>
+              <a:lnSpc>
+                <a:spcPct val="100000"/>
+              </a:lnSpc>
+            </a:pPr>
+            <a:r>
+              <a:rPr b="0" lang="en-US" sz="3200" spc="-1" strike="noStrike">
+                <a:solidFill>
+                  <a:srgbClr val="3c2154"/>
+                </a:solidFill>
+                <a:uFill>
+                  <a:solidFill>
+                    <a:srgbClr val="ffffff"/>
+                  </a:solidFill>
+                </a:uFill>
+                <a:latin typeface="Verdana"/>
+                <a:ea typeface="DejaVu Sans"/>
+              </a:rPr>
+              <a:t>Future extra fees for:</a:t>
+            </a:r>
+            <a:endParaRPr b="0" lang="en-US" sz="1800" spc="-1" strike="noStrike">
+              <a:solidFill>
+                <a:srgbClr val="000000"/>
+              </a:solidFill>
+              <a:uFill>
+                <a:solidFill>
+                  <a:srgbClr val="ffffff"/>
+                </a:solidFill>
+              </a:uFill>
+              <a:latin typeface="Arial"/>
+            </a:endParaRPr>
+          </a:p>
+          <a:p>
+            <a:pPr>
+              <a:lnSpc>
+                <a:spcPct val="100000"/>
+              </a:lnSpc>
+            </a:pPr>
+            <a:r>
+              <a:rPr b="0" lang="en-US" sz="1600" spc="-1" strike="noStrike">
+                <a:solidFill>
+                  <a:srgbClr val="3c2154"/>
+                </a:solidFill>
+                <a:uFill>
+                  <a:solidFill>
+                    <a:srgbClr val="ffffff"/>
+                  </a:solidFill>
+                </a:uFill>
+                <a:latin typeface="Verdana"/>
+                <a:ea typeface="DejaVu Sans"/>
+              </a:rPr>
+              <a:t> </a:t>
+            </a:r>
+            <a:endParaRPr b="0" lang="en-US" sz="1800" spc="-1" strike="noStrike">
+              <a:solidFill>
+                <a:srgbClr val="000000"/>
+              </a:solidFill>
+              <a:uFill>
+                <a:solidFill>
+                  <a:srgbClr val="ffffff"/>
+                </a:solidFill>
+              </a:uFill>
+              <a:latin typeface="Arial"/>
+            </a:endParaRPr>
+          </a:p>
+          <a:p>
+            <a:pPr>
+              <a:lnSpc>
+                <a:spcPct val="100000"/>
+              </a:lnSpc>
+            </a:pPr>
+            <a:r>
+              <a:rPr b="0" i="1" lang="en-US" sz="2400" spc="-1" strike="noStrike">
+                <a:solidFill>
+                  <a:srgbClr val="3c2154"/>
+                </a:solidFill>
+                <a:uFill>
+                  <a:solidFill>
+                    <a:srgbClr val="ffffff"/>
+                  </a:solidFill>
+                </a:uFill>
+                <a:latin typeface="Verdana"/>
+                <a:ea typeface="DejaVu Sans"/>
+              </a:rPr>
+              <a:t>Authors</a:t>
+            </a:r>
+            <a:r>
+              <a:rPr b="0" lang="en-US" sz="2400" spc="-1" strike="noStrike">
+                <a:solidFill>
+                  <a:srgbClr val="3c2154"/>
+                </a:solidFill>
+                <a:uFill>
+                  <a:solidFill>
+                    <a:srgbClr val="ffffff"/>
+                  </a:solidFill>
+                </a:uFill>
+                <a:latin typeface="Verdana"/>
+                <a:ea typeface="DejaVu Sans"/>
+              </a:rPr>
+              <a:t>:</a:t>
+            </a:r>
+            <a:endParaRPr b="0" lang="en-US" sz="1800" spc="-1" strike="noStrike">
+              <a:solidFill>
+                <a:srgbClr val="000000"/>
+              </a:solidFill>
+              <a:uFill>
+                <a:solidFill>
+                  <a:srgbClr val="ffffff"/>
+                </a:solidFill>
+              </a:uFill>
+              <a:latin typeface="Arial"/>
+            </a:endParaRPr>
+          </a:p>
+          <a:p>
+            <a:pPr>
+              <a:lnSpc>
+                <a:spcPct val="100000"/>
+              </a:lnSpc>
+            </a:pPr>
+            <a:r>
+              <a:rPr b="0" lang="en-US" sz="2400" spc="-1" strike="noStrike">
+                <a:solidFill>
+                  <a:srgbClr val="3c2154"/>
+                </a:solidFill>
+                <a:uFill>
+                  <a:solidFill>
+                    <a:srgbClr val="ffffff"/>
+                  </a:solidFill>
+                </a:uFill>
+                <a:latin typeface="Verdana"/>
+                <a:ea typeface="DejaVu Sans"/>
+              </a:rPr>
+              <a:t>Get featured in sidebars, home page </a:t>
+            </a:r>
+            <a:endParaRPr b="0" lang="en-US" sz="1800" spc="-1" strike="noStrike">
+              <a:solidFill>
+                <a:srgbClr val="000000"/>
+              </a:solidFill>
+              <a:uFill>
+                <a:solidFill>
+                  <a:srgbClr val="ffffff"/>
+                </a:solidFill>
+              </a:uFill>
+              <a:latin typeface="Arial"/>
+            </a:endParaRPr>
+          </a:p>
+          <a:p>
+            <a:pPr>
+              <a:lnSpc>
+                <a:spcPct val="100000"/>
+              </a:lnSpc>
+            </a:pPr>
+            <a:r>
+              <a:rPr b="0" lang="en-US" sz="2400" spc="-1" strike="noStrike">
+                <a:solidFill>
+                  <a:srgbClr val="3c2154"/>
+                </a:solidFill>
+                <a:uFill>
+                  <a:solidFill>
+                    <a:srgbClr val="ffffff"/>
+                  </a:solidFill>
+                </a:uFill>
+                <a:latin typeface="Verdana"/>
+                <a:ea typeface="DejaVu Sans"/>
+              </a:rPr>
+              <a:t>Livestreaming</a:t>
+            </a:r>
+            <a:endParaRPr b="0" lang="en-US" sz="1800" spc="-1" strike="noStrike">
+              <a:solidFill>
+                <a:srgbClr val="000000"/>
+              </a:solidFill>
+              <a:uFill>
+                <a:solidFill>
+                  <a:srgbClr val="ffffff"/>
+                </a:solidFill>
+              </a:uFill>
+              <a:latin typeface="Arial"/>
+            </a:endParaRPr>
+          </a:p>
+          <a:p>
+            <a:pPr>
+              <a:lnSpc>
+                <a:spcPct val="100000"/>
+              </a:lnSpc>
+            </a:pPr>
+            <a:r>
+              <a:rPr b="0" lang="en-US" sz="2400" spc="-1" strike="noStrike">
+                <a:solidFill>
+                  <a:srgbClr val="3c2154"/>
+                </a:solidFill>
+                <a:uFill>
+                  <a:solidFill>
+                    <a:srgbClr val="ffffff"/>
+                  </a:solidFill>
+                </a:uFill>
+                <a:latin typeface="Verdana"/>
+                <a:ea typeface="DejaVu Sans"/>
+              </a:rPr>
+              <a:t>Maintaining fan email notifications</a:t>
+            </a:r>
+            <a:endParaRPr b="0" lang="en-US" sz="1800" spc="-1" strike="noStrike">
+              <a:solidFill>
+                <a:srgbClr val="000000"/>
+              </a:solidFill>
+              <a:uFill>
+                <a:solidFill>
+                  <a:srgbClr val="ffffff"/>
+                </a:solidFill>
+              </a:uFill>
+              <a:latin typeface="Arial"/>
+            </a:endParaRPr>
+          </a:p>
+          <a:p>
+            <a:pPr>
+              <a:lnSpc>
+                <a:spcPct val="100000"/>
+              </a:lnSpc>
+            </a:pPr>
+            <a:r>
+              <a:rPr b="0" lang="en-US" sz="2400" spc="-1" strike="noStrike">
+                <a:solidFill>
+                  <a:srgbClr val="3c2154"/>
+                </a:solidFill>
+                <a:uFill>
+                  <a:solidFill>
+                    <a:srgbClr val="ffffff"/>
+                  </a:solidFill>
+                </a:uFill>
+                <a:latin typeface="Verdana"/>
+                <a:ea typeface="DejaVu Sans"/>
+              </a:rPr>
+              <a:t>Event rsvps </a:t>
+            </a:r>
+            <a:endParaRPr b="0" lang="en-US" sz="1800" spc="-1" strike="noStrike">
+              <a:solidFill>
+                <a:srgbClr val="000000"/>
+              </a:solidFill>
+              <a:uFill>
+                <a:solidFill>
+                  <a:srgbClr val="ffffff"/>
+                </a:solidFill>
+              </a:uFill>
+              <a:latin typeface="Arial"/>
+            </a:endParaRPr>
+          </a:p>
+          <a:p>
+            <a:pPr>
+              <a:lnSpc>
+                <a:spcPct val="100000"/>
+              </a:lnSpc>
+            </a:pPr>
+            <a:endParaRPr b="0" lang="en-US" sz="1800" spc="-1" strike="noStrike">
+              <a:solidFill>
+                <a:srgbClr val="000000"/>
+              </a:solidFill>
+              <a:uFill>
+                <a:solidFill>
+                  <a:srgbClr val="ffffff"/>
+                </a:solidFill>
+              </a:uFill>
+              <a:latin typeface="Arial"/>
+            </a:endParaRPr>
+          </a:p>
+          <a:p>
+            <a:pPr>
+              <a:lnSpc>
+                <a:spcPct val="100000"/>
+              </a:lnSpc>
+            </a:pPr>
+            <a:r>
+              <a:rPr b="0" i="1" lang="en-US" sz="2400" spc="-1" strike="noStrike">
+                <a:solidFill>
+                  <a:srgbClr val="3c2154"/>
+                </a:solidFill>
+                <a:uFill>
+                  <a:solidFill>
+                    <a:srgbClr val="ffffff"/>
+                  </a:solidFill>
+                </a:uFill>
+                <a:latin typeface="Verdana"/>
+                <a:ea typeface="DejaVu Sans"/>
+              </a:rPr>
+              <a:t>Fans</a:t>
+            </a:r>
+            <a:r>
+              <a:rPr b="0" lang="en-US" sz="2400" spc="-1" strike="noStrike">
+                <a:solidFill>
+                  <a:srgbClr val="3c2154"/>
+                </a:solidFill>
+                <a:uFill>
+                  <a:solidFill>
+                    <a:srgbClr val="ffffff"/>
+                  </a:solidFill>
+                </a:uFill>
+                <a:latin typeface="Verdana"/>
+                <a:ea typeface="DejaVu Sans"/>
+              </a:rPr>
+              <a:t>:</a:t>
+            </a:r>
+            <a:endParaRPr b="0" lang="en-US" sz="1800" spc="-1" strike="noStrike">
+              <a:solidFill>
+                <a:srgbClr val="000000"/>
+              </a:solidFill>
+              <a:uFill>
+                <a:solidFill>
+                  <a:srgbClr val="ffffff"/>
+                </a:solidFill>
+              </a:uFill>
+              <a:latin typeface="Arial"/>
+            </a:endParaRPr>
+          </a:p>
+          <a:p>
+            <a:pPr>
+              <a:lnSpc>
+                <a:spcPct val="100000"/>
+              </a:lnSpc>
+            </a:pPr>
+            <a:r>
+              <a:rPr b="0" lang="en-US" sz="2400" spc="-1" strike="noStrike">
+                <a:solidFill>
+                  <a:srgbClr val="3c2154"/>
+                </a:solidFill>
+                <a:uFill>
+                  <a:solidFill>
+                    <a:srgbClr val="ffffff"/>
+                  </a:solidFill>
+                </a:uFill>
+                <a:latin typeface="Verdana"/>
+                <a:ea typeface="DejaVu Sans"/>
+              </a:rPr>
+              <a:t>Premium content</a:t>
+            </a:r>
+            <a:endParaRPr b="0" lang="en-US" sz="1800" spc="-1" strike="noStrike">
+              <a:solidFill>
+                <a:srgbClr val="000000"/>
+              </a:solidFill>
+              <a:uFill>
+                <a:solidFill>
+                  <a:srgbClr val="ffffff"/>
+                </a:solidFill>
+              </a:uFill>
+              <a:latin typeface="Arial"/>
+            </a:endParaRPr>
+          </a:p>
+          <a:p>
+            <a:pPr>
+              <a:lnSpc>
+                <a:spcPct val="100000"/>
+              </a:lnSpc>
+            </a:pPr>
+            <a:r>
+              <a:rPr b="0" lang="en-US" sz="2400" spc="-1" strike="noStrike">
+                <a:solidFill>
+                  <a:srgbClr val="3c2154"/>
+                </a:solidFill>
+                <a:uFill>
+                  <a:solidFill>
+                    <a:srgbClr val="ffffff"/>
+                  </a:solidFill>
+                </a:uFill>
+                <a:latin typeface="Verdana"/>
+                <a:ea typeface="DejaVu Sans"/>
+              </a:rPr>
+              <a:t>Featured reviews</a:t>
+            </a:r>
+            <a:endParaRPr b="0" lang="en-US" sz="1800" spc="-1" strike="noStrike">
+              <a:solidFill>
+                <a:srgbClr val="000000"/>
+              </a:solidFill>
+              <a:uFill>
+                <a:solidFill>
+                  <a:srgbClr val="ffffff"/>
+                </a:solidFill>
+              </a:uFill>
+              <a:latin typeface="Arial"/>
+            </a:endParaRPr>
+          </a:p>
+          <a:p>
+            <a:pPr>
+              <a:lnSpc>
+                <a:spcPct val="100000"/>
+              </a:lnSpc>
+            </a:pPr>
+            <a:r>
+              <a:rPr b="0" lang="en-US" sz="2400" spc="-1" strike="noStrike">
+                <a:solidFill>
+                  <a:srgbClr val="3c2154"/>
+                </a:solidFill>
+                <a:uFill>
+                  <a:solidFill>
+                    <a:srgbClr val="ffffff"/>
+                  </a:solidFill>
+                </a:uFill>
+                <a:latin typeface="Verdana"/>
+                <a:ea typeface="DejaVu Sans"/>
+              </a:rPr>
+              <a:t>Membership discounts.</a:t>
+            </a:r>
+            <a:r>
+              <a:rPr b="0" lang="en-US" sz="1200" spc="-1" strike="noStrike">
+                <a:solidFill>
+                  <a:srgbClr val="3c2154"/>
+                </a:solidFill>
+                <a:uFill>
+                  <a:solidFill>
+                    <a:srgbClr val="ffffff"/>
+                  </a:solidFill>
+                </a:uFill>
+                <a:latin typeface="Verdana"/>
+                <a:ea typeface="DejaVu Sans"/>
+              </a:rPr>
+              <a:t> </a:t>
+            </a:r>
+            <a:endParaRPr b="0" lang="en-US" sz="1800" spc="-1" strike="noStrike">
+              <a:solidFill>
+                <a:srgbClr val="000000"/>
+              </a:solidFill>
+              <a:uFill>
+                <a:solidFill>
+                  <a:srgbClr val="ffffff"/>
+                </a:solidFill>
+              </a:uFill>
+              <a:latin typeface="Arial"/>
+            </a:endParaRPr>
+          </a:p>
+          <a:p>
+            <a:pPr>
+              <a:lnSpc>
+                <a:spcPct val="100000"/>
+              </a:lnSpc>
+            </a:pPr>
+            <a:endParaRPr b="0" lang="en-US" sz="1800" spc="-1" strike="noStrike">
+              <a:solidFill>
+                <a:srgbClr val="000000"/>
+              </a:solidFill>
+              <a:uFill>
+                <a:solidFill>
+                  <a:srgbClr val="ffffff"/>
+                </a:solidFill>
+              </a:uFill>
+              <a:latin typeface="Arial"/>
+            </a:endParaRPr>
+          </a:p>
         </p:txBody>
       </p:sp>
       <p:pic>
         <p:nvPicPr>
-          <p:cNvPr id="93" name="" descr=""/>
+          <p:cNvPr id="95" name="" descr=""/>
           <p:cNvPicPr/>
           <p:nvPr/>
         </p:nvPicPr>
@@ -6487,199 +6514,8 @@
         </p:blipFill>
         <p:spPr>
           <a:xfrm>
-            <a:off x="-182880" y="-437760"/>
-            <a:ext cx="6288120" cy="3537000"/>
-          </a:xfrm>
-          <a:prstGeom prst="rect">
-            <a:avLst/>
-          </a:prstGeom>
-          <a:ln>
-            <a:noFill/>
-          </a:ln>
-        </p:spPr>
-      </p:pic>
-      <p:sp>
-        <p:nvSpPr>
-          <p:cNvPr id="94" name="CustomShape 2"/>
-          <p:cNvSpPr/>
-          <p:nvPr/>
-        </p:nvSpPr>
-        <p:spPr>
-          <a:xfrm>
-            <a:off x="6468840" y="2011680"/>
-            <a:ext cx="3406320" cy="1279800"/>
-          </a:xfrm>
-          <a:prstGeom prst="rect">
-            <a:avLst/>
-          </a:prstGeom>
-          <a:noFill/>
-          <a:ln>
-            <a:noFill/>
-          </a:ln>
-        </p:spPr>
-        <p:style>
-          <a:lnRef idx="0"/>
-          <a:fillRef idx="0"/>
-          <a:effectRef idx="0"/>
-          <a:fontRef idx="minor"/>
-        </p:style>
-        <p:txBody>
-          <a:bodyPr lIns="0" rIns="0" tIns="0" bIns="0"/>
-          <a:p>
-            <a:r>
-              <a:rPr b="0" lang="en-US" sz="3200" spc="-1" strike="noStrike">
-                <a:solidFill>
-                  <a:srgbClr val="3c2154"/>
-                </a:solidFill>
-                <a:uFill>
-                  <a:solidFill>
-                    <a:srgbClr val="ffffff"/>
-                  </a:solidFill>
-                </a:uFill>
-                <a:latin typeface="Verdana"/>
-              </a:rPr>
-              <a:t>Author Posts a project phase</a:t>
-            </a:r>
-            <a:endParaRPr b="0" lang="en-US" sz="1800" spc="-1" strike="noStrike">
-              <a:solidFill>
-                <a:srgbClr val="000000"/>
-              </a:solidFill>
-              <a:uFill>
-                <a:solidFill>
-                  <a:srgbClr val="ffffff"/>
-                </a:solidFill>
-              </a:uFill>
-              <a:latin typeface="Arial"/>
-            </a:endParaRPr>
-          </a:p>
-        </p:txBody>
-      </p:sp>
-      <p:sp>
-        <p:nvSpPr>
-          <p:cNvPr id="95" name="CustomShape 3"/>
-          <p:cNvSpPr/>
-          <p:nvPr/>
-        </p:nvSpPr>
-        <p:spPr>
-          <a:xfrm>
-            <a:off x="91440" y="4205160"/>
-            <a:ext cx="4590720" cy="1098000"/>
-          </a:xfrm>
-          <a:prstGeom prst="rect">
-            <a:avLst/>
-          </a:prstGeom>
-          <a:noFill/>
-          <a:ln>
-            <a:noFill/>
-          </a:ln>
-        </p:spPr>
-        <p:style>
-          <a:lnRef idx="0"/>
-          <a:fillRef idx="0"/>
-          <a:effectRef idx="0"/>
-          <a:fontRef idx="minor"/>
-        </p:style>
-        <p:txBody>
-          <a:bodyPr lIns="0" rIns="0" tIns="0" bIns="0"/>
-          <a:p>
-            <a:r>
-              <a:rPr b="0" lang="en-US" sz="3200" spc="-1" strike="noStrike">
-                <a:solidFill>
-                  <a:srgbClr val="3c2154"/>
-                </a:solidFill>
-                <a:uFill>
-                  <a:solidFill>
-                    <a:srgbClr val="ffffff"/>
-                  </a:solidFill>
-                </a:uFill>
-                <a:latin typeface="Verdana"/>
-              </a:rPr>
-              <a:t>Get existing fans to sign up &amp; purchase</a:t>
-            </a:r>
-            <a:endParaRPr b="0" lang="en-US" sz="1800" spc="-1" strike="noStrike">
-              <a:solidFill>
-                <a:srgbClr val="000000"/>
-              </a:solidFill>
-              <a:uFill>
-                <a:solidFill>
-                  <a:srgbClr val="ffffff"/>
-                </a:solidFill>
-              </a:uFill>
-              <a:latin typeface="Arial"/>
-            </a:endParaRPr>
-          </a:p>
-        </p:txBody>
-      </p:sp>
-      <p:sp>
-        <p:nvSpPr>
-          <p:cNvPr id="96" name="CustomShape 4"/>
-          <p:cNvSpPr/>
-          <p:nvPr/>
-        </p:nvSpPr>
-        <p:spPr>
-          <a:xfrm>
-            <a:off x="274320" y="6234840"/>
-            <a:ext cx="4480200" cy="1171440"/>
-          </a:xfrm>
-          <a:prstGeom prst="rect">
-            <a:avLst/>
-          </a:prstGeom>
-          <a:noFill/>
-          <a:ln>
-            <a:noFill/>
-          </a:ln>
-        </p:spPr>
-        <p:style>
-          <a:lnRef idx="0"/>
-          <a:fillRef idx="0"/>
-          <a:effectRef idx="0"/>
-          <a:fontRef idx="minor"/>
-        </p:style>
-        <p:txBody>
-          <a:bodyPr lIns="0" rIns="0" tIns="0" bIns="0"/>
-          <a:p>
-            <a:r>
-              <a:rPr b="0" lang="en-US" sz="3200" spc="-1" strike="noStrike">
-                <a:solidFill>
-                  <a:srgbClr val="3c2154"/>
-                </a:solidFill>
-                <a:uFill>
-                  <a:solidFill>
-                    <a:srgbClr val="ffffff"/>
-                  </a:solidFill>
-                </a:uFill>
-                <a:latin typeface="Verdana"/>
-              </a:rPr>
-              <a:t>Get organizations to tell their members </a:t>
-            </a:r>
-            <a:endParaRPr b="0" lang="en-US" sz="1800" spc="-1" strike="noStrike">
-              <a:solidFill>
-                <a:srgbClr val="000000"/>
-              </a:solidFill>
-              <a:uFill>
-                <a:solidFill>
-                  <a:srgbClr val="ffffff"/>
-                </a:solidFill>
-              </a:uFill>
-              <a:latin typeface="Arial"/>
-            </a:endParaRPr>
-          </a:p>
-        </p:txBody>
-      </p:sp>
-      <p:pic>
-        <p:nvPicPr>
-          <p:cNvPr id="97" name="" descr=""/>
-          <p:cNvPicPr/>
-          <p:nvPr/>
-        </p:nvPicPr>
-        <p:blipFill>
-          <a:blip r:embed="rId2"/>
-          <a:stretch/>
-        </p:blipFill>
-        <p:spPr>
-          <a:xfrm>
-            <a:off x="4846320" y="3052080"/>
-            <a:ext cx="5136480" cy="4042800"/>
+            <a:off x="7513920" y="4679280"/>
+            <a:ext cx="1903320" cy="1903320"/>
           </a:xfrm>
           <a:prstGeom prst="rect">
             <a:avLst/>
@@ -6740,14 +6576,14 @@
       </p:grpSpPr>
       <p:sp>
         <p:nvSpPr>
-          <p:cNvPr id="98" name="CustomShape 1"/>
+          <p:cNvPr id="96" name="CustomShape 1"/>
           <p:cNvSpPr/>
           <p:nvPr/>
         </p:nvSpPr>
         <p:spPr>
           <a:xfrm>
-            <a:off x="504000" y="301320"/>
-            <a:ext cx="9071280" cy="1261800"/>
+            <a:off x="457200" y="118440"/>
+            <a:ext cx="9600840" cy="887040"/>
           </a:xfrm>
           <a:prstGeom prst="rect">
             <a:avLst/>
@@ -6777,22 +6613,9 @@
                   </a:solidFill>
                 </a:uFill>
                 <a:latin typeface="Verdana"/>
+                <a:ea typeface="DejaVu Sans"/>
               </a:rPr>
-              <a:t>Product </a:t>
-            </a:r>
-            <a:r>
-              <a:rPr b="0" lang="en-US" sz="3800" spc="-1" strike="noStrike">
-                <a:solidFill>
-                  <a:srgbClr val="3c2154"/>
-                </a:solidFill>
-                <a:uFill>
-                  <a:solidFill>
-                    <a:srgbClr val="ffffff"/>
-                  </a:solidFill>
-                </a:uFill>
-                <a:latin typeface="Verdana"/>
-              </a:rPr>
-              <a:t>(for fans)</a:t>
+              <a:t>How We’re making          Grow</a:t>
             </a:r>
             <a:endParaRPr b="0" lang="en-US" sz="1800" spc="-1" strike="noStrike">
               <a:solidFill>
@@ -6808,185 +6631,9 @@
           </a:p>
         </p:txBody>
       </p:sp>
-      <p:sp>
-        <p:nvSpPr>
-          <p:cNvPr id="99" name="CustomShape 2"/>
-          <p:cNvSpPr/>
-          <p:nvPr/>
-        </p:nvSpPr>
-        <p:spPr>
-          <a:xfrm>
-            <a:off x="163440" y="1769040"/>
-            <a:ext cx="9071280" cy="4384080"/>
-          </a:xfrm>
-          <a:prstGeom prst="rect">
-            <a:avLst/>
-          </a:prstGeom>
-          <a:noFill/>
-          <a:ln>
-            <a:noFill/>
-          </a:ln>
-        </p:spPr>
-        <p:style>
-          <a:lnRef idx="0"/>
-          <a:fillRef idx="0"/>
-          <a:effectRef idx="0"/>
-          <a:fontRef idx="minor"/>
-        </p:style>
-        <p:txBody>
-          <a:bodyPr lIns="0" rIns="0" tIns="0" bIns="0"/>
-          <a:p>
-            <a:r>
-              <a:rPr b="0" lang="en-US" sz="3200" spc="-1" strike="noStrike">
-                <a:solidFill>
-                  <a:srgbClr val="3c2154"/>
-                </a:solidFill>
-                <a:uFill>
-                  <a:solidFill>
-                    <a:srgbClr val="ffffff"/>
-                  </a:solidFill>
-                </a:uFill>
-                <a:latin typeface="Verdana"/>
-              </a:rPr>
-              <a:t>Fan goes to author or org page</a:t>
-            </a:r>
-            <a:endParaRPr b="0" lang="en-US" sz="1800" spc="-1" strike="noStrike">
-              <a:solidFill>
-                <a:srgbClr val="000000"/>
-              </a:solidFill>
-              <a:uFill>
-                <a:solidFill>
-                  <a:srgbClr val="ffffff"/>
-                </a:solidFill>
-              </a:uFill>
-              <a:latin typeface="Arial"/>
-            </a:endParaRPr>
-          </a:p>
-          <a:p>
-            <a:endParaRPr b="0" lang="en-US" sz="1800" spc="-1" strike="noStrike">
-              <a:solidFill>
-                <a:srgbClr val="000000"/>
-              </a:solidFill>
-              <a:uFill>
-                <a:solidFill>
-                  <a:srgbClr val="ffffff"/>
-                </a:solidFill>
-              </a:uFill>
-              <a:latin typeface="Arial"/>
-            </a:endParaRPr>
-          </a:p>
-          <a:p>
-            <a:r>
-              <a:rPr b="0" lang="en-US" sz="3200" spc="-1" strike="noStrike">
-                <a:solidFill>
-                  <a:srgbClr val="3c2154"/>
-                </a:solidFill>
-                <a:uFill>
-                  <a:solidFill>
-                    <a:srgbClr val="ffffff"/>
-                  </a:solidFill>
-                </a:uFill>
-                <a:latin typeface="Verdana"/>
-              </a:rPr>
-              <a:t>Selects perk to purchase</a:t>
-            </a:r>
-            <a:endParaRPr b="0" lang="en-US" sz="1800" spc="-1" strike="noStrike">
-              <a:solidFill>
-                <a:srgbClr val="000000"/>
-              </a:solidFill>
-              <a:uFill>
-                <a:solidFill>
-                  <a:srgbClr val="ffffff"/>
-                </a:solidFill>
-              </a:uFill>
-              <a:latin typeface="Arial"/>
-            </a:endParaRPr>
-          </a:p>
-          <a:p>
-            <a:endParaRPr b="0" lang="en-US" sz="1800" spc="-1" strike="noStrike">
-              <a:solidFill>
-                <a:srgbClr val="000000"/>
-              </a:solidFill>
-              <a:uFill>
-                <a:solidFill>
-                  <a:srgbClr val="ffffff"/>
-                </a:solidFill>
-              </a:uFill>
-              <a:latin typeface="Arial"/>
-            </a:endParaRPr>
-          </a:p>
-          <a:p>
-            <a:r>
-              <a:rPr b="0" lang="en-US" sz="3200" spc="-1" strike="noStrike">
-                <a:solidFill>
-                  <a:srgbClr val="3c2154"/>
-                </a:solidFill>
-                <a:uFill>
-                  <a:solidFill>
-                    <a:srgbClr val="ffffff"/>
-                  </a:solidFill>
-                </a:uFill>
-                <a:latin typeface="Verdana"/>
-              </a:rPr>
-              <a:t>Author sends perk asap</a:t>
-            </a:r>
-            <a:endParaRPr b="0" lang="en-US" sz="1800" spc="-1" strike="noStrike">
-              <a:solidFill>
-                <a:srgbClr val="000000"/>
-              </a:solidFill>
-              <a:uFill>
-                <a:solidFill>
-                  <a:srgbClr val="ffffff"/>
-                </a:solidFill>
-              </a:uFill>
-              <a:latin typeface="Arial"/>
-            </a:endParaRPr>
-          </a:p>
-          <a:p>
-            <a:r>
-              <a:rPr b="0" lang="en-US" sz="3200" spc="-1" strike="noStrike">
-                <a:solidFill>
-                  <a:srgbClr val="3c2154"/>
-                </a:solidFill>
-                <a:uFill>
-                  <a:solidFill>
-                    <a:srgbClr val="ffffff"/>
-                  </a:solidFill>
-                </a:uFill>
-                <a:latin typeface="Verdana"/>
-              </a:rPr>
-              <a:t> </a:t>
-            </a:r>
-            <a:endParaRPr b="0" lang="en-US" sz="1800" spc="-1" strike="noStrike">
-              <a:solidFill>
-                <a:srgbClr val="000000"/>
-              </a:solidFill>
-              <a:uFill>
-                <a:solidFill>
-                  <a:srgbClr val="ffffff"/>
-                </a:solidFill>
-              </a:uFill>
-              <a:latin typeface="Arial"/>
-            </a:endParaRPr>
-          </a:p>
-          <a:p>
-            <a:endParaRPr b="0" lang="en-US" sz="1800" spc="-1" strike="noStrike">
-              <a:solidFill>
-                <a:srgbClr val="000000"/>
-              </a:solidFill>
-              <a:uFill>
-                <a:solidFill>
-                  <a:srgbClr val="ffffff"/>
-                </a:solidFill>
-              </a:uFill>
-              <a:latin typeface="Arial"/>
-            </a:endParaRPr>
-          </a:p>
-        </p:txBody>
-      </p:sp>
       <p:pic>
         <p:nvPicPr>
-          <p:cNvPr id="100" name="" descr=""/>
+          <p:cNvPr id="97" name="" descr=""/>
           <p:cNvPicPr/>
           <p:nvPr/>
         </p:nvPicPr>
@@ -6996,8 +6643,8 @@
         </p:blipFill>
         <p:spPr>
           <a:xfrm>
-            <a:off x="7513920" y="4679280"/>
-            <a:ext cx="1904040" cy="1904040"/>
+            <a:off x="6417720" y="108360"/>
+            <a:ext cx="1903320" cy="1903320"/>
           </a:xfrm>
           <a:prstGeom prst="rect">
             <a:avLst/>
@@ -7007,6 +6654,278 @@
           </a:ln>
         </p:spPr>
       </p:pic>
+      <p:sp>
+        <p:nvSpPr>
+          <p:cNvPr id="98" name="CustomShape 2"/>
+          <p:cNvSpPr/>
+          <p:nvPr/>
+        </p:nvSpPr>
+        <p:spPr>
+          <a:xfrm>
+            <a:off x="4846320" y="6353280"/>
+            <a:ext cx="3033000" cy="987120"/>
+          </a:xfrm>
+          <a:prstGeom prst="rect">
+            <a:avLst/>
+          </a:prstGeom>
+          <a:noFill/>
+          <a:ln>
+            <a:noFill/>
+          </a:ln>
+        </p:spPr>
+        <p:style>
+          <a:lnRef idx="0"/>
+          <a:fillRef idx="0"/>
+          <a:effectRef idx="0"/>
+          <a:fontRef idx="minor"/>
+        </p:style>
+        <p:txBody>
+          <a:bodyPr lIns="0" rIns="0" tIns="0" bIns="0"/>
+          <a:p>
+            <a:pPr algn="ctr">
+              <a:lnSpc>
+                <a:spcPct val="100000"/>
+              </a:lnSpc>
+            </a:pPr>
+            <a:r>
+              <a:rPr b="0" lang="en-US" sz="3200" spc="-1" strike="noStrike">
+                <a:solidFill>
+                  <a:srgbClr val="3c2154"/>
+                </a:solidFill>
+                <a:uFill>
+                  <a:solidFill>
+                    <a:srgbClr val="ffffff"/>
+                  </a:solidFill>
+                </a:uFill>
+                <a:latin typeface="Verdana"/>
+                <a:ea typeface="DejaVu Sans"/>
+              </a:rPr>
+              <a:t>1200 </a:t>
+            </a:r>
+            <a:endParaRPr b="0" lang="en-US" sz="1800" spc="-1" strike="noStrike">
+              <a:solidFill>
+                <a:srgbClr val="000000"/>
+              </a:solidFill>
+              <a:uFill>
+                <a:solidFill>
+                  <a:srgbClr val="ffffff"/>
+                </a:solidFill>
+              </a:uFill>
+              <a:latin typeface="Arial"/>
+            </a:endParaRPr>
+          </a:p>
+          <a:p>
+            <a:pPr>
+              <a:lnSpc>
+                <a:spcPct val="100000"/>
+              </a:lnSpc>
+            </a:pPr>
+            <a:r>
+              <a:rPr b="0" lang="en-US" sz="3200" spc="-1" strike="noStrike">
+                <a:solidFill>
+                  <a:srgbClr val="3c2154"/>
+                </a:solidFill>
+                <a:uFill>
+                  <a:solidFill>
+                    <a:srgbClr val="ffffff"/>
+                  </a:solidFill>
+                </a:uFill>
+                <a:latin typeface="Verdana"/>
+                <a:ea typeface="DejaVu Sans"/>
+              </a:rPr>
+              <a:t>existing users</a:t>
+            </a:r>
+            <a:endParaRPr b="0" lang="en-US" sz="1800" spc="-1" strike="noStrike">
+              <a:solidFill>
+                <a:srgbClr val="000000"/>
+              </a:solidFill>
+              <a:uFill>
+                <a:solidFill>
+                  <a:srgbClr val="ffffff"/>
+                </a:solidFill>
+              </a:uFill>
+              <a:latin typeface="Arial"/>
+            </a:endParaRPr>
+          </a:p>
+        </p:txBody>
+      </p:sp>
+      <p:sp>
+        <p:nvSpPr>
+          <p:cNvPr id="99" name="CustomShape 3"/>
+          <p:cNvSpPr/>
+          <p:nvPr/>
+        </p:nvSpPr>
+        <p:spPr>
+          <a:xfrm>
+            <a:off x="182880" y="1103040"/>
+            <a:ext cx="2742120" cy="1736280"/>
+          </a:xfrm>
+          <a:prstGeom prst="rect">
+            <a:avLst/>
+          </a:prstGeom>
+          <a:solidFill>
+            <a:srgbClr val="3d2754"/>
+          </a:solidFill>
+          <a:ln>
+            <a:solidFill>
+              <a:srgbClr val="3465a4"/>
+            </a:solidFill>
+          </a:ln>
+        </p:spPr>
+        <p:style>
+          <a:lnRef idx="0"/>
+          <a:fillRef idx="0"/>
+          <a:effectRef idx="0"/>
+          <a:fontRef idx="minor"/>
+        </p:style>
+      </p:sp>
+      <p:sp>
+        <p:nvSpPr>
+          <p:cNvPr id="100" name="CustomShape 4"/>
+          <p:cNvSpPr/>
+          <p:nvPr/>
+        </p:nvSpPr>
+        <p:spPr>
+          <a:xfrm>
+            <a:off x="346320" y="1194480"/>
+            <a:ext cx="2487240" cy="1481040"/>
+          </a:xfrm>
+          <a:prstGeom prst="rect">
+            <a:avLst/>
+          </a:prstGeom>
+          <a:noFill/>
+          <a:ln>
+            <a:noFill/>
+          </a:ln>
+        </p:spPr>
+        <p:style>
+          <a:lnRef idx="0"/>
+          <a:fillRef idx="0"/>
+          <a:effectRef idx="0"/>
+          <a:fontRef idx="minor"/>
+        </p:style>
+        <p:txBody>
+          <a:bodyPr lIns="0" rIns="0" tIns="0" bIns="0"/>
+          <a:p>
+            <a:pPr algn="ctr">
+              <a:lnSpc>
+                <a:spcPct val="100000"/>
+              </a:lnSpc>
+            </a:pPr>
+            <a:r>
+              <a:rPr b="0" lang="en-US" sz="3200" spc="-1" strike="noStrike">
+                <a:solidFill>
+                  <a:srgbClr val="ffffff"/>
+                </a:solidFill>
+                <a:uFill>
+                  <a:solidFill>
+                    <a:srgbClr val="ffffff"/>
+                  </a:solidFill>
+                </a:uFill>
+                <a:latin typeface="Verdana"/>
+                <a:ea typeface="DejaVu Sans"/>
+              </a:rPr>
+              <a:t>Work one on one with artists</a:t>
+            </a:r>
+            <a:endParaRPr b="0" lang="en-US" sz="1800" spc="-1" strike="noStrike">
+              <a:solidFill>
+                <a:srgbClr val="000000"/>
+              </a:solidFill>
+              <a:uFill>
+                <a:solidFill>
+                  <a:srgbClr val="ffffff"/>
+                </a:solidFill>
+              </a:uFill>
+              <a:latin typeface="Arial"/>
+            </a:endParaRPr>
+          </a:p>
+        </p:txBody>
+      </p:sp>
+      <p:pic>
+        <p:nvPicPr>
+          <p:cNvPr id="101" name="" descr=""/>
+          <p:cNvPicPr/>
+          <p:nvPr/>
+        </p:nvPicPr>
+        <p:blipFill>
+          <a:blip r:embed="rId2"/>
+          <a:stretch/>
+        </p:blipFill>
+        <p:spPr>
+          <a:xfrm>
+            <a:off x="1737360" y="3954960"/>
+            <a:ext cx="5393880" cy="1804680"/>
+          </a:xfrm>
+          <a:prstGeom prst="rect">
+            <a:avLst/>
+          </a:prstGeom>
+          <a:ln>
+            <a:noFill/>
+          </a:ln>
+        </p:spPr>
+      </p:pic>
+      <p:sp>
+        <p:nvSpPr>
+          <p:cNvPr id="102" name="CustomShape 5"/>
+          <p:cNvSpPr/>
+          <p:nvPr/>
+        </p:nvSpPr>
+        <p:spPr>
+          <a:xfrm>
+            <a:off x="2468880" y="2926080"/>
+            <a:ext cx="3930840" cy="1187640"/>
+          </a:xfrm>
+          <a:prstGeom prst="rect">
+            <a:avLst/>
+          </a:prstGeom>
+          <a:noFill/>
+          <a:ln>
+            <a:noFill/>
+          </a:ln>
+        </p:spPr>
+        <p:style>
+          <a:lnRef idx="0"/>
+          <a:fillRef idx="0"/>
+          <a:effectRef idx="0"/>
+          <a:fontRef idx="minor"/>
+        </p:style>
+        <p:txBody>
+          <a:bodyPr lIns="0" rIns="0" tIns="0" bIns="0"/>
+          <a:p>
+            <a:pPr algn="ctr">
+              <a:lnSpc>
+                <a:spcPct val="100000"/>
+              </a:lnSpc>
+            </a:pPr>
+            <a:r>
+              <a:rPr b="0" lang="en-US" sz="3200" spc="-1" strike="noStrike">
+                <a:solidFill>
+                  <a:srgbClr val="3c2154"/>
+                </a:solidFill>
+                <a:uFill>
+                  <a:solidFill>
+                    <a:srgbClr val="ffffff"/>
+                  </a:solidFill>
+                </a:uFill>
+                <a:latin typeface="Verdana"/>
+                <a:ea typeface="DejaVu Sans"/>
+              </a:rPr>
+              <a:t>Lisa’s 80s Catholic High School Movie</a:t>
+            </a:r>
+            <a:endParaRPr b="0" lang="en-US" sz="1800" spc="-1" strike="noStrike">
+              <a:solidFill>
+                <a:srgbClr val="000000"/>
+              </a:solidFill>
+              <a:uFill>
+                <a:solidFill>
+                  <a:srgbClr val="ffffff"/>
+                </a:solidFill>
+              </a:uFill>
+              <a:latin typeface="Arial"/>
+            </a:endParaRPr>
+          </a:p>
+        </p:txBody>
+      </p:sp>
     </p:spTree>
   </p:cSld>
   <p:timing>
@@ -7058,14 +6977,14 @@
       </p:grpSpPr>
       <p:sp>
         <p:nvSpPr>
-          <p:cNvPr id="101" name="CustomShape 1"/>
+          <p:cNvPr id="103" name="CustomShape 1"/>
           <p:cNvSpPr/>
           <p:nvPr/>
         </p:nvSpPr>
         <p:spPr>
           <a:xfrm>
-            <a:off x="504000" y="301320"/>
-            <a:ext cx="7816680" cy="887040"/>
+            <a:off x="91440" y="914400"/>
+            <a:ext cx="9989280" cy="1645920"/>
           </a:xfrm>
           <a:prstGeom prst="rect">
             <a:avLst/>
@@ -7095,8 +7014,9 @@
                   </a:solidFill>
                 </a:uFill>
                 <a:latin typeface="Verdana"/>
+                <a:ea typeface="DejaVu Sans"/>
               </a:rPr>
-              <a:t>Business Model</a:t>
+              <a:t>Why              is better than other sites</a:t>
             </a:r>
             <a:endParaRPr b="0" lang="en-US" sz="1800" spc="-1" strike="noStrike">
               <a:solidFill>
@@ -7114,14 +7034,14 @@
       </p:sp>
       <p:sp>
         <p:nvSpPr>
-          <p:cNvPr id="102" name="CustomShape 2"/>
+          <p:cNvPr id="104" name="CustomShape 2"/>
           <p:cNvSpPr/>
           <p:nvPr/>
         </p:nvSpPr>
         <p:spPr>
           <a:xfrm>
-            <a:off x="914400" y="1463040"/>
-            <a:ext cx="7314480" cy="5680080"/>
+            <a:off x="274320" y="3017520"/>
+            <a:ext cx="9692640" cy="3980880"/>
           </a:xfrm>
           <a:prstGeom prst="rect">
             <a:avLst/>
@@ -7140,13 +7060,8 @@
         <p:txBody>
           <a:bodyPr lIns="0" rIns="0" tIns="0" bIns="0"/>
           <a:p>
-            <a:pPr algn="ctr">
-              <a:lnSpc>
-                <a:spcPct val="100000"/>
-              </a:lnSpc>
-            </a:pPr>
             <a:r>
-              <a:rPr b="0" lang="en-US" sz="3200" spc="-1" strike="noStrike">
+              <a:rPr b="0" lang="en-US" sz="2200" spc="-1" strike="noStrike">
                 <a:solidFill>
                   <a:srgbClr val="3c2154"/>
                 </a:solidFill>
@@ -7156,8 +7071,9 @@
                   </a:solidFill>
                 </a:uFill>
                 <a:latin typeface="Verdana"/>
+                <a:ea typeface="DejaVu Sans"/>
               </a:rPr>
-              <a:t>We take 5% commission.</a:t>
+              <a:t>Authors’ organizations can do the marketing</a:t>
             </a:r>
             <a:endParaRPr b="0" lang="en-US" sz="1800" spc="-1" strike="noStrike">
               <a:solidFill>
@@ -7172,13 +7088,21 @@
             </a:endParaRPr>
           </a:p>
           <a:p>
-            <a:pPr>
-              <a:lnSpc>
-                <a:spcPct val="100000"/>
-              </a:lnSpc>
-            </a:pPr>
+            <a:endParaRPr b="0" lang="en-US" sz="1800" spc="-1" strike="noStrike">
+              <a:solidFill>
+                <a:srgbClr val="000000"/>
+              </a:solidFill>
+              <a:uFill>
+                <a:solidFill>
+                  <a:srgbClr val="ffffff"/>
+                </a:solidFill>
+              </a:uFill>
+              <a:latin typeface="Arial"/>
+            </a:endParaRPr>
+          </a:p>
+          <a:p>
             <a:r>
-              <a:rPr b="0" lang="en-US" sz="1600" spc="-1" strike="noStrike">
+              <a:rPr b="0" lang="en-US" sz="2200" spc="-1" strike="noStrike">
                 <a:solidFill>
                   <a:srgbClr val="3c2154"/>
                 </a:solidFill>
@@ -7188,8 +7112,9 @@
                   </a:solidFill>
                 </a:uFill>
                 <a:latin typeface="Verdana"/>
+                <a:ea typeface="DejaVu Sans"/>
               </a:rPr>
-              <a:t> </a:t>
+              <a:t>Authors earn revenue for many creative products </a:t>
             </a:r>
             <a:endParaRPr b="0" lang="en-US" sz="1800" spc="-1" strike="noStrike">
               <a:solidFill>
@@ -7204,13 +7129,21 @@
             </a:endParaRPr>
           </a:p>
           <a:p>
-            <a:pPr>
-              <a:lnSpc>
-                <a:spcPct val="100000"/>
-              </a:lnSpc>
-            </a:pPr>
+            <a:endParaRPr b="0" lang="en-US" sz="1800" spc="-1" strike="noStrike">
+              <a:solidFill>
+                <a:srgbClr val="000000"/>
+              </a:solidFill>
+              <a:uFill>
+                <a:solidFill>
+                  <a:srgbClr val="ffffff"/>
+                </a:solidFill>
+              </a:uFill>
+              <a:latin typeface="Arial"/>
+            </a:endParaRPr>
+          </a:p>
+          <a:p>
             <a:r>
-              <a:rPr b="0" lang="en-US" sz="3200" spc="-1" strike="noStrike">
+              <a:rPr b="0" lang="en-US" sz="2200" spc="-1" strike="noStrike">
                 <a:solidFill>
                   <a:srgbClr val="3c2154"/>
                 </a:solidFill>
@@ -7220,8 +7153,9 @@
                   </a:solidFill>
                 </a:uFill>
                 <a:latin typeface="Verdana"/>
+                <a:ea typeface="DejaVu Sans"/>
               </a:rPr>
-              <a:t>Future extra fees for:</a:t>
+              <a:t>Rather than offering one book only every year or two, authors offer something once a month </a:t>
             </a:r>
             <a:endParaRPr b="0" lang="en-US" sz="1800" spc="-1" strike="noStrike">
               <a:solidFill>
@@ -7236,13 +7170,21 @@
             </a:endParaRPr>
           </a:p>
           <a:p>
-            <a:pPr>
-              <a:lnSpc>
-                <a:spcPct val="100000"/>
-              </a:lnSpc>
-            </a:pPr>
+            <a:endParaRPr b="0" lang="en-US" sz="1800" spc="-1" strike="noStrike">
+              <a:solidFill>
+                <a:srgbClr val="000000"/>
+              </a:solidFill>
+              <a:uFill>
+                <a:solidFill>
+                  <a:srgbClr val="ffffff"/>
+                </a:solidFill>
+              </a:uFill>
+              <a:latin typeface="Arial"/>
+            </a:endParaRPr>
+          </a:p>
+          <a:p>
             <a:r>
-              <a:rPr b="0" lang="en-US" sz="1600" spc="-1" strike="noStrike">
+              <a:rPr b="0" lang="en-US" sz="2200" spc="-1" strike="noStrike">
                 <a:solidFill>
                   <a:srgbClr val="3c2154"/>
                 </a:solidFill>
@@ -7252,8 +7194,9 @@
                   </a:solidFill>
                 </a:uFill>
                 <a:latin typeface="Verdana"/>
+                <a:ea typeface="DejaVu Sans"/>
               </a:rPr>
-              <a:t> </a:t>
+              <a:t>CrowdPublish.TV acquires authors &amp; fans before book is complete – before they’re acquired by competition</a:t>
             </a:r>
             <a:endParaRPr b="0" lang="en-US" sz="1800" spc="-1" strike="noStrike">
               <a:solidFill>
@@ -7268,13 +7211,21 @@
             </a:endParaRPr>
           </a:p>
           <a:p>
-            <a:pPr>
-              <a:lnSpc>
-                <a:spcPct val="100000"/>
-              </a:lnSpc>
-            </a:pPr>
+            <a:endParaRPr b="0" lang="en-US" sz="1800" spc="-1" strike="noStrike">
+              <a:solidFill>
+                <a:srgbClr val="000000"/>
+              </a:solidFill>
+              <a:uFill>
+                <a:solidFill>
+                  <a:srgbClr val="ffffff"/>
+                </a:solidFill>
+              </a:uFill>
+              <a:latin typeface="Arial"/>
+            </a:endParaRPr>
+          </a:p>
+          <a:p>
             <a:r>
-              <a:rPr b="0" i="1" lang="en-US" sz="2400" spc="-1" strike="noStrike">
+              <a:rPr b="0" lang="en-US" sz="2200" spc="-1" strike="noStrike">
                 <a:solidFill>
                   <a:srgbClr val="3c2154"/>
                 </a:solidFill>
@@ -7284,22 +7235,9 @@
                   </a:solidFill>
                 </a:uFill>
                 <a:latin typeface="Verdana"/>
+                <a:ea typeface="DejaVu Sans"/>
               </a:rPr>
-              <a:t>Authors</a:t>
-            </a:r>
-            <a:r>
-              <a:rPr b="0" lang="en-US" sz="2400" spc="-1" strike="noStrike">
-                <a:solidFill>
-                  <a:srgbClr val="3c2154"/>
-                </a:solidFill>
-                <a:uFill>
-                  <a:solidFill>
-                    <a:srgbClr val="ffffff"/>
-                  </a:solidFill>
-                </a:uFill>
-                <a:latin typeface="Verdana"/>
-              </a:rPr>
-              <a:t>:</a:t>
+              <a:t>Instead of fans waiting months before getting rewards/perks authors offer something immediately available </a:t>
             </a:r>
             <a:endParaRPr b="0" lang="en-US" sz="1800" spc="-1" strike="noStrike">
               <a:solidFill>
@@ -7314,313 +7252,6 @@
             </a:endParaRPr>
           </a:p>
           <a:p>
-            <a:pPr>
-              <a:lnSpc>
-                <a:spcPct val="100000"/>
-              </a:lnSpc>
-            </a:pPr>
-            <a:r>
-              <a:rPr b="0" lang="en-US" sz="2400" spc="-1" strike="noStrike">
-                <a:solidFill>
-                  <a:srgbClr val="3c2154"/>
-                </a:solidFill>
-                <a:uFill>
-                  <a:solidFill>
-                    <a:srgbClr val="ffffff"/>
-                  </a:solidFill>
-                </a:uFill>
-                <a:latin typeface="Verdana"/>
-              </a:rPr>
-              <a:t>Get featured in sidebars, home page </a:t>
-            </a:r>
-            <a:endParaRPr b="0" lang="en-US" sz="1800" spc="-1" strike="noStrike">
-              <a:solidFill>
-                <a:srgbClr val="000000"/>
-              </a:solidFill>
-              <a:uFill>
-                <a:solidFill>
-                  <a:srgbClr val="ffffff"/>
-                </a:solidFill>
-              </a:uFill>
-              <a:latin typeface="Arial"/>
-            </a:endParaRPr>
-          </a:p>
-          <a:p>
-            <a:pPr>
-              <a:lnSpc>
-                <a:spcPct val="100000"/>
-              </a:lnSpc>
-            </a:pPr>
-            <a:r>
-              <a:rPr b="0" lang="en-US" sz="2400" spc="-1" strike="noStrike">
-                <a:solidFill>
-                  <a:srgbClr val="3c2154"/>
-                </a:solidFill>
-                <a:uFill>
-                  <a:solidFill>
-                    <a:srgbClr val="ffffff"/>
-                  </a:solidFill>
-                </a:uFill>
-                <a:latin typeface="Verdana"/>
-              </a:rPr>
-              <a:t>Livestreaming</a:t>
-            </a:r>
-            <a:endParaRPr b="0" lang="en-US" sz="1800" spc="-1" strike="noStrike">
-              <a:solidFill>
-                <a:srgbClr val="000000"/>
-              </a:solidFill>
-              <a:uFill>
-                <a:solidFill>
-                  <a:srgbClr val="ffffff"/>
-                </a:solidFill>
-              </a:uFill>
-              <a:latin typeface="Arial"/>
-            </a:endParaRPr>
-          </a:p>
-          <a:p>
-            <a:pPr>
-              <a:lnSpc>
-                <a:spcPct val="100000"/>
-              </a:lnSpc>
-            </a:pPr>
-            <a:r>
-              <a:rPr b="0" lang="en-US" sz="2400" spc="-1" strike="noStrike">
-                <a:solidFill>
-                  <a:srgbClr val="3c2154"/>
-                </a:solidFill>
-                <a:uFill>
-                  <a:solidFill>
-                    <a:srgbClr val="ffffff"/>
-                  </a:solidFill>
-                </a:uFill>
-                <a:latin typeface="Verdana"/>
-              </a:rPr>
-              <a:t>Maintaining fan email notifications</a:t>
-            </a:r>
-            <a:endParaRPr b="0" lang="en-US" sz="1800" spc="-1" strike="noStrike">
-              <a:solidFill>
-                <a:srgbClr val="000000"/>
-              </a:solidFill>
-              <a:uFill>
-                <a:solidFill>
-                  <a:srgbClr val="ffffff"/>
-                </a:solidFill>
-              </a:uFill>
-              <a:latin typeface="Arial"/>
-            </a:endParaRPr>
-          </a:p>
-          <a:p>
-            <a:pPr>
-              <a:lnSpc>
-                <a:spcPct val="100000"/>
-              </a:lnSpc>
-            </a:pPr>
-            <a:r>
-              <a:rPr b="0" lang="en-US" sz="2400" spc="-1" strike="noStrike">
-                <a:solidFill>
-                  <a:srgbClr val="3c2154"/>
-                </a:solidFill>
-                <a:uFill>
-                  <a:solidFill>
-                    <a:srgbClr val="ffffff"/>
-                  </a:solidFill>
-                </a:uFill>
-                <a:latin typeface="Verdana"/>
-              </a:rPr>
-              <a:t>Event rsvps </a:t>
-            </a:r>
-            <a:endParaRPr b="0" lang="en-US" sz="1800" spc="-1" strike="noStrike">
-              <a:solidFill>
-                <a:srgbClr val="000000"/>
-              </a:solidFill>
-              <a:uFill>
-                <a:solidFill>
-                  <a:srgbClr val="ffffff"/>
-                </a:solidFill>
-              </a:uFill>
-              <a:latin typeface="Arial"/>
-            </a:endParaRPr>
-          </a:p>
-          <a:p>
-            <a:pPr>
-              <a:lnSpc>
-                <a:spcPct val="100000"/>
-              </a:lnSpc>
-            </a:pPr>
-            <a:endParaRPr b="0" lang="en-US" sz="1800" spc="-1" strike="noStrike">
-              <a:solidFill>
-                <a:srgbClr val="000000"/>
-              </a:solidFill>
-              <a:uFill>
-                <a:solidFill>
-                  <a:srgbClr val="ffffff"/>
-                </a:solidFill>
-              </a:uFill>
-              <a:latin typeface="Arial"/>
-            </a:endParaRPr>
-          </a:p>
-          <a:p>
-            <a:pPr>
-              <a:lnSpc>
-                <a:spcPct val="100000"/>
-              </a:lnSpc>
-            </a:pPr>
-            <a:r>
-              <a:rPr b="0" i="1" lang="en-US" sz="2400" spc="-1" strike="noStrike">
-                <a:solidFill>
-                  <a:srgbClr val="3c2154"/>
-                </a:solidFill>
-                <a:uFill>
-                  <a:solidFill>
-                    <a:srgbClr val="ffffff"/>
-                  </a:solidFill>
-                </a:uFill>
-                <a:latin typeface="Verdana"/>
-              </a:rPr>
-              <a:t>Fans</a:t>
-            </a:r>
-            <a:r>
-              <a:rPr b="0" lang="en-US" sz="2400" spc="-1" strike="noStrike">
-                <a:solidFill>
-                  <a:srgbClr val="3c2154"/>
-                </a:solidFill>
-                <a:uFill>
-                  <a:solidFill>
-                    <a:srgbClr val="ffffff"/>
-                  </a:solidFill>
-                </a:uFill>
-                <a:latin typeface="Verdana"/>
-              </a:rPr>
-              <a:t>:</a:t>
-            </a:r>
-            <a:endParaRPr b="0" lang="en-US" sz="1800" spc="-1" strike="noStrike">
-              <a:solidFill>
-                <a:srgbClr val="000000"/>
-              </a:solidFill>
-              <a:uFill>
-                <a:solidFill>
-                  <a:srgbClr val="ffffff"/>
-                </a:solidFill>
-              </a:uFill>
-              <a:latin typeface="Arial"/>
-            </a:endParaRPr>
-          </a:p>
-          <a:p>
-            <a:pPr>
-              <a:lnSpc>
-                <a:spcPct val="100000"/>
-              </a:lnSpc>
-            </a:pPr>
-            <a:r>
-              <a:rPr b="0" lang="en-US" sz="2400" spc="-1" strike="noStrike">
-                <a:solidFill>
-                  <a:srgbClr val="3c2154"/>
-                </a:solidFill>
-                <a:uFill>
-                  <a:solidFill>
-                    <a:srgbClr val="ffffff"/>
-                  </a:solidFill>
-                </a:uFill>
-                <a:latin typeface="Verdana"/>
-              </a:rPr>
-              <a:t>Premium content</a:t>
-            </a:r>
-            <a:endParaRPr b="0" lang="en-US" sz="1800" spc="-1" strike="noStrike">
-              <a:solidFill>
-                <a:srgbClr val="000000"/>
-              </a:solidFill>
-              <a:uFill>
-                <a:solidFill>
-                  <a:srgbClr val="ffffff"/>
-                </a:solidFill>
-              </a:uFill>
-              <a:latin typeface="Arial"/>
-            </a:endParaRPr>
-          </a:p>
-          <a:p>
-            <a:pPr>
-              <a:lnSpc>
-                <a:spcPct val="100000"/>
-              </a:lnSpc>
-            </a:pPr>
-            <a:r>
-              <a:rPr b="0" lang="en-US" sz="2400" spc="-1" strike="noStrike">
-                <a:solidFill>
-                  <a:srgbClr val="3c2154"/>
-                </a:solidFill>
-                <a:uFill>
-                  <a:solidFill>
-                    <a:srgbClr val="ffffff"/>
-                  </a:solidFill>
-                </a:uFill>
-                <a:latin typeface="Verdana"/>
-              </a:rPr>
-              <a:t>Featured reviews</a:t>
-            </a:r>
-            <a:endParaRPr b="0" lang="en-US" sz="1800" spc="-1" strike="noStrike">
-              <a:solidFill>
-                <a:srgbClr val="000000"/>
-              </a:solidFill>
-              <a:uFill>
-                <a:solidFill>
-                  <a:srgbClr val="ffffff"/>
-                </a:solidFill>
-              </a:uFill>
-              <a:latin typeface="Arial"/>
-            </a:endParaRPr>
-          </a:p>
-          <a:p>
-            <a:pPr>
-              <a:lnSpc>
-                <a:spcPct val="100000"/>
-              </a:lnSpc>
-            </a:pPr>
-            <a:r>
-              <a:rPr b="0" lang="en-US" sz="2400" spc="-1" strike="noStrike">
-                <a:solidFill>
-                  <a:srgbClr val="3c2154"/>
-                </a:solidFill>
-                <a:uFill>
-                  <a:solidFill>
-                    <a:srgbClr val="ffffff"/>
-                  </a:solidFill>
-                </a:uFill>
-                <a:latin typeface="Verdana"/>
-              </a:rPr>
-              <a:t>Membership discounts.</a:t>
-            </a:r>
-            <a:r>
-              <a:rPr b="0" lang="en-US" sz="1200" spc="-1" strike="noStrike">
-                <a:solidFill>
-                  <a:srgbClr val="3c2154"/>
-                </a:solidFill>
-                <a:uFill>
-                  <a:solidFill>
-                    <a:srgbClr val="ffffff"/>
-                  </a:solidFill>
-                </a:uFill>
-                <a:latin typeface="Verdana"/>
-              </a:rPr>
-              <a:t> </a:t>
-            </a:r>
-            <a:endParaRPr b="0" lang="en-US" sz="1800" spc="-1" strike="noStrike">
-              <a:solidFill>
-                <a:srgbClr val="000000"/>
-              </a:solidFill>
-              <a:uFill>
-                <a:solidFill>
-                  <a:srgbClr val="ffffff"/>
-                </a:solidFill>
-              </a:uFill>
-              <a:latin typeface="Arial"/>
-            </a:endParaRPr>
-          </a:p>
-          <a:p>
-            <a:pPr>
-              <a:lnSpc>
-                <a:spcPct val="100000"/>
-              </a:lnSpc>
-            </a:pPr>
             <a:endParaRPr b="0" lang="en-US" sz="1800" spc="-1" strike="noStrike">
               <a:solidFill>
                 <a:srgbClr val="000000"/>
@@ -7637,7 +7268,7 @@
       </p:sp>
       <p:pic>
         <p:nvPicPr>
-          <p:cNvPr id="103" name="" descr=""/>
+          <p:cNvPr id="105" name="" descr=""/>
           <p:cNvPicPr/>
           <p:nvPr/>
         </p:nvPicPr>
@@ -7647,8 +7278,8 @@
         </p:blipFill>
         <p:spPr>
           <a:xfrm>
-            <a:off x="7513920" y="4679280"/>
-            <a:ext cx="1904040" cy="1904040"/>
+            <a:off x="1828800" y="0"/>
+            <a:ext cx="1903320" cy="1903320"/>
           </a:xfrm>
           <a:prstGeom prst="rect">
             <a:avLst/>
@@ -7709,14 +7340,14 @@
       </p:grpSpPr>
       <p:sp>
         <p:nvSpPr>
-          <p:cNvPr id="104" name="CustomShape 1"/>
+          <p:cNvPr id="106" name="CustomShape 1"/>
           <p:cNvSpPr/>
           <p:nvPr/>
         </p:nvSpPr>
         <p:spPr>
           <a:xfrm>
-            <a:off x="457200" y="118440"/>
-            <a:ext cx="7816680" cy="887040"/>
+            <a:off x="504000" y="301320"/>
+            <a:ext cx="9070560" cy="1261080"/>
           </a:xfrm>
           <a:prstGeom prst="rect">
             <a:avLst/>
@@ -7746,8 +7377,9 @@
                   </a:solidFill>
                 </a:uFill>
                 <a:latin typeface="Verdana"/>
+                <a:ea typeface="DejaVu Sans"/>
               </a:rPr>
-              <a:t>Market Adoption</a:t>
+              <a:t>Market Validation</a:t>
             </a:r>
             <a:endParaRPr b="0" lang="en-US" sz="1800" spc="-1" strike="noStrike">
               <a:solidFill>
@@ -7763,9 +7395,202 @@
           </a:p>
         </p:txBody>
       </p:sp>
+      <p:sp>
+        <p:nvSpPr>
+          <p:cNvPr id="107" name="CustomShape 2"/>
+          <p:cNvSpPr/>
+          <p:nvPr/>
+        </p:nvSpPr>
+        <p:spPr>
+          <a:xfrm>
+            <a:off x="163440" y="1769040"/>
+            <a:ext cx="9345240" cy="4444560"/>
+          </a:xfrm>
+          <a:prstGeom prst="rect">
+            <a:avLst/>
+          </a:prstGeom>
+          <a:noFill/>
+          <a:ln>
+            <a:noFill/>
+          </a:ln>
+        </p:spPr>
+        <p:style>
+          <a:lnRef idx="0"/>
+          <a:fillRef idx="0"/>
+          <a:effectRef idx="0"/>
+          <a:fontRef idx="minor"/>
+        </p:style>
+        <p:txBody>
+          <a:bodyPr lIns="0" rIns="0" tIns="0" bIns="0"/>
+          <a:p>
+            <a:r>
+              <a:rPr b="0" lang="en-US" sz="3200" spc="-1" strike="noStrike">
+                <a:solidFill>
+                  <a:srgbClr val="3c2154"/>
+                </a:solidFill>
+                <a:uFill>
+                  <a:solidFill>
+                    <a:srgbClr val="ffffff"/>
+                  </a:solidFill>
+                </a:uFill>
+                <a:latin typeface="Verdana"/>
+                <a:ea typeface="DejaVu Sans"/>
+              </a:rPr>
+              <a:t>Some books do well on kickstarter, indiegogo</a:t>
+            </a:r>
+            <a:endParaRPr b="0" lang="en-US" sz="1800" spc="-1" strike="noStrike">
+              <a:solidFill>
+                <a:srgbClr val="000000"/>
+              </a:solidFill>
+              <a:uFill>
+                <a:solidFill>
+                  <a:srgbClr val="ffffff"/>
+                </a:solidFill>
+              </a:uFill>
+              <a:latin typeface="Arial"/>
+            </a:endParaRPr>
+          </a:p>
+          <a:p>
+            <a:endParaRPr b="0" lang="en-US" sz="1800" spc="-1" strike="noStrike">
+              <a:solidFill>
+                <a:srgbClr val="000000"/>
+              </a:solidFill>
+              <a:uFill>
+                <a:solidFill>
+                  <a:srgbClr val="ffffff"/>
+                </a:solidFill>
+              </a:uFill>
+              <a:latin typeface="Arial"/>
+            </a:endParaRPr>
+          </a:p>
+          <a:p>
+            <a:r>
+              <a:rPr b="0" lang="en-US" sz="3200" spc="-1" strike="noStrike">
+                <a:solidFill>
+                  <a:srgbClr val="3c2154"/>
+                </a:solidFill>
+                <a:uFill>
+                  <a:solidFill>
+                    <a:srgbClr val="ffffff"/>
+                  </a:solidFill>
+                </a:uFill>
+                <a:latin typeface="Verdana"/>
+                <a:ea typeface="DejaVu Sans"/>
+              </a:rPr>
+              <a:t>Self published books on Amazon</a:t>
+            </a:r>
+            <a:endParaRPr b="0" lang="en-US" sz="1800" spc="-1" strike="noStrike">
+              <a:solidFill>
+                <a:srgbClr val="000000"/>
+              </a:solidFill>
+              <a:uFill>
+                <a:solidFill>
+                  <a:srgbClr val="ffffff"/>
+                </a:solidFill>
+              </a:uFill>
+              <a:latin typeface="Arial"/>
+            </a:endParaRPr>
+          </a:p>
+          <a:p>
+            <a:endParaRPr b="0" lang="en-US" sz="1800" spc="-1" strike="noStrike">
+              <a:solidFill>
+                <a:srgbClr val="000000"/>
+              </a:solidFill>
+              <a:uFill>
+                <a:solidFill>
+                  <a:srgbClr val="ffffff"/>
+                </a:solidFill>
+              </a:uFill>
+              <a:latin typeface="Arial"/>
+            </a:endParaRPr>
+          </a:p>
+          <a:p>
+            <a:r>
+              <a:rPr b="0" lang="en-US" sz="3200" spc="-1" strike="noStrike">
+                <a:solidFill>
+                  <a:srgbClr val="3c2154"/>
+                </a:solidFill>
+                <a:uFill>
+                  <a:solidFill>
+                    <a:srgbClr val="ffffff"/>
+                  </a:solidFill>
+                </a:uFill>
+                <a:latin typeface="Verdana"/>
+                <a:ea typeface="DejaVu Sans"/>
+              </a:rPr>
+              <a:t>Artists receive monthly donations from fans on Patreon</a:t>
+            </a:r>
+            <a:endParaRPr b="0" lang="en-US" sz="1800" spc="-1" strike="noStrike">
+              <a:solidFill>
+                <a:srgbClr val="000000"/>
+              </a:solidFill>
+              <a:uFill>
+                <a:solidFill>
+                  <a:srgbClr val="ffffff"/>
+                </a:solidFill>
+              </a:uFill>
+              <a:latin typeface="Arial"/>
+            </a:endParaRPr>
+          </a:p>
+          <a:p>
+            <a:endParaRPr b="0" lang="en-US" sz="1800" spc="-1" strike="noStrike">
+              <a:solidFill>
+                <a:srgbClr val="000000"/>
+              </a:solidFill>
+              <a:uFill>
+                <a:solidFill>
+                  <a:srgbClr val="ffffff"/>
+                </a:solidFill>
+              </a:uFill>
+              <a:latin typeface="Arial"/>
+            </a:endParaRPr>
+          </a:p>
+          <a:p>
+            <a:r>
+              <a:rPr b="0" lang="en-US" sz="3200" spc="-1" strike="noStrike">
+                <a:solidFill>
+                  <a:srgbClr val="3c2154"/>
+                </a:solidFill>
+                <a:uFill>
+                  <a:solidFill>
+                    <a:srgbClr val="ffffff"/>
+                  </a:solidFill>
+                </a:uFill>
+                <a:latin typeface="Verdana"/>
+                <a:ea typeface="DejaVu Sans"/>
+              </a:rPr>
+              <a:t>1200 authors already signed up </a:t>
+            </a:r>
+            <a:endParaRPr b="0" lang="en-US" sz="1800" spc="-1" strike="noStrike">
+              <a:solidFill>
+                <a:srgbClr val="000000"/>
+              </a:solidFill>
+              <a:uFill>
+                <a:solidFill>
+                  <a:srgbClr val="ffffff"/>
+                </a:solidFill>
+              </a:uFill>
+              <a:latin typeface="Arial"/>
+            </a:endParaRPr>
+          </a:p>
+          <a:p>
+            <a:endParaRPr b="0" lang="en-US" sz="1800" spc="-1" strike="noStrike">
+              <a:solidFill>
+                <a:srgbClr val="000000"/>
+              </a:solidFill>
+              <a:uFill>
+                <a:solidFill>
+                  <a:srgbClr val="ffffff"/>
+                </a:solidFill>
+              </a:uFill>
+              <a:latin typeface="Arial"/>
+            </a:endParaRPr>
+          </a:p>
+        </p:txBody>
+      </p:sp>
       <p:pic>
         <p:nvPicPr>
-          <p:cNvPr id="105" name="" descr=""/>
+          <p:cNvPr id="108" name="" descr=""/>
           <p:cNvPicPr/>
           <p:nvPr/>
         </p:nvPicPr>
@@ -7775,8 +7600,8 @@
         </p:blipFill>
         <p:spPr>
           <a:xfrm>
-            <a:off x="7605360" y="5655600"/>
-            <a:ext cx="1904040" cy="1904040"/>
+            <a:off x="7513920" y="4679280"/>
+            <a:ext cx="1903320" cy="1903320"/>
           </a:xfrm>
           <a:prstGeom prst="rect">
             <a:avLst/>
@@ -7786,306 +7611,6 @@
           </a:ln>
         </p:spPr>
       </p:pic>
-      <p:sp>
-        <p:nvSpPr>
-          <p:cNvPr id="106" name="CustomShape 2"/>
-          <p:cNvSpPr/>
-          <p:nvPr/>
-        </p:nvSpPr>
-        <p:spPr>
-          <a:xfrm>
-            <a:off x="4846320" y="6353280"/>
-            <a:ext cx="3033720" cy="987840"/>
-          </a:xfrm>
-          <a:prstGeom prst="rect">
-            <a:avLst/>
-          </a:prstGeom>
-          <a:noFill/>
-          <a:ln>
-            <a:noFill/>
-          </a:ln>
-        </p:spPr>
-        <p:style>
-          <a:lnRef idx="0"/>
-          <a:fillRef idx="0"/>
-          <a:effectRef idx="0"/>
-          <a:fontRef idx="minor"/>
-        </p:style>
-        <p:txBody>
-          <a:bodyPr lIns="0" rIns="0" tIns="0" bIns="0"/>
-          <a:p>
-            <a:pPr algn="ctr">
-              <a:lnSpc>
-                <a:spcPct val="100000"/>
-              </a:lnSpc>
-            </a:pPr>
-            <a:r>
-              <a:rPr b="0" lang="en-US" sz="3200" spc="-1" strike="noStrike">
-                <a:solidFill>
-                  <a:srgbClr val="3c2154"/>
-                </a:solidFill>
-                <a:uFill>
-                  <a:solidFill>
-                    <a:srgbClr val="ffffff"/>
-                  </a:solidFill>
-                </a:uFill>
-                <a:latin typeface="Verdana"/>
-              </a:rPr>
-              <a:t>1200 </a:t>
-            </a:r>
-            <a:endParaRPr b="0" lang="en-US" sz="1800" spc="-1" strike="noStrike">
-              <a:solidFill>
-                <a:srgbClr val="000000"/>
-              </a:solidFill>
-              <a:uFill>
-                <a:solidFill>
-                  <a:srgbClr val="ffffff"/>
-                </a:solidFill>
-              </a:uFill>
-              <a:latin typeface="Arial"/>
-            </a:endParaRPr>
-          </a:p>
-          <a:p>
-            <a:pPr>
-              <a:lnSpc>
-                <a:spcPct val="100000"/>
-              </a:lnSpc>
-            </a:pPr>
-            <a:r>
-              <a:rPr b="0" lang="en-US" sz="3200" spc="-1" strike="noStrike">
-                <a:solidFill>
-                  <a:srgbClr val="3c2154"/>
-                </a:solidFill>
-                <a:uFill>
-                  <a:solidFill>
-                    <a:srgbClr val="ffffff"/>
-                  </a:solidFill>
-                </a:uFill>
-                <a:latin typeface="Verdana"/>
-              </a:rPr>
-              <a:t>existing users</a:t>
-            </a:r>
-            <a:endParaRPr b="0" lang="en-US" sz="1800" spc="-1" strike="noStrike">
-              <a:solidFill>
-                <a:srgbClr val="000000"/>
-              </a:solidFill>
-              <a:uFill>
-                <a:solidFill>
-                  <a:srgbClr val="ffffff"/>
-                </a:solidFill>
-              </a:uFill>
-              <a:latin typeface="Arial"/>
-            </a:endParaRPr>
-          </a:p>
-        </p:txBody>
-      </p:sp>
-      <p:sp>
-        <p:nvSpPr>
-          <p:cNvPr id="107" name="CustomShape 3"/>
-          <p:cNvSpPr/>
-          <p:nvPr/>
-        </p:nvSpPr>
-        <p:spPr>
-          <a:xfrm>
-            <a:off x="182880" y="1103040"/>
-            <a:ext cx="2742840" cy="1737000"/>
-          </a:xfrm>
-          <a:prstGeom prst="rect">
-            <a:avLst/>
-          </a:prstGeom>
-          <a:solidFill>
-            <a:srgbClr val="3d2754"/>
-          </a:solidFill>
-          <a:ln>
-            <a:solidFill>
-              <a:srgbClr val="3465a4"/>
-            </a:solidFill>
-          </a:ln>
-        </p:spPr>
-        <p:style>
-          <a:lnRef idx="0"/>
-          <a:fillRef idx="0"/>
-          <a:effectRef idx="0"/>
-          <a:fontRef idx="minor"/>
-        </p:style>
-      </p:sp>
-      <p:sp>
-        <p:nvSpPr>
-          <p:cNvPr id="108" name="CustomShape 4"/>
-          <p:cNvSpPr/>
-          <p:nvPr/>
-        </p:nvSpPr>
-        <p:spPr>
-          <a:xfrm>
-            <a:off x="346320" y="1194480"/>
-            <a:ext cx="2487960" cy="1481760"/>
-          </a:xfrm>
-          <a:prstGeom prst="rect">
-            <a:avLst/>
-          </a:prstGeom>
-          <a:noFill/>
-          <a:ln>
-            <a:noFill/>
-          </a:ln>
-        </p:spPr>
-        <p:style>
-          <a:lnRef idx="0"/>
-          <a:fillRef idx="0"/>
-          <a:effectRef idx="0"/>
-          <a:fontRef idx="minor"/>
-        </p:style>
-        <p:txBody>
-          <a:bodyPr lIns="0" rIns="0" tIns="0" bIns="0"/>
-          <a:p>
-            <a:pPr algn="ctr">
-              <a:lnSpc>
-                <a:spcPct val="100000"/>
-              </a:lnSpc>
-            </a:pPr>
-            <a:r>
-              <a:rPr b="0" lang="en-US" sz="3200" spc="-1" strike="noStrike">
-                <a:solidFill>
-                  <a:srgbClr val="ffffff"/>
-                </a:solidFill>
-                <a:uFill>
-                  <a:solidFill>
-                    <a:srgbClr val="ffffff"/>
-                  </a:solidFill>
-                </a:uFill>
-                <a:latin typeface="Verdana"/>
-              </a:rPr>
-              <a:t>Work with authors </a:t>
-            </a:r>
-            <a:endParaRPr b="0" lang="en-US" sz="1800" spc="-1" strike="noStrike">
-              <a:solidFill>
-                <a:srgbClr val="000000"/>
-              </a:solidFill>
-              <a:uFill>
-                <a:solidFill>
-                  <a:srgbClr val="ffffff"/>
-                </a:solidFill>
-              </a:uFill>
-              <a:latin typeface="Arial"/>
-            </a:endParaRPr>
-          </a:p>
-          <a:p>
-            <a:pPr>
-              <a:lnSpc>
-                <a:spcPct val="100000"/>
-              </a:lnSpc>
-            </a:pPr>
-            <a:r>
-              <a:rPr b="0" lang="en-US" sz="3200" spc="-1" strike="noStrike">
-                <a:solidFill>
-                  <a:srgbClr val="ffffff"/>
-                </a:solidFill>
-                <a:uFill>
-                  <a:solidFill>
-                    <a:srgbClr val="ffffff"/>
-                  </a:solidFill>
-                </a:uFill>
-                <a:latin typeface="Verdana"/>
-              </a:rPr>
-              <a:t>that I know</a:t>
-            </a:r>
-            <a:endParaRPr b="0" lang="en-US" sz="1800" spc="-1" strike="noStrike">
-              <a:solidFill>
-                <a:srgbClr val="000000"/>
-              </a:solidFill>
-              <a:uFill>
-                <a:solidFill>
-                  <a:srgbClr val="ffffff"/>
-                </a:solidFill>
-              </a:uFill>
-              <a:latin typeface="Arial"/>
-            </a:endParaRPr>
-          </a:p>
-        </p:txBody>
-      </p:sp>
-      <p:pic>
-        <p:nvPicPr>
-          <p:cNvPr id="109" name="" descr=""/>
-          <p:cNvPicPr/>
-          <p:nvPr/>
-        </p:nvPicPr>
-        <p:blipFill>
-          <a:blip r:embed="rId2"/>
-          <a:stretch/>
-        </p:blipFill>
-        <p:spPr>
-          <a:xfrm>
-            <a:off x="1737360" y="3954960"/>
-            <a:ext cx="5394600" cy="1805400"/>
-          </a:xfrm>
-          <a:prstGeom prst="rect">
-            <a:avLst/>
-          </a:prstGeom>
-          <a:ln>
-            <a:noFill/>
-          </a:ln>
-        </p:spPr>
-      </p:pic>
-      <p:sp>
-        <p:nvSpPr>
-          <p:cNvPr id="110" name="CustomShape 5"/>
-          <p:cNvSpPr/>
-          <p:nvPr/>
-        </p:nvSpPr>
-        <p:spPr>
-          <a:xfrm>
-            <a:off x="2468880" y="2926080"/>
-            <a:ext cx="3931560" cy="1188360"/>
-          </a:xfrm>
-          <a:prstGeom prst="rect">
-            <a:avLst/>
-          </a:prstGeom>
-          <a:noFill/>
-          <a:ln>
-            <a:noFill/>
-          </a:ln>
-        </p:spPr>
-        <p:style>
-          <a:lnRef idx="0"/>
-          <a:fillRef idx="0"/>
-          <a:effectRef idx="0"/>
-          <a:fontRef idx="minor"/>
-        </p:style>
-        <p:txBody>
-          <a:bodyPr lIns="0" rIns="0" tIns="0" bIns="0"/>
-          <a:p>
-            <a:pPr algn="ctr">
-              <a:lnSpc>
-                <a:spcPct val="100000"/>
-              </a:lnSpc>
-            </a:pPr>
-            <a:r>
-              <a:rPr b="0" lang="en-US" sz="3200" spc="-1" strike="noStrike">
-                <a:solidFill>
-                  <a:srgbClr val="3c2154"/>
-                </a:solidFill>
-                <a:uFill>
-                  <a:solidFill>
-                    <a:srgbClr val="ffffff"/>
-                  </a:solidFill>
-                </a:uFill>
-                <a:latin typeface="Verdana"/>
-              </a:rPr>
-              <a:t>Lisa’s 80s Catholic High School Movie</a:t>
-            </a:r>
-            <a:endParaRPr b="0" lang="en-US" sz="1800" spc="-1" strike="noStrike">
-              <a:solidFill>
-                <a:srgbClr val="000000"/>
-              </a:solidFill>
-              <a:uFill>
-                <a:solidFill>
-                  <a:srgbClr val="ffffff"/>
-                </a:solidFill>
-              </a:uFill>
-              <a:latin typeface="Arial"/>
-            </a:endParaRPr>
-          </a:p>
-        </p:txBody>
-      </p:sp>
     </p:spTree>
   </p:cSld>
   <p:timing>
